--- a/media/dataflow.pptx
+++ b/media/dataflow.pptx
@@ -1,114 +1,19 @@
 
 <file path=ppt/presentation.xml><?xml version="1.0" encoding="utf-8"?>
-<p:presentation xmlns:a="http://schemas.openxmlformats.org/drawingml/2006/main" xmlns:r="http://schemas.openxmlformats.org/officeDocument/2006/relationships" xmlns:p="http://schemas.openxmlformats.org/presentationml/2006/main">
+<p:presentation xmlns:a="http://schemas.openxmlformats.org/drawingml/2006/main" xmlns:p="http://schemas.openxmlformats.org/presentationml/2006/main" xmlns:r="http://schemas.openxmlformats.org/officeDocument/2006/relationships" xmlns:p14="http://schemas.microsoft.com/office/powerpoint/2010/main" xmlns:p15="http://schemas.microsoft.com/office/powerpoint/2012/main" xmlns:mc="http://schemas.openxmlformats.org/markup-compatibility/2006">
   <p:sldMasterIdLst>
-    <p:sldMasterId id="2147483648" r:id="rId1"/>
+    <p:sldMasterId id="2147483648" r:id="rId2"/>
   </p:sldMasterIdLst>
   <p:sldIdLst>
-    <p:sldId id="256" r:id="rId2"/>
+    <p:sldId id="256" r:id="rId3"/>
   </p:sldIdLst>
   <p:sldSz cx="10080625" cy="7559675"/>
   <p:notesSz cx="7772400" cy="10058400"/>
-  <p:defaultTextStyle>
-    <a:defPPr>
-      <a:defRPr lang="en-US"/>
-    </a:defPPr>
-    <a:lvl1pPr marL="0" algn="l" defTabSz="914400" rtl="0" eaLnBrk="1" latinLnBrk="0" hangingPunct="1">
-      <a:defRPr sz="1800" kern="1200">
-        <a:solidFill>
-          <a:schemeClr val="tx1"/>
-        </a:solidFill>
-        <a:latin typeface="+mn-lt"/>
-        <a:ea typeface="+mn-ea"/>
-        <a:cs typeface="+mn-cs"/>
-      </a:defRPr>
-    </a:lvl1pPr>
-    <a:lvl2pPr marL="457200" algn="l" defTabSz="914400" rtl="0" eaLnBrk="1" latinLnBrk="0" hangingPunct="1">
-      <a:defRPr sz="1800" kern="1200">
-        <a:solidFill>
-          <a:schemeClr val="tx1"/>
-        </a:solidFill>
-        <a:latin typeface="+mn-lt"/>
-        <a:ea typeface="+mn-ea"/>
-        <a:cs typeface="+mn-cs"/>
-      </a:defRPr>
-    </a:lvl2pPr>
-    <a:lvl3pPr marL="914400" algn="l" defTabSz="914400" rtl="0" eaLnBrk="1" latinLnBrk="0" hangingPunct="1">
-      <a:defRPr sz="1800" kern="1200">
-        <a:solidFill>
-          <a:schemeClr val="tx1"/>
-        </a:solidFill>
-        <a:latin typeface="+mn-lt"/>
-        <a:ea typeface="+mn-ea"/>
-        <a:cs typeface="+mn-cs"/>
-      </a:defRPr>
-    </a:lvl3pPr>
-    <a:lvl4pPr marL="1371600" algn="l" defTabSz="914400" rtl="0" eaLnBrk="1" latinLnBrk="0" hangingPunct="1">
-      <a:defRPr sz="1800" kern="1200">
-        <a:solidFill>
-          <a:schemeClr val="tx1"/>
-        </a:solidFill>
-        <a:latin typeface="+mn-lt"/>
-        <a:ea typeface="+mn-ea"/>
-        <a:cs typeface="+mn-cs"/>
-      </a:defRPr>
-    </a:lvl4pPr>
-    <a:lvl5pPr marL="1828800" algn="l" defTabSz="914400" rtl="0" eaLnBrk="1" latinLnBrk="0" hangingPunct="1">
-      <a:defRPr sz="1800" kern="1200">
-        <a:solidFill>
-          <a:schemeClr val="tx1"/>
-        </a:solidFill>
-        <a:latin typeface="+mn-lt"/>
-        <a:ea typeface="+mn-ea"/>
-        <a:cs typeface="+mn-cs"/>
-      </a:defRPr>
-    </a:lvl5pPr>
-    <a:lvl6pPr marL="2286000" algn="l" defTabSz="914400" rtl="0" eaLnBrk="1" latinLnBrk="0" hangingPunct="1">
-      <a:defRPr sz="1800" kern="1200">
-        <a:solidFill>
-          <a:schemeClr val="tx1"/>
-        </a:solidFill>
-        <a:latin typeface="+mn-lt"/>
-        <a:ea typeface="+mn-ea"/>
-        <a:cs typeface="+mn-cs"/>
-      </a:defRPr>
-    </a:lvl6pPr>
-    <a:lvl7pPr marL="2743200" algn="l" defTabSz="914400" rtl="0" eaLnBrk="1" latinLnBrk="0" hangingPunct="1">
-      <a:defRPr sz="1800" kern="1200">
-        <a:solidFill>
-          <a:schemeClr val="tx1"/>
-        </a:solidFill>
-        <a:latin typeface="+mn-lt"/>
-        <a:ea typeface="+mn-ea"/>
-        <a:cs typeface="+mn-cs"/>
-      </a:defRPr>
-    </a:lvl7pPr>
-    <a:lvl8pPr marL="3200400" algn="l" defTabSz="914400" rtl="0" eaLnBrk="1" latinLnBrk="0" hangingPunct="1">
-      <a:defRPr sz="1800" kern="1200">
-        <a:solidFill>
-          <a:schemeClr val="tx1"/>
-        </a:solidFill>
-        <a:latin typeface="+mn-lt"/>
-        <a:ea typeface="+mn-ea"/>
-        <a:cs typeface="+mn-cs"/>
-      </a:defRPr>
-    </a:lvl8pPr>
-    <a:lvl9pPr marL="3657600" algn="l" defTabSz="914400" rtl="0" eaLnBrk="1" latinLnBrk="0" hangingPunct="1">
-      <a:defRPr sz="1800" kern="1200">
-        <a:solidFill>
-          <a:schemeClr val="tx1"/>
-        </a:solidFill>
-        <a:latin typeface="+mn-lt"/>
-        <a:ea typeface="+mn-ea"/>
-        <a:cs typeface="+mn-cs"/>
-      </a:defRPr>
-    </a:lvl9pPr>
-  </p:defaultTextStyle>
 </p:presentation>
 </file>
 
 <file path=ppt/slideLayouts/slideLayout1.xml><?xml version="1.0" encoding="utf-8"?>
-<p:sldLayout xmlns:a="http://schemas.openxmlformats.org/drawingml/2006/main" xmlns:r="http://schemas.openxmlformats.org/officeDocument/2006/relationships" xmlns:p="http://schemas.openxmlformats.org/presentationml/2006/main" type="blank" preserve="1">
+<p:sldLayout xmlns:a="http://schemas.openxmlformats.org/drawingml/2006/main" xmlns:p="http://schemas.openxmlformats.org/presentationml/2006/main" xmlns:r="http://schemas.openxmlformats.org/officeDocument/2006/relationships" xmlns:p14="http://schemas.microsoft.com/office/powerpoint/2010/main" xmlns:p15="http://schemas.microsoft.com/office/powerpoint/2012/main" xmlns:mc="http://schemas.openxmlformats.org/markup-compatibility/2006" type="blank" preserve="1">
   <p:cSld name="Blank Slide">
     <p:spTree>
       <p:nvGrpSpPr>
@@ -126,14 +31,11 @@
       </p:grpSpPr>
     </p:spTree>
   </p:cSld>
-  <p:clrMapOvr>
-    <a:masterClrMapping/>
-  </p:clrMapOvr>
 </p:sldLayout>
 </file>
 
 <file path=ppt/slideLayouts/slideLayout10.xml><?xml version="1.0" encoding="utf-8"?>
-<p:sldLayout xmlns:a="http://schemas.openxmlformats.org/drawingml/2006/main" xmlns:r="http://schemas.openxmlformats.org/officeDocument/2006/relationships" xmlns:p="http://schemas.openxmlformats.org/presentationml/2006/main" type="objOverTx" preserve="1">
+<p:sldLayout xmlns:a="http://schemas.openxmlformats.org/drawingml/2006/main" xmlns:p="http://schemas.openxmlformats.org/presentationml/2006/main" xmlns:r="http://schemas.openxmlformats.org/officeDocument/2006/relationships" xmlns:p14="http://schemas.microsoft.com/office/powerpoint/2010/main" xmlns:p15="http://schemas.microsoft.com/office/powerpoint/2012/main" xmlns:mc="http://schemas.openxmlformats.org/markup-compatibility/2006" type="objOverTx" preserve="1">
   <p:cSld name="Title, Content over Content">
     <p:spTree>
       <p:nvGrpSpPr>
@@ -162,17 +64,18 @@
         <p:spPr>
           <a:xfrm>
             <a:off x="504000" y="301320"/>
-            <a:ext cx="9071280" cy="1261800"/>
-          </a:xfrm>
-          <a:prstGeom prst="rect">
-            <a:avLst/>
-          </a:prstGeom>
-        </p:spPr>
-        <p:txBody>
-          <a:bodyPr lIns="0" tIns="0" rIns="0" bIns="0" anchor="ctr"/>
-          <a:lstStyle/>
-          <a:p>
-            <a:endParaRPr lang="en-US" sz="1800" b="0" strike="noStrike" spc="-1">
+            <a:ext cx="9070920" cy="1261440"/>
+          </a:xfrm>
+          <a:prstGeom prst="rect">
+            <a:avLst/>
+          </a:prstGeom>
+        </p:spPr>
+        <p:txBody>
+          <a:bodyPr lIns="0" rIns="0" tIns="0" bIns="0" anchor="ctr">
+            <a:noAutofit/>
+          </a:bodyPr>
+          <a:p>
+            <a:endParaRPr b="0" lang="en-US" sz="1800" spc="-1" strike="noStrike">
               <a:solidFill>
                 <a:srgbClr val="000000"/>
               </a:solidFill>
@@ -194,19 +97,18 @@
         <p:spPr>
           <a:xfrm>
             <a:off x="504000" y="1768680"/>
-            <a:ext cx="9072000" cy="2090880"/>
-          </a:xfrm>
-          <a:prstGeom prst="rect">
-            <a:avLst/>
-          </a:prstGeom>
-        </p:spPr>
-        <p:txBody>
-          <a:bodyPr lIns="0" tIns="0" rIns="0" bIns="0">
+            <a:ext cx="9071640" cy="2090880"/>
+          </a:xfrm>
+          <a:prstGeom prst="rect">
+            <a:avLst/>
+          </a:prstGeom>
+        </p:spPr>
+        <p:txBody>
+          <a:bodyPr lIns="0" rIns="0" tIns="0" bIns="0">
             <a:normAutofit/>
           </a:bodyPr>
-          <a:lstStyle/>
-          <a:p>
-            <a:endParaRPr lang="en-US" sz="2800" b="0" strike="noStrike" spc="-1">
+          <a:p>
+            <a:endParaRPr b="0" lang="en-US" sz="2800" spc="-1" strike="noStrike">
               <a:solidFill>
                 <a:srgbClr val="000000"/>
               </a:solidFill>
@@ -228,19 +130,18 @@
         <p:spPr>
           <a:xfrm>
             <a:off x="504000" y="4058640"/>
-            <a:ext cx="9072000" cy="2090880"/>
-          </a:xfrm>
-          <a:prstGeom prst="rect">
-            <a:avLst/>
-          </a:prstGeom>
-        </p:spPr>
-        <p:txBody>
-          <a:bodyPr lIns="0" tIns="0" rIns="0" bIns="0">
+            <a:ext cx="9071640" cy="2090880"/>
+          </a:xfrm>
+          <a:prstGeom prst="rect">
+            <a:avLst/>
+          </a:prstGeom>
+        </p:spPr>
+        <p:txBody>
+          <a:bodyPr lIns="0" rIns="0" tIns="0" bIns="0">
             <a:normAutofit/>
           </a:bodyPr>
-          <a:lstStyle/>
-          <a:p>
-            <a:endParaRPr lang="en-US" sz="2800" b="0" strike="noStrike" spc="-1">
+          <a:p>
+            <a:endParaRPr b="0" lang="en-US" sz="2800" spc="-1" strike="noStrike">
               <a:solidFill>
                 <a:srgbClr val="000000"/>
               </a:solidFill>
@@ -251,14 +152,11 @@
       </p:sp>
     </p:spTree>
   </p:cSld>
-  <p:clrMapOvr>
-    <a:masterClrMapping/>
-  </p:clrMapOvr>
 </p:sldLayout>
 </file>
 
 <file path=ppt/slideLayouts/slideLayout11.xml><?xml version="1.0" encoding="utf-8"?>
-<p:sldLayout xmlns:a="http://schemas.openxmlformats.org/drawingml/2006/main" xmlns:r="http://schemas.openxmlformats.org/officeDocument/2006/relationships" xmlns:p="http://schemas.openxmlformats.org/presentationml/2006/main" type="fourObj" preserve="1">
+<p:sldLayout xmlns:a="http://schemas.openxmlformats.org/drawingml/2006/main" xmlns:p="http://schemas.openxmlformats.org/presentationml/2006/main" xmlns:r="http://schemas.openxmlformats.org/officeDocument/2006/relationships" xmlns:p14="http://schemas.microsoft.com/office/powerpoint/2010/main" xmlns:p15="http://schemas.microsoft.com/office/powerpoint/2012/main" xmlns:mc="http://schemas.openxmlformats.org/markup-compatibility/2006" type="fourObj" preserve="1">
   <p:cSld name="Title, 4 Content">
     <p:spTree>
       <p:nvGrpSpPr>
@@ -287,17 +185,18 @@
         <p:spPr>
           <a:xfrm>
             <a:off x="504000" y="301320"/>
-            <a:ext cx="9071280" cy="1261800"/>
-          </a:xfrm>
-          <a:prstGeom prst="rect">
-            <a:avLst/>
-          </a:prstGeom>
-        </p:spPr>
-        <p:txBody>
-          <a:bodyPr lIns="0" tIns="0" rIns="0" bIns="0" anchor="ctr"/>
-          <a:lstStyle/>
-          <a:p>
-            <a:endParaRPr lang="en-US" sz="1800" b="0" strike="noStrike" spc="-1">
+            <a:ext cx="9070920" cy="1261440"/>
+          </a:xfrm>
+          <a:prstGeom prst="rect">
+            <a:avLst/>
+          </a:prstGeom>
+        </p:spPr>
+        <p:txBody>
+          <a:bodyPr lIns="0" rIns="0" tIns="0" bIns="0" anchor="ctr">
+            <a:noAutofit/>
+          </a:bodyPr>
+          <a:p>
+            <a:endParaRPr b="0" lang="en-US" sz="1800" spc="-1" strike="noStrike">
               <a:solidFill>
                 <a:srgbClr val="000000"/>
               </a:solidFill>
@@ -326,12 +225,11 @@
           </a:prstGeom>
         </p:spPr>
         <p:txBody>
-          <a:bodyPr lIns="0" tIns="0" rIns="0" bIns="0">
+          <a:bodyPr lIns="0" rIns="0" tIns="0" bIns="0">
             <a:normAutofit/>
           </a:bodyPr>
-          <a:lstStyle/>
-          <a:p>
-            <a:endParaRPr lang="en-US" sz="2800" b="0" strike="noStrike" spc="-1">
+          <a:p>
+            <a:endParaRPr b="0" lang="en-US" sz="2800" spc="-1" strike="noStrike">
               <a:solidFill>
                 <a:srgbClr val="000000"/>
               </a:solidFill>
@@ -360,12 +258,11 @@
           </a:prstGeom>
         </p:spPr>
         <p:txBody>
-          <a:bodyPr lIns="0" tIns="0" rIns="0" bIns="0">
+          <a:bodyPr lIns="0" rIns="0" tIns="0" bIns="0">
             <a:normAutofit/>
           </a:bodyPr>
-          <a:lstStyle/>
-          <a:p>
-            <a:endParaRPr lang="en-US" sz="2800" b="0" strike="noStrike" spc="-1">
+          <a:p>
+            <a:endParaRPr b="0" lang="en-US" sz="2800" spc="-1" strike="noStrike">
               <a:solidFill>
                 <a:srgbClr val="000000"/>
               </a:solidFill>
@@ -394,12 +291,11 @@
           </a:prstGeom>
         </p:spPr>
         <p:txBody>
-          <a:bodyPr lIns="0" tIns="0" rIns="0" bIns="0">
+          <a:bodyPr lIns="0" rIns="0" tIns="0" bIns="0">
             <a:normAutofit/>
           </a:bodyPr>
-          <a:lstStyle/>
-          <a:p>
-            <a:endParaRPr lang="en-US" sz="2800" b="0" strike="noStrike" spc="-1">
+          <a:p>
+            <a:endParaRPr b="0" lang="en-US" sz="2800" spc="-1" strike="noStrike">
               <a:solidFill>
                 <a:srgbClr val="000000"/>
               </a:solidFill>
@@ -428,12 +324,11 @@
           </a:prstGeom>
         </p:spPr>
         <p:txBody>
-          <a:bodyPr lIns="0" tIns="0" rIns="0" bIns="0">
+          <a:bodyPr lIns="0" rIns="0" tIns="0" bIns="0">
             <a:normAutofit/>
           </a:bodyPr>
-          <a:lstStyle/>
-          <a:p>
-            <a:endParaRPr lang="en-US" sz="2800" b="0" strike="noStrike" spc="-1">
+          <a:p>
+            <a:endParaRPr b="0" lang="en-US" sz="2800" spc="-1" strike="noStrike">
               <a:solidFill>
                 <a:srgbClr val="000000"/>
               </a:solidFill>
@@ -444,14 +339,11 @@
       </p:sp>
     </p:spTree>
   </p:cSld>
-  <p:clrMapOvr>
-    <a:masterClrMapping/>
-  </p:clrMapOvr>
 </p:sldLayout>
 </file>
 
 <file path=ppt/slideLayouts/slideLayout12.xml><?xml version="1.0" encoding="utf-8"?>
-<p:sldLayout xmlns:a="http://schemas.openxmlformats.org/drawingml/2006/main" xmlns:r="http://schemas.openxmlformats.org/officeDocument/2006/relationships" xmlns:p="http://schemas.openxmlformats.org/presentationml/2006/main" type="blank" preserve="1">
+<p:sldLayout xmlns:a="http://schemas.openxmlformats.org/drawingml/2006/main" xmlns:p="http://schemas.openxmlformats.org/presentationml/2006/main" xmlns:r="http://schemas.openxmlformats.org/officeDocument/2006/relationships" xmlns:p14="http://schemas.microsoft.com/office/powerpoint/2010/main" xmlns:p15="http://schemas.microsoft.com/office/powerpoint/2012/main" xmlns:mc="http://schemas.openxmlformats.org/markup-compatibility/2006" type="blank" preserve="1">
   <p:cSld name="Title, 6 Content">
     <p:spTree>
       <p:nvGrpSpPr>
@@ -480,17 +372,18 @@
         <p:spPr>
           <a:xfrm>
             <a:off x="504000" y="301320"/>
-            <a:ext cx="9071280" cy="1261800"/>
-          </a:xfrm>
-          <a:prstGeom prst="rect">
-            <a:avLst/>
-          </a:prstGeom>
-        </p:spPr>
-        <p:txBody>
-          <a:bodyPr lIns="0" tIns="0" rIns="0" bIns="0" anchor="ctr"/>
-          <a:lstStyle/>
-          <a:p>
-            <a:endParaRPr lang="en-US" sz="1800" b="0" strike="noStrike" spc="-1">
+            <a:ext cx="9070920" cy="1261440"/>
+          </a:xfrm>
+          <a:prstGeom prst="rect">
+            <a:avLst/>
+          </a:prstGeom>
+        </p:spPr>
+        <p:txBody>
+          <a:bodyPr lIns="0" rIns="0" tIns="0" bIns="0" anchor="ctr">
+            <a:noAutofit/>
+          </a:bodyPr>
+          <a:p>
+            <a:endParaRPr b="0" lang="en-US" sz="1800" spc="-1" strike="noStrike">
               <a:solidFill>
                 <a:srgbClr val="000000"/>
               </a:solidFill>
@@ -512,19 +405,18 @@
         <p:spPr>
           <a:xfrm>
             <a:off x="504000" y="1768680"/>
-            <a:ext cx="2921040" cy="2090880"/>
-          </a:xfrm>
-          <a:prstGeom prst="rect">
-            <a:avLst/>
-          </a:prstGeom>
-        </p:spPr>
-        <p:txBody>
-          <a:bodyPr lIns="0" tIns="0" rIns="0" bIns="0">
+            <a:ext cx="2920680" cy="2090880"/>
+          </a:xfrm>
+          <a:prstGeom prst="rect">
+            <a:avLst/>
+          </a:prstGeom>
+        </p:spPr>
+        <p:txBody>
+          <a:bodyPr lIns="0" rIns="0" tIns="0" bIns="0">
             <a:normAutofit/>
           </a:bodyPr>
-          <a:lstStyle/>
-          <a:p>
-            <a:endParaRPr lang="en-US" sz="2800" b="0" strike="noStrike" spc="-1">
+          <a:p>
+            <a:endParaRPr b="0" lang="en-US" sz="2800" spc="-1" strike="noStrike">
               <a:solidFill>
                 <a:srgbClr val="000000"/>
               </a:solidFill>
@@ -545,20 +437,19 @@
         </p:nvSpPr>
         <p:spPr>
           <a:xfrm>
-            <a:off x="3571560" y="1768680"/>
-            <a:ext cx="2921040" cy="2090880"/>
-          </a:xfrm>
-          <a:prstGeom prst="rect">
-            <a:avLst/>
-          </a:prstGeom>
-        </p:spPr>
-        <p:txBody>
-          <a:bodyPr lIns="0" tIns="0" rIns="0" bIns="0">
+            <a:off x="3571200" y="1768680"/>
+            <a:ext cx="2920680" cy="2090880"/>
+          </a:xfrm>
+          <a:prstGeom prst="rect">
+            <a:avLst/>
+          </a:prstGeom>
+        </p:spPr>
+        <p:txBody>
+          <a:bodyPr lIns="0" rIns="0" tIns="0" bIns="0">
             <a:normAutofit/>
           </a:bodyPr>
-          <a:lstStyle/>
-          <a:p>
-            <a:endParaRPr lang="en-US" sz="2800" b="0" strike="noStrike" spc="-1">
+          <a:p>
+            <a:endParaRPr b="0" lang="en-US" sz="2800" spc="-1" strike="noStrike">
               <a:solidFill>
                 <a:srgbClr val="000000"/>
               </a:solidFill>
@@ -579,20 +470,19 @@
         </p:nvSpPr>
         <p:spPr>
           <a:xfrm>
-            <a:off x="6639120" y="1768680"/>
-            <a:ext cx="2921040" cy="2090880"/>
-          </a:xfrm>
-          <a:prstGeom prst="rect">
-            <a:avLst/>
-          </a:prstGeom>
-        </p:spPr>
-        <p:txBody>
-          <a:bodyPr lIns="0" tIns="0" rIns="0" bIns="0">
+            <a:off x="6638040" y="1768680"/>
+            <a:ext cx="2920680" cy="2090880"/>
+          </a:xfrm>
+          <a:prstGeom prst="rect">
+            <a:avLst/>
+          </a:prstGeom>
+        </p:spPr>
+        <p:txBody>
+          <a:bodyPr lIns="0" rIns="0" tIns="0" bIns="0">
             <a:normAutofit/>
           </a:bodyPr>
-          <a:lstStyle/>
-          <a:p>
-            <a:endParaRPr lang="en-US" sz="2800" b="0" strike="noStrike" spc="-1">
+          <a:p>
+            <a:endParaRPr b="0" lang="en-US" sz="2800" spc="-1" strike="noStrike">
               <a:solidFill>
                 <a:srgbClr val="000000"/>
               </a:solidFill>
@@ -614,19 +504,18 @@
         <p:spPr>
           <a:xfrm>
             <a:off x="504000" y="4058640"/>
-            <a:ext cx="2921040" cy="2090880"/>
-          </a:xfrm>
-          <a:prstGeom prst="rect">
-            <a:avLst/>
-          </a:prstGeom>
-        </p:spPr>
-        <p:txBody>
-          <a:bodyPr lIns="0" tIns="0" rIns="0" bIns="0">
+            <a:ext cx="2920680" cy="2090880"/>
+          </a:xfrm>
+          <a:prstGeom prst="rect">
+            <a:avLst/>
+          </a:prstGeom>
+        </p:spPr>
+        <p:txBody>
+          <a:bodyPr lIns="0" rIns="0" tIns="0" bIns="0">
             <a:normAutofit/>
           </a:bodyPr>
-          <a:lstStyle/>
-          <a:p>
-            <a:endParaRPr lang="en-US" sz="2800" b="0" strike="noStrike" spc="-1">
+          <a:p>
+            <a:endParaRPr b="0" lang="en-US" sz="2800" spc="-1" strike="noStrike">
               <a:solidFill>
                 <a:srgbClr val="000000"/>
               </a:solidFill>
@@ -647,20 +536,19 @@
         </p:nvSpPr>
         <p:spPr>
           <a:xfrm>
-            <a:off x="3571560" y="4058640"/>
-            <a:ext cx="2921040" cy="2090880"/>
-          </a:xfrm>
-          <a:prstGeom prst="rect">
-            <a:avLst/>
-          </a:prstGeom>
-        </p:spPr>
-        <p:txBody>
-          <a:bodyPr lIns="0" tIns="0" rIns="0" bIns="0">
+            <a:off x="3571200" y="4058640"/>
+            <a:ext cx="2920680" cy="2090880"/>
+          </a:xfrm>
+          <a:prstGeom prst="rect">
+            <a:avLst/>
+          </a:prstGeom>
+        </p:spPr>
+        <p:txBody>
+          <a:bodyPr lIns="0" rIns="0" tIns="0" bIns="0">
             <a:normAutofit/>
           </a:bodyPr>
-          <a:lstStyle/>
-          <a:p>
-            <a:endParaRPr lang="en-US" sz="2800" b="0" strike="noStrike" spc="-1">
+          <a:p>
+            <a:endParaRPr b="0" lang="en-US" sz="2800" spc="-1" strike="noStrike">
               <a:solidFill>
                 <a:srgbClr val="000000"/>
               </a:solidFill>
@@ -681,20 +569,19 @@
         </p:nvSpPr>
         <p:spPr>
           <a:xfrm>
-            <a:off x="6639120" y="4058640"/>
-            <a:ext cx="2921040" cy="2090880"/>
-          </a:xfrm>
-          <a:prstGeom prst="rect">
-            <a:avLst/>
-          </a:prstGeom>
-        </p:spPr>
-        <p:txBody>
-          <a:bodyPr lIns="0" tIns="0" rIns="0" bIns="0">
+            <a:off x="6638040" y="4058640"/>
+            <a:ext cx="2920680" cy="2090880"/>
+          </a:xfrm>
+          <a:prstGeom prst="rect">
+            <a:avLst/>
+          </a:prstGeom>
+        </p:spPr>
+        <p:txBody>
+          <a:bodyPr lIns="0" rIns="0" tIns="0" bIns="0">
             <a:normAutofit/>
           </a:bodyPr>
-          <a:lstStyle/>
-          <a:p>
-            <a:endParaRPr lang="en-US" sz="2800" b="0" strike="noStrike" spc="-1">
+          <a:p>
+            <a:endParaRPr b="0" lang="en-US" sz="2800" spc="-1" strike="noStrike">
               <a:solidFill>
                 <a:srgbClr val="000000"/>
               </a:solidFill>
@@ -705,14 +592,11 @@
       </p:sp>
     </p:spTree>
   </p:cSld>
-  <p:clrMapOvr>
-    <a:masterClrMapping/>
-  </p:clrMapOvr>
 </p:sldLayout>
 </file>
 
 <file path=ppt/slideLayouts/slideLayout2.xml><?xml version="1.0" encoding="utf-8"?>
-<p:sldLayout xmlns:a="http://schemas.openxmlformats.org/drawingml/2006/main" xmlns:r="http://schemas.openxmlformats.org/officeDocument/2006/relationships" xmlns:p="http://schemas.openxmlformats.org/presentationml/2006/main" type="tx" preserve="1">
+<p:sldLayout xmlns:a="http://schemas.openxmlformats.org/drawingml/2006/main" xmlns:p="http://schemas.openxmlformats.org/presentationml/2006/main" xmlns:r="http://schemas.openxmlformats.org/officeDocument/2006/relationships" xmlns:p14="http://schemas.microsoft.com/office/powerpoint/2010/main" xmlns:p15="http://schemas.microsoft.com/office/powerpoint/2012/main" xmlns:mc="http://schemas.openxmlformats.org/markup-compatibility/2006" type="tx" preserve="1">
   <p:cSld name="Title Slide">
     <p:spTree>
       <p:nvGrpSpPr>
@@ -741,17 +625,18 @@
         <p:spPr>
           <a:xfrm>
             <a:off x="504000" y="301320"/>
-            <a:ext cx="9071280" cy="1261800"/>
-          </a:xfrm>
-          <a:prstGeom prst="rect">
-            <a:avLst/>
-          </a:prstGeom>
-        </p:spPr>
-        <p:txBody>
-          <a:bodyPr lIns="0" tIns="0" rIns="0" bIns="0" anchor="ctr"/>
-          <a:lstStyle/>
-          <a:p>
-            <a:endParaRPr lang="en-US" sz="1800" b="0" strike="noStrike" spc="-1">
+            <a:ext cx="9070920" cy="1261440"/>
+          </a:xfrm>
+          <a:prstGeom prst="rect">
+            <a:avLst/>
+          </a:prstGeom>
+        </p:spPr>
+        <p:txBody>
+          <a:bodyPr lIns="0" rIns="0" tIns="0" bIns="0" anchor="ctr">
+            <a:noAutofit/>
+          </a:bodyPr>
+          <a:p>
+            <a:endParaRPr b="0" lang="en-US" sz="1800" spc="-1" strike="noStrike">
               <a:solidFill>
                 <a:srgbClr val="000000"/>
               </a:solidFill>
@@ -773,18 +658,19 @@
         <p:spPr>
           <a:xfrm>
             <a:off x="504000" y="1768680"/>
-            <a:ext cx="9072000" cy="4384080"/>
-          </a:xfrm>
-          <a:prstGeom prst="rect">
-            <a:avLst/>
-          </a:prstGeom>
-        </p:spPr>
-        <p:txBody>
-          <a:bodyPr lIns="0" tIns="0" rIns="0" bIns="0" anchor="ctr"/>
-          <a:lstStyle/>
+            <a:ext cx="9071640" cy="4383720"/>
+          </a:xfrm>
+          <a:prstGeom prst="rect">
+            <a:avLst/>
+          </a:prstGeom>
+        </p:spPr>
+        <p:txBody>
+          <a:bodyPr lIns="0" rIns="0" tIns="0" bIns="0" anchor="ctr">
+            <a:noAutofit/>
+          </a:bodyPr>
           <a:p>
             <a:pPr algn="ctr"/>
-            <a:endParaRPr lang="en-US" sz="3200" b="0" strike="noStrike" spc="-1">
+            <a:endParaRPr b="0" lang="en-US" sz="3200" spc="-1" strike="noStrike">
               <a:latin typeface="Arial"/>
             </a:endParaRPr>
           </a:p>
@@ -792,14 +678,11 @@
       </p:sp>
     </p:spTree>
   </p:cSld>
-  <p:clrMapOvr>
-    <a:masterClrMapping/>
-  </p:clrMapOvr>
 </p:sldLayout>
 </file>
 
 <file path=ppt/slideLayouts/slideLayout3.xml><?xml version="1.0" encoding="utf-8"?>
-<p:sldLayout xmlns:a="http://schemas.openxmlformats.org/drawingml/2006/main" xmlns:r="http://schemas.openxmlformats.org/officeDocument/2006/relationships" xmlns:p="http://schemas.openxmlformats.org/presentationml/2006/main" type="obj" preserve="1">
+<p:sldLayout xmlns:a="http://schemas.openxmlformats.org/drawingml/2006/main" xmlns:p="http://schemas.openxmlformats.org/presentationml/2006/main" xmlns:r="http://schemas.openxmlformats.org/officeDocument/2006/relationships" xmlns:p14="http://schemas.microsoft.com/office/powerpoint/2010/main" xmlns:p15="http://schemas.microsoft.com/office/powerpoint/2012/main" xmlns:mc="http://schemas.openxmlformats.org/markup-compatibility/2006" type="obj" preserve="1">
   <p:cSld name="Title, Content">
     <p:spTree>
       <p:nvGrpSpPr>
@@ -828,17 +711,18 @@
         <p:spPr>
           <a:xfrm>
             <a:off x="504000" y="301320"/>
-            <a:ext cx="9071280" cy="1261800"/>
-          </a:xfrm>
-          <a:prstGeom prst="rect">
-            <a:avLst/>
-          </a:prstGeom>
-        </p:spPr>
-        <p:txBody>
-          <a:bodyPr lIns="0" tIns="0" rIns="0" bIns="0" anchor="ctr"/>
-          <a:lstStyle/>
-          <a:p>
-            <a:endParaRPr lang="en-US" sz="1800" b="0" strike="noStrike" spc="-1">
+            <a:ext cx="9070920" cy="1261440"/>
+          </a:xfrm>
+          <a:prstGeom prst="rect">
+            <a:avLst/>
+          </a:prstGeom>
+        </p:spPr>
+        <p:txBody>
+          <a:bodyPr lIns="0" rIns="0" tIns="0" bIns="0" anchor="ctr">
+            <a:noAutofit/>
+          </a:bodyPr>
+          <a:p>
+            <a:endParaRPr b="0" lang="en-US" sz="1800" spc="-1" strike="noStrike">
               <a:solidFill>
                 <a:srgbClr val="000000"/>
               </a:solidFill>
@@ -860,19 +744,18 @@
         <p:spPr>
           <a:xfrm>
             <a:off x="504000" y="1768680"/>
-            <a:ext cx="9072000" cy="4384080"/>
-          </a:xfrm>
-          <a:prstGeom prst="rect">
-            <a:avLst/>
-          </a:prstGeom>
-        </p:spPr>
-        <p:txBody>
-          <a:bodyPr lIns="0" tIns="0" rIns="0" bIns="0">
+            <a:ext cx="9071640" cy="4383720"/>
+          </a:xfrm>
+          <a:prstGeom prst="rect">
+            <a:avLst/>
+          </a:prstGeom>
+        </p:spPr>
+        <p:txBody>
+          <a:bodyPr lIns="0" rIns="0" tIns="0" bIns="0">
             <a:normAutofit/>
           </a:bodyPr>
-          <a:lstStyle/>
-          <a:p>
-            <a:endParaRPr lang="en-US" sz="2800" b="0" strike="noStrike" spc="-1">
+          <a:p>
+            <a:endParaRPr b="0" lang="en-US" sz="2800" spc="-1" strike="noStrike">
               <a:solidFill>
                 <a:srgbClr val="000000"/>
               </a:solidFill>
@@ -883,14 +766,11 @@
       </p:sp>
     </p:spTree>
   </p:cSld>
-  <p:clrMapOvr>
-    <a:masterClrMapping/>
-  </p:clrMapOvr>
 </p:sldLayout>
 </file>
 
 <file path=ppt/slideLayouts/slideLayout4.xml><?xml version="1.0" encoding="utf-8"?>
-<p:sldLayout xmlns:a="http://schemas.openxmlformats.org/drawingml/2006/main" xmlns:r="http://schemas.openxmlformats.org/officeDocument/2006/relationships" xmlns:p="http://schemas.openxmlformats.org/presentationml/2006/main" type="twoObj" preserve="1">
+<p:sldLayout xmlns:a="http://schemas.openxmlformats.org/drawingml/2006/main" xmlns:p="http://schemas.openxmlformats.org/presentationml/2006/main" xmlns:r="http://schemas.openxmlformats.org/officeDocument/2006/relationships" xmlns:p14="http://schemas.microsoft.com/office/powerpoint/2010/main" xmlns:p15="http://schemas.microsoft.com/office/powerpoint/2012/main" xmlns:mc="http://schemas.openxmlformats.org/markup-compatibility/2006" type="twoObj" preserve="1">
   <p:cSld name="Title, 2 Content">
     <p:spTree>
       <p:nvGrpSpPr>
@@ -919,17 +799,18 @@
         <p:spPr>
           <a:xfrm>
             <a:off x="504000" y="301320"/>
-            <a:ext cx="9071280" cy="1261800"/>
-          </a:xfrm>
-          <a:prstGeom prst="rect">
-            <a:avLst/>
-          </a:prstGeom>
-        </p:spPr>
-        <p:txBody>
-          <a:bodyPr lIns="0" tIns="0" rIns="0" bIns="0" anchor="ctr"/>
-          <a:lstStyle/>
-          <a:p>
-            <a:endParaRPr lang="en-US" sz="1800" b="0" strike="noStrike" spc="-1">
+            <a:ext cx="9070920" cy="1261440"/>
+          </a:xfrm>
+          <a:prstGeom prst="rect">
+            <a:avLst/>
+          </a:prstGeom>
+        </p:spPr>
+        <p:txBody>
+          <a:bodyPr lIns="0" rIns="0" tIns="0" bIns="0" anchor="ctr">
+            <a:noAutofit/>
+          </a:bodyPr>
+          <a:p>
+            <a:endParaRPr b="0" lang="en-US" sz="1800" spc="-1" strike="noStrike">
               <a:solidFill>
                 <a:srgbClr val="000000"/>
               </a:solidFill>
@@ -951,19 +832,18 @@
         <p:spPr>
           <a:xfrm>
             <a:off x="504000" y="1768680"/>
-            <a:ext cx="4426920" cy="4384080"/>
-          </a:xfrm>
-          <a:prstGeom prst="rect">
-            <a:avLst/>
-          </a:prstGeom>
-        </p:spPr>
-        <p:txBody>
-          <a:bodyPr lIns="0" tIns="0" rIns="0" bIns="0">
+            <a:ext cx="4426920" cy="4383720"/>
+          </a:xfrm>
+          <a:prstGeom prst="rect">
+            <a:avLst/>
+          </a:prstGeom>
+        </p:spPr>
+        <p:txBody>
+          <a:bodyPr lIns="0" rIns="0" tIns="0" bIns="0">
             <a:normAutofit/>
           </a:bodyPr>
-          <a:lstStyle/>
-          <a:p>
-            <a:endParaRPr lang="en-US" sz="2800" b="0" strike="noStrike" spc="-1">
+          <a:p>
+            <a:endParaRPr b="0" lang="en-US" sz="2800" spc="-1" strike="noStrike">
               <a:solidFill>
                 <a:srgbClr val="000000"/>
               </a:solidFill>
@@ -985,19 +865,18 @@
         <p:spPr>
           <a:xfrm>
             <a:off x="5152680" y="1768680"/>
-            <a:ext cx="4426920" cy="4384080"/>
-          </a:xfrm>
-          <a:prstGeom prst="rect">
-            <a:avLst/>
-          </a:prstGeom>
-        </p:spPr>
-        <p:txBody>
-          <a:bodyPr lIns="0" tIns="0" rIns="0" bIns="0">
+            <a:ext cx="4426920" cy="4383720"/>
+          </a:xfrm>
+          <a:prstGeom prst="rect">
+            <a:avLst/>
+          </a:prstGeom>
+        </p:spPr>
+        <p:txBody>
+          <a:bodyPr lIns="0" rIns="0" tIns="0" bIns="0">
             <a:normAutofit/>
           </a:bodyPr>
-          <a:lstStyle/>
-          <a:p>
-            <a:endParaRPr lang="en-US" sz="2800" b="0" strike="noStrike" spc="-1">
+          <a:p>
+            <a:endParaRPr b="0" lang="en-US" sz="2800" spc="-1" strike="noStrike">
               <a:solidFill>
                 <a:srgbClr val="000000"/>
               </a:solidFill>
@@ -1008,14 +887,11 @@
       </p:sp>
     </p:spTree>
   </p:cSld>
-  <p:clrMapOvr>
-    <a:masterClrMapping/>
-  </p:clrMapOvr>
 </p:sldLayout>
 </file>
 
 <file path=ppt/slideLayouts/slideLayout5.xml><?xml version="1.0" encoding="utf-8"?>
-<p:sldLayout xmlns:a="http://schemas.openxmlformats.org/drawingml/2006/main" xmlns:r="http://schemas.openxmlformats.org/officeDocument/2006/relationships" xmlns:p="http://schemas.openxmlformats.org/presentationml/2006/main" type="titleOnly" preserve="1">
+<p:sldLayout xmlns:a="http://schemas.openxmlformats.org/drawingml/2006/main" xmlns:p="http://schemas.openxmlformats.org/presentationml/2006/main" xmlns:r="http://schemas.openxmlformats.org/officeDocument/2006/relationships" xmlns:p14="http://schemas.microsoft.com/office/powerpoint/2010/main" xmlns:p15="http://schemas.microsoft.com/office/powerpoint/2012/main" xmlns:mc="http://schemas.openxmlformats.org/markup-compatibility/2006" type="titleOnly" preserve="1">
   <p:cSld name="Title Only">
     <p:spTree>
       <p:nvGrpSpPr>
@@ -1044,17 +920,18 @@
         <p:spPr>
           <a:xfrm>
             <a:off x="504000" y="301320"/>
-            <a:ext cx="9071280" cy="1261800"/>
-          </a:xfrm>
-          <a:prstGeom prst="rect">
-            <a:avLst/>
-          </a:prstGeom>
-        </p:spPr>
-        <p:txBody>
-          <a:bodyPr lIns="0" tIns="0" rIns="0" bIns="0" anchor="ctr"/>
-          <a:lstStyle/>
-          <a:p>
-            <a:endParaRPr lang="en-US" sz="1800" b="0" strike="noStrike" spc="-1">
+            <a:ext cx="9070920" cy="1261440"/>
+          </a:xfrm>
+          <a:prstGeom prst="rect">
+            <a:avLst/>
+          </a:prstGeom>
+        </p:spPr>
+        <p:txBody>
+          <a:bodyPr lIns="0" rIns="0" tIns="0" bIns="0" anchor="ctr">
+            <a:noAutofit/>
+          </a:bodyPr>
+          <a:p>
+            <a:endParaRPr b="0" lang="en-US" sz="1800" spc="-1" strike="noStrike">
               <a:solidFill>
                 <a:srgbClr val="000000"/>
               </a:solidFill>
@@ -1065,14 +942,11 @@
       </p:sp>
     </p:spTree>
   </p:cSld>
-  <p:clrMapOvr>
-    <a:masterClrMapping/>
-  </p:clrMapOvr>
 </p:sldLayout>
 </file>
 
 <file path=ppt/slideLayouts/slideLayout6.xml><?xml version="1.0" encoding="utf-8"?>
-<p:sldLayout xmlns:a="http://schemas.openxmlformats.org/drawingml/2006/main" xmlns:r="http://schemas.openxmlformats.org/officeDocument/2006/relationships" xmlns:p="http://schemas.openxmlformats.org/presentationml/2006/main" type="objOnly" preserve="1">
+<p:sldLayout xmlns:a="http://schemas.openxmlformats.org/drawingml/2006/main" xmlns:p="http://schemas.openxmlformats.org/presentationml/2006/main" xmlns:r="http://schemas.openxmlformats.org/officeDocument/2006/relationships" xmlns:p14="http://schemas.microsoft.com/office/powerpoint/2010/main" xmlns:p15="http://schemas.microsoft.com/office/powerpoint/2012/main" xmlns:mc="http://schemas.openxmlformats.org/markup-compatibility/2006" type="objOnly" preserve="1">
   <p:cSld name="Centered Text">
     <p:spTree>
       <p:nvGrpSpPr>
@@ -1101,18 +975,19 @@
         <p:spPr>
           <a:xfrm>
             <a:off x="504000" y="301320"/>
-            <a:ext cx="9071280" cy="5850360"/>
-          </a:xfrm>
-          <a:prstGeom prst="rect">
-            <a:avLst/>
-          </a:prstGeom>
-        </p:spPr>
-        <p:txBody>
-          <a:bodyPr lIns="0" tIns="0" rIns="0" bIns="0" anchor="ctr"/>
-          <a:lstStyle/>
+            <a:ext cx="9070920" cy="5848560"/>
+          </a:xfrm>
+          <a:prstGeom prst="rect">
+            <a:avLst/>
+          </a:prstGeom>
+        </p:spPr>
+        <p:txBody>
+          <a:bodyPr lIns="0" rIns="0" tIns="0" bIns="0" anchor="ctr">
+            <a:noAutofit/>
+          </a:bodyPr>
           <a:p>
             <a:pPr algn="ctr"/>
-            <a:endParaRPr lang="en-US" sz="3200" b="0" strike="noStrike" spc="-1">
+            <a:endParaRPr b="0" lang="en-US" sz="3200" spc="-1" strike="noStrike">
               <a:latin typeface="Arial"/>
             </a:endParaRPr>
           </a:p>
@@ -1120,14 +995,11 @@
       </p:sp>
     </p:spTree>
   </p:cSld>
-  <p:clrMapOvr>
-    <a:masterClrMapping/>
-  </p:clrMapOvr>
 </p:sldLayout>
 </file>
 
 <file path=ppt/slideLayouts/slideLayout7.xml><?xml version="1.0" encoding="utf-8"?>
-<p:sldLayout xmlns:a="http://schemas.openxmlformats.org/drawingml/2006/main" xmlns:r="http://schemas.openxmlformats.org/officeDocument/2006/relationships" xmlns:p="http://schemas.openxmlformats.org/presentationml/2006/main" type="twoObjAndObj" preserve="1">
+<p:sldLayout xmlns:a="http://schemas.openxmlformats.org/drawingml/2006/main" xmlns:p="http://schemas.openxmlformats.org/presentationml/2006/main" xmlns:r="http://schemas.openxmlformats.org/officeDocument/2006/relationships" xmlns:p14="http://schemas.microsoft.com/office/powerpoint/2010/main" xmlns:p15="http://schemas.microsoft.com/office/powerpoint/2012/main" xmlns:mc="http://schemas.openxmlformats.org/markup-compatibility/2006" type="twoObjAndObj" preserve="1">
   <p:cSld name="Title, 2 Content and Content">
     <p:spTree>
       <p:nvGrpSpPr>
@@ -1156,17 +1028,18 @@
         <p:spPr>
           <a:xfrm>
             <a:off x="504000" y="301320"/>
-            <a:ext cx="9071280" cy="1261800"/>
-          </a:xfrm>
-          <a:prstGeom prst="rect">
-            <a:avLst/>
-          </a:prstGeom>
-        </p:spPr>
-        <p:txBody>
-          <a:bodyPr lIns="0" tIns="0" rIns="0" bIns="0" anchor="ctr"/>
-          <a:lstStyle/>
-          <a:p>
-            <a:endParaRPr lang="en-US" sz="1800" b="0" strike="noStrike" spc="-1">
+            <a:ext cx="9070920" cy="1261440"/>
+          </a:xfrm>
+          <a:prstGeom prst="rect">
+            <a:avLst/>
+          </a:prstGeom>
+        </p:spPr>
+        <p:txBody>
+          <a:bodyPr lIns="0" rIns="0" tIns="0" bIns="0" anchor="ctr">
+            <a:noAutofit/>
+          </a:bodyPr>
+          <a:p>
+            <a:endParaRPr b="0" lang="en-US" sz="1800" spc="-1" strike="noStrike">
               <a:solidFill>
                 <a:srgbClr val="000000"/>
               </a:solidFill>
@@ -1195,12 +1068,11 @@
           </a:prstGeom>
         </p:spPr>
         <p:txBody>
-          <a:bodyPr lIns="0" tIns="0" rIns="0" bIns="0">
+          <a:bodyPr lIns="0" rIns="0" tIns="0" bIns="0">
             <a:normAutofit/>
           </a:bodyPr>
-          <a:lstStyle/>
-          <a:p>
-            <a:endParaRPr lang="en-US" sz="2800" b="0" strike="noStrike" spc="-1">
+          <a:p>
+            <a:endParaRPr b="0" lang="en-US" sz="2800" spc="-1" strike="noStrike">
               <a:solidFill>
                 <a:srgbClr val="000000"/>
               </a:solidFill>
@@ -1222,19 +1094,18 @@
         <p:spPr>
           <a:xfrm>
             <a:off x="5152680" y="1768680"/>
-            <a:ext cx="4426920" cy="4384080"/>
-          </a:xfrm>
-          <a:prstGeom prst="rect">
-            <a:avLst/>
-          </a:prstGeom>
-        </p:spPr>
-        <p:txBody>
-          <a:bodyPr lIns="0" tIns="0" rIns="0" bIns="0">
+            <a:ext cx="4426920" cy="4383720"/>
+          </a:xfrm>
+          <a:prstGeom prst="rect">
+            <a:avLst/>
+          </a:prstGeom>
+        </p:spPr>
+        <p:txBody>
+          <a:bodyPr lIns="0" rIns="0" tIns="0" bIns="0">
             <a:normAutofit/>
           </a:bodyPr>
-          <a:lstStyle/>
-          <a:p>
-            <a:endParaRPr lang="en-US" sz="2800" b="0" strike="noStrike" spc="-1">
+          <a:p>
+            <a:endParaRPr b="0" lang="en-US" sz="2800" spc="-1" strike="noStrike">
               <a:solidFill>
                 <a:srgbClr val="000000"/>
               </a:solidFill>
@@ -1263,12 +1134,11 @@
           </a:prstGeom>
         </p:spPr>
         <p:txBody>
-          <a:bodyPr lIns="0" tIns="0" rIns="0" bIns="0">
+          <a:bodyPr lIns="0" rIns="0" tIns="0" bIns="0">
             <a:normAutofit/>
           </a:bodyPr>
-          <a:lstStyle/>
-          <a:p>
-            <a:endParaRPr lang="en-US" sz="2800" b="0" strike="noStrike" spc="-1">
+          <a:p>
+            <a:endParaRPr b="0" lang="en-US" sz="2800" spc="-1" strike="noStrike">
               <a:solidFill>
                 <a:srgbClr val="000000"/>
               </a:solidFill>
@@ -1279,14 +1149,11 @@
       </p:sp>
     </p:spTree>
   </p:cSld>
-  <p:clrMapOvr>
-    <a:masterClrMapping/>
-  </p:clrMapOvr>
 </p:sldLayout>
 </file>
 
 <file path=ppt/slideLayouts/slideLayout8.xml><?xml version="1.0" encoding="utf-8"?>
-<p:sldLayout xmlns:a="http://schemas.openxmlformats.org/drawingml/2006/main" xmlns:r="http://schemas.openxmlformats.org/officeDocument/2006/relationships" xmlns:p="http://schemas.openxmlformats.org/presentationml/2006/main" type="objAndTwoObj" preserve="1">
+<p:sldLayout xmlns:a="http://schemas.openxmlformats.org/drawingml/2006/main" xmlns:p="http://schemas.openxmlformats.org/presentationml/2006/main" xmlns:r="http://schemas.openxmlformats.org/officeDocument/2006/relationships" xmlns:p14="http://schemas.microsoft.com/office/powerpoint/2010/main" xmlns:p15="http://schemas.microsoft.com/office/powerpoint/2012/main" xmlns:mc="http://schemas.openxmlformats.org/markup-compatibility/2006" type="objAndTwoObj" preserve="1">
   <p:cSld name="Title Content and 2 Content">
     <p:spTree>
       <p:nvGrpSpPr>
@@ -1315,17 +1182,18 @@
         <p:spPr>
           <a:xfrm>
             <a:off x="504000" y="301320"/>
-            <a:ext cx="9071280" cy="1261800"/>
-          </a:xfrm>
-          <a:prstGeom prst="rect">
-            <a:avLst/>
-          </a:prstGeom>
-        </p:spPr>
-        <p:txBody>
-          <a:bodyPr lIns="0" tIns="0" rIns="0" bIns="0" anchor="ctr"/>
-          <a:lstStyle/>
-          <a:p>
-            <a:endParaRPr lang="en-US" sz="1800" b="0" strike="noStrike" spc="-1">
+            <a:ext cx="9070920" cy="1261440"/>
+          </a:xfrm>
+          <a:prstGeom prst="rect">
+            <a:avLst/>
+          </a:prstGeom>
+        </p:spPr>
+        <p:txBody>
+          <a:bodyPr lIns="0" rIns="0" tIns="0" bIns="0" anchor="ctr">
+            <a:noAutofit/>
+          </a:bodyPr>
+          <a:p>
+            <a:endParaRPr b="0" lang="en-US" sz="1800" spc="-1" strike="noStrike">
               <a:solidFill>
                 <a:srgbClr val="000000"/>
               </a:solidFill>
@@ -1347,19 +1215,18 @@
         <p:spPr>
           <a:xfrm>
             <a:off x="504000" y="1768680"/>
-            <a:ext cx="4426920" cy="4384080"/>
-          </a:xfrm>
-          <a:prstGeom prst="rect">
-            <a:avLst/>
-          </a:prstGeom>
-        </p:spPr>
-        <p:txBody>
-          <a:bodyPr lIns="0" tIns="0" rIns="0" bIns="0">
+            <a:ext cx="4426920" cy="4383720"/>
+          </a:xfrm>
+          <a:prstGeom prst="rect">
+            <a:avLst/>
+          </a:prstGeom>
+        </p:spPr>
+        <p:txBody>
+          <a:bodyPr lIns="0" rIns="0" tIns="0" bIns="0">
             <a:normAutofit/>
           </a:bodyPr>
-          <a:lstStyle/>
-          <a:p>
-            <a:endParaRPr lang="en-US" sz="2800" b="0" strike="noStrike" spc="-1">
+          <a:p>
+            <a:endParaRPr b="0" lang="en-US" sz="2800" spc="-1" strike="noStrike">
               <a:solidFill>
                 <a:srgbClr val="000000"/>
               </a:solidFill>
@@ -1388,12 +1255,11 @@
           </a:prstGeom>
         </p:spPr>
         <p:txBody>
-          <a:bodyPr lIns="0" tIns="0" rIns="0" bIns="0">
+          <a:bodyPr lIns="0" rIns="0" tIns="0" bIns="0">
             <a:normAutofit/>
           </a:bodyPr>
-          <a:lstStyle/>
-          <a:p>
-            <a:endParaRPr lang="en-US" sz="2800" b="0" strike="noStrike" spc="-1">
+          <a:p>
+            <a:endParaRPr b="0" lang="en-US" sz="2800" spc="-1" strike="noStrike">
               <a:solidFill>
                 <a:srgbClr val="000000"/>
               </a:solidFill>
@@ -1422,12 +1288,11 @@
           </a:prstGeom>
         </p:spPr>
         <p:txBody>
-          <a:bodyPr lIns="0" tIns="0" rIns="0" bIns="0">
+          <a:bodyPr lIns="0" rIns="0" tIns="0" bIns="0">
             <a:normAutofit/>
           </a:bodyPr>
-          <a:lstStyle/>
-          <a:p>
-            <a:endParaRPr lang="en-US" sz="2800" b="0" strike="noStrike" spc="-1">
+          <a:p>
+            <a:endParaRPr b="0" lang="en-US" sz="2800" spc="-1" strike="noStrike">
               <a:solidFill>
                 <a:srgbClr val="000000"/>
               </a:solidFill>
@@ -1438,14 +1303,11 @@
       </p:sp>
     </p:spTree>
   </p:cSld>
-  <p:clrMapOvr>
-    <a:masterClrMapping/>
-  </p:clrMapOvr>
 </p:sldLayout>
 </file>
 
 <file path=ppt/slideLayouts/slideLayout9.xml><?xml version="1.0" encoding="utf-8"?>
-<p:sldLayout xmlns:a="http://schemas.openxmlformats.org/drawingml/2006/main" xmlns:r="http://schemas.openxmlformats.org/officeDocument/2006/relationships" xmlns:p="http://schemas.openxmlformats.org/presentationml/2006/main" type="twoObjOverTx" preserve="1">
+<p:sldLayout xmlns:a="http://schemas.openxmlformats.org/drawingml/2006/main" xmlns:p="http://schemas.openxmlformats.org/presentationml/2006/main" xmlns:r="http://schemas.openxmlformats.org/officeDocument/2006/relationships" xmlns:p14="http://schemas.microsoft.com/office/powerpoint/2010/main" xmlns:p15="http://schemas.microsoft.com/office/powerpoint/2012/main" xmlns:mc="http://schemas.openxmlformats.org/markup-compatibility/2006" type="twoObjOverTx" preserve="1">
   <p:cSld name="Title, 2 Content over Content">
     <p:spTree>
       <p:nvGrpSpPr>
@@ -1474,17 +1336,18 @@
         <p:spPr>
           <a:xfrm>
             <a:off x="504000" y="301320"/>
-            <a:ext cx="9071280" cy="1261800"/>
-          </a:xfrm>
-          <a:prstGeom prst="rect">
-            <a:avLst/>
-          </a:prstGeom>
-        </p:spPr>
-        <p:txBody>
-          <a:bodyPr lIns="0" tIns="0" rIns="0" bIns="0" anchor="ctr"/>
-          <a:lstStyle/>
-          <a:p>
-            <a:endParaRPr lang="en-US" sz="1800" b="0" strike="noStrike" spc="-1">
+            <a:ext cx="9070920" cy="1261440"/>
+          </a:xfrm>
+          <a:prstGeom prst="rect">
+            <a:avLst/>
+          </a:prstGeom>
+        </p:spPr>
+        <p:txBody>
+          <a:bodyPr lIns="0" rIns="0" tIns="0" bIns="0" anchor="ctr">
+            <a:noAutofit/>
+          </a:bodyPr>
+          <a:p>
+            <a:endParaRPr b="0" lang="en-US" sz="1800" spc="-1" strike="noStrike">
               <a:solidFill>
                 <a:srgbClr val="000000"/>
               </a:solidFill>
@@ -1513,12 +1376,11 @@
           </a:prstGeom>
         </p:spPr>
         <p:txBody>
-          <a:bodyPr lIns="0" tIns="0" rIns="0" bIns="0">
+          <a:bodyPr lIns="0" rIns="0" tIns="0" bIns="0">
             <a:normAutofit/>
           </a:bodyPr>
-          <a:lstStyle/>
-          <a:p>
-            <a:endParaRPr lang="en-US" sz="2800" b="0" strike="noStrike" spc="-1">
+          <a:p>
+            <a:endParaRPr b="0" lang="en-US" sz="2800" spc="-1" strike="noStrike">
               <a:solidFill>
                 <a:srgbClr val="000000"/>
               </a:solidFill>
@@ -1547,12 +1409,11 @@
           </a:prstGeom>
         </p:spPr>
         <p:txBody>
-          <a:bodyPr lIns="0" tIns="0" rIns="0" bIns="0">
+          <a:bodyPr lIns="0" rIns="0" tIns="0" bIns="0">
             <a:normAutofit/>
           </a:bodyPr>
-          <a:lstStyle/>
-          <a:p>
-            <a:endParaRPr lang="en-US" sz="2800" b="0" strike="noStrike" spc="-1">
+          <a:p>
+            <a:endParaRPr b="0" lang="en-US" sz="2800" spc="-1" strike="noStrike">
               <a:solidFill>
                 <a:srgbClr val="000000"/>
               </a:solidFill>
@@ -1574,19 +1435,18 @@
         <p:spPr>
           <a:xfrm>
             <a:off x="504000" y="4058640"/>
-            <a:ext cx="9072000" cy="2090880"/>
-          </a:xfrm>
-          <a:prstGeom prst="rect">
-            <a:avLst/>
-          </a:prstGeom>
-        </p:spPr>
-        <p:txBody>
-          <a:bodyPr lIns="0" tIns="0" rIns="0" bIns="0">
+            <a:ext cx="9071640" cy="2090880"/>
+          </a:xfrm>
+          <a:prstGeom prst="rect">
+            <a:avLst/>
+          </a:prstGeom>
+        </p:spPr>
+        <p:txBody>
+          <a:bodyPr lIns="0" rIns="0" tIns="0" bIns="0">
             <a:normAutofit/>
           </a:bodyPr>
-          <a:lstStyle/>
-          <a:p>
-            <a:endParaRPr lang="en-US" sz="2800" b="0" strike="noStrike" spc="-1">
+          <a:p>
+            <a:endParaRPr b="0" lang="en-US" sz="2800" spc="-1" strike="noStrike">
               <a:solidFill>
                 <a:srgbClr val="000000"/>
               </a:solidFill>
@@ -1597,21 +1457,17 @@
       </p:sp>
     </p:spTree>
   </p:cSld>
-  <p:clrMapOvr>
-    <a:masterClrMapping/>
-  </p:clrMapOvr>
 </p:sldLayout>
 </file>
 
 <file path=ppt/slideMasters/slideMaster1.xml><?xml version="1.0" encoding="utf-8"?>
-<p:sldMaster xmlns:a="http://schemas.openxmlformats.org/drawingml/2006/main" xmlns:r="http://schemas.openxmlformats.org/officeDocument/2006/relationships" xmlns:p="http://schemas.openxmlformats.org/presentationml/2006/main">
+<p:sldMaster xmlns:a="http://schemas.openxmlformats.org/drawingml/2006/main" xmlns:p="http://schemas.openxmlformats.org/presentationml/2006/main" xmlns:r="http://schemas.openxmlformats.org/officeDocument/2006/relationships" xmlns:p14="http://schemas.microsoft.com/office/powerpoint/2010/main" xmlns:p15="http://schemas.microsoft.com/office/powerpoint/2012/main" xmlns:mc="http://schemas.openxmlformats.org/markup-compatibility/2006">
   <p:cSld>
     <p:bg>
       <p:bgPr>
         <a:solidFill>
-          <a:srgbClr val="FFFFFF"/>
+          <a:srgbClr val="ffffff"/>
         </a:solidFill>
-        <a:effectLst/>
       </p:bgPr>
     </p:bg>
     <p:spTree>
@@ -1630,7 +1486,7 @@
       </p:grpSpPr>
       <p:sp>
         <p:nvSpPr>
-          <p:cNvPr id="2" name="PlaceHolder 1"/>
+          <p:cNvPr id="0" name="PlaceHolder 1"/>
           <p:cNvSpPr>
             <a:spLocks noGrp="1"/>
           </p:cNvSpPr>
@@ -1641,18 +1497,19 @@
         <p:spPr>
           <a:xfrm>
             <a:off x="504000" y="301320"/>
-            <a:ext cx="9071280" cy="1261800"/>
-          </a:xfrm>
-          <a:prstGeom prst="rect">
-            <a:avLst/>
-          </a:prstGeom>
-        </p:spPr>
-        <p:txBody>
-          <a:bodyPr lIns="0" tIns="0" rIns="0" bIns="0" anchor="ctr"/>
-          <a:lstStyle/>
+            <a:ext cx="9070920" cy="1261440"/>
+          </a:xfrm>
+          <a:prstGeom prst="rect">
+            <a:avLst/>
+          </a:prstGeom>
+        </p:spPr>
+        <p:txBody>
+          <a:bodyPr lIns="0" rIns="0" tIns="0" bIns="0" anchor="ctr">
+            <a:noAutofit/>
+          </a:bodyPr>
           <a:p>
             <a:r>
-              <a:rPr lang="en-US" sz="4400" b="0" strike="noStrike" spc="-1">
+              <a:rPr b="0" lang="en-US" sz="4400" spc="-1" strike="noStrike">
                 <a:solidFill>
                   <a:srgbClr val="000000"/>
                 </a:solidFill>
@@ -1660,12 +1517,18 @@
               </a:rPr>
               <a:t>Click to edit the title text format</a:t>
             </a:r>
-          </a:p>
-        </p:txBody>
-      </p:sp>
-      <p:sp>
-        <p:nvSpPr>
-          <p:cNvPr id="3" name="PlaceHolder 2"/>
+            <a:endParaRPr b="0" lang="en-US" sz="4400" spc="-1" strike="noStrike">
+              <a:solidFill>
+                <a:srgbClr val="000000"/>
+              </a:solidFill>
+              <a:latin typeface="Arial"/>
+            </a:endParaRPr>
+          </a:p>
+        </p:txBody>
+      </p:sp>
+      <p:sp>
+        <p:nvSpPr>
+          <p:cNvPr id="1" name="PlaceHolder 2"/>
           <p:cNvSpPr>
             <a:spLocks noGrp="1"/>
           </p:cNvSpPr>
@@ -1676,17 +1539,16 @@
         <p:spPr>
           <a:xfrm>
             <a:off x="504000" y="1768680"/>
-            <a:ext cx="9072000" cy="4384080"/>
-          </a:xfrm>
-          <a:prstGeom prst="rect">
-            <a:avLst/>
-          </a:prstGeom>
-        </p:spPr>
-        <p:txBody>
-          <a:bodyPr lIns="0" tIns="0" rIns="0" bIns="0">
+            <a:ext cx="9071640" cy="4383720"/>
+          </a:xfrm>
+          <a:prstGeom prst="rect">
+            <a:avLst/>
+          </a:prstGeom>
+        </p:spPr>
+        <p:txBody>
+          <a:bodyPr lIns="0" rIns="0" tIns="0" bIns="0">
             <a:normAutofit/>
           </a:bodyPr>
-          <a:lstStyle/>
           <a:p>
             <a:pPr marL="432000" indent="-324000">
               <a:spcBef>
@@ -1700,7 +1562,7 @@
               <a:buChar char=""/>
             </a:pPr>
             <a:r>
-              <a:rPr lang="en-US" sz="2800" b="0" strike="noStrike" spc="-1">
+              <a:rPr b="0" lang="en-US" sz="2800" spc="-1" strike="noStrike">
                 <a:solidFill>
                   <a:srgbClr val="000000"/>
                 </a:solidFill>
@@ -1708,9 +1570,15 @@
               </a:rPr>
               <a:t>Click to edit the outline text format</a:t>
             </a:r>
-          </a:p>
-          <a:p>
-            <a:pPr marL="864000" lvl="1" indent="-324000">
+            <a:endParaRPr b="0" lang="en-US" sz="2800" spc="-1" strike="noStrike">
+              <a:solidFill>
+                <a:srgbClr val="000000"/>
+              </a:solidFill>
+              <a:latin typeface="Arial"/>
+            </a:endParaRPr>
+          </a:p>
+          <a:p>
+            <a:pPr lvl="1" marL="864000" indent="-324000">
               <a:spcBef>
                 <a:spcPts val="1134"/>
               </a:spcBef>
@@ -1722,7 +1590,7 @@
               <a:buChar char=""/>
             </a:pPr>
             <a:r>
-              <a:rPr lang="en-US" sz="2000" b="0" strike="noStrike" spc="-1">
+              <a:rPr b="0" lang="en-US" sz="2800" spc="-1" strike="noStrike">
                 <a:solidFill>
                   <a:srgbClr val="000000"/>
                 </a:solidFill>
@@ -1730,9 +1598,15 @@
               </a:rPr>
               <a:t>Second Outline Level</a:t>
             </a:r>
-          </a:p>
-          <a:p>
-            <a:pPr marL="1296000" lvl="2" indent="-288000">
+            <a:endParaRPr b="0" lang="en-US" sz="2800" spc="-1" strike="noStrike">
+              <a:solidFill>
+                <a:srgbClr val="000000"/>
+              </a:solidFill>
+              <a:latin typeface="Arial"/>
+            </a:endParaRPr>
+          </a:p>
+          <a:p>
+            <a:pPr lvl="2" marL="1296000" indent="-288000">
               <a:spcBef>
                 <a:spcPts val="850"/>
               </a:spcBef>
@@ -1744,7 +1618,7 @@
               <a:buChar char=""/>
             </a:pPr>
             <a:r>
-              <a:rPr lang="en-US" sz="1800" b="0" strike="noStrike" spc="-1">
+              <a:rPr b="0" lang="en-US" sz="2800" spc="-1" strike="noStrike">
                 <a:solidFill>
                   <a:srgbClr val="000000"/>
                 </a:solidFill>
@@ -1752,9 +1626,15 @@
               </a:rPr>
               <a:t>Third Outline Level</a:t>
             </a:r>
-          </a:p>
-          <a:p>
-            <a:pPr marL="1728000" lvl="3" indent="-216000">
+            <a:endParaRPr b="0" lang="en-US" sz="2800" spc="-1" strike="noStrike">
+              <a:solidFill>
+                <a:srgbClr val="000000"/>
+              </a:solidFill>
+              <a:latin typeface="Arial"/>
+            </a:endParaRPr>
+          </a:p>
+          <a:p>
+            <a:pPr lvl="3" marL="1728000" indent="-216000">
               <a:spcBef>
                 <a:spcPts val="567"/>
               </a:spcBef>
@@ -1766,7 +1646,7 @@
               <a:buChar char=""/>
             </a:pPr>
             <a:r>
-              <a:rPr lang="en-US" sz="1800" b="0" strike="noStrike" spc="-1">
+              <a:rPr b="0" lang="en-US" sz="2800" spc="-1" strike="noStrike">
                 <a:solidFill>
                   <a:srgbClr val="000000"/>
                 </a:solidFill>
@@ -1774,9 +1654,15 @@
               </a:rPr>
               <a:t>Fourth Outline Level</a:t>
             </a:r>
-          </a:p>
-          <a:p>
-            <a:pPr marL="2160000" lvl="4" indent="-216000">
+            <a:endParaRPr b="0" lang="en-US" sz="2800" spc="-1" strike="noStrike">
+              <a:solidFill>
+                <a:srgbClr val="000000"/>
+              </a:solidFill>
+              <a:latin typeface="Arial"/>
+            </a:endParaRPr>
+          </a:p>
+          <a:p>
+            <a:pPr lvl="4" marL="2160000" indent="-216000">
               <a:spcBef>
                 <a:spcPts val="283"/>
               </a:spcBef>
@@ -1788,7 +1674,7 @@
               <a:buChar char=""/>
             </a:pPr>
             <a:r>
-              <a:rPr lang="en-US" sz="2000" b="0" strike="noStrike" spc="-1">
+              <a:rPr b="0" lang="en-US" sz="2800" spc="-1" strike="noStrike">
                 <a:solidFill>
                   <a:srgbClr val="000000"/>
                 </a:solidFill>
@@ -1796,9 +1682,15 @@
               </a:rPr>
               <a:t>Fifth Outline Level</a:t>
             </a:r>
-          </a:p>
-          <a:p>
-            <a:pPr marL="2592000" lvl="5" indent="-216000">
+            <a:endParaRPr b="0" lang="en-US" sz="2800" spc="-1" strike="noStrike">
+              <a:solidFill>
+                <a:srgbClr val="000000"/>
+              </a:solidFill>
+              <a:latin typeface="Arial"/>
+            </a:endParaRPr>
+          </a:p>
+          <a:p>
+            <a:pPr lvl="5" marL="2592000" indent="-216000">
               <a:spcBef>
                 <a:spcPts val="283"/>
               </a:spcBef>
@@ -1810,7 +1702,7 @@
               <a:buChar char=""/>
             </a:pPr>
             <a:r>
-              <a:rPr lang="en-US" sz="2000" b="0" strike="noStrike" spc="-1">
+              <a:rPr b="0" lang="en-US" sz="2800" spc="-1" strike="noStrike">
                 <a:solidFill>
                   <a:srgbClr val="000000"/>
                 </a:solidFill>
@@ -1818,9 +1710,15 @@
               </a:rPr>
               <a:t>Sixth Outline Level</a:t>
             </a:r>
-          </a:p>
-          <a:p>
-            <a:pPr marL="3024000" lvl="6" indent="-216000">
+            <a:endParaRPr b="0" lang="en-US" sz="2800" spc="-1" strike="noStrike">
+              <a:solidFill>
+                <a:srgbClr val="000000"/>
+              </a:solidFill>
+              <a:latin typeface="Arial"/>
+            </a:endParaRPr>
+          </a:p>
+          <a:p>
+            <a:pPr lvl="6" marL="3024000" indent="-216000">
               <a:spcBef>
                 <a:spcPts val="283"/>
               </a:spcBef>
@@ -1832,7 +1730,7 @@
               <a:buChar char=""/>
             </a:pPr>
             <a:r>
-              <a:rPr lang="en-US" sz="2000" b="0" strike="noStrike" spc="-1">
+              <a:rPr b="0" lang="en-US" sz="2800" spc="-1" strike="noStrike">
                 <a:solidFill>
                   <a:srgbClr val="000000"/>
                 </a:solidFill>
@@ -1840,311 +1738,37 @@
               </a:rPr>
               <a:t>Seventh Outline Level</a:t>
             </a:r>
+            <a:endParaRPr b="0" lang="en-US" sz="2800" spc="-1" strike="noStrike">
+              <a:solidFill>
+                <a:srgbClr val="000000"/>
+              </a:solidFill>
+              <a:latin typeface="Arial"/>
+            </a:endParaRPr>
           </a:p>
         </p:txBody>
       </p:sp>
     </p:spTree>
   </p:cSld>
-  <p:clrMap bg1="lt1" tx1="dk1" bg2="lt2" tx2="dk2" accent1="accent1" accent2="accent2" accent3="accent3" accent4="accent4" accent5="accent5" accent6="accent6" hlink="hlink" folHlink="folHlink"/>
+  <p:clrMap bg1="lt1" bg2="lt2" tx1="dk1" tx2="dk2" accent1="accent1" accent2="accent2" accent3="accent3" accent4="accent4" accent5="accent5" accent6="accent6" hlink="hlink" folHlink="folHlink"/>
   <p:sldLayoutIdLst>
-    <p:sldLayoutId id="2147483649" r:id="rId1"/>
-    <p:sldLayoutId id="2147483650" r:id="rId2"/>
-    <p:sldLayoutId id="2147483651" r:id="rId3"/>
-    <p:sldLayoutId id="2147483652" r:id="rId4"/>
-    <p:sldLayoutId id="2147483653" r:id="rId5"/>
-    <p:sldLayoutId id="2147483654" r:id="rId6"/>
-    <p:sldLayoutId id="2147483655" r:id="rId7"/>
-    <p:sldLayoutId id="2147483656" r:id="rId8"/>
-    <p:sldLayoutId id="2147483657" r:id="rId9"/>
-    <p:sldLayoutId id="2147483658" r:id="rId10"/>
-    <p:sldLayoutId id="2147483659" r:id="rId11"/>
-    <p:sldLayoutId id="2147483660" r:id="rId12"/>
+    <p:sldLayoutId id="2147483649" r:id="rId2"/>
+    <p:sldLayoutId id="2147483650" r:id="rId3"/>
+    <p:sldLayoutId id="2147483651" r:id="rId4"/>
+    <p:sldLayoutId id="2147483652" r:id="rId5"/>
+    <p:sldLayoutId id="2147483653" r:id="rId6"/>
+    <p:sldLayoutId id="2147483654" r:id="rId7"/>
+    <p:sldLayoutId id="2147483655" r:id="rId8"/>
+    <p:sldLayoutId id="2147483656" r:id="rId9"/>
+    <p:sldLayoutId id="2147483657" r:id="rId10"/>
+    <p:sldLayoutId id="2147483658" r:id="rId11"/>
+    <p:sldLayoutId id="2147483659" r:id="rId12"/>
+    <p:sldLayoutId id="2147483660" r:id="rId13"/>
   </p:sldLayoutIdLst>
-  <p:txStyles>
-    <p:titleStyle>
-      <a:lvl1pPr algn="l" defTabSz="914400" rtl="0" eaLnBrk="1" latinLnBrk="0" hangingPunct="1">
-        <a:lnSpc>
-          <a:spcPct val="90000"/>
-        </a:lnSpc>
-        <a:spcBef>
-          <a:spcPct val="0"/>
-        </a:spcBef>
-        <a:buNone/>
-        <a:defRPr sz="4400" kern="1200">
-          <a:solidFill>
-            <a:schemeClr val="tx1"/>
-          </a:solidFill>
-          <a:latin typeface="+mj-lt"/>
-          <a:ea typeface="+mj-ea"/>
-          <a:cs typeface="+mj-cs"/>
-        </a:defRPr>
-      </a:lvl1pPr>
-    </p:titleStyle>
-    <p:bodyStyle>
-      <a:lvl1pPr marL="228600" indent="-228600" algn="l" defTabSz="914400" rtl="0" eaLnBrk="1" latinLnBrk="0" hangingPunct="1">
-        <a:lnSpc>
-          <a:spcPct val="90000"/>
-        </a:lnSpc>
-        <a:spcBef>
-          <a:spcPts val="1000"/>
-        </a:spcBef>
-        <a:buFont typeface="Arial" panose="020B0604020202020204" pitchFamily="34" charset="0"/>
-        <a:buChar char="•"/>
-        <a:defRPr sz="2800" kern="1200">
-          <a:solidFill>
-            <a:schemeClr val="tx1"/>
-          </a:solidFill>
-          <a:latin typeface="+mn-lt"/>
-          <a:ea typeface="+mn-ea"/>
-          <a:cs typeface="+mn-cs"/>
-        </a:defRPr>
-      </a:lvl1pPr>
-      <a:lvl2pPr marL="685800" indent="-228600" algn="l" defTabSz="914400" rtl="0" eaLnBrk="1" latinLnBrk="0" hangingPunct="1">
-        <a:lnSpc>
-          <a:spcPct val="90000"/>
-        </a:lnSpc>
-        <a:spcBef>
-          <a:spcPts val="500"/>
-        </a:spcBef>
-        <a:buFont typeface="Arial" panose="020B0604020202020204" pitchFamily="34" charset="0"/>
-        <a:buChar char="•"/>
-        <a:defRPr sz="2400" kern="1200">
-          <a:solidFill>
-            <a:schemeClr val="tx1"/>
-          </a:solidFill>
-          <a:latin typeface="+mn-lt"/>
-          <a:ea typeface="+mn-ea"/>
-          <a:cs typeface="+mn-cs"/>
-        </a:defRPr>
-      </a:lvl2pPr>
-      <a:lvl3pPr marL="1143000" indent="-228600" algn="l" defTabSz="914400" rtl="0" eaLnBrk="1" latinLnBrk="0" hangingPunct="1">
-        <a:lnSpc>
-          <a:spcPct val="90000"/>
-        </a:lnSpc>
-        <a:spcBef>
-          <a:spcPts val="500"/>
-        </a:spcBef>
-        <a:buFont typeface="Arial" panose="020B0604020202020204" pitchFamily="34" charset="0"/>
-        <a:buChar char="•"/>
-        <a:defRPr sz="2000" kern="1200">
-          <a:solidFill>
-            <a:schemeClr val="tx1"/>
-          </a:solidFill>
-          <a:latin typeface="+mn-lt"/>
-          <a:ea typeface="+mn-ea"/>
-          <a:cs typeface="+mn-cs"/>
-        </a:defRPr>
-      </a:lvl3pPr>
-      <a:lvl4pPr marL="1600200" indent="-228600" algn="l" defTabSz="914400" rtl="0" eaLnBrk="1" latinLnBrk="0" hangingPunct="1">
-        <a:lnSpc>
-          <a:spcPct val="90000"/>
-        </a:lnSpc>
-        <a:spcBef>
-          <a:spcPts val="500"/>
-        </a:spcBef>
-        <a:buFont typeface="Arial" panose="020B0604020202020204" pitchFamily="34" charset="0"/>
-        <a:buChar char="•"/>
-        <a:defRPr sz="1800" kern="1200">
-          <a:solidFill>
-            <a:schemeClr val="tx1"/>
-          </a:solidFill>
-          <a:latin typeface="+mn-lt"/>
-          <a:ea typeface="+mn-ea"/>
-          <a:cs typeface="+mn-cs"/>
-        </a:defRPr>
-      </a:lvl4pPr>
-      <a:lvl5pPr marL="2057400" indent="-228600" algn="l" defTabSz="914400" rtl="0" eaLnBrk="1" latinLnBrk="0" hangingPunct="1">
-        <a:lnSpc>
-          <a:spcPct val="90000"/>
-        </a:lnSpc>
-        <a:spcBef>
-          <a:spcPts val="500"/>
-        </a:spcBef>
-        <a:buFont typeface="Arial" panose="020B0604020202020204" pitchFamily="34" charset="0"/>
-        <a:buChar char="•"/>
-        <a:defRPr sz="1800" kern="1200">
-          <a:solidFill>
-            <a:schemeClr val="tx1"/>
-          </a:solidFill>
-          <a:latin typeface="+mn-lt"/>
-          <a:ea typeface="+mn-ea"/>
-          <a:cs typeface="+mn-cs"/>
-        </a:defRPr>
-      </a:lvl5pPr>
-      <a:lvl6pPr marL="2514600" indent="-228600" algn="l" defTabSz="914400" rtl="0" eaLnBrk="1" latinLnBrk="0" hangingPunct="1">
-        <a:lnSpc>
-          <a:spcPct val="90000"/>
-        </a:lnSpc>
-        <a:spcBef>
-          <a:spcPts val="500"/>
-        </a:spcBef>
-        <a:buFont typeface="Arial" panose="020B0604020202020204" pitchFamily="34" charset="0"/>
-        <a:buChar char="•"/>
-        <a:defRPr sz="1800" kern="1200">
-          <a:solidFill>
-            <a:schemeClr val="tx1"/>
-          </a:solidFill>
-          <a:latin typeface="+mn-lt"/>
-          <a:ea typeface="+mn-ea"/>
-          <a:cs typeface="+mn-cs"/>
-        </a:defRPr>
-      </a:lvl6pPr>
-      <a:lvl7pPr marL="2971800" indent="-228600" algn="l" defTabSz="914400" rtl="0" eaLnBrk="1" latinLnBrk="0" hangingPunct="1">
-        <a:lnSpc>
-          <a:spcPct val="90000"/>
-        </a:lnSpc>
-        <a:spcBef>
-          <a:spcPts val="500"/>
-        </a:spcBef>
-        <a:buFont typeface="Arial" panose="020B0604020202020204" pitchFamily="34" charset="0"/>
-        <a:buChar char="•"/>
-        <a:defRPr sz="1800" kern="1200">
-          <a:solidFill>
-            <a:schemeClr val="tx1"/>
-          </a:solidFill>
-          <a:latin typeface="+mn-lt"/>
-          <a:ea typeface="+mn-ea"/>
-          <a:cs typeface="+mn-cs"/>
-        </a:defRPr>
-      </a:lvl7pPr>
-      <a:lvl8pPr marL="3429000" indent="-228600" algn="l" defTabSz="914400" rtl="0" eaLnBrk="1" latinLnBrk="0" hangingPunct="1">
-        <a:lnSpc>
-          <a:spcPct val="90000"/>
-        </a:lnSpc>
-        <a:spcBef>
-          <a:spcPts val="500"/>
-        </a:spcBef>
-        <a:buFont typeface="Arial" panose="020B0604020202020204" pitchFamily="34" charset="0"/>
-        <a:buChar char="•"/>
-        <a:defRPr sz="1800" kern="1200">
-          <a:solidFill>
-            <a:schemeClr val="tx1"/>
-          </a:solidFill>
-          <a:latin typeface="+mn-lt"/>
-          <a:ea typeface="+mn-ea"/>
-          <a:cs typeface="+mn-cs"/>
-        </a:defRPr>
-      </a:lvl8pPr>
-      <a:lvl9pPr marL="3886200" indent="-228600" algn="l" defTabSz="914400" rtl="0" eaLnBrk="1" latinLnBrk="0" hangingPunct="1">
-        <a:lnSpc>
-          <a:spcPct val="90000"/>
-        </a:lnSpc>
-        <a:spcBef>
-          <a:spcPts val="500"/>
-        </a:spcBef>
-        <a:buFont typeface="Arial" panose="020B0604020202020204" pitchFamily="34" charset="0"/>
-        <a:buChar char="•"/>
-        <a:defRPr sz="1800" kern="1200">
-          <a:solidFill>
-            <a:schemeClr val="tx1"/>
-          </a:solidFill>
-          <a:latin typeface="+mn-lt"/>
-          <a:ea typeface="+mn-ea"/>
-          <a:cs typeface="+mn-cs"/>
-        </a:defRPr>
-      </a:lvl9pPr>
-    </p:bodyStyle>
-    <p:otherStyle>
-      <a:defPPr>
-        <a:defRPr lang="en-US"/>
-      </a:defPPr>
-      <a:lvl1pPr marL="0" algn="l" defTabSz="914400" rtl="0" eaLnBrk="1" latinLnBrk="0" hangingPunct="1">
-        <a:defRPr sz="1800" kern="1200">
-          <a:solidFill>
-            <a:schemeClr val="tx1"/>
-          </a:solidFill>
-          <a:latin typeface="+mn-lt"/>
-          <a:ea typeface="+mn-ea"/>
-          <a:cs typeface="+mn-cs"/>
-        </a:defRPr>
-      </a:lvl1pPr>
-      <a:lvl2pPr marL="457200" algn="l" defTabSz="914400" rtl="0" eaLnBrk="1" latinLnBrk="0" hangingPunct="1">
-        <a:defRPr sz="1800" kern="1200">
-          <a:solidFill>
-            <a:schemeClr val="tx1"/>
-          </a:solidFill>
-          <a:latin typeface="+mn-lt"/>
-          <a:ea typeface="+mn-ea"/>
-          <a:cs typeface="+mn-cs"/>
-        </a:defRPr>
-      </a:lvl2pPr>
-      <a:lvl3pPr marL="914400" algn="l" defTabSz="914400" rtl="0" eaLnBrk="1" latinLnBrk="0" hangingPunct="1">
-        <a:defRPr sz="1800" kern="1200">
-          <a:solidFill>
-            <a:schemeClr val="tx1"/>
-          </a:solidFill>
-          <a:latin typeface="+mn-lt"/>
-          <a:ea typeface="+mn-ea"/>
-          <a:cs typeface="+mn-cs"/>
-        </a:defRPr>
-      </a:lvl3pPr>
-      <a:lvl4pPr marL="1371600" algn="l" defTabSz="914400" rtl="0" eaLnBrk="1" latinLnBrk="0" hangingPunct="1">
-        <a:defRPr sz="1800" kern="1200">
-          <a:solidFill>
-            <a:schemeClr val="tx1"/>
-          </a:solidFill>
-          <a:latin typeface="+mn-lt"/>
-          <a:ea typeface="+mn-ea"/>
-          <a:cs typeface="+mn-cs"/>
-        </a:defRPr>
-      </a:lvl4pPr>
-      <a:lvl5pPr marL="1828800" algn="l" defTabSz="914400" rtl="0" eaLnBrk="1" latinLnBrk="0" hangingPunct="1">
-        <a:defRPr sz="1800" kern="1200">
-          <a:solidFill>
-            <a:schemeClr val="tx1"/>
-          </a:solidFill>
-          <a:latin typeface="+mn-lt"/>
-          <a:ea typeface="+mn-ea"/>
-          <a:cs typeface="+mn-cs"/>
-        </a:defRPr>
-      </a:lvl5pPr>
-      <a:lvl6pPr marL="2286000" algn="l" defTabSz="914400" rtl="0" eaLnBrk="1" latinLnBrk="0" hangingPunct="1">
-        <a:defRPr sz="1800" kern="1200">
-          <a:solidFill>
-            <a:schemeClr val="tx1"/>
-          </a:solidFill>
-          <a:latin typeface="+mn-lt"/>
-          <a:ea typeface="+mn-ea"/>
-          <a:cs typeface="+mn-cs"/>
-        </a:defRPr>
-      </a:lvl6pPr>
-      <a:lvl7pPr marL="2743200" algn="l" defTabSz="914400" rtl="0" eaLnBrk="1" latinLnBrk="0" hangingPunct="1">
-        <a:defRPr sz="1800" kern="1200">
-          <a:solidFill>
-            <a:schemeClr val="tx1"/>
-          </a:solidFill>
-          <a:latin typeface="+mn-lt"/>
-          <a:ea typeface="+mn-ea"/>
-          <a:cs typeface="+mn-cs"/>
-        </a:defRPr>
-      </a:lvl7pPr>
-      <a:lvl8pPr marL="3200400" algn="l" defTabSz="914400" rtl="0" eaLnBrk="1" latinLnBrk="0" hangingPunct="1">
-        <a:defRPr sz="1800" kern="1200">
-          <a:solidFill>
-            <a:schemeClr val="tx1"/>
-          </a:solidFill>
-          <a:latin typeface="+mn-lt"/>
-          <a:ea typeface="+mn-ea"/>
-          <a:cs typeface="+mn-cs"/>
-        </a:defRPr>
-      </a:lvl8pPr>
-      <a:lvl9pPr marL="3657600" algn="l" defTabSz="914400" rtl="0" eaLnBrk="1" latinLnBrk="0" hangingPunct="1">
-        <a:defRPr sz="1800" kern="1200">
-          <a:solidFill>
-            <a:schemeClr val="tx1"/>
-          </a:solidFill>
-          <a:latin typeface="+mn-lt"/>
-          <a:ea typeface="+mn-ea"/>
-          <a:cs typeface="+mn-cs"/>
-        </a:defRPr>
-      </a:lvl9pPr>
-    </p:otherStyle>
-  </p:txStyles>
 </p:sldMaster>
 </file>
 
 <file path=ppt/slides/slide1.xml><?xml version="1.0" encoding="utf-8"?>
-<p:sld xmlns:a="http://schemas.openxmlformats.org/drawingml/2006/main" xmlns:r="http://schemas.openxmlformats.org/officeDocument/2006/relationships" xmlns:p="http://schemas.openxmlformats.org/presentationml/2006/main">
+<p:sld xmlns:a="http://schemas.openxmlformats.org/drawingml/2006/main" xmlns:p="http://schemas.openxmlformats.org/presentationml/2006/main" xmlns:r="http://schemas.openxmlformats.org/officeDocument/2006/relationships" xmlns:p14="http://schemas.microsoft.com/office/powerpoint/2010/main" xmlns:p15="http://schemas.microsoft.com/office/powerpoint/2012/main" xmlns:mc="http://schemas.openxmlformats.org/markup-compatibility/2006">
   <p:cSld>
     <p:spTree>
       <p:nvGrpSpPr>
@@ -2162,18 +1786,46 @@
       </p:grpSpPr>
       <p:grpSp>
         <p:nvGrpSpPr>
-          <p:cNvPr id="39" name="Group 2"/>
+          <p:cNvPr id="38" name="Group 1"/>
           <p:cNvGrpSpPr/>
           <p:nvPr/>
         </p:nvGrpSpPr>
         <p:grpSpPr>
           <a:xfrm>
             <a:off x="109800" y="1828800"/>
-            <a:ext cx="1446120" cy="731520"/>
+            <a:ext cx="1445760" cy="731160"/>
             <a:chOff x="109800" y="1828800"/>
-            <a:chExt cx="1446120" cy="731520"/>
+            <a:chExt cx="1445760" cy="731160"/>
           </a:xfrm>
         </p:grpSpPr>
+        <p:sp>
+          <p:nvSpPr>
+            <p:cNvPr id="39" name="CustomShape 2"/>
+            <p:cNvSpPr/>
+            <p:nvPr/>
+          </p:nvSpPr>
+          <p:spPr>
+            <a:xfrm>
+              <a:off x="109800" y="1828800"/>
+              <a:ext cx="1420920" cy="731160"/>
+            </a:xfrm>
+            <a:prstGeom prst="ellipse">
+              <a:avLst/>
+            </a:prstGeom>
+            <a:solidFill>
+              <a:srgbClr val="cccccc"/>
+            </a:solidFill>
+            <a:ln>
+              <a:noFill/>
+            </a:ln>
+          </p:spPr>
+          <p:style>
+            <a:lnRef idx="0"/>
+            <a:fillRef idx="0"/>
+            <a:effectRef idx="0"/>
+            <a:fontRef idx="minor"/>
+          </p:style>
+        </p:sp>
         <p:sp>
           <p:nvSpPr>
             <p:cNvPr id="40" name="CustomShape 3"/>
@@ -2182,40 +1834,8 @@
           </p:nvSpPr>
           <p:spPr>
             <a:xfrm>
-              <a:off x="109800" y="1828800"/>
-              <a:ext cx="1421280" cy="731520"/>
-            </a:xfrm>
-            <a:prstGeom prst="ellipse">
-              <a:avLst/>
-            </a:prstGeom>
-            <a:solidFill>
-              <a:srgbClr val="CCCCCC"/>
-            </a:solidFill>
-            <a:ln/>
-          </p:spPr>
-          <p:style>
-            <a:lnRef idx="0">
-              <a:scrgbClr r="0" g="0" b="0"/>
-            </a:lnRef>
-            <a:fillRef idx="0">
-              <a:scrgbClr r="0" g="0" b="0"/>
-            </a:fillRef>
-            <a:effectRef idx="0">
-              <a:scrgbClr r="0" g="0" b="0"/>
-            </a:effectRef>
-            <a:fontRef idx="minor"/>
-          </p:style>
-        </p:sp>
-        <p:sp>
-          <p:nvSpPr>
-            <p:cNvPr id="41" name="CustomShape 4"/>
-            <p:cNvSpPr/>
-            <p:nvPr/>
-          </p:nvSpPr>
-          <p:spPr>
-            <a:xfrm>
               <a:off x="168480" y="2067120"/>
-              <a:ext cx="1387440" cy="315720"/>
+              <a:ext cx="1387080" cy="315360"/>
             </a:xfrm>
             <a:prstGeom prst="rect">
               <a:avLst/>
@@ -2226,20 +1846,15 @@
             </a:ln>
           </p:spPr>
           <p:style>
-            <a:lnRef idx="0">
-              <a:scrgbClr r="0" g="0" b="0"/>
-            </a:lnRef>
-            <a:fillRef idx="0">
-              <a:scrgbClr r="0" g="0" b="0"/>
-            </a:fillRef>
-            <a:effectRef idx="0">
-              <a:scrgbClr r="0" g="0" b="0"/>
-            </a:effectRef>
+            <a:lnRef idx="0"/>
+            <a:fillRef idx="0"/>
+            <a:effectRef idx="0"/>
             <a:fontRef idx="minor"/>
           </p:style>
           <p:txBody>
-            <a:bodyPr lIns="90000" tIns="45000" rIns="90000" bIns="45000"/>
-            <a:lstStyle/>
+            <a:bodyPr lIns="90000" rIns="90000" tIns="45000" bIns="45000">
+              <a:noAutofit/>
+            </a:bodyPr>
             <a:p>
               <a:pPr>
                 <a:lnSpc>
@@ -2247,16 +1862,26 @@
                 </a:lnSpc>
               </a:pPr>
               <a:r>
-                <a:rPr lang="en-US" sz="1400" b="0" strike="noStrike" spc="-1" dirty="0" smtClean="0">
+                <a:rPr b="0" lang="en-US" sz="1400" spc="-1" strike="noStrike">
                   <a:solidFill>
                     <a:srgbClr val="000000"/>
                   </a:solidFill>
                   <a:latin typeface="Arial"/>
                   <a:ea typeface="DejaVu Sans"/>
                 </a:rPr>
-                <a:t>    Receiver</a:t>
+                <a:t>    </a:t>
               </a:r>
-              <a:endParaRPr lang="en-US" sz="1400" b="0" strike="noStrike" spc="-1" dirty="0">
+              <a:r>
+                <a:rPr b="0" lang="en-US" sz="1400" spc="-1" strike="noStrike">
+                  <a:solidFill>
+                    <a:srgbClr val="000000"/>
+                  </a:solidFill>
+                  <a:latin typeface="Arial"/>
+                  <a:ea typeface="DejaVu Sans"/>
+                </a:rPr>
+                <a:t>Receiver</a:t>
+              </a:r>
+              <a:endParaRPr b="0" lang="en-US" sz="1400" spc="-1" strike="noStrike">
                 <a:latin typeface="Arial"/>
               </a:endParaRPr>
             </a:p>
@@ -2265,18 +1890,46 @@
       </p:grpSp>
       <p:grpSp>
         <p:nvGrpSpPr>
-          <p:cNvPr id="42" name="Group 5"/>
+          <p:cNvPr id="41" name="Group 4"/>
           <p:cNvGrpSpPr/>
           <p:nvPr/>
         </p:nvGrpSpPr>
         <p:grpSpPr>
           <a:xfrm>
             <a:off x="1938600" y="1975680"/>
-            <a:ext cx="1384920" cy="456840"/>
+            <a:ext cx="1384560" cy="456480"/>
             <a:chOff x="1938600" y="1975680"/>
-            <a:chExt cx="1384920" cy="456840"/>
+            <a:chExt cx="1384560" cy="456480"/>
           </a:xfrm>
         </p:grpSpPr>
+        <p:sp>
+          <p:nvSpPr>
+            <p:cNvPr id="42" name="CustomShape 5"/>
+            <p:cNvSpPr/>
+            <p:nvPr/>
+          </p:nvSpPr>
+          <p:spPr>
+            <a:xfrm>
+              <a:off x="1938600" y="1975680"/>
+              <a:ext cx="1384560" cy="456480"/>
+            </a:xfrm>
+            <a:prstGeom prst="rect">
+              <a:avLst/>
+            </a:prstGeom>
+            <a:solidFill>
+              <a:srgbClr val="ff6600"/>
+            </a:solidFill>
+            <a:ln>
+              <a:noFill/>
+            </a:ln>
+          </p:spPr>
+          <p:style>
+            <a:lnRef idx="0"/>
+            <a:fillRef idx="0"/>
+            <a:effectRef idx="0"/>
+            <a:fontRef idx="minor"/>
+          </p:style>
+        </p:sp>
         <p:sp>
           <p:nvSpPr>
             <p:cNvPr id="43" name="CustomShape 6"/>
@@ -2285,40 +1938,8 @@
           </p:nvSpPr>
           <p:spPr>
             <a:xfrm>
-              <a:off x="1938600" y="1975680"/>
-              <a:ext cx="1384920" cy="456840"/>
-            </a:xfrm>
-            <a:prstGeom prst="rect">
-              <a:avLst/>
-            </a:prstGeom>
-            <a:solidFill>
-              <a:srgbClr val="FF6600"/>
-            </a:solidFill>
-            <a:ln/>
-          </p:spPr>
-          <p:style>
-            <a:lnRef idx="0">
-              <a:scrgbClr r="0" g="0" b="0"/>
-            </a:lnRef>
-            <a:fillRef idx="0">
-              <a:scrgbClr r="0" g="0" b="0"/>
-            </a:fillRef>
-            <a:effectRef idx="0">
-              <a:scrgbClr r="0" g="0" b="0"/>
-            </a:effectRef>
-            <a:fontRef idx="minor"/>
-          </p:style>
-        </p:sp>
-        <p:sp>
-          <p:nvSpPr>
-            <p:cNvPr id="44" name="CustomShape 7"/>
-            <p:cNvSpPr/>
-            <p:nvPr/>
-          </p:nvSpPr>
-          <p:spPr>
-            <a:xfrm>
               <a:off x="2076840" y="2067120"/>
-              <a:ext cx="1049040" cy="315720"/>
+              <a:ext cx="1048680" cy="315360"/>
             </a:xfrm>
             <a:prstGeom prst="rect">
               <a:avLst/>
@@ -2329,20 +1950,15 @@
             </a:ln>
           </p:spPr>
           <p:style>
-            <a:lnRef idx="0">
-              <a:scrgbClr r="0" g="0" b="0"/>
-            </a:lnRef>
-            <a:fillRef idx="0">
-              <a:scrgbClr r="0" g="0" b="0"/>
-            </a:fillRef>
-            <a:effectRef idx="0">
-              <a:scrgbClr r="0" g="0" b="0"/>
-            </a:effectRef>
+            <a:lnRef idx="0"/>
+            <a:fillRef idx="0"/>
+            <a:effectRef idx="0"/>
             <a:fontRef idx="minor"/>
           </p:style>
           <p:txBody>
-            <a:bodyPr lIns="90000" tIns="45000" rIns="90000" bIns="45000"/>
-            <a:lstStyle/>
+            <a:bodyPr lIns="90000" rIns="90000" tIns="45000" bIns="45000">
+              <a:noAutofit/>
+            </a:bodyPr>
             <a:p>
               <a:pPr>
                 <a:lnSpc>
@@ -2350,16 +1966,26 @@
                 </a:lnSpc>
               </a:pPr>
               <a:r>
-                <a:rPr lang="en-US" sz="1400" b="0" strike="noStrike" spc="-1">
+                <a:rPr b="0" lang="en-US" sz="1400" spc="-1" strike="noStrike">
                   <a:solidFill>
                     <a:srgbClr val="000000"/>
                   </a:solidFill>
                   <a:latin typeface="Arial"/>
                   <a:ea typeface="DejaVu Sans"/>
                 </a:rPr>
-                <a:t>  Demands</a:t>
+                <a:t>  </a:t>
               </a:r>
-              <a:endParaRPr lang="en-US" sz="1400" b="0" strike="noStrike" spc="-1">
+              <a:r>
+                <a:rPr b="0" lang="en-US" sz="1400" spc="-1" strike="noStrike">
+                  <a:solidFill>
+                    <a:srgbClr val="000000"/>
+                  </a:solidFill>
+                  <a:latin typeface="Arial"/>
+                  <a:ea typeface="DejaVu Sans"/>
+                </a:rPr>
+                <a:t>Demands</a:t>
+              </a:r>
+              <a:endParaRPr b="0" lang="en-US" sz="1400" spc="-1" strike="noStrike">
                 <a:latin typeface="Arial"/>
               </a:endParaRPr>
             </a:p>
@@ -2368,46 +1994,42 @@
       </p:grpSp>
       <p:sp>
         <p:nvSpPr>
+          <p:cNvPr id="44" name="CustomShape 7"/>
+          <p:cNvSpPr/>
+          <p:nvPr/>
+        </p:nvSpPr>
+        <p:spPr>
+          <a:xfrm>
+            <a:off x="2251800" y="3520440"/>
+            <a:ext cx="1384560" cy="456480"/>
+          </a:xfrm>
+          <a:prstGeom prst="rect">
+            <a:avLst/>
+          </a:prstGeom>
+          <a:solidFill>
+            <a:srgbClr val="66ff00"/>
+          </a:solidFill>
+          <a:ln>
+            <a:noFill/>
+          </a:ln>
+        </p:spPr>
+        <p:style>
+          <a:lnRef idx="0"/>
+          <a:fillRef idx="0"/>
+          <a:effectRef idx="0"/>
+          <a:fontRef idx="minor"/>
+        </p:style>
+      </p:sp>
+      <p:sp>
+        <p:nvSpPr>
           <p:cNvPr id="45" name="CustomShape 8"/>
           <p:cNvSpPr/>
           <p:nvPr/>
         </p:nvSpPr>
         <p:spPr>
           <a:xfrm>
-            <a:off x="2251800" y="3520440"/>
-            <a:ext cx="1384920" cy="456840"/>
-          </a:xfrm>
-          <a:prstGeom prst="rect">
-            <a:avLst/>
-          </a:prstGeom>
-          <a:solidFill>
-            <a:srgbClr val="66FF00"/>
-          </a:solidFill>
-          <a:ln/>
-        </p:spPr>
-        <p:style>
-          <a:lnRef idx="0">
-            <a:scrgbClr r="0" g="0" b="0"/>
-          </a:lnRef>
-          <a:fillRef idx="0">
-            <a:scrgbClr r="0" g="0" b="0"/>
-          </a:fillRef>
-          <a:effectRef idx="0">
-            <a:scrgbClr r="0" g="0" b="0"/>
-          </a:effectRef>
-          <a:fontRef idx="minor"/>
-        </p:style>
-      </p:sp>
-      <p:sp>
-        <p:nvSpPr>
-          <p:cNvPr id="46" name="CustomShape 9"/>
-          <p:cNvSpPr/>
-          <p:nvPr/>
-        </p:nvSpPr>
-        <p:spPr>
-          <a:xfrm>
             <a:off x="2570040" y="3566160"/>
-            <a:ext cx="654480" cy="315720"/>
+            <a:ext cx="654120" cy="315360"/>
           </a:xfrm>
           <a:prstGeom prst="rect">
             <a:avLst/>
@@ -2418,20 +2040,15 @@
           </a:ln>
         </p:spPr>
         <p:style>
-          <a:lnRef idx="0">
-            <a:scrgbClr r="0" g="0" b="0"/>
-          </a:lnRef>
-          <a:fillRef idx="0">
-            <a:scrgbClr r="0" g="0" b="0"/>
-          </a:fillRef>
-          <a:effectRef idx="0">
-            <a:scrgbClr r="0" g="0" b="0"/>
-          </a:effectRef>
+          <a:lnRef idx="0"/>
+          <a:fillRef idx="0"/>
+          <a:effectRef idx="0"/>
           <a:fontRef idx="minor"/>
         </p:style>
         <p:txBody>
-          <a:bodyPr lIns="90000" tIns="45000" rIns="90000" bIns="45000"/>
-          <a:lstStyle/>
+          <a:bodyPr lIns="90000" rIns="90000" tIns="45000" bIns="45000">
+            <a:noAutofit/>
+          </a:bodyPr>
           <a:p>
             <a:pPr>
               <a:lnSpc>
@@ -2439,7 +2056,7 @@
               </a:lnSpc>
             </a:pPr>
             <a:r>
-              <a:rPr lang="en-US" sz="1400" b="0" strike="noStrike" spc="-1">
+              <a:rPr b="0" lang="en-US" sz="1400" spc="-1" strike="noStrike">
                 <a:solidFill>
                   <a:srgbClr val="000000"/>
                 </a:solidFill>
@@ -2448,7 +2065,7 @@
               </a:rPr>
               <a:t>State</a:t>
             </a:r>
-            <a:endParaRPr lang="en-US" sz="1400" b="0" strike="noStrike" spc="-1">
+            <a:endParaRPr b="0" lang="en-US" sz="1400" spc="-1" strike="noStrike">
               <a:latin typeface="Arial"/>
             </a:endParaRPr>
           </a:p>
@@ -2456,18 +2073,46 @@
       </p:sp>
       <p:grpSp>
         <p:nvGrpSpPr>
-          <p:cNvPr id="47" name="Group 10"/>
+          <p:cNvPr id="46" name="Group 9"/>
           <p:cNvGrpSpPr/>
           <p:nvPr/>
         </p:nvGrpSpPr>
         <p:grpSpPr>
           <a:xfrm>
             <a:off x="5607000" y="2688840"/>
-            <a:ext cx="1187280" cy="456840"/>
+            <a:ext cx="1186920" cy="456480"/>
             <a:chOff x="5607000" y="2688840"/>
-            <a:chExt cx="1187280" cy="456840"/>
+            <a:chExt cx="1186920" cy="456480"/>
           </a:xfrm>
         </p:grpSpPr>
+        <p:sp>
+          <p:nvSpPr>
+            <p:cNvPr id="47" name="CustomShape 10"/>
+            <p:cNvSpPr/>
+            <p:nvPr/>
+          </p:nvSpPr>
+          <p:spPr>
+            <a:xfrm>
+              <a:off x="5607000" y="2688840"/>
+              <a:ext cx="1186920" cy="456480"/>
+            </a:xfrm>
+            <a:prstGeom prst="rect">
+              <a:avLst/>
+            </a:prstGeom>
+            <a:solidFill>
+              <a:srgbClr val="ff6600"/>
+            </a:solidFill>
+            <a:ln>
+              <a:noFill/>
+            </a:ln>
+          </p:spPr>
+          <p:style>
+            <a:lnRef idx="0"/>
+            <a:fillRef idx="0"/>
+            <a:effectRef idx="0"/>
+            <a:fontRef idx="minor"/>
+          </p:style>
+        </p:sp>
         <p:sp>
           <p:nvSpPr>
             <p:cNvPr id="48" name="CustomShape 11"/>
@@ -2476,40 +2121,8 @@
           </p:nvSpPr>
           <p:spPr>
             <a:xfrm>
-              <a:off x="5607000" y="2688840"/>
-              <a:ext cx="1187280" cy="456840"/>
-            </a:xfrm>
-            <a:prstGeom prst="rect">
-              <a:avLst/>
-            </a:prstGeom>
-            <a:solidFill>
-              <a:srgbClr val="FF6600"/>
-            </a:solidFill>
-            <a:ln/>
-          </p:spPr>
-          <p:style>
-            <a:lnRef idx="0">
-              <a:scrgbClr r="0" g="0" b="0"/>
-            </a:lnRef>
-            <a:fillRef idx="0">
-              <a:scrgbClr r="0" g="0" b="0"/>
-            </a:fillRef>
-            <a:effectRef idx="0">
-              <a:scrgbClr r="0" g="0" b="0"/>
-            </a:effectRef>
-            <a:fontRef idx="minor"/>
-          </p:style>
-        </p:sp>
-        <p:sp>
-          <p:nvSpPr>
-            <p:cNvPr id="49" name="CustomShape 12"/>
-            <p:cNvSpPr/>
-            <p:nvPr/>
-          </p:nvSpPr>
-          <p:spPr>
-            <a:xfrm>
               <a:off x="5745240" y="2780280"/>
-              <a:ext cx="1049040" cy="315720"/>
+              <a:ext cx="1048680" cy="315360"/>
             </a:xfrm>
             <a:prstGeom prst="rect">
               <a:avLst/>
@@ -2520,20 +2133,15 @@
             </a:ln>
           </p:spPr>
           <p:style>
-            <a:lnRef idx="0">
-              <a:scrgbClr r="0" g="0" b="0"/>
-            </a:lnRef>
-            <a:fillRef idx="0">
-              <a:scrgbClr r="0" g="0" b="0"/>
-            </a:fillRef>
-            <a:effectRef idx="0">
-              <a:scrgbClr r="0" g="0" b="0"/>
-            </a:effectRef>
+            <a:lnRef idx="0"/>
+            <a:fillRef idx="0"/>
+            <a:effectRef idx="0"/>
             <a:fontRef idx="minor"/>
           </p:style>
           <p:txBody>
-            <a:bodyPr lIns="90000" tIns="45000" rIns="90000" bIns="45000"/>
-            <a:lstStyle/>
+            <a:bodyPr lIns="90000" rIns="90000" tIns="45000" bIns="45000">
+              <a:noAutofit/>
+            </a:bodyPr>
             <a:p>
               <a:pPr>
                 <a:lnSpc>
@@ -2541,7 +2149,7 @@
                 </a:lnSpc>
               </a:pPr>
               <a:r>
-                <a:rPr lang="en-US" sz="1400" b="0" strike="noStrike" spc="-1">
+                <a:rPr b="0" lang="en-US" sz="1400" spc="-1" strike="noStrike">
                   <a:solidFill>
                     <a:srgbClr val="000000"/>
                   </a:solidFill>
@@ -2550,7 +2158,7 @@
                 </a:rPr>
                 <a:t>Demands</a:t>
               </a:r>
-              <a:endParaRPr lang="en-US" sz="1400" b="0" strike="noStrike" spc="-1">
+              <a:endParaRPr b="0" lang="en-US" sz="1400" spc="-1" strike="noStrike">
                 <a:latin typeface="Arial"/>
               </a:endParaRPr>
             </a:p>
@@ -2559,46 +2167,42 @@
       </p:grpSp>
       <p:sp>
         <p:nvSpPr>
+          <p:cNvPr id="49" name="CustomShape 12"/>
+          <p:cNvSpPr/>
+          <p:nvPr/>
+        </p:nvSpPr>
+        <p:spPr>
+          <a:xfrm>
+            <a:off x="7236360" y="2612880"/>
+            <a:ext cx="1204920" cy="587160"/>
+          </a:xfrm>
+          <a:prstGeom prst="ellipse">
+            <a:avLst/>
+          </a:prstGeom>
+          <a:solidFill>
+            <a:srgbClr val="729fcf"/>
+          </a:solidFill>
+          <a:ln>
+            <a:noFill/>
+          </a:ln>
+        </p:spPr>
+        <p:style>
+          <a:lnRef idx="0"/>
+          <a:fillRef idx="0"/>
+          <a:effectRef idx="0"/>
+          <a:fontRef idx="minor"/>
+        </p:style>
+      </p:sp>
+      <p:sp>
+        <p:nvSpPr>
           <p:cNvPr id="50" name="CustomShape 13"/>
           <p:cNvSpPr/>
           <p:nvPr/>
         </p:nvSpPr>
         <p:spPr>
           <a:xfrm>
-            <a:off x="7236360" y="2612880"/>
-            <a:ext cx="1205280" cy="587520"/>
-          </a:xfrm>
-          <a:prstGeom prst="ellipse">
-            <a:avLst/>
-          </a:prstGeom>
-          <a:solidFill>
-            <a:srgbClr val="729FCF"/>
-          </a:solidFill>
-          <a:ln/>
-        </p:spPr>
-        <p:style>
-          <a:lnRef idx="0">
-            <a:scrgbClr r="0" g="0" b="0"/>
-          </a:lnRef>
-          <a:fillRef idx="0">
-            <a:scrgbClr r="0" g="0" b="0"/>
-          </a:fillRef>
-          <a:effectRef idx="0">
-            <a:scrgbClr r="0" g="0" b="0"/>
-          </a:effectRef>
-          <a:fontRef idx="minor"/>
-        </p:style>
-      </p:sp>
-      <p:sp>
-        <p:nvSpPr>
-          <p:cNvPr id="51" name="CustomShape 14"/>
-          <p:cNvSpPr/>
-          <p:nvPr/>
-        </p:nvSpPr>
-        <p:spPr>
-          <a:xfrm>
             <a:off x="7521120" y="2762640"/>
-            <a:ext cx="626400" cy="289800"/>
+            <a:ext cx="626040" cy="289440"/>
           </a:xfrm>
           <a:prstGeom prst="rect">
             <a:avLst/>
@@ -2609,20 +2213,15 @@
           </a:ln>
         </p:spPr>
         <p:style>
-          <a:lnRef idx="0">
-            <a:scrgbClr r="0" g="0" b="0"/>
-          </a:lnRef>
-          <a:fillRef idx="0">
-            <a:scrgbClr r="0" g="0" b="0"/>
-          </a:fillRef>
-          <a:effectRef idx="0">
-            <a:scrgbClr r="0" g="0" b="0"/>
-          </a:effectRef>
+          <a:lnRef idx="0"/>
+          <a:fillRef idx="0"/>
+          <a:effectRef idx="0"/>
           <a:fontRef idx="minor"/>
         </p:style>
         <p:txBody>
-          <a:bodyPr lIns="90000" tIns="45000" rIns="90000" bIns="45000"/>
-          <a:lstStyle/>
+          <a:bodyPr lIns="90000" rIns="90000" tIns="45000" bIns="45000">
+            <a:noAutofit/>
+          </a:bodyPr>
           <a:p>
             <a:pPr>
               <a:lnSpc>
@@ -2630,7 +2229,7 @@
               </a:lnSpc>
             </a:pPr>
             <a:r>
-              <a:rPr lang="en-US" sz="1400" b="0" strike="noStrike" spc="-1" dirty="0">
+              <a:rPr b="0" lang="en-US" sz="1400" spc="-1" strike="noStrike">
                 <a:solidFill>
                   <a:srgbClr val="000000"/>
                 </a:solidFill>
@@ -2639,11 +2238,39 @@
               </a:rPr>
               <a:t>Mixer</a:t>
             </a:r>
-            <a:endParaRPr lang="en-US" sz="1400" b="0" strike="noStrike" spc="-1" dirty="0">
-              <a:latin typeface="Arial"/>
-            </a:endParaRPr>
-          </a:p>
-        </p:txBody>
+            <a:endParaRPr b="0" lang="en-US" sz="1400" spc="-1" strike="noStrike">
+              <a:latin typeface="Arial"/>
+            </a:endParaRPr>
+          </a:p>
+        </p:txBody>
+      </p:sp>
+      <p:sp>
+        <p:nvSpPr>
+          <p:cNvPr id="51" name="CustomShape 14"/>
+          <p:cNvSpPr/>
+          <p:nvPr/>
+        </p:nvSpPr>
+        <p:spPr>
+          <a:xfrm>
+            <a:off x="3869640" y="2551320"/>
+            <a:ext cx="1463040" cy="730800"/>
+          </a:xfrm>
+          <a:prstGeom prst="ellipse">
+            <a:avLst/>
+          </a:prstGeom>
+          <a:solidFill>
+            <a:srgbClr val="cccccc"/>
+          </a:solidFill>
+          <a:ln>
+            <a:noFill/>
+          </a:ln>
+        </p:spPr>
+        <p:style>
+          <a:lnRef idx="0"/>
+          <a:fillRef idx="0"/>
+          <a:effectRef idx="0"/>
+          <a:fontRef idx="minor"/>
+        </p:style>
       </p:sp>
       <p:sp>
         <p:nvSpPr>
@@ -2653,40 +2280,8 @@
         </p:nvSpPr>
         <p:spPr>
           <a:xfrm>
-            <a:off x="3869640" y="2551320"/>
-            <a:ext cx="1463400" cy="731160"/>
-          </a:xfrm>
-          <a:prstGeom prst="ellipse">
-            <a:avLst/>
-          </a:prstGeom>
-          <a:solidFill>
-            <a:srgbClr val="CCCCCC"/>
-          </a:solidFill>
-          <a:ln/>
-        </p:spPr>
-        <p:style>
-          <a:lnRef idx="0">
-            <a:scrgbClr r="0" g="0" b="0"/>
-          </a:lnRef>
-          <a:fillRef idx="0">
-            <a:scrgbClr r="0" g="0" b="0"/>
-          </a:fillRef>
-          <a:effectRef idx="0">
-            <a:scrgbClr r="0" g="0" b="0"/>
-          </a:effectRef>
-          <a:fontRef idx="minor"/>
-        </p:style>
-      </p:sp>
-      <p:sp>
-        <p:nvSpPr>
-          <p:cNvPr id="53" name="CustomShape 16"/>
-          <p:cNvSpPr/>
-          <p:nvPr/>
-        </p:nvSpPr>
-        <p:spPr>
-          <a:xfrm>
             <a:off x="3889080" y="2632680"/>
-            <a:ext cx="1465920" cy="315720"/>
+            <a:ext cx="1465560" cy="315360"/>
           </a:xfrm>
           <a:prstGeom prst="rect">
             <a:avLst/>
@@ -2697,20 +2292,15 @@
           </a:ln>
         </p:spPr>
         <p:style>
-          <a:lnRef idx="0">
-            <a:scrgbClr r="0" g="0" b="0"/>
-          </a:lnRef>
-          <a:fillRef idx="0">
-            <a:scrgbClr r="0" g="0" b="0"/>
-          </a:fillRef>
-          <a:effectRef idx="0">
-            <a:scrgbClr r="0" g="0" b="0"/>
-          </a:effectRef>
+          <a:lnRef idx="0"/>
+          <a:fillRef idx="0"/>
+          <a:effectRef idx="0"/>
           <a:fontRef idx="minor"/>
         </p:style>
         <p:txBody>
-          <a:bodyPr lIns="90000" tIns="45000" rIns="90000" bIns="45000"/>
-          <a:lstStyle/>
+          <a:bodyPr lIns="90000" rIns="90000" tIns="45000" bIns="45000">
+            <a:noAutofit/>
+          </a:bodyPr>
           <a:p>
             <a:pPr algn="ctr">
               <a:lnSpc>
@@ -2718,7 +2308,7 @@
               </a:lnSpc>
             </a:pPr>
             <a:r>
-              <a:rPr lang="en-US" sz="1500" b="0" strike="noStrike" spc="-1">
+              <a:rPr b="0" lang="en-US" sz="1500" spc="-1" strike="noStrike">
                 <a:solidFill>
                   <a:srgbClr val="000000"/>
                 </a:solidFill>
@@ -2727,7 +2317,7 @@
               </a:rPr>
               <a:t>PID </a:t>
             </a:r>
-            <a:endParaRPr lang="en-US" sz="1500" b="0" strike="noStrike" spc="-1">
+            <a:endParaRPr b="0" lang="en-US" sz="1500" spc="-1" strike="noStrike">
               <a:latin typeface="Arial"/>
             </a:endParaRPr>
           </a:p>
@@ -2738,7 +2328,7 @@
               </a:lnSpc>
             </a:pPr>
             <a:r>
-              <a:rPr lang="en-US" sz="1500" b="0" strike="noStrike" spc="-1">
+              <a:rPr b="0" lang="en-US" sz="1500" spc="-1" strike="noStrike">
                 <a:solidFill>
                   <a:srgbClr val="000000"/>
                 </a:solidFill>
@@ -2747,7 +2337,7 @@
               </a:rPr>
               <a:t>Controllers</a:t>
             </a:r>
-            <a:endParaRPr lang="en-US" sz="1500" b="0" strike="noStrike" spc="-1">
+            <a:endParaRPr b="0" lang="en-US" sz="1500" spc="-1" strike="noStrike">
               <a:latin typeface="Arial"/>
             </a:endParaRPr>
           </a:p>
@@ -2755,60 +2345,56 @@
       </p:sp>
       <p:grpSp>
         <p:nvGrpSpPr>
-          <p:cNvPr id="56" name="Group 19"/>
+          <p:cNvPr id="53" name="Group 16"/>
           <p:cNvGrpSpPr/>
           <p:nvPr/>
         </p:nvGrpSpPr>
         <p:grpSpPr>
           <a:xfrm>
             <a:off x="54360" y="3200400"/>
-            <a:ext cx="1737360" cy="1097280"/>
+            <a:ext cx="1737000" cy="1096920"/>
             <a:chOff x="54360" y="3200400"/>
-            <a:chExt cx="1737360" cy="1097280"/>
+            <a:chExt cx="1737000" cy="1096920"/>
           </a:xfrm>
         </p:grpSpPr>
         <p:sp>
           <p:nvSpPr>
-            <p:cNvPr id="57" name="CustomShape 20"/>
+            <p:cNvPr id="54" name="CustomShape 17"/>
             <p:cNvSpPr/>
             <p:nvPr/>
           </p:nvSpPr>
           <p:spPr>
             <a:xfrm>
               <a:off x="54360" y="3200400"/>
-              <a:ext cx="1737360" cy="1097280"/>
+              <a:ext cx="1737000" cy="1096920"/>
             </a:xfrm>
             <a:prstGeom prst="ellipse">
               <a:avLst/>
             </a:prstGeom>
             <a:solidFill>
-              <a:srgbClr val="CCCCCC"/>
+              <a:srgbClr val="cccccc"/>
             </a:solidFill>
-            <a:ln/>
+            <a:ln>
+              <a:noFill/>
+            </a:ln>
           </p:spPr>
           <p:style>
-            <a:lnRef idx="0">
-              <a:scrgbClr r="0" g="0" b="0"/>
-            </a:lnRef>
-            <a:fillRef idx="0">
-              <a:scrgbClr r="0" g="0" b="0"/>
-            </a:fillRef>
-            <a:effectRef idx="0">
-              <a:scrgbClr r="0" g="0" b="0"/>
-            </a:effectRef>
+            <a:lnRef idx="0"/>
+            <a:fillRef idx="0"/>
+            <a:effectRef idx="0"/>
             <a:fontRef idx="minor"/>
           </p:style>
         </p:sp>
         <p:sp>
           <p:nvSpPr>
-            <p:cNvPr id="58" name="CustomShape 21"/>
+            <p:cNvPr id="55" name="CustomShape 18"/>
             <p:cNvSpPr/>
             <p:nvPr/>
           </p:nvSpPr>
           <p:spPr>
             <a:xfrm>
               <a:off x="439920" y="3350160"/>
-              <a:ext cx="925560" cy="315720"/>
+              <a:ext cx="925200" cy="315360"/>
             </a:xfrm>
             <a:prstGeom prst="rect">
               <a:avLst/>
@@ -2819,20 +2405,15 @@
             </a:ln>
           </p:spPr>
           <p:style>
-            <a:lnRef idx="0">
-              <a:scrgbClr r="0" g="0" b="0"/>
-            </a:lnRef>
-            <a:fillRef idx="0">
-              <a:scrgbClr r="0" g="0" b="0"/>
-            </a:fillRef>
-            <a:effectRef idx="0">
-              <a:scrgbClr r="0" g="0" b="0"/>
-            </a:effectRef>
+            <a:lnRef idx="0"/>
+            <a:fillRef idx="0"/>
+            <a:effectRef idx="0"/>
             <a:fontRef idx="minor"/>
           </p:style>
           <p:txBody>
-            <a:bodyPr lIns="90000" tIns="45000" rIns="90000" bIns="45000"/>
-            <a:lstStyle/>
+            <a:bodyPr lIns="90000" rIns="90000" tIns="45000" bIns="45000">
+              <a:noAutofit/>
+            </a:bodyPr>
             <a:p>
               <a:pPr>
                 <a:lnSpc>
@@ -2840,7 +2421,7 @@
                 </a:lnSpc>
               </a:pPr>
               <a:r>
-                <a:rPr lang="en-US" sz="1400" b="0" strike="noStrike" spc="-1">
+                <a:rPr b="0" lang="en-US" sz="1400" spc="-1" strike="noStrike">
                   <a:solidFill>
                     <a:srgbClr val="000000"/>
                   </a:solidFill>
@@ -2849,7 +2430,7 @@
                 </a:rPr>
                 <a:t>Sensors</a:t>
               </a:r>
-              <a:endParaRPr lang="en-US" sz="1400" b="0" strike="noStrike" spc="-1">
+              <a:endParaRPr b="0" lang="en-US" sz="1400" spc="-1" strike="noStrike">
                 <a:latin typeface="Arial"/>
               </a:endParaRPr>
             </a:p>
@@ -2857,60 +2438,56 @@
         </p:sp>
         <p:grpSp>
           <p:nvGrpSpPr>
-            <p:cNvPr id="59" name="Group 22"/>
+            <p:cNvPr id="56" name="Group 19"/>
             <p:cNvGrpSpPr/>
             <p:nvPr/>
           </p:nvGrpSpPr>
           <p:grpSpPr>
             <a:xfrm>
               <a:off x="506880" y="3693600"/>
-              <a:ext cx="785880" cy="421200"/>
+              <a:ext cx="785520" cy="420840"/>
               <a:chOff x="506880" y="3693600"/>
-              <a:chExt cx="785880" cy="421200"/>
+              <a:chExt cx="785520" cy="420840"/>
             </a:xfrm>
           </p:grpSpPr>
           <p:sp>
             <p:nvSpPr>
-              <p:cNvPr id="60" name="CustomShape 23"/>
+              <p:cNvPr id="57" name="CustomShape 20"/>
               <p:cNvSpPr/>
               <p:nvPr/>
             </p:nvSpPr>
             <p:spPr>
               <a:xfrm>
                 <a:off x="506880" y="3693600"/>
-                <a:ext cx="785880" cy="421200"/>
+                <a:ext cx="785520" cy="420840"/>
               </a:xfrm>
               <a:prstGeom prst="ellipse">
                 <a:avLst/>
               </a:prstGeom>
               <a:solidFill>
-                <a:srgbClr val="729FCF"/>
-              </a:solidFill>
-              <a:ln/>
+                <a:srgbClr val="729fcf"/>
+              </a:solidFill>
+              <a:ln>
+                <a:noFill/>
+              </a:ln>
             </p:spPr>
             <p:style>
-              <a:lnRef idx="0">
-                <a:scrgbClr r="0" g="0" b="0"/>
-              </a:lnRef>
-              <a:fillRef idx="0">
-                <a:scrgbClr r="0" g="0" b="0"/>
-              </a:fillRef>
-              <a:effectRef idx="0">
-                <a:scrgbClr r="0" g="0" b="0"/>
-              </a:effectRef>
+              <a:lnRef idx="0"/>
+              <a:fillRef idx="0"/>
+              <a:effectRef idx="0"/>
               <a:fontRef idx="minor"/>
             </p:style>
           </p:sp>
           <p:sp>
             <p:nvSpPr>
-              <p:cNvPr id="61" name="CustomShape 24"/>
+              <p:cNvPr id="58" name="CustomShape 21"/>
               <p:cNvSpPr/>
               <p:nvPr/>
             </p:nvSpPr>
             <p:spPr>
               <a:xfrm>
                 <a:off x="624600" y="3755520"/>
-                <a:ext cx="529200" cy="291240"/>
+                <a:ext cx="528840" cy="290880"/>
               </a:xfrm>
               <a:prstGeom prst="rect">
                 <a:avLst/>
@@ -2921,20 +2498,15 @@
               </a:ln>
             </p:spPr>
             <p:style>
-              <a:lnRef idx="0">
-                <a:scrgbClr r="0" g="0" b="0"/>
-              </a:lnRef>
-              <a:fillRef idx="0">
-                <a:scrgbClr r="0" g="0" b="0"/>
-              </a:fillRef>
-              <a:effectRef idx="0">
-                <a:scrgbClr r="0" g="0" b="0"/>
-              </a:effectRef>
+              <a:lnRef idx="0"/>
+              <a:fillRef idx="0"/>
+              <a:effectRef idx="0"/>
               <a:fontRef idx="minor"/>
             </p:style>
             <p:txBody>
-              <a:bodyPr lIns="90000" tIns="45000" rIns="90000" bIns="45000"/>
-              <a:lstStyle/>
+              <a:bodyPr lIns="90000" rIns="90000" tIns="45000" bIns="45000">
+                <a:noAutofit/>
+              </a:bodyPr>
               <a:p>
                 <a:pPr>
                   <a:lnSpc>
@@ -2942,7 +2514,7 @@
                   </a:lnSpc>
                 </a:pPr>
                 <a:r>
-                  <a:rPr lang="en-US" sz="1400" b="0" strike="noStrike" spc="-1">
+                  <a:rPr b="0" lang="en-US" sz="1400" spc="-1" strike="noStrike">
                     <a:solidFill>
                       <a:srgbClr val="000000"/>
                     </a:solidFill>
@@ -2951,7 +2523,7 @@
                   </a:rPr>
                   <a:t>IMU</a:t>
                 </a:r>
-                <a:endParaRPr lang="en-US" sz="1400" b="0" strike="noStrike" spc="-1">
+                <a:endParaRPr b="0" lang="en-US" sz="1400" spc="-1" strike="noStrike">
                   <a:latin typeface="Arial"/>
                 </a:endParaRPr>
               </a:p>
@@ -2959,193 +2531,296 @@
           </p:sp>
         </p:grpSp>
       </p:grpSp>
-      <p:cxnSp>
-        <p:nvCxnSpPr>
-          <p:cNvPr id="62" name="Line 25"/>
-          <p:cNvCxnSpPr>
-            <a:stCxn id="56" idx="3"/>
-            <a:endCxn id="45" idx="1"/>
-          </p:cNvCxnSpPr>
+      <p:sp>
+        <p:nvSpPr>
+          <p:cNvPr id="59" name="CustomShape 22"/>
+          <p:cNvSpPr/>
           <p:nvPr/>
-        </p:nvCxnSpPr>
+        </p:nvSpPr>
         <p:spPr>
           <a:xfrm flipV="1">
-            <a:off x="1791720" y="3748680"/>
-            <a:ext cx="460440" cy="720"/>
-          </a:xfrm>
-          <a:prstGeom prst="straightConnector1">
-            <a:avLst/>
-          </a:prstGeom>
+            <a:off x="1791720" y="3747960"/>
+            <a:ext cx="460080" cy="360"/>
+          </a:xfrm>
+          <a:custGeom>
+            <a:avLst/>
+            <a:gdLst/>
+            <a:ahLst/>
+            <a:rect l="l" t="t" r="r" b="b"/>
+            <a:pathLst>
+              <a:path w="21600" h="21600">
+                <a:moveTo>
+                  <a:pt x="0" y="0"/>
+                </a:moveTo>
+                <a:lnTo>
+                  <a:pt x="21600" y="21600"/>
+                </a:lnTo>
+              </a:path>
+            </a:pathLst>
+          </a:custGeom>
+          <a:noFill/>
           <a:ln>
             <a:solidFill>
               <a:srgbClr val="000000"/>
             </a:solidFill>
-            <a:tailEnd type="triangle" w="med" len="med"/>
+            <a:tailEnd len="med" type="triangle" w="med"/>
           </a:ln>
         </p:spPr>
-      </p:cxnSp>
-      <p:cxnSp>
-        <p:nvCxnSpPr>
-          <p:cNvPr id="63" name="Line 26"/>
-          <p:cNvCxnSpPr>
-            <a:stCxn id="39" idx="3"/>
-            <a:endCxn id="43" idx="1"/>
-          </p:cNvCxnSpPr>
+        <p:style>
+          <a:lnRef idx="0"/>
+          <a:fillRef idx="0"/>
+          <a:effectRef idx="0"/>
+          <a:fontRef idx="minor"/>
+        </p:style>
+      </p:sp>
+      <p:sp>
+        <p:nvSpPr>
+          <p:cNvPr id="60" name="CustomShape 23"/>
+          <p:cNvSpPr/>
           <p:nvPr/>
-        </p:nvCxnSpPr>
+        </p:nvSpPr>
         <p:spPr>
           <a:xfrm>
             <a:off x="1555920" y="2194560"/>
-            <a:ext cx="383040" cy="9720"/>
-          </a:xfrm>
-          <a:prstGeom prst="straightConnector1">
-            <a:avLst/>
-          </a:prstGeom>
+            <a:ext cx="382680" cy="9360"/>
+          </a:xfrm>
+          <a:custGeom>
+            <a:avLst/>
+            <a:gdLst/>
+            <a:ahLst/>
+            <a:rect l="l" t="t" r="r" b="b"/>
+            <a:pathLst>
+              <a:path w="21600" h="21600">
+                <a:moveTo>
+                  <a:pt x="0" y="0"/>
+                </a:moveTo>
+                <a:lnTo>
+                  <a:pt x="21600" y="21600"/>
+                </a:lnTo>
+              </a:path>
+            </a:pathLst>
+          </a:custGeom>
+          <a:noFill/>
           <a:ln>
             <a:solidFill>
               <a:srgbClr val="000000"/>
             </a:solidFill>
-            <a:tailEnd type="triangle" w="med" len="med"/>
+            <a:tailEnd len="med" type="triangle" w="med"/>
           </a:ln>
         </p:spPr>
-      </p:cxnSp>
-      <p:cxnSp>
-        <p:nvCxnSpPr>
-          <p:cNvPr id="64" name="Line 27"/>
-          <p:cNvCxnSpPr>
-            <a:stCxn id="42" idx="3"/>
-          </p:cNvCxnSpPr>
+        <p:style>
+          <a:lnRef idx="0"/>
+          <a:fillRef idx="0"/>
+          <a:effectRef idx="0"/>
+          <a:fontRef idx="minor"/>
+        </p:style>
+      </p:sp>
+      <p:sp>
+        <p:nvSpPr>
+          <p:cNvPr id="61" name="CustomShape 24"/>
+          <p:cNvSpPr/>
           <p:nvPr/>
-        </p:nvCxnSpPr>
+        </p:nvSpPr>
         <p:spPr>
           <a:xfrm>
             <a:off x="3323520" y="2203920"/>
-            <a:ext cx="544680" cy="719640"/>
-          </a:xfrm>
-          <a:prstGeom prst="straightConnector1">
-            <a:avLst/>
-          </a:prstGeom>
+            <a:ext cx="544320" cy="719280"/>
+          </a:xfrm>
+          <a:custGeom>
+            <a:avLst/>
+            <a:gdLst/>
+            <a:ahLst/>
+            <a:rect l="l" t="t" r="r" b="b"/>
+            <a:pathLst>
+              <a:path w="21600" h="21600">
+                <a:moveTo>
+                  <a:pt x="0" y="0"/>
+                </a:moveTo>
+                <a:lnTo>
+                  <a:pt x="21600" y="21600"/>
+                </a:lnTo>
+              </a:path>
+            </a:pathLst>
+          </a:custGeom>
+          <a:noFill/>
           <a:ln>
             <a:solidFill>
               <a:srgbClr val="000000"/>
             </a:solidFill>
-            <a:tailEnd type="triangle" w="med" len="med"/>
+            <a:tailEnd len="med" type="triangle" w="med"/>
           </a:ln>
         </p:spPr>
-      </p:cxnSp>
-      <p:cxnSp>
-        <p:nvCxnSpPr>
-          <p:cNvPr id="66" name="Line 29"/>
-          <p:cNvCxnSpPr>
-            <a:stCxn id="45" idx="3"/>
-          </p:cNvCxnSpPr>
+        <p:style>
+          <a:lnRef idx="0"/>
+          <a:fillRef idx="0"/>
+          <a:effectRef idx="0"/>
+          <a:fontRef idx="minor"/>
+        </p:style>
+      </p:sp>
+      <p:sp>
+        <p:nvSpPr>
+          <p:cNvPr id="62" name="CustomShape 25"/>
+          <p:cNvSpPr/>
           <p:nvPr/>
-        </p:nvCxnSpPr>
+        </p:nvSpPr>
         <p:spPr>
           <a:xfrm flipV="1">
-            <a:off x="3636720" y="2923200"/>
-            <a:ext cx="231480" cy="825840"/>
-          </a:xfrm>
-          <a:prstGeom prst="straightConnector1">
-            <a:avLst/>
-          </a:prstGeom>
+            <a:off x="3636720" y="2922480"/>
+            <a:ext cx="231120" cy="825480"/>
+          </a:xfrm>
+          <a:custGeom>
+            <a:avLst/>
+            <a:gdLst/>
+            <a:ahLst/>
+            <a:rect l="l" t="t" r="r" b="b"/>
+            <a:pathLst>
+              <a:path w="21600" h="21600">
+                <a:moveTo>
+                  <a:pt x="0" y="0"/>
+                </a:moveTo>
+                <a:lnTo>
+                  <a:pt x="21600" y="21600"/>
+                </a:lnTo>
+              </a:path>
+            </a:pathLst>
+          </a:custGeom>
+          <a:noFill/>
           <a:ln>
             <a:solidFill>
               <a:srgbClr val="000000"/>
             </a:solidFill>
-            <a:tailEnd type="triangle" w="med" len="med"/>
+            <a:tailEnd len="med" type="triangle" w="med"/>
           </a:ln>
         </p:spPr>
-      </p:cxnSp>
-      <p:cxnSp>
-        <p:nvCxnSpPr>
-          <p:cNvPr id="67" name="Line 30"/>
-          <p:cNvCxnSpPr>
-            <a:stCxn id="52" idx="3"/>
-            <a:endCxn id="47" idx="1"/>
-          </p:cNvCxnSpPr>
+        <p:style>
+          <a:lnRef idx="0"/>
+          <a:fillRef idx="0"/>
+          <a:effectRef idx="0"/>
+          <a:fontRef idx="minor"/>
+        </p:style>
+      </p:sp>
+      <p:sp>
+        <p:nvSpPr>
+          <p:cNvPr id="63" name="CustomShape 26"/>
+          <p:cNvSpPr/>
           <p:nvPr/>
-        </p:nvCxnSpPr>
+        </p:nvSpPr>
         <p:spPr>
           <a:xfrm>
             <a:off x="5333040" y="2916720"/>
-            <a:ext cx="274320" cy="720"/>
-          </a:xfrm>
-          <a:prstGeom prst="straightConnector1">
-            <a:avLst/>
-          </a:prstGeom>
+            <a:ext cx="273960" cy="360"/>
+          </a:xfrm>
+          <a:custGeom>
+            <a:avLst/>
+            <a:gdLst/>
+            <a:ahLst/>
+            <a:rect l="l" t="t" r="r" b="b"/>
+            <a:pathLst>
+              <a:path w="21600" h="21600">
+                <a:moveTo>
+                  <a:pt x="0" y="0"/>
+                </a:moveTo>
+                <a:lnTo>
+                  <a:pt x="21600" y="21600"/>
+                </a:lnTo>
+              </a:path>
+            </a:pathLst>
+          </a:custGeom>
+          <a:noFill/>
           <a:ln>
             <a:solidFill>
               <a:srgbClr val="000000"/>
             </a:solidFill>
-            <a:tailEnd type="triangle" w="med" len="med"/>
+            <a:tailEnd len="med" type="triangle" w="med"/>
           </a:ln>
         </p:spPr>
-      </p:cxnSp>
-      <p:cxnSp>
-        <p:nvCxnSpPr>
-          <p:cNvPr id="68" name="Line 31"/>
-          <p:cNvCxnSpPr/>
+        <p:style>
+          <a:lnRef idx="0"/>
+          <a:fillRef idx="0"/>
+          <a:effectRef idx="0"/>
+          <a:fontRef idx="minor"/>
+        </p:style>
+      </p:sp>
+      <p:sp>
+        <p:nvSpPr>
+          <p:cNvPr id="64" name="CustomShape 27"/>
+          <p:cNvSpPr/>
           <p:nvPr/>
-        </p:nvCxnSpPr>
+        </p:nvSpPr>
         <p:spPr>
           <a:xfrm flipV="1">
-            <a:off x="6818658" y="2904959"/>
-            <a:ext cx="276120" cy="3960"/>
-          </a:xfrm>
-          <a:prstGeom prst="straightConnector1">
-            <a:avLst/>
-          </a:prstGeom>
+            <a:off x="6818760" y="2904840"/>
+            <a:ext cx="275760" cy="3600"/>
+          </a:xfrm>
+          <a:custGeom>
+            <a:avLst/>
+            <a:gdLst/>
+            <a:ahLst/>
+            <a:rect l="l" t="t" r="r" b="b"/>
+            <a:pathLst>
+              <a:path w="21600" h="21600">
+                <a:moveTo>
+                  <a:pt x="0" y="0"/>
+                </a:moveTo>
+                <a:lnTo>
+                  <a:pt x="21600" y="21600"/>
+                </a:lnTo>
+              </a:path>
+            </a:pathLst>
+          </a:custGeom>
+          <a:noFill/>
           <a:ln>
             <a:solidFill>
               <a:srgbClr val="000000"/>
             </a:solidFill>
-            <a:tailEnd type="triangle" w="med" len="med"/>
+            <a:tailEnd len="med" type="triangle" w="med"/>
           </a:ln>
         </p:spPr>
-      </p:cxnSp>
-      <p:sp>
-        <p:nvSpPr>
-          <p:cNvPr id="70" name="CustomShape 33"/>
+        <p:style>
+          <a:lnRef idx="0"/>
+          <a:fillRef idx="0"/>
+          <a:effectRef idx="0"/>
+          <a:fontRef idx="minor"/>
+        </p:style>
+      </p:sp>
+      <p:sp>
+        <p:nvSpPr>
+          <p:cNvPr id="65" name="CustomShape 28"/>
           <p:cNvSpPr/>
           <p:nvPr/>
         </p:nvSpPr>
         <p:spPr>
           <a:xfrm>
             <a:off x="8828280" y="2671560"/>
-            <a:ext cx="987840" cy="456840"/>
+            <a:ext cx="987480" cy="456480"/>
           </a:xfrm>
           <a:prstGeom prst="rect">
             <a:avLst/>
           </a:prstGeom>
           <a:solidFill>
-            <a:srgbClr val="729FCF"/>
+            <a:srgbClr val="729fcf"/>
           </a:solidFill>
-          <a:ln/>
+          <a:ln>
+            <a:noFill/>
+          </a:ln>
         </p:spPr>
         <p:style>
-          <a:lnRef idx="0">
-            <a:scrgbClr r="0" g="0" b="0"/>
-          </a:lnRef>
-          <a:fillRef idx="0">
-            <a:scrgbClr r="0" g="0" b="0"/>
-          </a:fillRef>
-          <a:effectRef idx="0">
-            <a:scrgbClr r="0" g="0" b="0"/>
-          </a:effectRef>
+          <a:lnRef idx="0"/>
+          <a:fillRef idx="0"/>
+          <a:effectRef idx="0"/>
           <a:fontRef idx="minor"/>
         </p:style>
       </p:sp>
       <p:sp>
         <p:nvSpPr>
-          <p:cNvPr id="71" name="CustomShape 34"/>
+          <p:cNvPr id="66" name="CustomShape 29"/>
           <p:cNvSpPr/>
           <p:nvPr/>
         </p:nvSpPr>
         <p:spPr>
           <a:xfrm>
             <a:off x="8975160" y="2763000"/>
-            <a:ext cx="840960" cy="315720"/>
+            <a:ext cx="840600" cy="315360"/>
           </a:xfrm>
           <a:prstGeom prst="rect">
             <a:avLst/>
@@ -3156,20 +2831,15 @@
           </a:ln>
         </p:spPr>
         <p:style>
-          <a:lnRef idx="0">
-            <a:scrgbClr r="0" g="0" b="0"/>
-          </a:lnRef>
-          <a:fillRef idx="0">
-            <a:scrgbClr r="0" g="0" b="0"/>
-          </a:fillRef>
-          <a:effectRef idx="0">
-            <a:scrgbClr r="0" g="0" b="0"/>
-          </a:effectRef>
+          <a:lnRef idx="0"/>
+          <a:fillRef idx="0"/>
+          <a:effectRef idx="0"/>
           <a:fontRef idx="minor"/>
         </p:style>
         <p:txBody>
-          <a:bodyPr lIns="90000" tIns="45000" rIns="90000" bIns="45000"/>
-          <a:lstStyle/>
+          <a:bodyPr lIns="90000" rIns="90000" tIns="45000" bIns="45000">
+            <a:noAutofit/>
+          </a:bodyPr>
           <a:p>
             <a:pPr>
               <a:lnSpc>
@@ -3177,7 +2847,7 @@
               </a:lnSpc>
             </a:pPr>
             <a:r>
-              <a:rPr lang="en-US" sz="1400" b="0" strike="noStrike" spc="-1">
+              <a:rPr b="0" lang="en-US" sz="1400" spc="-1" strike="noStrike">
                 <a:solidFill>
                   <a:srgbClr val="000000"/>
                 </a:solidFill>
@@ -3186,144 +2856,64 @@
               </a:rPr>
               <a:t>Motors</a:t>
             </a:r>
-            <a:endParaRPr lang="en-US" sz="1400" b="0" strike="noStrike" spc="-1">
-              <a:latin typeface="Arial"/>
-            </a:endParaRPr>
-          </a:p>
-        </p:txBody>
-      </p:sp>
-      <p:cxnSp>
-        <p:nvCxnSpPr>
-          <p:cNvPr id="72" name="Line 35"/>
-          <p:cNvCxnSpPr>
-            <a:endCxn id="70" idx="1"/>
-          </p:cNvCxnSpPr>
+            <a:endParaRPr b="0" lang="en-US" sz="1400" spc="-1" strike="noStrike">
+              <a:latin typeface="Arial"/>
+            </a:endParaRPr>
+          </a:p>
+        </p:txBody>
+      </p:sp>
+      <p:sp>
+        <p:nvSpPr>
+          <p:cNvPr id="67" name="CustomShape 30"/>
+          <p:cNvSpPr/>
           <p:nvPr/>
-        </p:nvCxnSpPr>
+        </p:nvSpPr>
         <p:spPr>
           <a:xfrm flipV="1">
-            <a:off x="8441640" y="2899800"/>
-            <a:ext cx="387000" cy="7200"/>
-          </a:xfrm>
-          <a:prstGeom prst="straightConnector1">
-            <a:avLst/>
-          </a:prstGeom>
+            <a:off x="8441640" y="2899080"/>
+            <a:ext cx="386640" cy="6840"/>
+          </a:xfrm>
+          <a:custGeom>
+            <a:avLst/>
+            <a:gdLst/>
+            <a:ahLst/>
+            <a:rect l="l" t="t" r="r" b="b"/>
+            <a:pathLst>
+              <a:path w="21600" h="21600">
+                <a:moveTo>
+                  <a:pt x="0" y="0"/>
+                </a:moveTo>
+                <a:lnTo>
+                  <a:pt x="21600" y="21600"/>
+                </a:lnTo>
+              </a:path>
+            </a:pathLst>
+          </a:custGeom>
+          <a:noFill/>
           <a:ln>
             <a:solidFill>
               <a:srgbClr val="000000"/>
             </a:solidFill>
-            <a:tailEnd type="triangle" w="med" len="med"/>
+            <a:tailEnd len="med" type="triangle" w="med"/>
           </a:ln>
         </p:spPr>
-      </p:cxnSp>
-      <p:cxnSp>
-        <p:nvCxnSpPr>
-          <p:cNvPr id="4" name="Curved Connector 3"/>
-          <p:cNvCxnSpPr>
-            <a:stCxn id="71" idx="2"/>
-            <a:endCxn id="45" idx="2"/>
-          </p:cNvCxnSpPr>
-          <p:nvPr/>
-        </p:nvCxnSpPr>
-        <p:spPr>
-          <a:xfrm rot="5400000">
-            <a:off x="5720670" y="302310"/>
-            <a:ext cx="898560" cy="6451380"/>
-          </a:xfrm>
-          <a:prstGeom prst="curvedConnector3">
-            <a:avLst>
-              <a:gd name="adj1" fmla="val 211844"/>
-            </a:avLst>
-          </a:prstGeom>
-          <a:ln>
-            <a:tailEnd type="triangle"/>
-          </a:ln>
-        </p:spPr>
         <p:style>
-          <a:lnRef idx="1">
-            <a:schemeClr val="dk1"/>
-          </a:lnRef>
-          <a:fillRef idx="0">
-            <a:schemeClr val="dk1"/>
-          </a:fillRef>
-          <a:effectRef idx="0">
-            <a:schemeClr val="dk1"/>
-          </a:effectRef>
-          <a:fontRef idx="minor">
-            <a:schemeClr val="tx1"/>
-          </a:fontRef>
+          <a:lnRef idx="0"/>
+          <a:fillRef idx="0"/>
+          <a:effectRef idx="0"/>
+          <a:fontRef idx="minor"/>
         </p:style>
-      </p:cxnSp>
-      <p:cxnSp>
-        <p:nvCxnSpPr>
-          <p:cNvPr id="74" name="Curved Connector 73"/>
-          <p:cNvCxnSpPr>
-            <a:stCxn id="45" idx="2"/>
-            <a:endCxn id="57" idx="4"/>
-          </p:cNvCxnSpPr>
-          <p:nvPr/>
-        </p:nvCxnSpPr>
-        <p:spPr>
-          <a:xfrm rot="5400000">
-            <a:off x="1773450" y="3126870"/>
-            <a:ext cx="320400" cy="2021220"/>
-          </a:xfrm>
-          <a:prstGeom prst="curvedConnector3">
-            <a:avLst>
-              <a:gd name="adj1" fmla="val 297890"/>
-            </a:avLst>
-          </a:prstGeom>
-          <a:ln>
-            <a:tailEnd type="triangle"/>
-          </a:ln>
-        </p:spPr>
-        <p:style>
-          <a:lnRef idx="1">
-            <a:schemeClr val="dk1"/>
-          </a:lnRef>
-          <a:fillRef idx="0">
-            <a:schemeClr val="dk1"/>
-          </a:fillRef>
-          <a:effectRef idx="0">
-            <a:schemeClr val="dk1"/>
-          </a:effectRef>
-          <a:fontRef idx="minor">
-            <a:schemeClr val="tx1"/>
-          </a:fontRef>
-        </p:style>
-      </p:cxnSp>
+      </p:sp>
     </p:spTree>
   </p:cSld>
-  <p:clrMapOvr>
-    <a:masterClrMapping/>
-  </p:clrMapOvr>
-  <p:timing>
-    <p:tnLst>
-      <p:par>
-        <p:cTn id="1" dur="indefinite" restart="never" nodeType="tmRoot">
-          <p:childTnLst>
-            <p:seq>
-              <p:cTn id="2" dur="indefinite" nodeType="mainSeq"/>
-              <p:prevCondLst>
-                <p:cond evt="onPrev" delay="0">
-                  <p:tgtEl>
-                    <p:sldTgt/>
-                  </p:tgtEl>
-                </p:cond>
-              </p:prevCondLst>
-              <p:nextCondLst>
-                <p:cond evt="onNext" delay="0">
-                  <p:tgtEl>
-                    <p:sldTgt/>
-                  </p:tgtEl>
-                </p:cond>
-              </p:nextCondLst>
-            </p:seq>
-          </p:childTnLst>
-        </p:cTn>
-      </p:par>
-    </p:tnLst>
-  </p:timing>
+  <mc:AlternateContent>
+    <mc:Choice Requires="p14">
+      <p:transition spd="slow" p14:dur="2000"/>
+    </mc:Choice>
+    <mc:Fallback>
+      <p:transition spd="slow"/>
+    </mc:Fallback>
+  </mc:AlternateContent>
 </p:sld>
 </file>
 
@@ -3338,31 +2928,31 @@
         <a:sysClr val="window" lastClr="FFFFFF"/>
       </a:lt1>
       <a:dk2>
-        <a:srgbClr val="1F497D"/>
+        <a:srgbClr val="1f497d"/>
       </a:dk2>
       <a:lt2>
-        <a:srgbClr val="EEECE1"/>
+        <a:srgbClr val="eeece1"/>
       </a:lt2>
       <a:accent1>
-        <a:srgbClr val="4F81BD"/>
+        <a:srgbClr val="4f81bd"/>
       </a:accent1>
       <a:accent2>
-        <a:srgbClr val="C0504D"/>
+        <a:srgbClr val="c0504d"/>
       </a:accent2>
       <a:accent3>
-        <a:srgbClr val="9BBB59"/>
+        <a:srgbClr val="9bbb59"/>
       </a:accent3>
       <a:accent4>
-        <a:srgbClr val="8064A2"/>
+        <a:srgbClr val="8064a2"/>
       </a:accent4>
       <a:accent5>
-        <a:srgbClr val="4BACC6"/>
+        <a:srgbClr val="4bacc6"/>
       </a:accent5>
       <a:accent6>
-        <a:srgbClr val="F79646"/>
+        <a:srgbClr val="f79646"/>
       </a:accent6>
       <a:hlink>
-        <a:srgbClr val="0000FF"/>
+        <a:srgbClr val="0000ff"/>
       </a:hlink>
       <a:folHlink>
         <a:srgbClr val="800080"/>
@@ -3441,18 +3031,21 @@
             </a:schemeClr>
           </a:solidFill>
           <a:prstDash val="solid"/>
+          <a:miter/>
         </a:ln>
         <a:ln w="25400" cap="flat" cmpd="sng" algn="ctr">
           <a:solidFill>
             <a:schemeClr val="phClr"/>
           </a:solidFill>
           <a:prstDash val="solid"/>
+          <a:miter/>
         </a:ln>
         <a:ln w="38100" cap="flat" cmpd="sng" algn="ctr">
           <a:solidFill>
             <a:schemeClr val="phClr"/>
           </a:solidFill>
           <a:prstDash val="solid"/>
+          <a:miter/>
         </a:ln>
       </a:lnStyleLst>
       <a:effectStyleLst>
@@ -3547,7 +3140,5 @@
       </a:bgFillStyleLst>
     </a:fmtScheme>
   </a:themeElements>
-  <a:objectDefaults/>
-  <a:extraClrSchemeLst/>
 </a:theme>
 </file>
--- a/media/dataflow.pptx
+++ b/media/dataflow.pptx
@@ -1,19 +1,551 @@
 
 <file path=ppt/presentation.xml><?xml version="1.0" encoding="utf-8"?>
-<p:presentation xmlns:a="http://schemas.openxmlformats.org/drawingml/2006/main" xmlns:p="http://schemas.openxmlformats.org/presentationml/2006/main" xmlns:r="http://schemas.openxmlformats.org/officeDocument/2006/relationships" xmlns:p14="http://schemas.microsoft.com/office/powerpoint/2010/main" xmlns:p15="http://schemas.microsoft.com/office/powerpoint/2012/main" xmlns:mc="http://schemas.openxmlformats.org/markup-compatibility/2006">
+<p:presentation xmlns:a="http://schemas.openxmlformats.org/drawingml/2006/main" xmlns:r="http://schemas.openxmlformats.org/officeDocument/2006/relationships" xmlns:p="http://schemas.openxmlformats.org/presentationml/2006/main">
   <p:sldMasterIdLst>
-    <p:sldMasterId id="2147483648" r:id="rId2"/>
+    <p:sldMasterId id="2147483648" r:id="rId1"/>
   </p:sldMasterIdLst>
+  <p:notesMasterIdLst>
+    <p:notesMasterId r:id="rId3"/>
+  </p:notesMasterIdLst>
   <p:sldIdLst>
-    <p:sldId id="256" r:id="rId3"/>
+    <p:sldId id="256" r:id="rId2"/>
   </p:sldIdLst>
   <p:sldSz cx="10080625" cy="7559675"/>
   <p:notesSz cx="7772400" cy="10058400"/>
+  <p:defaultTextStyle>
+    <a:defPPr>
+      <a:defRPr lang="en-US"/>
+    </a:defPPr>
+    <a:lvl1pPr marL="0" algn="l" defTabSz="914400" rtl="0" eaLnBrk="1" latinLnBrk="0" hangingPunct="1">
+      <a:defRPr sz="1800" kern="1200">
+        <a:solidFill>
+          <a:schemeClr val="tx1"/>
+        </a:solidFill>
+        <a:latin typeface="+mn-lt"/>
+        <a:ea typeface="+mn-ea"/>
+        <a:cs typeface="+mn-cs"/>
+      </a:defRPr>
+    </a:lvl1pPr>
+    <a:lvl2pPr marL="457200" algn="l" defTabSz="914400" rtl="0" eaLnBrk="1" latinLnBrk="0" hangingPunct="1">
+      <a:defRPr sz="1800" kern="1200">
+        <a:solidFill>
+          <a:schemeClr val="tx1"/>
+        </a:solidFill>
+        <a:latin typeface="+mn-lt"/>
+        <a:ea typeface="+mn-ea"/>
+        <a:cs typeface="+mn-cs"/>
+      </a:defRPr>
+    </a:lvl2pPr>
+    <a:lvl3pPr marL="914400" algn="l" defTabSz="914400" rtl="0" eaLnBrk="1" latinLnBrk="0" hangingPunct="1">
+      <a:defRPr sz="1800" kern="1200">
+        <a:solidFill>
+          <a:schemeClr val="tx1"/>
+        </a:solidFill>
+        <a:latin typeface="+mn-lt"/>
+        <a:ea typeface="+mn-ea"/>
+        <a:cs typeface="+mn-cs"/>
+      </a:defRPr>
+    </a:lvl3pPr>
+    <a:lvl4pPr marL="1371600" algn="l" defTabSz="914400" rtl="0" eaLnBrk="1" latinLnBrk="0" hangingPunct="1">
+      <a:defRPr sz="1800" kern="1200">
+        <a:solidFill>
+          <a:schemeClr val="tx1"/>
+        </a:solidFill>
+        <a:latin typeface="+mn-lt"/>
+        <a:ea typeface="+mn-ea"/>
+        <a:cs typeface="+mn-cs"/>
+      </a:defRPr>
+    </a:lvl4pPr>
+    <a:lvl5pPr marL="1828800" algn="l" defTabSz="914400" rtl="0" eaLnBrk="1" latinLnBrk="0" hangingPunct="1">
+      <a:defRPr sz="1800" kern="1200">
+        <a:solidFill>
+          <a:schemeClr val="tx1"/>
+        </a:solidFill>
+        <a:latin typeface="+mn-lt"/>
+        <a:ea typeface="+mn-ea"/>
+        <a:cs typeface="+mn-cs"/>
+      </a:defRPr>
+    </a:lvl5pPr>
+    <a:lvl6pPr marL="2286000" algn="l" defTabSz="914400" rtl="0" eaLnBrk="1" latinLnBrk="0" hangingPunct="1">
+      <a:defRPr sz="1800" kern="1200">
+        <a:solidFill>
+          <a:schemeClr val="tx1"/>
+        </a:solidFill>
+        <a:latin typeface="+mn-lt"/>
+        <a:ea typeface="+mn-ea"/>
+        <a:cs typeface="+mn-cs"/>
+      </a:defRPr>
+    </a:lvl6pPr>
+    <a:lvl7pPr marL="2743200" algn="l" defTabSz="914400" rtl="0" eaLnBrk="1" latinLnBrk="0" hangingPunct="1">
+      <a:defRPr sz="1800" kern="1200">
+        <a:solidFill>
+          <a:schemeClr val="tx1"/>
+        </a:solidFill>
+        <a:latin typeface="+mn-lt"/>
+        <a:ea typeface="+mn-ea"/>
+        <a:cs typeface="+mn-cs"/>
+      </a:defRPr>
+    </a:lvl7pPr>
+    <a:lvl8pPr marL="3200400" algn="l" defTabSz="914400" rtl="0" eaLnBrk="1" latinLnBrk="0" hangingPunct="1">
+      <a:defRPr sz="1800" kern="1200">
+        <a:solidFill>
+          <a:schemeClr val="tx1"/>
+        </a:solidFill>
+        <a:latin typeface="+mn-lt"/>
+        <a:ea typeface="+mn-ea"/>
+        <a:cs typeface="+mn-cs"/>
+      </a:defRPr>
+    </a:lvl8pPr>
+    <a:lvl9pPr marL="3657600" algn="l" defTabSz="914400" rtl="0" eaLnBrk="1" latinLnBrk="0" hangingPunct="1">
+      <a:defRPr sz="1800" kern="1200">
+        <a:solidFill>
+          <a:schemeClr val="tx1"/>
+        </a:solidFill>
+        <a:latin typeface="+mn-lt"/>
+        <a:ea typeface="+mn-ea"/>
+        <a:cs typeface="+mn-cs"/>
+      </a:defRPr>
+    </a:lvl9pPr>
+  </p:defaultTextStyle>
 </p:presentation>
 </file>
 
+<file path=ppt/notesMasters/notesMaster1.xml><?xml version="1.0" encoding="utf-8"?>
+<p:notesMaster xmlns:a="http://schemas.openxmlformats.org/drawingml/2006/main" xmlns:r="http://schemas.openxmlformats.org/officeDocument/2006/relationships" xmlns:p="http://schemas.openxmlformats.org/presentationml/2006/main">
+  <p:cSld>
+    <p:bg>
+      <p:bgRef idx="1001">
+        <a:schemeClr val="bg1"/>
+      </p:bgRef>
+    </p:bg>
+    <p:spTree>
+      <p:nvGrpSpPr>
+        <p:cNvPr id="1" name=""/>
+        <p:cNvGrpSpPr/>
+        <p:nvPr/>
+      </p:nvGrpSpPr>
+      <p:grpSpPr>
+        <a:xfrm>
+          <a:off x="0" y="0"/>
+          <a:ext cx="0" cy="0"/>
+          <a:chOff x="0" y="0"/>
+          <a:chExt cx="0" cy="0"/>
+        </a:xfrm>
+      </p:grpSpPr>
+      <p:sp>
+        <p:nvSpPr>
+          <p:cNvPr id="2" name="Header Placeholder 1"/>
+          <p:cNvSpPr>
+            <a:spLocks noGrp="1"/>
+          </p:cNvSpPr>
+          <p:nvPr>
+            <p:ph type="hdr" sz="quarter"/>
+          </p:nvPr>
+        </p:nvSpPr>
+        <p:spPr>
+          <a:xfrm>
+            <a:off x="0" y="0"/>
+            <a:ext cx="3368675" cy="504825"/>
+          </a:xfrm>
+          <a:prstGeom prst="rect">
+            <a:avLst/>
+          </a:prstGeom>
+        </p:spPr>
+        <p:txBody>
+          <a:bodyPr vert="horz" lIns="91440" tIns="45720" rIns="91440" bIns="45720" rtlCol="0"/>
+          <a:lstStyle>
+            <a:lvl1pPr algn="l">
+              <a:defRPr sz="1200"/>
+            </a:lvl1pPr>
+          </a:lstStyle>
+          <a:p>
+            <a:endParaRPr lang="en-US"/>
+          </a:p>
+        </p:txBody>
+      </p:sp>
+      <p:sp>
+        <p:nvSpPr>
+          <p:cNvPr id="3" name="Date Placeholder 2"/>
+          <p:cNvSpPr>
+            <a:spLocks noGrp="1"/>
+          </p:cNvSpPr>
+          <p:nvPr>
+            <p:ph type="dt" idx="1"/>
+          </p:nvPr>
+        </p:nvSpPr>
+        <p:spPr>
+          <a:xfrm>
+            <a:off x="4402138" y="0"/>
+            <a:ext cx="3368675" cy="504825"/>
+          </a:xfrm>
+          <a:prstGeom prst="rect">
+            <a:avLst/>
+          </a:prstGeom>
+        </p:spPr>
+        <p:txBody>
+          <a:bodyPr vert="horz" lIns="91440" tIns="45720" rIns="91440" bIns="45720" rtlCol="0"/>
+          <a:lstStyle>
+            <a:lvl1pPr algn="r">
+              <a:defRPr sz="1200"/>
+            </a:lvl1pPr>
+          </a:lstStyle>
+          <a:p>
+            <a:fld id="{294320AA-ABA5-4E48-AA42-16F4DECCBD16}" type="datetimeFigureOut">
+              <a:rPr lang="en-US" smtClean="0"/>
+              <a:t>8/28/2022</a:t>
+            </a:fld>
+            <a:endParaRPr lang="en-US"/>
+          </a:p>
+        </p:txBody>
+      </p:sp>
+      <p:sp>
+        <p:nvSpPr>
+          <p:cNvPr id="4" name="Slide Image Placeholder 3"/>
+          <p:cNvSpPr>
+            <a:spLocks noGrp="1" noRot="1" noChangeAspect="1"/>
+          </p:cNvSpPr>
+          <p:nvPr>
+            <p:ph type="sldImg" idx="2"/>
+          </p:nvPr>
+        </p:nvSpPr>
+        <p:spPr>
+          <a:xfrm>
+            <a:off x="1624013" y="1257300"/>
+            <a:ext cx="4524375" cy="3394075"/>
+          </a:xfrm>
+          <a:prstGeom prst="rect">
+            <a:avLst/>
+          </a:prstGeom>
+          <a:noFill/>
+          <a:ln w="12700">
+            <a:solidFill>
+              <a:prstClr val="black"/>
+            </a:solidFill>
+          </a:ln>
+        </p:spPr>
+        <p:txBody>
+          <a:bodyPr vert="horz" lIns="91440" tIns="45720" rIns="91440" bIns="45720" rtlCol="0" anchor="ctr"/>
+          <a:lstStyle/>
+          <a:p>
+            <a:endParaRPr lang="en-US"/>
+          </a:p>
+        </p:txBody>
+      </p:sp>
+      <p:sp>
+        <p:nvSpPr>
+          <p:cNvPr id="5" name="Notes Placeholder 4"/>
+          <p:cNvSpPr>
+            <a:spLocks noGrp="1"/>
+          </p:cNvSpPr>
+          <p:nvPr>
+            <p:ph type="body" sz="quarter" idx="3"/>
+          </p:nvPr>
+        </p:nvSpPr>
+        <p:spPr>
+          <a:xfrm>
+            <a:off x="777875" y="4840288"/>
+            <a:ext cx="6216650" cy="3960812"/>
+          </a:xfrm>
+          <a:prstGeom prst="rect">
+            <a:avLst/>
+          </a:prstGeom>
+        </p:spPr>
+        <p:txBody>
+          <a:bodyPr vert="horz" lIns="91440" tIns="45720" rIns="91440" bIns="45720" rtlCol="0"/>
+          <a:lstStyle/>
+          <a:p>
+            <a:pPr lvl="0"/>
+            <a:r>
+              <a:rPr lang="en-US" smtClean="0"/>
+              <a:t>Edit Master text styles</a:t>
+            </a:r>
+          </a:p>
+          <a:p>
+            <a:pPr lvl="1"/>
+            <a:r>
+              <a:rPr lang="en-US" smtClean="0"/>
+              <a:t>Second level</a:t>
+            </a:r>
+          </a:p>
+          <a:p>
+            <a:pPr lvl="2"/>
+            <a:r>
+              <a:rPr lang="en-US" smtClean="0"/>
+              <a:t>Third level</a:t>
+            </a:r>
+          </a:p>
+          <a:p>
+            <a:pPr lvl="3"/>
+            <a:r>
+              <a:rPr lang="en-US" smtClean="0"/>
+              <a:t>Fourth level</a:t>
+            </a:r>
+          </a:p>
+          <a:p>
+            <a:pPr lvl="4"/>
+            <a:r>
+              <a:rPr lang="en-US" smtClean="0"/>
+              <a:t>Fifth level</a:t>
+            </a:r>
+            <a:endParaRPr lang="en-US"/>
+          </a:p>
+        </p:txBody>
+      </p:sp>
+      <p:sp>
+        <p:nvSpPr>
+          <p:cNvPr id="6" name="Footer Placeholder 5"/>
+          <p:cNvSpPr>
+            <a:spLocks noGrp="1"/>
+          </p:cNvSpPr>
+          <p:nvPr>
+            <p:ph type="ftr" sz="quarter" idx="4"/>
+          </p:nvPr>
+        </p:nvSpPr>
+        <p:spPr>
+          <a:xfrm>
+            <a:off x="0" y="9553575"/>
+            <a:ext cx="3368675" cy="504825"/>
+          </a:xfrm>
+          <a:prstGeom prst="rect">
+            <a:avLst/>
+          </a:prstGeom>
+        </p:spPr>
+        <p:txBody>
+          <a:bodyPr vert="horz" lIns="91440" tIns="45720" rIns="91440" bIns="45720" rtlCol="0" anchor="b"/>
+          <a:lstStyle>
+            <a:lvl1pPr algn="l">
+              <a:defRPr sz="1200"/>
+            </a:lvl1pPr>
+          </a:lstStyle>
+          <a:p>
+            <a:endParaRPr lang="en-US"/>
+          </a:p>
+        </p:txBody>
+      </p:sp>
+      <p:sp>
+        <p:nvSpPr>
+          <p:cNvPr id="7" name="Slide Number Placeholder 6"/>
+          <p:cNvSpPr>
+            <a:spLocks noGrp="1"/>
+          </p:cNvSpPr>
+          <p:nvPr>
+            <p:ph type="sldNum" sz="quarter" idx="5"/>
+          </p:nvPr>
+        </p:nvSpPr>
+        <p:spPr>
+          <a:xfrm>
+            <a:off x="4402138" y="9553575"/>
+            <a:ext cx="3368675" cy="504825"/>
+          </a:xfrm>
+          <a:prstGeom prst="rect">
+            <a:avLst/>
+          </a:prstGeom>
+        </p:spPr>
+        <p:txBody>
+          <a:bodyPr vert="horz" lIns="91440" tIns="45720" rIns="91440" bIns="45720" rtlCol="0" anchor="b"/>
+          <a:lstStyle>
+            <a:lvl1pPr algn="r">
+              <a:defRPr sz="1200"/>
+            </a:lvl1pPr>
+          </a:lstStyle>
+          <a:p>
+            <a:fld id="{3C1D1FAE-F4BC-4C69-8CEA-4D4E848D76F0}" type="slidenum">
+              <a:rPr lang="en-US" smtClean="0"/>
+              <a:t>‹#›</a:t>
+            </a:fld>
+            <a:endParaRPr lang="en-US"/>
+          </a:p>
+        </p:txBody>
+      </p:sp>
+    </p:spTree>
+    <p:extLst>
+      <p:ext uri="{BB962C8B-B14F-4D97-AF65-F5344CB8AC3E}">
+        <p14:creationId xmlns:p14="http://schemas.microsoft.com/office/powerpoint/2010/main" val="7255089"/>
+      </p:ext>
+    </p:extLst>
+  </p:cSld>
+  <p:clrMap bg1="lt1" tx1="dk1" bg2="lt2" tx2="dk2" accent1="accent1" accent2="accent2" accent3="accent3" accent4="accent4" accent5="accent5" accent6="accent6" hlink="hlink" folHlink="folHlink"/>
+  <p:notesStyle>
+    <a:lvl1pPr marL="0" algn="l" defTabSz="914400" rtl="0" eaLnBrk="1" latinLnBrk="0" hangingPunct="1">
+      <a:defRPr sz="1200" kern="1200">
+        <a:solidFill>
+          <a:schemeClr val="tx1"/>
+        </a:solidFill>
+        <a:latin typeface="+mn-lt"/>
+        <a:ea typeface="+mn-ea"/>
+        <a:cs typeface="+mn-cs"/>
+      </a:defRPr>
+    </a:lvl1pPr>
+    <a:lvl2pPr marL="457200" algn="l" defTabSz="914400" rtl="0" eaLnBrk="1" latinLnBrk="0" hangingPunct="1">
+      <a:defRPr sz="1200" kern="1200">
+        <a:solidFill>
+          <a:schemeClr val="tx1"/>
+        </a:solidFill>
+        <a:latin typeface="+mn-lt"/>
+        <a:ea typeface="+mn-ea"/>
+        <a:cs typeface="+mn-cs"/>
+      </a:defRPr>
+    </a:lvl2pPr>
+    <a:lvl3pPr marL="914400" algn="l" defTabSz="914400" rtl="0" eaLnBrk="1" latinLnBrk="0" hangingPunct="1">
+      <a:defRPr sz="1200" kern="1200">
+        <a:solidFill>
+          <a:schemeClr val="tx1"/>
+        </a:solidFill>
+        <a:latin typeface="+mn-lt"/>
+        <a:ea typeface="+mn-ea"/>
+        <a:cs typeface="+mn-cs"/>
+      </a:defRPr>
+    </a:lvl3pPr>
+    <a:lvl4pPr marL="1371600" algn="l" defTabSz="914400" rtl="0" eaLnBrk="1" latinLnBrk="0" hangingPunct="1">
+      <a:defRPr sz="1200" kern="1200">
+        <a:solidFill>
+          <a:schemeClr val="tx1"/>
+        </a:solidFill>
+        <a:latin typeface="+mn-lt"/>
+        <a:ea typeface="+mn-ea"/>
+        <a:cs typeface="+mn-cs"/>
+      </a:defRPr>
+    </a:lvl4pPr>
+    <a:lvl5pPr marL="1828800" algn="l" defTabSz="914400" rtl="0" eaLnBrk="1" latinLnBrk="0" hangingPunct="1">
+      <a:defRPr sz="1200" kern="1200">
+        <a:solidFill>
+          <a:schemeClr val="tx1"/>
+        </a:solidFill>
+        <a:latin typeface="+mn-lt"/>
+        <a:ea typeface="+mn-ea"/>
+        <a:cs typeface="+mn-cs"/>
+      </a:defRPr>
+    </a:lvl5pPr>
+    <a:lvl6pPr marL="2286000" algn="l" defTabSz="914400" rtl="0" eaLnBrk="1" latinLnBrk="0" hangingPunct="1">
+      <a:defRPr sz="1200" kern="1200">
+        <a:solidFill>
+          <a:schemeClr val="tx1"/>
+        </a:solidFill>
+        <a:latin typeface="+mn-lt"/>
+        <a:ea typeface="+mn-ea"/>
+        <a:cs typeface="+mn-cs"/>
+      </a:defRPr>
+    </a:lvl6pPr>
+    <a:lvl7pPr marL="2743200" algn="l" defTabSz="914400" rtl="0" eaLnBrk="1" latinLnBrk="0" hangingPunct="1">
+      <a:defRPr sz="1200" kern="1200">
+        <a:solidFill>
+          <a:schemeClr val="tx1"/>
+        </a:solidFill>
+        <a:latin typeface="+mn-lt"/>
+        <a:ea typeface="+mn-ea"/>
+        <a:cs typeface="+mn-cs"/>
+      </a:defRPr>
+    </a:lvl7pPr>
+    <a:lvl8pPr marL="3200400" algn="l" defTabSz="914400" rtl="0" eaLnBrk="1" latinLnBrk="0" hangingPunct="1">
+      <a:defRPr sz="1200" kern="1200">
+        <a:solidFill>
+          <a:schemeClr val="tx1"/>
+        </a:solidFill>
+        <a:latin typeface="+mn-lt"/>
+        <a:ea typeface="+mn-ea"/>
+        <a:cs typeface="+mn-cs"/>
+      </a:defRPr>
+    </a:lvl8pPr>
+    <a:lvl9pPr marL="3657600" algn="l" defTabSz="914400" rtl="0" eaLnBrk="1" latinLnBrk="0" hangingPunct="1">
+      <a:defRPr sz="1200" kern="1200">
+        <a:solidFill>
+          <a:schemeClr val="tx1"/>
+        </a:solidFill>
+        <a:latin typeface="+mn-lt"/>
+        <a:ea typeface="+mn-ea"/>
+        <a:cs typeface="+mn-cs"/>
+      </a:defRPr>
+    </a:lvl9pPr>
+  </p:notesStyle>
+</p:notesMaster>
+</file>
+
+<file path=ppt/notesSlides/notesSlide1.xml><?xml version="1.0" encoding="utf-8"?>
+<p:notes xmlns:a="http://schemas.openxmlformats.org/drawingml/2006/main" xmlns:r="http://schemas.openxmlformats.org/officeDocument/2006/relationships" xmlns:p="http://schemas.openxmlformats.org/presentationml/2006/main">
+  <p:cSld>
+    <p:spTree>
+      <p:nvGrpSpPr>
+        <p:cNvPr id="1" name=""/>
+        <p:cNvGrpSpPr/>
+        <p:nvPr/>
+      </p:nvGrpSpPr>
+      <p:grpSpPr>
+        <a:xfrm>
+          <a:off x="0" y="0"/>
+          <a:ext cx="0" cy="0"/>
+          <a:chOff x="0" y="0"/>
+          <a:chExt cx="0" cy="0"/>
+        </a:xfrm>
+      </p:grpSpPr>
+      <p:sp>
+        <p:nvSpPr>
+          <p:cNvPr id="2" name="Slide Image Placeholder 1"/>
+          <p:cNvSpPr>
+            <a:spLocks noGrp="1" noRot="1" noChangeAspect="1"/>
+          </p:cNvSpPr>
+          <p:nvPr>
+            <p:ph type="sldImg"/>
+          </p:nvPr>
+        </p:nvSpPr>
+        <p:spPr/>
+      </p:sp>
+      <p:sp>
+        <p:nvSpPr>
+          <p:cNvPr id="3" name="Notes Placeholder 2"/>
+          <p:cNvSpPr>
+            <a:spLocks noGrp="1"/>
+          </p:cNvSpPr>
+          <p:nvPr>
+            <p:ph type="body" idx="1"/>
+          </p:nvPr>
+        </p:nvSpPr>
+        <p:spPr/>
+        <p:txBody>
+          <a:bodyPr/>
+          <a:lstStyle/>
+          <a:p>
+            <a:endParaRPr lang="en-US" dirty="0"/>
+          </a:p>
+        </p:txBody>
+      </p:sp>
+      <p:sp>
+        <p:nvSpPr>
+          <p:cNvPr id="4" name="Slide Number Placeholder 3"/>
+          <p:cNvSpPr>
+            <a:spLocks noGrp="1"/>
+          </p:cNvSpPr>
+          <p:nvPr>
+            <p:ph type="sldNum" sz="quarter" idx="10"/>
+          </p:nvPr>
+        </p:nvSpPr>
+        <p:spPr/>
+        <p:txBody>
+          <a:bodyPr/>
+          <a:lstStyle/>
+          <a:p>
+            <a:fld id="{3C1D1FAE-F4BC-4C69-8CEA-4D4E848D76F0}" type="slidenum">
+              <a:rPr lang="en-US" smtClean="0"/>
+              <a:t>1</a:t>
+            </a:fld>
+            <a:endParaRPr lang="en-US"/>
+          </a:p>
+        </p:txBody>
+      </p:sp>
+    </p:spTree>
+    <p:extLst>
+      <p:ext uri="{BB962C8B-B14F-4D97-AF65-F5344CB8AC3E}">
+        <p14:creationId xmlns:p14="http://schemas.microsoft.com/office/powerpoint/2010/main" val="10301022"/>
+      </p:ext>
+    </p:extLst>
+  </p:cSld>
+  <p:clrMapOvr>
+    <a:masterClrMapping/>
+  </p:clrMapOvr>
+</p:notes>
+</file>
+
 <file path=ppt/slideLayouts/slideLayout1.xml><?xml version="1.0" encoding="utf-8"?>
-<p:sldLayout xmlns:a="http://schemas.openxmlformats.org/drawingml/2006/main" xmlns:p="http://schemas.openxmlformats.org/presentationml/2006/main" xmlns:r="http://schemas.openxmlformats.org/officeDocument/2006/relationships" xmlns:p14="http://schemas.microsoft.com/office/powerpoint/2010/main" xmlns:p15="http://schemas.microsoft.com/office/powerpoint/2012/main" xmlns:mc="http://schemas.openxmlformats.org/markup-compatibility/2006" type="blank" preserve="1">
+<p:sldLayout xmlns:a="http://schemas.openxmlformats.org/drawingml/2006/main" xmlns:r="http://schemas.openxmlformats.org/officeDocument/2006/relationships" xmlns:p="http://schemas.openxmlformats.org/presentationml/2006/main" type="blank" preserve="1">
   <p:cSld name="Blank Slide">
     <p:spTree>
       <p:nvGrpSpPr>
@@ -31,11 +563,14 @@
       </p:grpSpPr>
     </p:spTree>
   </p:cSld>
+  <p:clrMapOvr>
+    <a:masterClrMapping/>
+  </p:clrMapOvr>
 </p:sldLayout>
 </file>
 
 <file path=ppt/slideLayouts/slideLayout10.xml><?xml version="1.0" encoding="utf-8"?>
-<p:sldLayout xmlns:a="http://schemas.openxmlformats.org/drawingml/2006/main" xmlns:p="http://schemas.openxmlformats.org/presentationml/2006/main" xmlns:r="http://schemas.openxmlformats.org/officeDocument/2006/relationships" xmlns:p14="http://schemas.microsoft.com/office/powerpoint/2010/main" xmlns:p15="http://schemas.microsoft.com/office/powerpoint/2012/main" xmlns:mc="http://schemas.openxmlformats.org/markup-compatibility/2006" type="objOverTx" preserve="1">
+<p:sldLayout xmlns:a="http://schemas.openxmlformats.org/drawingml/2006/main" xmlns:r="http://schemas.openxmlformats.org/officeDocument/2006/relationships" xmlns:p="http://schemas.openxmlformats.org/presentationml/2006/main" type="objOverTx" preserve="1">
   <p:cSld name="Title, Content over Content">
     <p:spTree>
       <p:nvGrpSpPr>
@@ -71,11 +606,12 @@
           </a:prstGeom>
         </p:spPr>
         <p:txBody>
-          <a:bodyPr lIns="0" rIns="0" tIns="0" bIns="0" anchor="ctr">
+          <a:bodyPr lIns="0" tIns="0" rIns="0" bIns="0" anchor="ctr">
             <a:noAutofit/>
           </a:bodyPr>
-          <a:p>
-            <a:endParaRPr b="0" lang="en-US" sz="1800" spc="-1" strike="noStrike">
+          <a:lstStyle/>
+          <a:p>
+            <a:endParaRPr lang="en-US" sz="1800" b="0" strike="noStrike" spc="-1">
               <a:solidFill>
                 <a:srgbClr val="000000"/>
               </a:solidFill>
@@ -104,11 +640,12 @@
           </a:prstGeom>
         </p:spPr>
         <p:txBody>
-          <a:bodyPr lIns="0" rIns="0" tIns="0" bIns="0">
+          <a:bodyPr lIns="0" tIns="0" rIns="0" bIns="0">
             <a:normAutofit/>
           </a:bodyPr>
-          <a:p>
-            <a:endParaRPr b="0" lang="en-US" sz="2800" spc="-1" strike="noStrike">
+          <a:lstStyle/>
+          <a:p>
+            <a:endParaRPr lang="en-US" sz="2800" b="0" strike="noStrike" spc="-1">
               <a:solidFill>
                 <a:srgbClr val="000000"/>
               </a:solidFill>
@@ -137,11 +674,12 @@
           </a:prstGeom>
         </p:spPr>
         <p:txBody>
-          <a:bodyPr lIns="0" rIns="0" tIns="0" bIns="0">
+          <a:bodyPr lIns="0" tIns="0" rIns="0" bIns="0">
             <a:normAutofit/>
           </a:bodyPr>
-          <a:p>
-            <a:endParaRPr b="0" lang="en-US" sz="2800" spc="-1" strike="noStrike">
+          <a:lstStyle/>
+          <a:p>
+            <a:endParaRPr lang="en-US" sz="2800" b="0" strike="noStrike" spc="-1">
               <a:solidFill>
                 <a:srgbClr val="000000"/>
               </a:solidFill>
@@ -152,11 +690,14 @@
       </p:sp>
     </p:spTree>
   </p:cSld>
+  <p:clrMapOvr>
+    <a:masterClrMapping/>
+  </p:clrMapOvr>
 </p:sldLayout>
 </file>
 
 <file path=ppt/slideLayouts/slideLayout11.xml><?xml version="1.0" encoding="utf-8"?>
-<p:sldLayout xmlns:a="http://schemas.openxmlformats.org/drawingml/2006/main" xmlns:p="http://schemas.openxmlformats.org/presentationml/2006/main" xmlns:r="http://schemas.openxmlformats.org/officeDocument/2006/relationships" xmlns:p14="http://schemas.microsoft.com/office/powerpoint/2010/main" xmlns:p15="http://schemas.microsoft.com/office/powerpoint/2012/main" xmlns:mc="http://schemas.openxmlformats.org/markup-compatibility/2006" type="fourObj" preserve="1">
+<p:sldLayout xmlns:a="http://schemas.openxmlformats.org/drawingml/2006/main" xmlns:r="http://schemas.openxmlformats.org/officeDocument/2006/relationships" xmlns:p="http://schemas.openxmlformats.org/presentationml/2006/main" type="fourObj" preserve="1">
   <p:cSld name="Title, 4 Content">
     <p:spTree>
       <p:nvGrpSpPr>
@@ -192,11 +733,12 @@
           </a:prstGeom>
         </p:spPr>
         <p:txBody>
-          <a:bodyPr lIns="0" rIns="0" tIns="0" bIns="0" anchor="ctr">
+          <a:bodyPr lIns="0" tIns="0" rIns="0" bIns="0" anchor="ctr">
             <a:noAutofit/>
           </a:bodyPr>
-          <a:p>
-            <a:endParaRPr b="0" lang="en-US" sz="1800" spc="-1" strike="noStrike">
+          <a:lstStyle/>
+          <a:p>
+            <a:endParaRPr lang="en-US" sz="1800" b="0" strike="noStrike" spc="-1">
               <a:solidFill>
                 <a:srgbClr val="000000"/>
               </a:solidFill>
@@ -225,11 +767,12 @@
           </a:prstGeom>
         </p:spPr>
         <p:txBody>
-          <a:bodyPr lIns="0" rIns="0" tIns="0" bIns="0">
+          <a:bodyPr lIns="0" tIns="0" rIns="0" bIns="0">
             <a:normAutofit/>
           </a:bodyPr>
-          <a:p>
-            <a:endParaRPr b="0" lang="en-US" sz="2800" spc="-1" strike="noStrike">
+          <a:lstStyle/>
+          <a:p>
+            <a:endParaRPr lang="en-US" sz="2800" b="0" strike="noStrike" spc="-1">
               <a:solidFill>
                 <a:srgbClr val="000000"/>
               </a:solidFill>
@@ -258,11 +801,12 @@
           </a:prstGeom>
         </p:spPr>
         <p:txBody>
-          <a:bodyPr lIns="0" rIns="0" tIns="0" bIns="0">
+          <a:bodyPr lIns="0" tIns="0" rIns="0" bIns="0">
             <a:normAutofit/>
           </a:bodyPr>
-          <a:p>
-            <a:endParaRPr b="0" lang="en-US" sz="2800" spc="-1" strike="noStrike">
+          <a:lstStyle/>
+          <a:p>
+            <a:endParaRPr lang="en-US" sz="2800" b="0" strike="noStrike" spc="-1">
               <a:solidFill>
                 <a:srgbClr val="000000"/>
               </a:solidFill>
@@ -291,11 +835,12 @@
           </a:prstGeom>
         </p:spPr>
         <p:txBody>
-          <a:bodyPr lIns="0" rIns="0" tIns="0" bIns="0">
+          <a:bodyPr lIns="0" tIns="0" rIns="0" bIns="0">
             <a:normAutofit/>
           </a:bodyPr>
-          <a:p>
-            <a:endParaRPr b="0" lang="en-US" sz="2800" spc="-1" strike="noStrike">
+          <a:lstStyle/>
+          <a:p>
+            <a:endParaRPr lang="en-US" sz="2800" b="0" strike="noStrike" spc="-1">
               <a:solidFill>
                 <a:srgbClr val="000000"/>
               </a:solidFill>
@@ -324,11 +869,12 @@
           </a:prstGeom>
         </p:spPr>
         <p:txBody>
-          <a:bodyPr lIns="0" rIns="0" tIns="0" bIns="0">
+          <a:bodyPr lIns="0" tIns="0" rIns="0" bIns="0">
             <a:normAutofit/>
           </a:bodyPr>
-          <a:p>
-            <a:endParaRPr b="0" lang="en-US" sz="2800" spc="-1" strike="noStrike">
+          <a:lstStyle/>
+          <a:p>
+            <a:endParaRPr lang="en-US" sz="2800" b="0" strike="noStrike" spc="-1">
               <a:solidFill>
                 <a:srgbClr val="000000"/>
               </a:solidFill>
@@ -339,11 +885,14 @@
       </p:sp>
     </p:spTree>
   </p:cSld>
+  <p:clrMapOvr>
+    <a:masterClrMapping/>
+  </p:clrMapOvr>
 </p:sldLayout>
 </file>
 
 <file path=ppt/slideLayouts/slideLayout12.xml><?xml version="1.0" encoding="utf-8"?>
-<p:sldLayout xmlns:a="http://schemas.openxmlformats.org/drawingml/2006/main" xmlns:p="http://schemas.openxmlformats.org/presentationml/2006/main" xmlns:r="http://schemas.openxmlformats.org/officeDocument/2006/relationships" xmlns:p14="http://schemas.microsoft.com/office/powerpoint/2010/main" xmlns:p15="http://schemas.microsoft.com/office/powerpoint/2012/main" xmlns:mc="http://schemas.openxmlformats.org/markup-compatibility/2006" type="blank" preserve="1">
+<p:sldLayout xmlns:a="http://schemas.openxmlformats.org/drawingml/2006/main" xmlns:r="http://schemas.openxmlformats.org/officeDocument/2006/relationships" xmlns:p="http://schemas.openxmlformats.org/presentationml/2006/main" type="blank" preserve="1">
   <p:cSld name="Title, 6 Content">
     <p:spTree>
       <p:nvGrpSpPr>
@@ -379,11 +928,12 @@
           </a:prstGeom>
         </p:spPr>
         <p:txBody>
-          <a:bodyPr lIns="0" rIns="0" tIns="0" bIns="0" anchor="ctr">
+          <a:bodyPr lIns="0" tIns="0" rIns="0" bIns="0" anchor="ctr">
             <a:noAutofit/>
           </a:bodyPr>
-          <a:p>
-            <a:endParaRPr b="0" lang="en-US" sz="1800" spc="-1" strike="noStrike">
+          <a:lstStyle/>
+          <a:p>
+            <a:endParaRPr lang="en-US" sz="1800" b="0" strike="noStrike" spc="-1">
               <a:solidFill>
                 <a:srgbClr val="000000"/>
               </a:solidFill>
@@ -412,11 +962,12 @@
           </a:prstGeom>
         </p:spPr>
         <p:txBody>
-          <a:bodyPr lIns="0" rIns="0" tIns="0" bIns="0">
+          <a:bodyPr lIns="0" tIns="0" rIns="0" bIns="0">
             <a:normAutofit/>
           </a:bodyPr>
-          <a:p>
-            <a:endParaRPr b="0" lang="en-US" sz="2800" spc="-1" strike="noStrike">
+          <a:lstStyle/>
+          <a:p>
+            <a:endParaRPr lang="en-US" sz="2800" b="0" strike="noStrike" spc="-1">
               <a:solidFill>
                 <a:srgbClr val="000000"/>
               </a:solidFill>
@@ -445,11 +996,12 @@
           </a:prstGeom>
         </p:spPr>
         <p:txBody>
-          <a:bodyPr lIns="0" rIns="0" tIns="0" bIns="0">
+          <a:bodyPr lIns="0" tIns="0" rIns="0" bIns="0">
             <a:normAutofit/>
           </a:bodyPr>
-          <a:p>
-            <a:endParaRPr b="0" lang="en-US" sz="2800" spc="-1" strike="noStrike">
+          <a:lstStyle/>
+          <a:p>
+            <a:endParaRPr lang="en-US" sz="2800" b="0" strike="noStrike" spc="-1">
               <a:solidFill>
                 <a:srgbClr val="000000"/>
               </a:solidFill>
@@ -478,11 +1030,12 @@
           </a:prstGeom>
         </p:spPr>
         <p:txBody>
-          <a:bodyPr lIns="0" rIns="0" tIns="0" bIns="0">
+          <a:bodyPr lIns="0" tIns="0" rIns="0" bIns="0">
             <a:normAutofit/>
           </a:bodyPr>
-          <a:p>
-            <a:endParaRPr b="0" lang="en-US" sz="2800" spc="-1" strike="noStrike">
+          <a:lstStyle/>
+          <a:p>
+            <a:endParaRPr lang="en-US" sz="2800" b="0" strike="noStrike" spc="-1">
               <a:solidFill>
                 <a:srgbClr val="000000"/>
               </a:solidFill>
@@ -511,11 +1064,12 @@
           </a:prstGeom>
         </p:spPr>
         <p:txBody>
-          <a:bodyPr lIns="0" rIns="0" tIns="0" bIns="0">
+          <a:bodyPr lIns="0" tIns="0" rIns="0" bIns="0">
             <a:normAutofit/>
           </a:bodyPr>
-          <a:p>
-            <a:endParaRPr b="0" lang="en-US" sz="2800" spc="-1" strike="noStrike">
+          <a:lstStyle/>
+          <a:p>
+            <a:endParaRPr lang="en-US" sz="2800" b="0" strike="noStrike" spc="-1">
               <a:solidFill>
                 <a:srgbClr val="000000"/>
               </a:solidFill>
@@ -544,11 +1098,12 @@
           </a:prstGeom>
         </p:spPr>
         <p:txBody>
-          <a:bodyPr lIns="0" rIns="0" tIns="0" bIns="0">
+          <a:bodyPr lIns="0" tIns="0" rIns="0" bIns="0">
             <a:normAutofit/>
           </a:bodyPr>
-          <a:p>
-            <a:endParaRPr b="0" lang="en-US" sz="2800" spc="-1" strike="noStrike">
+          <a:lstStyle/>
+          <a:p>
+            <a:endParaRPr lang="en-US" sz="2800" b="0" strike="noStrike" spc="-1">
               <a:solidFill>
                 <a:srgbClr val="000000"/>
               </a:solidFill>
@@ -577,11 +1132,12 @@
           </a:prstGeom>
         </p:spPr>
         <p:txBody>
-          <a:bodyPr lIns="0" rIns="0" tIns="0" bIns="0">
+          <a:bodyPr lIns="0" tIns="0" rIns="0" bIns="0">
             <a:normAutofit/>
           </a:bodyPr>
-          <a:p>
-            <a:endParaRPr b="0" lang="en-US" sz="2800" spc="-1" strike="noStrike">
+          <a:lstStyle/>
+          <a:p>
+            <a:endParaRPr lang="en-US" sz="2800" b="0" strike="noStrike" spc="-1">
               <a:solidFill>
                 <a:srgbClr val="000000"/>
               </a:solidFill>
@@ -592,11 +1148,14 @@
       </p:sp>
     </p:spTree>
   </p:cSld>
+  <p:clrMapOvr>
+    <a:masterClrMapping/>
+  </p:clrMapOvr>
 </p:sldLayout>
 </file>
 
 <file path=ppt/slideLayouts/slideLayout2.xml><?xml version="1.0" encoding="utf-8"?>
-<p:sldLayout xmlns:a="http://schemas.openxmlformats.org/drawingml/2006/main" xmlns:p="http://schemas.openxmlformats.org/presentationml/2006/main" xmlns:r="http://schemas.openxmlformats.org/officeDocument/2006/relationships" xmlns:p14="http://schemas.microsoft.com/office/powerpoint/2010/main" xmlns:p15="http://schemas.microsoft.com/office/powerpoint/2012/main" xmlns:mc="http://schemas.openxmlformats.org/markup-compatibility/2006" type="tx" preserve="1">
+<p:sldLayout xmlns:a="http://schemas.openxmlformats.org/drawingml/2006/main" xmlns:r="http://schemas.openxmlformats.org/officeDocument/2006/relationships" xmlns:p="http://schemas.openxmlformats.org/presentationml/2006/main" type="tx" preserve="1">
   <p:cSld name="Title Slide">
     <p:spTree>
       <p:nvGrpSpPr>
@@ -632,11 +1191,12 @@
           </a:prstGeom>
         </p:spPr>
         <p:txBody>
-          <a:bodyPr lIns="0" rIns="0" tIns="0" bIns="0" anchor="ctr">
+          <a:bodyPr lIns="0" tIns="0" rIns="0" bIns="0" anchor="ctr">
             <a:noAutofit/>
           </a:bodyPr>
-          <a:p>
-            <a:endParaRPr b="0" lang="en-US" sz="1800" spc="-1" strike="noStrike">
+          <a:lstStyle/>
+          <a:p>
+            <a:endParaRPr lang="en-US" sz="1800" b="0" strike="noStrike" spc="-1">
               <a:solidFill>
                 <a:srgbClr val="000000"/>
               </a:solidFill>
@@ -665,12 +1225,13 @@
           </a:prstGeom>
         </p:spPr>
         <p:txBody>
-          <a:bodyPr lIns="0" rIns="0" tIns="0" bIns="0" anchor="ctr">
+          <a:bodyPr lIns="0" tIns="0" rIns="0" bIns="0" anchor="ctr">
             <a:noAutofit/>
           </a:bodyPr>
+          <a:lstStyle/>
           <a:p>
             <a:pPr algn="ctr"/>
-            <a:endParaRPr b="0" lang="en-US" sz="3200" spc="-1" strike="noStrike">
+            <a:endParaRPr lang="en-US" sz="3200" b="0" strike="noStrike" spc="-1">
               <a:latin typeface="Arial"/>
             </a:endParaRPr>
           </a:p>
@@ -678,11 +1239,14 @@
       </p:sp>
     </p:spTree>
   </p:cSld>
+  <p:clrMapOvr>
+    <a:masterClrMapping/>
+  </p:clrMapOvr>
 </p:sldLayout>
 </file>
 
 <file path=ppt/slideLayouts/slideLayout3.xml><?xml version="1.0" encoding="utf-8"?>
-<p:sldLayout xmlns:a="http://schemas.openxmlformats.org/drawingml/2006/main" xmlns:p="http://schemas.openxmlformats.org/presentationml/2006/main" xmlns:r="http://schemas.openxmlformats.org/officeDocument/2006/relationships" xmlns:p14="http://schemas.microsoft.com/office/powerpoint/2010/main" xmlns:p15="http://schemas.microsoft.com/office/powerpoint/2012/main" xmlns:mc="http://schemas.openxmlformats.org/markup-compatibility/2006" type="obj" preserve="1">
+<p:sldLayout xmlns:a="http://schemas.openxmlformats.org/drawingml/2006/main" xmlns:r="http://schemas.openxmlformats.org/officeDocument/2006/relationships" xmlns:p="http://schemas.openxmlformats.org/presentationml/2006/main" type="obj" preserve="1">
   <p:cSld name="Title, Content">
     <p:spTree>
       <p:nvGrpSpPr>
@@ -718,11 +1282,12 @@
           </a:prstGeom>
         </p:spPr>
         <p:txBody>
-          <a:bodyPr lIns="0" rIns="0" tIns="0" bIns="0" anchor="ctr">
+          <a:bodyPr lIns="0" tIns="0" rIns="0" bIns="0" anchor="ctr">
             <a:noAutofit/>
           </a:bodyPr>
-          <a:p>
-            <a:endParaRPr b="0" lang="en-US" sz="1800" spc="-1" strike="noStrike">
+          <a:lstStyle/>
+          <a:p>
+            <a:endParaRPr lang="en-US" sz="1800" b="0" strike="noStrike" spc="-1">
               <a:solidFill>
                 <a:srgbClr val="000000"/>
               </a:solidFill>
@@ -751,11 +1316,12 @@
           </a:prstGeom>
         </p:spPr>
         <p:txBody>
-          <a:bodyPr lIns="0" rIns="0" tIns="0" bIns="0">
+          <a:bodyPr lIns="0" tIns="0" rIns="0" bIns="0">
             <a:normAutofit/>
           </a:bodyPr>
-          <a:p>
-            <a:endParaRPr b="0" lang="en-US" sz="2800" spc="-1" strike="noStrike">
+          <a:lstStyle/>
+          <a:p>
+            <a:endParaRPr lang="en-US" sz="2800" b="0" strike="noStrike" spc="-1">
               <a:solidFill>
                 <a:srgbClr val="000000"/>
               </a:solidFill>
@@ -766,11 +1332,14 @@
       </p:sp>
     </p:spTree>
   </p:cSld>
+  <p:clrMapOvr>
+    <a:masterClrMapping/>
+  </p:clrMapOvr>
 </p:sldLayout>
 </file>
 
 <file path=ppt/slideLayouts/slideLayout4.xml><?xml version="1.0" encoding="utf-8"?>
-<p:sldLayout xmlns:a="http://schemas.openxmlformats.org/drawingml/2006/main" xmlns:p="http://schemas.openxmlformats.org/presentationml/2006/main" xmlns:r="http://schemas.openxmlformats.org/officeDocument/2006/relationships" xmlns:p14="http://schemas.microsoft.com/office/powerpoint/2010/main" xmlns:p15="http://schemas.microsoft.com/office/powerpoint/2012/main" xmlns:mc="http://schemas.openxmlformats.org/markup-compatibility/2006" type="twoObj" preserve="1">
+<p:sldLayout xmlns:a="http://schemas.openxmlformats.org/drawingml/2006/main" xmlns:r="http://schemas.openxmlformats.org/officeDocument/2006/relationships" xmlns:p="http://schemas.openxmlformats.org/presentationml/2006/main" type="twoObj" preserve="1">
   <p:cSld name="Title, 2 Content">
     <p:spTree>
       <p:nvGrpSpPr>
@@ -806,11 +1375,12 @@
           </a:prstGeom>
         </p:spPr>
         <p:txBody>
-          <a:bodyPr lIns="0" rIns="0" tIns="0" bIns="0" anchor="ctr">
+          <a:bodyPr lIns="0" tIns="0" rIns="0" bIns="0" anchor="ctr">
             <a:noAutofit/>
           </a:bodyPr>
-          <a:p>
-            <a:endParaRPr b="0" lang="en-US" sz="1800" spc="-1" strike="noStrike">
+          <a:lstStyle/>
+          <a:p>
+            <a:endParaRPr lang="en-US" sz="1800" b="0" strike="noStrike" spc="-1">
               <a:solidFill>
                 <a:srgbClr val="000000"/>
               </a:solidFill>
@@ -839,11 +1409,12 @@
           </a:prstGeom>
         </p:spPr>
         <p:txBody>
-          <a:bodyPr lIns="0" rIns="0" tIns="0" bIns="0">
+          <a:bodyPr lIns="0" tIns="0" rIns="0" bIns="0">
             <a:normAutofit/>
           </a:bodyPr>
-          <a:p>
-            <a:endParaRPr b="0" lang="en-US" sz="2800" spc="-1" strike="noStrike">
+          <a:lstStyle/>
+          <a:p>
+            <a:endParaRPr lang="en-US" sz="2800" b="0" strike="noStrike" spc="-1">
               <a:solidFill>
                 <a:srgbClr val="000000"/>
               </a:solidFill>
@@ -872,11 +1443,12 @@
           </a:prstGeom>
         </p:spPr>
         <p:txBody>
-          <a:bodyPr lIns="0" rIns="0" tIns="0" bIns="0">
+          <a:bodyPr lIns="0" tIns="0" rIns="0" bIns="0">
             <a:normAutofit/>
           </a:bodyPr>
-          <a:p>
-            <a:endParaRPr b="0" lang="en-US" sz="2800" spc="-1" strike="noStrike">
+          <a:lstStyle/>
+          <a:p>
+            <a:endParaRPr lang="en-US" sz="2800" b="0" strike="noStrike" spc="-1">
               <a:solidFill>
                 <a:srgbClr val="000000"/>
               </a:solidFill>
@@ -887,11 +1459,14 @@
       </p:sp>
     </p:spTree>
   </p:cSld>
+  <p:clrMapOvr>
+    <a:masterClrMapping/>
+  </p:clrMapOvr>
 </p:sldLayout>
 </file>
 
 <file path=ppt/slideLayouts/slideLayout5.xml><?xml version="1.0" encoding="utf-8"?>
-<p:sldLayout xmlns:a="http://schemas.openxmlformats.org/drawingml/2006/main" xmlns:p="http://schemas.openxmlformats.org/presentationml/2006/main" xmlns:r="http://schemas.openxmlformats.org/officeDocument/2006/relationships" xmlns:p14="http://schemas.microsoft.com/office/powerpoint/2010/main" xmlns:p15="http://schemas.microsoft.com/office/powerpoint/2012/main" xmlns:mc="http://schemas.openxmlformats.org/markup-compatibility/2006" type="titleOnly" preserve="1">
+<p:sldLayout xmlns:a="http://schemas.openxmlformats.org/drawingml/2006/main" xmlns:r="http://schemas.openxmlformats.org/officeDocument/2006/relationships" xmlns:p="http://schemas.openxmlformats.org/presentationml/2006/main" type="titleOnly" preserve="1">
   <p:cSld name="Title Only">
     <p:spTree>
       <p:nvGrpSpPr>
@@ -927,11 +1502,12 @@
           </a:prstGeom>
         </p:spPr>
         <p:txBody>
-          <a:bodyPr lIns="0" rIns="0" tIns="0" bIns="0" anchor="ctr">
+          <a:bodyPr lIns="0" tIns="0" rIns="0" bIns="0" anchor="ctr">
             <a:noAutofit/>
           </a:bodyPr>
-          <a:p>
-            <a:endParaRPr b="0" lang="en-US" sz="1800" spc="-1" strike="noStrike">
+          <a:lstStyle/>
+          <a:p>
+            <a:endParaRPr lang="en-US" sz="1800" b="0" strike="noStrike" spc="-1">
               <a:solidFill>
                 <a:srgbClr val="000000"/>
               </a:solidFill>
@@ -942,11 +1518,14 @@
       </p:sp>
     </p:spTree>
   </p:cSld>
+  <p:clrMapOvr>
+    <a:masterClrMapping/>
+  </p:clrMapOvr>
 </p:sldLayout>
 </file>
 
 <file path=ppt/slideLayouts/slideLayout6.xml><?xml version="1.0" encoding="utf-8"?>
-<p:sldLayout xmlns:a="http://schemas.openxmlformats.org/drawingml/2006/main" xmlns:p="http://schemas.openxmlformats.org/presentationml/2006/main" xmlns:r="http://schemas.openxmlformats.org/officeDocument/2006/relationships" xmlns:p14="http://schemas.microsoft.com/office/powerpoint/2010/main" xmlns:p15="http://schemas.microsoft.com/office/powerpoint/2012/main" xmlns:mc="http://schemas.openxmlformats.org/markup-compatibility/2006" type="objOnly" preserve="1">
+<p:sldLayout xmlns:a="http://schemas.openxmlformats.org/drawingml/2006/main" xmlns:r="http://schemas.openxmlformats.org/officeDocument/2006/relationships" xmlns:p="http://schemas.openxmlformats.org/presentationml/2006/main" type="objOnly" preserve="1">
   <p:cSld name="Centered Text">
     <p:spTree>
       <p:nvGrpSpPr>
@@ -982,12 +1561,13 @@
           </a:prstGeom>
         </p:spPr>
         <p:txBody>
-          <a:bodyPr lIns="0" rIns="0" tIns="0" bIns="0" anchor="ctr">
+          <a:bodyPr lIns="0" tIns="0" rIns="0" bIns="0" anchor="ctr">
             <a:noAutofit/>
           </a:bodyPr>
+          <a:lstStyle/>
           <a:p>
             <a:pPr algn="ctr"/>
-            <a:endParaRPr b="0" lang="en-US" sz="3200" spc="-1" strike="noStrike">
+            <a:endParaRPr lang="en-US" sz="3200" b="0" strike="noStrike" spc="-1">
               <a:latin typeface="Arial"/>
             </a:endParaRPr>
           </a:p>
@@ -995,11 +1575,14 @@
       </p:sp>
     </p:spTree>
   </p:cSld>
+  <p:clrMapOvr>
+    <a:masterClrMapping/>
+  </p:clrMapOvr>
 </p:sldLayout>
 </file>
 
 <file path=ppt/slideLayouts/slideLayout7.xml><?xml version="1.0" encoding="utf-8"?>
-<p:sldLayout xmlns:a="http://schemas.openxmlformats.org/drawingml/2006/main" xmlns:p="http://schemas.openxmlformats.org/presentationml/2006/main" xmlns:r="http://schemas.openxmlformats.org/officeDocument/2006/relationships" xmlns:p14="http://schemas.microsoft.com/office/powerpoint/2010/main" xmlns:p15="http://schemas.microsoft.com/office/powerpoint/2012/main" xmlns:mc="http://schemas.openxmlformats.org/markup-compatibility/2006" type="twoObjAndObj" preserve="1">
+<p:sldLayout xmlns:a="http://schemas.openxmlformats.org/drawingml/2006/main" xmlns:r="http://schemas.openxmlformats.org/officeDocument/2006/relationships" xmlns:p="http://schemas.openxmlformats.org/presentationml/2006/main" type="twoObjAndObj" preserve="1">
   <p:cSld name="Title, 2 Content and Content">
     <p:spTree>
       <p:nvGrpSpPr>
@@ -1035,11 +1618,12 @@
           </a:prstGeom>
         </p:spPr>
         <p:txBody>
-          <a:bodyPr lIns="0" rIns="0" tIns="0" bIns="0" anchor="ctr">
+          <a:bodyPr lIns="0" tIns="0" rIns="0" bIns="0" anchor="ctr">
             <a:noAutofit/>
           </a:bodyPr>
-          <a:p>
-            <a:endParaRPr b="0" lang="en-US" sz="1800" spc="-1" strike="noStrike">
+          <a:lstStyle/>
+          <a:p>
+            <a:endParaRPr lang="en-US" sz="1800" b="0" strike="noStrike" spc="-1">
               <a:solidFill>
                 <a:srgbClr val="000000"/>
               </a:solidFill>
@@ -1068,11 +1652,12 @@
           </a:prstGeom>
         </p:spPr>
         <p:txBody>
-          <a:bodyPr lIns="0" rIns="0" tIns="0" bIns="0">
+          <a:bodyPr lIns="0" tIns="0" rIns="0" bIns="0">
             <a:normAutofit/>
           </a:bodyPr>
-          <a:p>
-            <a:endParaRPr b="0" lang="en-US" sz="2800" spc="-1" strike="noStrike">
+          <a:lstStyle/>
+          <a:p>
+            <a:endParaRPr lang="en-US" sz="2800" b="0" strike="noStrike" spc="-1">
               <a:solidFill>
                 <a:srgbClr val="000000"/>
               </a:solidFill>
@@ -1101,11 +1686,12 @@
           </a:prstGeom>
         </p:spPr>
         <p:txBody>
-          <a:bodyPr lIns="0" rIns="0" tIns="0" bIns="0">
+          <a:bodyPr lIns="0" tIns="0" rIns="0" bIns="0">
             <a:normAutofit/>
           </a:bodyPr>
-          <a:p>
-            <a:endParaRPr b="0" lang="en-US" sz="2800" spc="-1" strike="noStrike">
+          <a:lstStyle/>
+          <a:p>
+            <a:endParaRPr lang="en-US" sz="2800" b="0" strike="noStrike" spc="-1">
               <a:solidFill>
                 <a:srgbClr val="000000"/>
               </a:solidFill>
@@ -1134,11 +1720,12 @@
           </a:prstGeom>
         </p:spPr>
         <p:txBody>
-          <a:bodyPr lIns="0" rIns="0" tIns="0" bIns="0">
+          <a:bodyPr lIns="0" tIns="0" rIns="0" bIns="0">
             <a:normAutofit/>
           </a:bodyPr>
-          <a:p>
-            <a:endParaRPr b="0" lang="en-US" sz="2800" spc="-1" strike="noStrike">
+          <a:lstStyle/>
+          <a:p>
+            <a:endParaRPr lang="en-US" sz="2800" b="0" strike="noStrike" spc="-1">
               <a:solidFill>
                 <a:srgbClr val="000000"/>
               </a:solidFill>
@@ -1149,11 +1736,14 @@
       </p:sp>
     </p:spTree>
   </p:cSld>
+  <p:clrMapOvr>
+    <a:masterClrMapping/>
+  </p:clrMapOvr>
 </p:sldLayout>
 </file>
 
 <file path=ppt/slideLayouts/slideLayout8.xml><?xml version="1.0" encoding="utf-8"?>
-<p:sldLayout xmlns:a="http://schemas.openxmlformats.org/drawingml/2006/main" xmlns:p="http://schemas.openxmlformats.org/presentationml/2006/main" xmlns:r="http://schemas.openxmlformats.org/officeDocument/2006/relationships" xmlns:p14="http://schemas.microsoft.com/office/powerpoint/2010/main" xmlns:p15="http://schemas.microsoft.com/office/powerpoint/2012/main" xmlns:mc="http://schemas.openxmlformats.org/markup-compatibility/2006" type="objAndTwoObj" preserve="1">
+<p:sldLayout xmlns:a="http://schemas.openxmlformats.org/drawingml/2006/main" xmlns:r="http://schemas.openxmlformats.org/officeDocument/2006/relationships" xmlns:p="http://schemas.openxmlformats.org/presentationml/2006/main" type="objAndTwoObj" preserve="1">
   <p:cSld name="Title Content and 2 Content">
     <p:spTree>
       <p:nvGrpSpPr>
@@ -1189,11 +1779,12 @@
           </a:prstGeom>
         </p:spPr>
         <p:txBody>
-          <a:bodyPr lIns="0" rIns="0" tIns="0" bIns="0" anchor="ctr">
+          <a:bodyPr lIns="0" tIns="0" rIns="0" bIns="0" anchor="ctr">
             <a:noAutofit/>
           </a:bodyPr>
-          <a:p>
-            <a:endParaRPr b="0" lang="en-US" sz="1800" spc="-1" strike="noStrike">
+          <a:lstStyle/>
+          <a:p>
+            <a:endParaRPr lang="en-US" sz="1800" b="0" strike="noStrike" spc="-1">
               <a:solidFill>
                 <a:srgbClr val="000000"/>
               </a:solidFill>
@@ -1222,11 +1813,12 @@
           </a:prstGeom>
         </p:spPr>
         <p:txBody>
-          <a:bodyPr lIns="0" rIns="0" tIns="0" bIns="0">
+          <a:bodyPr lIns="0" tIns="0" rIns="0" bIns="0">
             <a:normAutofit/>
           </a:bodyPr>
-          <a:p>
-            <a:endParaRPr b="0" lang="en-US" sz="2800" spc="-1" strike="noStrike">
+          <a:lstStyle/>
+          <a:p>
+            <a:endParaRPr lang="en-US" sz="2800" b="0" strike="noStrike" spc="-1">
               <a:solidFill>
                 <a:srgbClr val="000000"/>
               </a:solidFill>
@@ -1255,11 +1847,12 @@
           </a:prstGeom>
         </p:spPr>
         <p:txBody>
-          <a:bodyPr lIns="0" rIns="0" tIns="0" bIns="0">
+          <a:bodyPr lIns="0" tIns="0" rIns="0" bIns="0">
             <a:normAutofit/>
           </a:bodyPr>
-          <a:p>
-            <a:endParaRPr b="0" lang="en-US" sz="2800" spc="-1" strike="noStrike">
+          <a:lstStyle/>
+          <a:p>
+            <a:endParaRPr lang="en-US" sz="2800" b="0" strike="noStrike" spc="-1">
               <a:solidFill>
                 <a:srgbClr val="000000"/>
               </a:solidFill>
@@ -1288,11 +1881,12 @@
           </a:prstGeom>
         </p:spPr>
         <p:txBody>
-          <a:bodyPr lIns="0" rIns="0" tIns="0" bIns="0">
+          <a:bodyPr lIns="0" tIns="0" rIns="0" bIns="0">
             <a:normAutofit/>
           </a:bodyPr>
-          <a:p>
-            <a:endParaRPr b="0" lang="en-US" sz="2800" spc="-1" strike="noStrike">
+          <a:lstStyle/>
+          <a:p>
+            <a:endParaRPr lang="en-US" sz="2800" b="0" strike="noStrike" spc="-1">
               <a:solidFill>
                 <a:srgbClr val="000000"/>
               </a:solidFill>
@@ -1303,11 +1897,14 @@
       </p:sp>
     </p:spTree>
   </p:cSld>
+  <p:clrMapOvr>
+    <a:masterClrMapping/>
+  </p:clrMapOvr>
 </p:sldLayout>
 </file>
 
 <file path=ppt/slideLayouts/slideLayout9.xml><?xml version="1.0" encoding="utf-8"?>
-<p:sldLayout xmlns:a="http://schemas.openxmlformats.org/drawingml/2006/main" xmlns:p="http://schemas.openxmlformats.org/presentationml/2006/main" xmlns:r="http://schemas.openxmlformats.org/officeDocument/2006/relationships" xmlns:p14="http://schemas.microsoft.com/office/powerpoint/2010/main" xmlns:p15="http://schemas.microsoft.com/office/powerpoint/2012/main" xmlns:mc="http://schemas.openxmlformats.org/markup-compatibility/2006" type="twoObjOverTx" preserve="1">
+<p:sldLayout xmlns:a="http://schemas.openxmlformats.org/drawingml/2006/main" xmlns:r="http://schemas.openxmlformats.org/officeDocument/2006/relationships" xmlns:p="http://schemas.openxmlformats.org/presentationml/2006/main" type="twoObjOverTx" preserve="1">
   <p:cSld name="Title, 2 Content over Content">
     <p:spTree>
       <p:nvGrpSpPr>
@@ -1343,11 +1940,12 @@
           </a:prstGeom>
         </p:spPr>
         <p:txBody>
-          <a:bodyPr lIns="0" rIns="0" tIns="0" bIns="0" anchor="ctr">
+          <a:bodyPr lIns="0" tIns="0" rIns="0" bIns="0" anchor="ctr">
             <a:noAutofit/>
           </a:bodyPr>
-          <a:p>
-            <a:endParaRPr b="0" lang="en-US" sz="1800" spc="-1" strike="noStrike">
+          <a:lstStyle/>
+          <a:p>
+            <a:endParaRPr lang="en-US" sz="1800" b="0" strike="noStrike" spc="-1">
               <a:solidFill>
                 <a:srgbClr val="000000"/>
               </a:solidFill>
@@ -1376,11 +1974,12 @@
           </a:prstGeom>
         </p:spPr>
         <p:txBody>
-          <a:bodyPr lIns="0" rIns="0" tIns="0" bIns="0">
+          <a:bodyPr lIns="0" tIns="0" rIns="0" bIns="0">
             <a:normAutofit/>
           </a:bodyPr>
-          <a:p>
-            <a:endParaRPr b="0" lang="en-US" sz="2800" spc="-1" strike="noStrike">
+          <a:lstStyle/>
+          <a:p>
+            <a:endParaRPr lang="en-US" sz="2800" b="0" strike="noStrike" spc="-1">
               <a:solidFill>
                 <a:srgbClr val="000000"/>
               </a:solidFill>
@@ -1409,11 +2008,12 @@
           </a:prstGeom>
         </p:spPr>
         <p:txBody>
-          <a:bodyPr lIns="0" rIns="0" tIns="0" bIns="0">
+          <a:bodyPr lIns="0" tIns="0" rIns="0" bIns="0">
             <a:normAutofit/>
           </a:bodyPr>
-          <a:p>
-            <a:endParaRPr b="0" lang="en-US" sz="2800" spc="-1" strike="noStrike">
+          <a:lstStyle/>
+          <a:p>
+            <a:endParaRPr lang="en-US" sz="2800" b="0" strike="noStrike" spc="-1">
               <a:solidFill>
                 <a:srgbClr val="000000"/>
               </a:solidFill>
@@ -1442,11 +2042,12 @@
           </a:prstGeom>
         </p:spPr>
         <p:txBody>
-          <a:bodyPr lIns="0" rIns="0" tIns="0" bIns="0">
+          <a:bodyPr lIns="0" tIns="0" rIns="0" bIns="0">
             <a:normAutofit/>
           </a:bodyPr>
-          <a:p>
-            <a:endParaRPr b="0" lang="en-US" sz="2800" spc="-1" strike="noStrike">
+          <a:lstStyle/>
+          <a:p>
+            <a:endParaRPr lang="en-US" sz="2800" b="0" strike="noStrike" spc="-1">
               <a:solidFill>
                 <a:srgbClr val="000000"/>
               </a:solidFill>
@@ -1457,17 +2058,21 @@
       </p:sp>
     </p:spTree>
   </p:cSld>
+  <p:clrMapOvr>
+    <a:masterClrMapping/>
+  </p:clrMapOvr>
 </p:sldLayout>
 </file>
 
 <file path=ppt/slideMasters/slideMaster1.xml><?xml version="1.0" encoding="utf-8"?>
-<p:sldMaster xmlns:a="http://schemas.openxmlformats.org/drawingml/2006/main" xmlns:p="http://schemas.openxmlformats.org/presentationml/2006/main" xmlns:r="http://schemas.openxmlformats.org/officeDocument/2006/relationships" xmlns:p14="http://schemas.microsoft.com/office/powerpoint/2010/main" xmlns:p15="http://schemas.microsoft.com/office/powerpoint/2012/main" xmlns:mc="http://schemas.openxmlformats.org/markup-compatibility/2006">
+<p:sldMaster xmlns:a="http://schemas.openxmlformats.org/drawingml/2006/main" xmlns:r="http://schemas.openxmlformats.org/officeDocument/2006/relationships" xmlns:p="http://schemas.openxmlformats.org/presentationml/2006/main">
   <p:cSld>
     <p:bg>
       <p:bgPr>
         <a:solidFill>
-          <a:srgbClr val="ffffff"/>
+          <a:srgbClr val="FFFFFF"/>
         </a:solidFill>
+        <a:effectLst/>
       </p:bgPr>
     </p:bg>
     <p:spTree>
@@ -1486,7 +2091,7 @@
       </p:grpSpPr>
       <p:sp>
         <p:nvSpPr>
-          <p:cNvPr id="0" name="PlaceHolder 1"/>
+          <p:cNvPr id="2" name="PlaceHolder 1"/>
           <p:cNvSpPr>
             <a:spLocks noGrp="1"/>
           </p:cNvSpPr>
@@ -1504,12 +2109,13 @@
           </a:prstGeom>
         </p:spPr>
         <p:txBody>
-          <a:bodyPr lIns="0" rIns="0" tIns="0" bIns="0" anchor="ctr">
+          <a:bodyPr lIns="0" tIns="0" rIns="0" bIns="0" anchor="ctr">
             <a:noAutofit/>
           </a:bodyPr>
+          <a:lstStyle/>
           <a:p>
             <a:r>
-              <a:rPr b="0" lang="en-US" sz="4400" spc="-1" strike="noStrike">
+              <a:rPr lang="en-US" sz="4400" b="0" strike="noStrike" spc="-1">
                 <a:solidFill>
                   <a:srgbClr val="000000"/>
                 </a:solidFill>
@@ -1517,18 +2123,12 @@
               </a:rPr>
               <a:t>Click to edit the title text format</a:t>
             </a:r>
-            <a:endParaRPr b="0" lang="en-US" sz="4400" spc="-1" strike="noStrike">
-              <a:solidFill>
-                <a:srgbClr val="000000"/>
-              </a:solidFill>
-              <a:latin typeface="Arial"/>
-            </a:endParaRPr>
-          </a:p>
-        </p:txBody>
-      </p:sp>
-      <p:sp>
-        <p:nvSpPr>
-          <p:cNvPr id="1" name="PlaceHolder 2"/>
+          </a:p>
+        </p:txBody>
+      </p:sp>
+      <p:sp>
+        <p:nvSpPr>
+          <p:cNvPr id="3" name="PlaceHolder 2"/>
           <p:cNvSpPr>
             <a:spLocks noGrp="1"/>
           </p:cNvSpPr>
@@ -1546,9 +2146,10 @@
           </a:prstGeom>
         </p:spPr>
         <p:txBody>
-          <a:bodyPr lIns="0" rIns="0" tIns="0" bIns="0">
+          <a:bodyPr lIns="0" tIns="0" rIns="0" bIns="0">
             <a:normAutofit/>
           </a:bodyPr>
+          <a:lstStyle/>
           <a:p>
             <a:pPr marL="432000" indent="-324000">
               <a:spcBef>
@@ -1562,7 +2163,7 @@
               <a:buChar char=""/>
             </a:pPr>
             <a:r>
-              <a:rPr b="0" lang="en-US" sz="2800" spc="-1" strike="noStrike">
+              <a:rPr lang="en-US" sz="2800" b="0" strike="noStrike" spc="-1">
                 <a:solidFill>
                   <a:srgbClr val="000000"/>
                 </a:solidFill>
@@ -1570,15 +2171,9 @@
               </a:rPr>
               <a:t>Click to edit the outline text format</a:t>
             </a:r>
-            <a:endParaRPr b="0" lang="en-US" sz="2800" spc="-1" strike="noStrike">
-              <a:solidFill>
-                <a:srgbClr val="000000"/>
-              </a:solidFill>
-              <a:latin typeface="Arial"/>
-            </a:endParaRPr>
-          </a:p>
-          <a:p>
-            <a:pPr lvl="1" marL="864000" indent="-324000">
+          </a:p>
+          <a:p>
+            <a:pPr marL="864000" lvl="1" indent="-324000">
               <a:spcBef>
                 <a:spcPts val="1134"/>
               </a:spcBef>
@@ -1590,7 +2185,7 @@
               <a:buChar char=""/>
             </a:pPr>
             <a:r>
-              <a:rPr b="0" lang="en-US" sz="2800" spc="-1" strike="noStrike">
+              <a:rPr lang="en-US" sz="2800" b="0" strike="noStrike" spc="-1">
                 <a:solidFill>
                   <a:srgbClr val="000000"/>
                 </a:solidFill>
@@ -1598,15 +2193,9 @@
               </a:rPr>
               <a:t>Second Outline Level</a:t>
             </a:r>
-            <a:endParaRPr b="0" lang="en-US" sz="2800" spc="-1" strike="noStrike">
-              <a:solidFill>
-                <a:srgbClr val="000000"/>
-              </a:solidFill>
-              <a:latin typeface="Arial"/>
-            </a:endParaRPr>
-          </a:p>
-          <a:p>
-            <a:pPr lvl="2" marL="1296000" indent="-288000">
+          </a:p>
+          <a:p>
+            <a:pPr marL="1296000" lvl="2" indent="-288000">
               <a:spcBef>
                 <a:spcPts val="850"/>
               </a:spcBef>
@@ -1618,7 +2207,7 @@
               <a:buChar char=""/>
             </a:pPr>
             <a:r>
-              <a:rPr b="0" lang="en-US" sz="2800" spc="-1" strike="noStrike">
+              <a:rPr lang="en-US" sz="2800" b="0" strike="noStrike" spc="-1">
                 <a:solidFill>
                   <a:srgbClr val="000000"/>
                 </a:solidFill>
@@ -1626,15 +2215,9 @@
               </a:rPr>
               <a:t>Third Outline Level</a:t>
             </a:r>
-            <a:endParaRPr b="0" lang="en-US" sz="2800" spc="-1" strike="noStrike">
-              <a:solidFill>
-                <a:srgbClr val="000000"/>
-              </a:solidFill>
-              <a:latin typeface="Arial"/>
-            </a:endParaRPr>
-          </a:p>
-          <a:p>
-            <a:pPr lvl="3" marL="1728000" indent="-216000">
+          </a:p>
+          <a:p>
+            <a:pPr marL="1728000" lvl="3" indent="-216000">
               <a:spcBef>
                 <a:spcPts val="567"/>
               </a:spcBef>
@@ -1646,7 +2229,7 @@
               <a:buChar char=""/>
             </a:pPr>
             <a:r>
-              <a:rPr b="0" lang="en-US" sz="2800" spc="-1" strike="noStrike">
+              <a:rPr lang="en-US" sz="2800" b="0" strike="noStrike" spc="-1">
                 <a:solidFill>
                   <a:srgbClr val="000000"/>
                 </a:solidFill>
@@ -1654,15 +2237,9 @@
               </a:rPr>
               <a:t>Fourth Outline Level</a:t>
             </a:r>
-            <a:endParaRPr b="0" lang="en-US" sz="2800" spc="-1" strike="noStrike">
-              <a:solidFill>
-                <a:srgbClr val="000000"/>
-              </a:solidFill>
-              <a:latin typeface="Arial"/>
-            </a:endParaRPr>
-          </a:p>
-          <a:p>
-            <a:pPr lvl="4" marL="2160000" indent="-216000">
+          </a:p>
+          <a:p>
+            <a:pPr marL="2160000" lvl="4" indent="-216000">
               <a:spcBef>
                 <a:spcPts val="283"/>
               </a:spcBef>
@@ -1674,7 +2251,7 @@
               <a:buChar char=""/>
             </a:pPr>
             <a:r>
-              <a:rPr b="0" lang="en-US" sz="2800" spc="-1" strike="noStrike">
+              <a:rPr lang="en-US" sz="2800" b="0" strike="noStrike" spc="-1">
                 <a:solidFill>
                   <a:srgbClr val="000000"/>
                 </a:solidFill>
@@ -1682,15 +2259,9 @@
               </a:rPr>
               <a:t>Fifth Outline Level</a:t>
             </a:r>
-            <a:endParaRPr b="0" lang="en-US" sz="2800" spc="-1" strike="noStrike">
-              <a:solidFill>
-                <a:srgbClr val="000000"/>
-              </a:solidFill>
-              <a:latin typeface="Arial"/>
-            </a:endParaRPr>
-          </a:p>
-          <a:p>
-            <a:pPr lvl="5" marL="2592000" indent="-216000">
+          </a:p>
+          <a:p>
+            <a:pPr marL="2592000" lvl="5" indent="-216000">
               <a:spcBef>
                 <a:spcPts val="283"/>
               </a:spcBef>
@@ -1702,7 +2273,7 @@
               <a:buChar char=""/>
             </a:pPr>
             <a:r>
-              <a:rPr b="0" lang="en-US" sz="2800" spc="-1" strike="noStrike">
+              <a:rPr lang="en-US" sz="2800" b="0" strike="noStrike" spc="-1">
                 <a:solidFill>
                   <a:srgbClr val="000000"/>
                 </a:solidFill>
@@ -1710,15 +2281,9 @@
               </a:rPr>
               <a:t>Sixth Outline Level</a:t>
             </a:r>
-            <a:endParaRPr b="0" lang="en-US" sz="2800" spc="-1" strike="noStrike">
-              <a:solidFill>
-                <a:srgbClr val="000000"/>
-              </a:solidFill>
-              <a:latin typeface="Arial"/>
-            </a:endParaRPr>
-          </a:p>
-          <a:p>
-            <a:pPr lvl="6" marL="3024000" indent="-216000">
+          </a:p>
+          <a:p>
+            <a:pPr marL="3024000" lvl="6" indent="-216000">
               <a:spcBef>
                 <a:spcPts val="283"/>
               </a:spcBef>
@@ -1730,7 +2295,7 @@
               <a:buChar char=""/>
             </a:pPr>
             <a:r>
-              <a:rPr b="0" lang="en-US" sz="2800" spc="-1" strike="noStrike">
+              <a:rPr lang="en-US" sz="2800" b="0" strike="noStrike" spc="-1">
                 <a:solidFill>
                   <a:srgbClr val="000000"/>
                 </a:solidFill>
@@ -1738,37 +2303,311 @@
               </a:rPr>
               <a:t>Seventh Outline Level</a:t>
             </a:r>
-            <a:endParaRPr b="0" lang="en-US" sz="2800" spc="-1" strike="noStrike">
-              <a:solidFill>
-                <a:srgbClr val="000000"/>
-              </a:solidFill>
-              <a:latin typeface="Arial"/>
-            </a:endParaRPr>
           </a:p>
         </p:txBody>
       </p:sp>
     </p:spTree>
   </p:cSld>
-  <p:clrMap bg1="lt1" bg2="lt2" tx1="dk1" tx2="dk2" accent1="accent1" accent2="accent2" accent3="accent3" accent4="accent4" accent5="accent5" accent6="accent6" hlink="hlink" folHlink="folHlink"/>
+  <p:clrMap bg1="lt1" tx1="dk1" bg2="lt2" tx2="dk2" accent1="accent1" accent2="accent2" accent3="accent3" accent4="accent4" accent5="accent5" accent6="accent6" hlink="hlink" folHlink="folHlink"/>
   <p:sldLayoutIdLst>
-    <p:sldLayoutId id="2147483649" r:id="rId2"/>
-    <p:sldLayoutId id="2147483650" r:id="rId3"/>
-    <p:sldLayoutId id="2147483651" r:id="rId4"/>
-    <p:sldLayoutId id="2147483652" r:id="rId5"/>
-    <p:sldLayoutId id="2147483653" r:id="rId6"/>
-    <p:sldLayoutId id="2147483654" r:id="rId7"/>
-    <p:sldLayoutId id="2147483655" r:id="rId8"/>
-    <p:sldLayoutId id="2147483656" r:id="rId9"/>
-    <p:sldLayoutId id="2147483657" r:id="rId10"/>
-    <p:sldLayoutId id="2147483658" r:id="rId11"/>
-    <p:sldLayoutId id="2147483659" r:id="rId12"/>
-    <p:sldLayoutId id="2147483660" r:id="rId13"/>
+    <p:sldLayoutId id="2147483649" r:id="rId1"/>
+    <p:sldLayoutId id="2147483650" r:id="rId2"/>
+    <p:sldLayoutId id="2147483651" r:id="rId3"/>
+    <p:sldLayoutId id="2147483652" r:id="rId4"/>
+    <p:sldLayoutId id="2147483653" r:id="rId5"/>
+    <p:sldLayoutId id="2147483654" r:id="rId6"/>
+    <p:sldLayoutId id="2147483655" r:id="rId7"/>
+    <p:sldLayoutId id="2147483656" r:id="rId8"/>
+    <p:sldLayoutId id="2147483657" r:id="rId9"/>
+    <p:sldLayoutId id="2147483658" r:id="rId10"/>
+    <p:sldLayoutId id="2147483659" r:id="rId11"/>
+    <p:sldLayoutId id="2147483660" r:id="rId12"/>
   </p:sldLayoutIdLst>
+  <p:txStyles>
+    <p:titleStyle>
+      <a:lvl1pPr algn="l" defTabSz="914400" rtl="0" eaLnBrk="1" latinLnBrk="0" hangingPunct="1">
+        <a:lnSpc>
+          <a:spcPct val="90000"/>
+        </a:lnSpc>
+        <a:spcBef>
+          <a:spcPct val="0"/>
+        </a:spcBef>
+        <a:buNone/>
+        <a:defRPr sz="4400" kern="1200">
+          <a:solidFill>
+            <a:schemeClr val="tx1"/>
+          </a:solidFill>
+          <a:latin typeface="+mj-lt"/>
+          <a:ea typeface="+mj-ea"/>
+          <a:cs typeface="+mj-cs"/>
+        </a:defRPr>
+      </a:lvl1pPr>
+    </p:titleStyle>
+    <p:bodyStyle>
+      <a:lvl1pPr marL="228600" indent="-228600" algn="l" defTabSz="914400" rtl="0" eaLnBrk="1" latinLnBrk="0" hangingPunct="1">
+        <a:lnSpc>
+          <a:spcPct val="90000"/>
+        </a:lnSpc>
+        <a:spcBef>
+          <a:spcPts val="1000"/>
+        </a:spcBef>
+        <a:buFont typeface="Arial" panose="020B0604020202020204" pitchFamily="34" charset="0"/>
+        <a:buChar char="•"/>
+        <a:defRPr sz="2800" kern="1200">
+          <a:solidFill>
+            <a:schemeClr val="tx1"/>
+          </a:solidFill>
+          <a:latin typeface="+mn-lt"/>
+          <a:ea typeface="+mn-ea"/>
+          <a:cs typeface="+mn-cs"/>
+        </a:defRPr>
+      </a:lvl1pPr>
+      <a:lvl2pPr marL="685800" indent="-228600" algn="l" defTabSz="914400" rtl="0" eaLnBrk="1" latinLnBrk="0" hangingPunct="1">
+        <a:lnSpc>
+          <a:spcPct val="90000"/>
+        </a:lnSpc>
+        <a:spcBef>
+          <a:spcPts val="500"/>
+        </a:spcBef>
+        <a:buFont typeface="Arial" panose="020B0604020202020204" pitchFamily="34" charset="0"/>
+        <a:buChar char="•"/>
+        <a:defRPr sz="2400" kern="1200">
+          <a:solidFill>
+            <a:schemeClr val="tx1"/>
+          </a:solidFill>
+          <a:latin typeface="+mn-lt"/>
+          <a:ea typeface="+mn-ea"/>
+          <a:cs typeface="+mn-cs"/>
+        </a:defRPr>
+      </a:lvl2pPr>
+      <a:lvl3pPr marL="1143000" indent="-228600" algn="l" defTabSz="914400" rtl="0" eaLnBrk="1" latinLnBrk="0" hangingPunct="1">
+        <a:lnSpc>
+          <a:spcPct val="90000"/>
+        </a:lnSpc>
+        <a:spcBef>
+          <a:spcPts val="500"/>
+        </a:spcBef>
+        <a:buFont typeface="Arial" panose="020B0604020202020204" pitchFamily="34" charset="0"/>
+        <a:buChar char="•"/>
+        <a:defRPr sz="2000" kern="1200">
+          <a:solidFill>
+            <a:schemeClr val="tx1"/>
+          </a:solidFill>
+          <a:latin typeface="+mn-lt"/>
+          <a:ea typeface="+mn-ea"/>
+          <a:cs typeface="+mn-cs"/>
+        </a:defRPr>
+      </a:lvl3pPr>
+      <a:lvl4pPr marL="1600200" indent="-228600" algn="l" defTabSz="914400" rtl="0" eaLnBrk="1" latinLnBrk="0" hangingPunct="1">
+        <a:lnSpc>
+          <a:spcPct val="90000"/>
+        </a:lnSpc>
+        <a:spcBef>
+          <a:spcPts val="500"/>
+        </a:spcBef>
+        <a:buFont typeface="Arial" panose="020B0604020202020204" pitchFamily="34" charset="0"/>
+        <a:buChar char="•"/>
+        <a:defRPr sz="1800" kern="1200">
+          <a:solidFill>
+            <a:schemeClr val="tx1"/>
+          </a:solidFill>
+          <a:latin typeface="+mn-lt"/>
+          <a:ea typeface="+mn-ea"/>
+          <a:cs typeface="+mn-cs"/>
+        </a:defRPr>
+      </a:lvl4pPr>
+      <a:lvl5pPr marL="2057400" indent="-228600" algn="l" defTabSz="914400" rtl="0" eaLnBrk="1" latinLnBrk="0" hangingPunct="1">
+        <a:lnSpc>
+          <a:spcPct val="90000"/>
+        </a:lnSpc>
+        <a:spcBef>
+          <a:spcPts val="500"/>
+        </a:spcBef>
+        <a:buFont typeface="Arial" panose="020B0604020202020204" pitchFamily="34" charset="0"/>
+        <a:buChar char="•"/>
+        <a:defRPr sz="1800" kern="1200">
+          <a:solidFill>
+            <a:schemeClr val="tx1"/>
+          </a:solidFill>
+          <a:latin typeface="+mn-lt"/>
+          <a:ea typeface="+mn-ea"/>
+          <a:cs typeface="+mn-cs"/>
+        </a:defRPr>
+      </a:lvl5pPr>
+      <a:lvl6pPr marL="2514600" indent="-228600" algn="l" defTabSz="914400" rtl="0" eaLnBrk="1" latinLnBrk="0" hangingPunct="1">
+        <a:lnSpc>
+          <a:spcPct val="90000"/>
+        </a:lnSpc>
+        <a:spcBef>
+          <a:spcPts val="500"/>
+        </a:spcBef>
+        <a:buFont typeface="Arial" panose="020B0604020202020204" pitchFamily="34" charset="0"/>
+        <a:buChar char="•"/>
+        <a:defRPr sz="1800" kern="1200">
+          <a:solidFill>
+            <a:schemeClr val="tx1"/>
+          </a:solidFill>
+          <a:latin typeface="+mn-lt"/>
+          <a:ea typeface="+mn-ea"/>
+          <a:cs typeface="+mn-cs"/>
+        </a:defRPr>
+      </a:lvl6pPr>
+      <a:lvl7pPr marL="2971800" indent="-228600" algn="l" defTabSz="914400" rtl="0" eaLnBrk="1" latinLnBrk="0" hangingPunct="1">
+        <a:lnSpc>
+          <a:spcPct val="90000"/>
+        </a:lnSpc>
+        <a:spcBef>
+          <a:spcPts val="500"/>
+        </a:spcBef>
+        <a:buFont typeface="Arial" panose="020B0604020202020204" pitchFamily="34" charset="0"/>
+        <a:buChar char="•"/>
+        <a:defRPr sz="1800" kern="1200">
+          <a:solidFill>
+            <a:schemeClr val="tx1"/>
+          </a:solidFill>
+          <a:latin typeface="+mn-lt"/>
+          <a:ea typeface="+mn-ea"/>
+          <a:cs typeface="+mn-cs"/>
+        </a:defRPr>
+      </a:lvl7pPr>
+      <a:lvl8pPr marL="3429000" indent="-228600" algn="l" defTabSz="914400" rtl="0" eaLnBrk="1" latinLnBrk="0" hangingPunct="1">
+        <a:lnSpc>
+          <a:spcPct val="90000"/>
+        </a:lnSpc>
+        <a:spcBef>
+          <a:spcPts val="500"/>
+        </a:spcBef>
+        <a:buFont typeface="Arial" panose="020B0604020202020204" pitchFamily="34" charset="0"/>
+        <a:buChar char="•"/>
+        <a:defRPr sz="1800" kern="1200">
+          <a:solidFill>
+            <a:schemeClr val="tx1"/>
+          </a:solidFill>
+          <a:latin typeface="+mn-lt"/>
+          <a:ea typeface="+mn-ea"/>
+          <a:cs typeface="+mn-cs"/>
+        </a:defRPr>
+      </a:lvl8pPr>
+      <a:lvl9pPr marL="3886200" indent="-228600" algn="l" defTabSz="914400" rtl="0" eaLnBrk="1" latinLnBrk="0" hangingPunct="1">
+        <a:lnSpc>
+          <a:spcPct val="90000"/>
+        </a:lnSpc>
+        <a:spcBef>
+          <a:spcPts val="500"/>
+        </a:spcBef>
+        <a:buFont typeface="Arial" panose="020B0604020202020204" pitchFamily="34" charset="0"/>
+        <a:buChar char="•"/>
+        <a:defRPr sz="1800" kern="1200">
+          <a:solidFill>
+            <a:schemeClr val="tx1"/>
+          </a:solidFill>
+          <a:latin typeface="+mn-lt"/>
+          <a:ea typeface="+mn-ea"/>
+          <a:cs typeface="+mn-cs"/>
+        </a:defRPr>
+      </a:lvl9pPr>
+    </p:bodyStyle>
+    <p:otherStyle>
+      <a:defPPr>
+        <a:defRPr lang="en-US"/>
+      </a:defPPr>
+      <a:lvl1pPr marL="0" algn="l" defTabSz="914400" rtl="0" eaLnBrk="1" latinLnBrk="0" hangingPunct="1">
+        <a:defRPr sz="1800" kern="1200">
+          <a:solidFill>
+            <a:schemeClr val="tx1"/>
+          </a:solidFill>
+          <a:latin typeface="+mn-lt"/>
+          <a:ea typeface="+mn-ea"/>
+          <a:cs typeface="+mn-cs"/>
+        </a:defRPr>
+      </a:lvl1pPr>
+      <a:lvl2pPr marL="457200" algn="l" defTabSz="914400" rtl="0" eaLnBrk="1" latinLnBrk="0" hangingPunct="1">
+        <a:defRPr sz="1800" kern="1200">
+          <a:solidFill>
+            <a:schemeClr val="tx1"/>
+          </a:solidFill>
+          <a:latin typeface="+mn-lt"/>
+          <a:ea typeface="+mn-ea"/>
+          <a:cs typeface="+mn-cs"/>
+        </a:defRPr>
+      </a:lvl2pPr>
+      <a:lvl3pPr marL="914400" algn="l" defTabSz="914400" rtl="0" eaLnBrk="1" latinLnBrk="0" hangingPunct="1">
+        <a:defRPr sz="1800" kern="1200">
+          <a:solidFill>
+            <a:schemeClr val="tx1"/>
+          </a:solidFill>
+          <a:latin typeface="+mn-lt"/>
+          <a:ea typeface="+mn-ea"/>
+          <a:cs typeface="+mn-cs"/>
+        </a:defRPr>
+      </a:lvl3pPr>
+      <a:lvl4pPr marL="1371600" algn="l" defTabSz="914400" rtl="0" eaLnBrk="1" latinLnBrk="0" hangingPunct="1">
+        <a:defRPr sz="1800" kern="1200">
+          <a:solidFill>
+            <a:schemeClr val="tx1"/>
+          </a:solidFill>
+          <a:latin typeface="+mn-lt"/>
+          <a:ea typeface="+mn-ea"/>
+          <a:cs typeface="+mn-cs"/>
+        </a:defRPr>
+      </a:lvl4pPr>
+      <a:lvl5pPr marL="1828800" algn="l" defTabSz="914400" rtl="0" eaLnBrk="1" latinLnBrk="0" hangingPunct="1">
+        <a:defRPr sz="1800" kern="1200">
+          <a:solidFill>
+            <a:schemeClr val="tx1"/>
+          </a:solidFill>
+          <a:latin typeface="+mn-lt"/>
+          <a:ea typeface="+mn-ea"/>
+          <a:cs typeface="+mn-cs"/>
+        </a:defRPr>
+      </a:lvl5pPr>
+      <a:lvl6pPr marL="2286000" algn="l" defTabSz="914400" rtl="0" eaLnBrk="1" latinLnBrk="0" hangingPunct="1">
+        <a:defRPr sz="1800" kern="1200">
+          <a:solidFill>
+            <a:schemeClr val="tx1"/>
+          </a:solidFill>
+          <a:latin typeface="+mn-lt"/>
+          <a:ea typeface="+mn-ea"/>
+          <a:cs typeface="+mn-cs"/>
+        </a:defRPr>
+      </a:lvl6pPr>
+      <a:lvl7pPr marL="2743200" algn="l" defTabSz="914400" rtl="0" eaLnBrk="1" latinLnBrk="0" hangingPunct="1">
+        <a:defRPr sz="1800" kern="1200">
+          <a:solidFill>
+            <a:schemeClr val="tx1"/>
+          </a:solidFill>
+          <a:latin typeface="+mn-lt"/>
+          <a:ea typeface="+mn-ea"/>
+          <a:cs typeface="+mn-cs"/>
+        </a:defRPr>
+      </a:lvl7pPr>
+      <a:lvl8pPr marL="3200400" algn="l" defTabSz="914400" rtl="0" eaLnBrk="1" latinLnBrk="0" hangingPunct="1">
+        <a:defRPr sz="1800" kern="1200">
+          <a:solidFill>
+            <a:schemeClr val="tx1"/>
+          </a:solidFill>
+          <a:latin typeface="+mn-lt"/>
+          <a:ea typeface="+mn-ea"/>
+          <a:cs typeface="+mn-cs"/>
+        </a:defRPr>
+      </a:lvl8pPr>
+      <a:lvl9pPr marL="3657600" algn="l" defTabSz="914400" rtl="0" eaLnBrk="1" latinLnBrk="0" hangingPunct="1">
+        <a:defRPr sz="1800" kern="1200">
+          <a:solidFill>
+            <a:schemeClr val="tx1"/>
+          </a:solidFill>
+          <a:latin typeface="+mn-lt"/>
+          <a:ea typeface="+mn-ea"/>
+          <a:cs typeface="+mn-cs"/>
+        </a:defRPr>
+      </a:lvl9pPr>
+    </p:otherStyle>
+  </p:txStyles>
 </p:sldMaster>
 </file>
 
 <file path=ppt/slides/slide1.xml><?xml version="1.0" encoding="utf-8"?>
-<p:sld xmlns:a="http://schemas.openxmlformats.org/drawingml/2006/main" xmlns:p="http://schemas.openxmlformats.org/presentationml/2006/main" xmlns:r="http://schemas.openxmlformats.org/officeDocument/2006/relationships" xmlns:p14="http://schemas.microsoft.com/office/powerpoint/2010/main" xmlns:p15="http://schemas.microsoft.com/office/powerpoint/2012/main" xmlns:mc="http://schemas.openxmlformats.org/markup-compatibility/2006">
+<p:sld xmlns:a="http://schemas.openxmlformats.org/drawingml/2006/main" xmlns:r="http://schemas.openxmlformats.org/officeDocument/2006/relationships" xmlns:p="http://schemas.openxmlformats.org/presentationml/2006/main">
   <p:cSld>
     <p:spTree>
       <p:nvGrpSpPr>
@@ -1792,7 +2631,7 @@
         </p:nvGrpSpPr>
         <p:grpSpPr>
           <a:xfrm>
-            <a:off x="109800" y="1828800"/>
+            <a:off x="186000" y="1828800"/>
             <a:ext cx="1445760" cy="731160"/>
             <a:chOff x="109800" y="1828800"/>
             <a:chExt cx="1445760" cy="731160"/>
@@ -1813,16 +2652,22 @@
               <a:avLst/>
             </a:prstGeom>
             <a:solidFill>
-              <a:srgbClr val="cccccc"/>
+              <a:srgbClr val="CCCCCC"/>
             </a:solidFill>
             <a:ln>
               <a:noFill/>
             </a:ln>
           </p:spPr>
           <p:style>
-            <a:lnRef idx="0"/>
-            <a:fillRef idx="0"/>
-            <a:effectRef idx="0"/>
+            <a:lnRef idx="0">
+              <a:scrgbClr r="0" g="0" b="0"/>
+            </a:lnRef>
+            <a:fillRef idx="0">
+              <a:scrgbClr r="0" g="0" b="0"/>
+            </a:fillRef>
+            <a:effectRef idx="0">
+              <a:scrgbClr r="0" g="0" b="0"/>
+            </a:effectRef>
             <a:fontRef idx="minor"/>
           </p:style>
         </p:sp>
@@ -1846,15 +2691,22 @@
             </a:ln>
           </p:spPr>
           <p:style>
-            <a:lnRef idx="0"/>
-            <a:fillRef idx="0"/>
-            <a:effectRef idx="0"/>
+            <a:lnRef idx="0">
+              <a:scrgbClr r="0" g="0" b="0"/>
+            </a:lnRef>
+            <a:fillRef idx="0">
+              <a:scrgbClr r="0" g="0" b="0"/>
+            </a:fillRef>
+            <a:effectRef idx="0">
+              <a:scrgbClr r="0" g="0" b="0"/>
+            </a:effectRef>
             <a:fontRef idx="minor"/>
           </p:style>
           <p:txBody>
-            <a:bodyPr lIns="90000" rIns="90000" tIns="45000" bIns="45000">
+            <a:bodyPr lIns="90000" tIns="45000" rIns="90000" bIns="45000">
               <a:noAutofit/>
             </a:bodyPr>
+            <a:lstStyle/>
             <a:p>
               <a:pPr>
                 <a:lnSpc>
@@ -1862,26 +2714,16 @@
                 </a:lnSpc>
               </a:pPr>
               <a:r>
-                <a:rPr b="0" lang="en-US" sz="1400" spc="-1" strike="noStrike">
+                <a:rPr lang="en-US" sz="1400" b="0" strike="noStrike" spc="-1">
                   <a:solidFill>
                     <a:srgbClr val="000000"/>
                   </a:solidFill>
                   <a:latin typeface="Arial"/>
                   <a:ea typeface="DejaVu Sans"/>
                 </a:rPr>
-                <a:t>    </a:t>
+                <a:t>    Receiver</a:t>
               </a:r>
-              <a:r>
-                <a:rPr b="0" lang="en-US" sz="1400" spc="-1" strike="noStrike">
-                  <a:solidFill>
-                    <a:srgbClr val="000000"/>
-                  </a:solidFill>
-                  <a:latin typeface="Arial"/>
-                  <a:ea typeface="DejaVu Sans"/>
-                </a:rPr>
-                <a:t>Receiver</a:t>
-              </a:r>
-              <a:endParaRPr b="0" lang="en-US" sz="1400" spc="-1" strike="noStrike">
+              <a:endParaRPr lang="en-US" sz="1400" b="0" strike="noStrike" spc="-1">
                 <a:latin typeface="Arial"/>
               </a:endParaRPr>
             </a:p>
@@ -1896,7 +2738,7 @@
         </p:nvGrpSpPr>
         <p:grpSpPr>
           <a:xfrm>
-            <a:off x="1938600" y="1975680"/>
+            <a:off x="2014800" y="1975680"/>
             <a:ext cx="1384560" cy="456480"/>
             <a:chOff x="1938600" y="1975680"/>
             <a:chExt cx="1384560" cy="456480"/>
@@ -1917,16 +2759,22 @@
               <a:avLst/>
             </a:prstGeom>
             <a:solidFill>
-              <a:srgbClr val="ff6600"/>
+              <a:srgbClr val="FF6600"/>
             </a:solidFill>
             <a:ln>
               <a:noFill/>
             </a:ln>
           </p:spPr>
           <p:style>
-            <a:lnRef idx="0"/>
-            <a:fillRef idx="0"/>
-            <a:effectRef idx="0"/>
+            <a:lnRef idx="0">
+              <a:scrgbClr r="0" g="0" b="0"/>
+            </a:lnRef>
+            <a:fillRef idx="0">
+              <a:scrgbClr r="0" g="0" b="0"/>
+            </a:fillRef>
+            <a:effectRef idx="0">
+              <a:scrgbClr r="0" g="0" b="0"/>
+            </a:effectRef>
             <a:fontRef idx="minor"/>
           </p:style>
         </p:sp>
@@ -1950,15 +2798,22 @@
             </a:ln>
           </p:spPr>
           <p:style>
-            <a:lnRef idx="0"/>
-            <a:fillRef idx="0"/>
-            <a:effectRef idx="0"/>
+            <a:lnRef idx="0">
+              <a:scrgbClr r="0" g="0" b="0"/>
+            </a:lnRef>
+            <a:fillRef idx="0">
+              <a:scrgbClr r="0" g="0" b="0"/>
+            </a:fillRef>
+            <a:effectRef idx="0">
+              <a:scrgbClr r="0" g="0" b="0"/>
+            </a:effectRef>
             <a:fontRef idx="minor"/>
           </p:style>
           <p:txBody>
-            <a:bodyPr lIns="90000" rIns="90000" tIns="45000" bIns="45000">
+            <a:bodyPr lIns="90000" tIns="45000" rIns="90000" bIns="45000">
               <a:noAutofit/>
             </a:bodyPr>
+            <a:lstStyle/>
             <a:p>
               <a:pPr>
                 <a:lnSpc>
@@ -1966,26 +2821,16 @@
                 </a:lnSpc>
               </a:pPr>
               <a:r>
-                <a:rPr b="0" lang="en-US" sz="1400" spc="-1" strike="noStrike">
+                <a:rPr lang="en-US" sz="1400" b="0" strike="noStrike" spc="-1">
                   <a:solidFill>
                     <a:srgbClr val="000000"/>
                   </a:solidFill>
                   <a:latin typeface="Arial"/>
                   <a:ea typeface="DejaVu Sans"/>
                 </a:rPr>
-                <a:t>  </a:t>
+                <a:t>  Demands</a:t>
               </a:r>
-              <a:r>
-                <a:rPr b="0" lang="en-US" sz="1400" spc="-1" strike="noStrike">
-                  <a:solidFill>
-                    <a:srgbClr val="000000"/>
-                  </a:solidFill>
-                  <a:latin typeface="Arial"/>
-                  <a:ea typeface="DejaVu Sans"/>
-                </a:rPr>
-                <a:t>Demands</a:t>
-              </a:r>
-              <a:endParaRPr b="0" lang="en-US" sz="1400" spc="-1" strike="noStrike">
+              <a:endParaRPr lang="en-US" sz="1400" b="0" strike="noStrike" spc="-1">
                 <a:latin typeface="Arial"/>
               </a:endParaRPr>
             </a:p>
@@ -2000,23 +2845,29 @@
         </p:nvSpPr>
         <p:spPr>
           <a:xfrm>
-            <a:off x="2251800" y="3520440"/>
+            <a:off x="2328000" y="3520440"/>
             <a:ext cx="1384560" cy="456480"/>
           </a:xfrm>
           <a:prstGeom prst="rect">
             <a:avLst/>
           </a:prstGeom>
           <a:solidFill>
-            <a:srgbClr val="66ff00"/>
+            <a:srgbClr val="66FF00"/>
           </a:solidFill>
           <a:ln>
             <a:noFill/>
           </a:ln>
         </p:spPr>
         <p:style>
-          <a:lnRef idx="0"/>
-          <a:fillRef idx="0"/>
-          <a:effectRef idx="0"/>
+          <a:lnRef idx="0">
+            <a:scrgbClr r="0" g="0" b="0"/>
+          </a:lnRef>
+          <a:fillRef idx="0">
+            <a:scrgbClr r="0" g="0" b="0"/>
+          </a:fillRef>
+          <a:effectRef idx="0">
+            <a:scrgbClr r="0" g="0" b="0"/>
+          </a:effectRef>
           <a:fontRef idx="minor"/>
         </p:style>
       </p:sp>
@@ -2028,7 +2879,7 @@
         </p:nvSpPr>
         <p:spPr>
           <a:xfrm>
-            <a:off x="2570040" y="3566160"/>
+            <a:off x="2646240" y="3566160"/>
             <a:ext cx="654120" cy="315360"/>
           </a:xfrm>
           <a:prstGeom prst="rect">
@@ -2040,15 +2891,22 @@
           </a:ln>
         </p:spPr>
         <p:style>
-          <a:lnRef idx="0"/>
-          <a:fillRef idx="0"/>
-          <a:effectRef idx="0"/>
+          <a:lnRef idx="0">
+            <a:scrgbClr r="0" g="0" b="0"/>
+          </a:lnRef>
+          <a:fillRef idx="0">
+            <a:scrgbClr r="0" g="0" b="0"/>
+          </a:fillRef>
+          <a:effectRef idx="0">
+            <a:scrgbClr r="0" g="0" b="0"/>
+          </a:effectRef>
           <a:fontRef idx="minor"/>
         </p:style>
         <p:txBody>
-          <a:bodyPr lIns="90000" rIns="90000" tIns="45000" bIns="45000">
+          <a:bodyPr lIns="90000" tIns="45000" rIns="90000" bIns="45000">
             <a:noAutofit/>
           </a:bodyPr>
+          <a:lstStyle/>
           <a:p>
             <a:pPr>
               <a:lnSpc>
@@ -2056,7 +2914,7 @@
               </a:lnSpc>
             </a:pPr>
             <a:r>
-              <a:rPr b="0" lang="en-US" sz="1400" spc="-1" strike="noStrike">
+              <a:rPr lang="en-US" sz="1400" b="0" strike="noStrike" spc="-1">
                 <a:solidFill>
                   <a:srgbClr val="000000"/>
                 </a:solidFill>
@@ -2065,7 +2923,7 @@
               </a:rPr>
               <a:t>State</a:t>
             </a:r>
-            <a:endParaRPr b="0" lang="en-US" sz="1400" spc="-1" strike="noStrike">
+            <a:endParaRPr lang="en-US" sz="1400" b="0" strike="noStrike" spc="-1">
               <a:latin typeface="Arial"/>
             </a:endParaRPr>
           </a:p>
@@ -2079,7 +2937,7 @@
         </p:nvGrpSpPr>
         <p:grpSpPr>
           <a:xfrm>
-            <a:off x="5607000" y="2688840"/>
+            <a:off x="5683200" y="2688840"/>
             <a:ext cx="1186920" cy="456480"/>
             <a:chOff x="5607000" y="2688840"/>
             <a:chExt cx="1186920" cy="456480"/>
@@ -2100,16 +2958,22 @@
               <a:avLst/>
             </a:prstGeom>
             <a:solidFill>
-              <a:srgbClr val="ff6600"/>
+              <a:srgbClr val="FF6600"/>
             </a:solidFill>
             <a:ln>
               <a:noFill/>
             </a:ln>
           </p:spPr>
           <p:style>
-            <a:lnRef idx="0"/>
-            <a:fillRef idx="0"/>
-            <a:effectRef idx="0"/>
+            <a:lnRef idx="0">
+              <a:scrgbClr r="0" g="0" b="0"/>
+            </a:lnRef>
+            <a:fillRef idx="0">
+              <a:scrgbClr r="0" g="0" b="0"/>
+            </a:fillRef>
+            <a:effectRef idx="0">
+              <a:scrgbClr r="0" g="0" b="0"/>
+            </a:effectRef>
             <a:fontRef idx="minor"/>
           </p:style>
         </p:sp>
@@ -2133,15 +2997,22 @@
             </a:ln>
           </p:spPr>
           <p:style>
-            <a:lnRef idx="0"/>
-            <a:fillRef idx="0"/>
-            <a:effectRef idx="0"/>
+            <a:lnRef idx="0">
+              <a:scrgbClr r="0" g="0" b="0"/>
+            </a:lnRef>
+            <a:fillRef idx="0">
+              <a:scrgbClr r="0" g="0" b="0"/>
+            </a:fillRef>
+            <a:effectRef idx="0">
+              <a:scrgbClr r="0" g="0" b="0"/>
+            </a:effectRef>
             <a:fontRef idx="minor"/>
           </p:style>
           <p:txBody>
-            <a:bodyPr lIns="90000" rIns="90000" tIns="45000" bIns="45000">
+            <a:bodyPr lIns="90000" tIns="45000" rIns="90000" bIns="45000">
               <a:noAutofit/>
             </a:bodyPr>
+            <a:lstStyle/>
             <a:p>
               <a:pPr>
                 <a:lnSpc>
@@ -2149,7 +3020,7 @@
                 </a:lnSpc>
               </a:pPr>
               <a:r>
-                <a:rPr b="0" lang="en-US" sz="1400" spc="-1" strike="noStrike">
+                <a:rPr lang="en-US" sz="1400" b="0" strike="noStrike" spc="-1">
                   <a:solidFill>
                     <a:srgbClr val="000000"/>
                   </a:solidFill>
@@ -2158,7 +3029,7 @@
                 </a:rPr>
                 <a:t>Demands</a:t>
               </a:r>
-              <a:endParaRPr b="0" lang="en-US" sz="1400" spc="-1" strike="noStrike">
+              <a:endParaRPr lang="en-US" sz="1400" b="0" strike="noStrike" spc="-1">
                 <a:latin typeface="Arial"/>
               </a:endParaRPr>
             </a:p>
@@ -2173,23 +3044,29 @@
         </p:nvSpPr>
         <p:spPr>
           <a:xfrm>
-            <a:off x="7236360" y="2612880"/>
+            <a:off x="7160161" y="2612880"/>
             <a:ext cx="1204920" cy="587160"/>
           </a:xfrm>
           <a:prstGeom prst="ellipse">
             <a:avLst/>
           </a:prstGeom>
           <a:solidFill>
-            <a:srgbClr val="729fcf"/>
+            <a:srgbClr val="729FCF"/>
           </a:solidFill>
           <a:ln>
             <a:noFill/>
           </a:ln>
         </p:spPr>
         <p:style>
-          <a:lnRef idx="0"/>
-          <a:fillRef idx="0"/>
-          <a:effectRef idx="0"/>
+          <a:lnRef idx="0">
+            <a:scrgbClr r="0" g="0" b="0"/>
+          </a:lnRef>
+          <a:fillRef idx="0">
+            <a:scrgbClr r="0" g="0" b="0"/>
+          </a:fillRef>
+          <a:effectRef idx="0">
+            <a:scrgbClr r="0" g="0" b="0"/>
+          </a:effectRef>
           <a:fontRef idx="minor"/>
         </p:style>
       </p:sp>
@@ -2201,7 +3078,7 @@
         </p:nvSpPr>
         <p:spPr>
           <a:xfrm>
-            <a:off x="7521120" y="2762640"/>
+            <a:off x="7444921" y="2762640"/>
             <a:ext cx="626040" cy="289440"/>
           </a:xfrm>
           <a:prstGeom prst="rect">
@@ -2213,15 +3090,22 @@
           </a:ln>
         </p:spPr>
         <p:style>
-          <a:lnRef idx="0"/>
-          <a:fillRef idx="0"/>
-          <a:effectRef idx="0"/>
+          <a:lnRef idx="0">
+            <a:scrgbClr r="0" g="0" b="0"/>
+          </a:lnRef>
+          <a:fillRef idx="0">
+            <a:scrgbClr r="0" g="0" b="0"/>
+          </a:fillRef>
+          <a:effectRef idx="0">
+            <a:scrgbClr r="0" g="0" b="0"/>
+          </a:effectRef>
           <a:fontRef idx="minor"/>
         </p:style>
         <p:txBody>
-          <a:bodyPr lIns="90000" rIns="90000" tIns="45000" bIns="45000">
+          <a:bodyPr lIns="90000" tIns="45000" rIns="90000" bIns="45000">
             <a:noAutofit/>
           </a:bodyPr>
+          <a:lstStyle/>
           <a:p>
             <a:pPr>
               <a:lnSpc>
@@ -2229,7 +3113,7 @@
               </a:lnSpc>
             </a:pPr>
             <a:r>
-              <a:rPr b="0" lang="en-US" sz="1400" spc="-1" strike="noStrike">
+              <a:rPr lang="en-US" sz="1400" b="0" strike="noStrike" spc="-1" dirty="0">
                 <a:solidFill>
                   <a:srgbClr val="000000"/>
                 </a:solidFill>
@@ -2238,7 +3122,7 @@
               </a:rPr>
               <a:t>Mixer</a:t>
             </a:r>
-            <a:endParaRPr b="0" lang="en-US" sz="1400" spc="-1" strike="noStrike">
+            <a:endParaRPr lang="en-US" sz="1400" b="0" strike="noStrike" spc="-1" dirty="0">
               <a:latin typeface="Arial"/>
             </a:endParaRPr>
           </a:p>
@@ -2252,23 +3136,29 @@
         </p:nvSpPr>
         <p:spPr>
           <a:xfrm>
-            <a:off x="3869640" y="2551320"/>
+            <a:off x="3945840" y="2551320"/>
             <a:ext cx="1463040" cy="730800"/>
           </a:xfrm>
           <a:prstGeom prst="ellipse">
             <a:avLst/>
           </a:prstGeom>
           <a:solidFill>
-            <a:srgbClr val="cccccc"/>
+            <a:srgbClr val="CCCCCC"/>
           </a:solidFill>
           <a:ln>
             <a:noFill/>
           </a:ln>
         </p:spPr>
         <p:style>
-          <a:lnRef idx="0"/>
-          <a:fillRef idx="0"/>
-          <a:effectRef idx="0"/>
+          <a:lnRef idx="0">
+            <a:scrgbClr r="0" g="0" b="0"/>
+          </a:lnRef>
+          <a:fillRef idx="0">
+            <a:scrgbClr r="0" g="0" b="0"/>
+          </a:fillRef>
+          <a:effectRef idx="0">
+            <a:scrgbClr r="0" g="0" b="0"/>
+          </a:effectRef>
           <a:fontRef idx="minor"/>
         </p:style>
       </p:sp>
@@ -2280,7 +3170,7 @@
         </p:nvSpPr>
         <p:spPr>
           <a:xfrm>
-            <a:off x="3889080" y="2632680"/>
+            <a:off x="3965280" y="2632680"/>
             <a:ext cx="1465560" cy="315360"/>
           </a:xfrm>
           <a:prstGeom prst="rect">
@@ -2292,15 +3182,22 @@
           </a:ln>
         </p:spPr>
         <p:style>
-          <a:lnRef idx="0"/>
-          <a:fillRef idx="0"/>
-          <a:effectRef idx="0"/>
+          <a:lnRef idx="0">
+            <a:scrgbClr r="0" g="0" b="0"/>
+          </a:lnRef>
+          <a:fillRef idx="0">
+            <a:scrgbClr r="0" g="0" b="0"/>
+          </a:fillRef>
+          <a:effectRef idx="0">
+            <a:scrgbClr r="0" g="0" b="0"/>
+          </a:effectRef>
           <a:fontRef idx="minor"/>
         </p:style>
         <p:txBody>
-          <a:bodyPr lIns="90000" rIns="90000" tIns="45000" bIns="45000">
+          <a:bodyPr lIns="90000" tIns="45000" rIns="90000" bIns="45000">
             <a:noAutofit/>
           </a:bodyPr>
+          <a:lstStyle/>
           <a:p>
             <a:pPr algn="ctr">
               <a:lnSpc>
@@ -2308,7 +3205,7 @@
               </a:lnSpc>
             </a:pPr>
             <a:r>
-              <a:rPr b="0" lang="en-US" sz="1500" spc="-1" strike="noStrike">
+              <a:rPr lang="en-US" sz="1500" b="0" strike="noStrike" spc="-1">
                 <a:solidFill>
                   <a:srgbClr val="000000"/>
                 </a:solidFill>
@@ -2317,7 +3214,7 @@
               </a:rPr>
               <a:t>PID </a:t>
             </a:r>
-            <a:endParaRPr b="0" lang="en-US" sz="1500" spc="-1" strike="noStrike">
+            <a:endParaRPr lang="en-US" sz="1500" b="0" strike="noStrike" spc="-1">
               <a:latin typeface="Arial"/>
             </a:endParaRPr>
           </a:p>
@@ -2328,7 +3225,7 @@
               </a:lnSpc>
             </a:pPr>
             <a:r>
-              <a:rPr b="0" lang="en-US" sz="1500" spc="-1" strike="noStrike">
+              <a:rPr lang="en-US" sz="1500" b="0" strike="noStrike" spc="-1">
                 <a:solidFill>
                   <a:srgbClr val="000000"/>
                 </a:solidFill>
@@ -2337,200 +3234,196 @@
               </a:rPr>
               <a:t>Controllers</a:t>
             </a:r>
-            <a:endParaRPr b="0" lang="en-US" sz="1500" spc="-1" strike="noStrike">
+            <a:endParaRPr lang="en-US" sz="1500" b="0" strike="noStrike" spc="-1">
               <a:latin typeface="Arial"/>
             </a:endParaRPr>
           </a:p>
         </p:txBody>
       </p:sp>
-      <p:grpSp>
-        <p:nvGrpSpPr>
-          <p:cNvPr id="53" name="Group 16"/>
-          <p:cNvGrpSpPr/>
+      <p:sp>
+        <p:nvSpPr>
+          <p:cNvPr id="54" name="CustomShape 17"/>
+          <p:cNvSpPr/>
           <p:nvPr/>
-        </p:nvGrpSpPr>
-        <p:grpSpPr>
-          <a:xfrm>
-            <a:off x="54360" y="3200400"/>
+        </p:nvSpPr>
+        <p:spPr>
+          <a:xfrm>
+            <a:off x="130560" y="3260222"/>
             <a:ext cx="1737000" cy="1096920"/>
-            <a:chOff x="54360" y="3200400"/>
-            <a:chExt cx="1737000" cy="1096920"/>
-          </a:xfrm>
-        </p:grpSpPr>
-        <p:sp>
-          <p:nvSpPr>
-            <p:cNvPr id="54" name="CustomShape 17"/>
-            <p:cNvSpPr/>
-            <p:nvPr/>
-          </p:nvSpPr>
-          <p:spPr>
-            <a:xfrm>
-              <a:off x="54360" y="3200400"/>
-              <a:ext cx="1737000" cy="1096920"/>
-            </a:xfrm>
-            <a:prstGeom prst="ellipse">
-              <a:avLst/>
-            </a:prstGeom>
-            <a:solidFill>
-              <a:srgbClr val="cccccc"/>
-            </a:solidFill>
-            <a:ln>
-              <a:noFill/>
-            </a:ln>
-          </p:spPr>
-          <p:style>
-            <a:lnRef idx="0"/>
-            <a:fillRef idx="0"/>
-            <a:effectRef idx="0"/>
-            <a:fontRef idx="minor"/>
-          </p:style>
-        </p:sp>
-        <p:sp>
-          <p:nvSpPr>
-            <p:cNvPr id="55" name="CustomShape 18"/>
-            <p:cNvSpPr/>
-            <p:nvPr/>
-          </p:nvSpPr>
-          <p:spPr>
-            <a:xfrm>
-              <a:off x="439920" y="3350160"/>
-              <a:ext cx="925200" cy="315360"/>
-            </a:xfrm>
-            <a:prstGeom prst="rect">
-              <a:avLst/>
-            </a:prstGeom>
+          </a:xfrm>
+          <a:prstGeom prst="ellipse">
+            <a:avLst/>
+          </a:prstGeom>
+          <a:solidFill>
+            <a:srgbClr val="CCCCCC"/>
+          </a:solidFill>
+          <a:ln>
             <a:noFill/>
-            <a:ln>
-              <a:noFill/>
-            </a:ln>
-          </p:spPr>
-          <p:style>
-            <a:lnRef idx="0"/>
-            <a:fillRef idx="0"/>
-            <a:effectRef idx="0"/>
-            <a:fontRef idx="minor"/>
-          </p:style>
-          <p:txBody>
-            <a:bodyPr lIns="90000" rIns="90000" tIns="45000" bIns="45000">
-              <a:noAutofit/>
-            </a:bodyPr>
-            <a:p>
-              <a:pPr>
-                <a:lnSpc>
-                  <a:spcPct val="100000"/>
-                </a:lnSpc>
-              </a:pPr>
-              <a:r>
-                <a:rPr b="0" lang="en-US" sz="1400" spc="-1" strike="noStrike">
-                  <a:solidFill>
-                    <a:srgbClr val="000000"/>
-                  </a:solidFill>
-                  <a:latin typeface="Arial"/>
-                  <a:ea typeface="DejaVu Sans"/>
-                </a:rPr>
-                <a:t>Sensors</a:t>
-              </a:r>
-              <a:endParaRPr b="0" lang="en-US" sz="1400" spc="-1" strike="noStrike">
+          </a:ln>
+        </p:spPr>
+        <p:style>
+          <a:lnRef idx="0">
+            <a:scrgbClr r="0" g="0" b="0"/>
+          </a:lnRef>
+          <a:fillRef idx="0">
+            <a:scrgbClr r="0" g="0" b="0"/>
+          </a:fillRef>
+          <a:effectRef idx="0">
+            <a:scrgbClr r="0" g="0" b="0"/>
+          </a:effectRef>
+          <a:fontRef idx="minor"/>
+        </p:style>
+      </p:sp>
+      <p:sp>
+        <p:nvSpPr>
+          <p:cNvPr id="55" name="CustomShape 18"/>
+          <p:cNvSpPr/>
+          <p:nvPr/>
+        </p:nvSpPr>
+        <p:spPr>
+          <a:xfrm>
+            <a:off x="554220" y="3324256"/>
+            <a:ext cx="925200" cy="315360"/>
+          </a:xfrm>
+          <a:prstGeom prst="rect">
+            <a:avLst/>
+          </a:prstGeom>
+          <a:noFill/>
+          <a:ln>
+            <a:noFill/>
+          </a:ln>
+        </p:spPr>
+        <p:style>
+          <a:lnRef idx="0">
+            <a:scrgbClr r="0" g="0" b="0"/>
+          </a:lnRef>
+          <a:fillRef idx="0">
+            <a:scrgbClr r="0" g="0" b="0"/>
+          </a:fillRef>
+          <a:effectRef idx="0">
+            <a:scrgbClr r="0" g="0" b="0"/>
+          </a:effectRef>
+          <a:fontRef idx="minor"/>
+        </p:style>
+        <p:txBody>
+          <a:bodyPr lIns="90000" tIns="45000" rIns="90000" bIns="45000">
+            <a:noAutofit/>
+          </a:bodyPr>
+          <a:lstStyle/>
+          <a:p>
+            <a:pPr>
+              <a:lnSpc>
+                <a:spcPct val="100000"/>
+              </a:lnSpc>
+            </a:pPr>
+            <a:r>
+              <a:rPr lang="en-US" sz="1400" b="0" strike="noStrike" spc="-1" dirty="0">
+                <a:solidFill>
+                  <a:srgbClr val="000000"/>
+                </a:solidFill>
                 <a:latin typeface="Arial"/>
-              </a:endParaRPr>
-            </a:p>
-          </p:txBody>
-        </p:sp>
-        <p:grpSp>
-          <p:nvGrpSpPr>
-            <p:cNvPr id="56" name="Group 19"/>
-            <p:cNvGrpSpPr/>
-            <p:nvPr/>
-          </p:nvGrpSpPr>
-          <p:grpSpPr>
-            <a:xfrm>
-              <a:off x="506880" y="3693600"/>
-              <a:ext cx="785520" cy="420840"/>
-              <a:chOff x="506880" y="3693600"/>
-              <a:chExt cx="785520" cy="420840"/>
-            </a:xfrm>
-          </p:grpSpPr>
-          <p:sp>
-            <p:nvSpPr>
-              <p:cNvPr id="57" name="CustomShape 20"/>
-              <p:cNvSpPr/>
-              <p:nvPr/>
-            </p:nvSpPr>
-            <p:spPr>
-              <a:xfrm>
-                <a:off x="506880" y="3693600"/>
-                <a:ext cx="785520" cy="420840"/>
-              </a:xfrm>
-              <a:prstGeom prst="ellipse">
-                <a:avLst/>
-              </a:prstGeom>
-              <a:solidFill>
-                <a:srgbClr val="729fcf"/>
-              </a:solidFill>
-              <a:ln>
-                <a:noFill/>
-              </a:ln>
-            </p:spPr>
-            <p:style>
-              <a:lnRef idx="0"/>
-              <a:fillRef idx="0"/>
-              <a:effectRef idx="0"/>
-              <a:fontRef idx="minor"/>
-            </p:style>
-          </p:sp>
-          <p:sp>
-            <p:nvSpPr>
-              <p:cNvPr id="58" name="CustomShape 21"/>
-              <p:cNvSpPr/>
-              <p:nvPr/>
-            </p:nvSpPr>
-            <p:spPr>
-              <a:xfrm>
-                <a:off x="624600" y="3755520"/>
-                <a:ext cx="528840" cy="290880"/>
-              </a:xfrm>
-              <a:prstGeom prst="rect">
-                <a:avLst/>
-              </a:prstGeom>
-              <a:noFill/>
-              <a:ln>
-                <a:noFill/>
-              </a:ln>
-            </p:spPr>
-            <p:style>
-              <a:lnRef idx="0"/>
-              <a:fillRef idx="0"/>
-              <a:effectRef idx="0"/>
-              <a:fontRef idx="minor"/>
-            </p:style>
-            <p:txBody>
-              <a:bodyPr lIns="90000" rIns="90000" tIns="45000" bIns="45000">
-                <a:noAutofit/>
-              </a:bodyPr>
-              <a:p>
-                <a:pPr>
-                  <a:lnSpc>
-                    <a:spcPct val="100000"/>
-                  </a:lnSpc>
-                </a:pPr>
-                <a:r>
-                  <a:rPr b="0" lang="en-US" sz="1400" spc="-1" strike="noStrike">
-                    <a:solidFill>
-                      <a:srgbClr val="000000"/>
-                    </a:solidFill>
-                    <a:latin typeface="Arial"/>
-                    <a:ea typeface="DejaVu Sans"/>
-                  </a:rPr>
-                  <a:t>IMU</a:t>
-                </a:r>
-                <a:endParaRPr b="0" lang="en-US" sz="1400" spc="-1" strike="noStrike">
-                  <a:latin typeface="Arial"/>
-                </a:endParaRPr>
-              </a:p>
-            </p:txBody>
-          </p:sp>
-        </p:grpSp>
-      </p:grpSp>
+                <a:ea typeface="DejaVu Sans"/>
+              </a:rPr>
+              <a:t>Sensors</a:t>
+            </a:r>
+            <a:endParaRPr lang="en-US" sz="1400" b="0" strike="noStrike" spc="-1" dirty="0">
+              <a:latin typeface="Arial"/>
+            </a:endParaRPr>
+          </a:p>
+        </p:txBody>
+      </p:sp>
+      <p:sp>
+        <p:nvSpPr>
+          <p:cNvPr id="57" name="CustomShape 20"/>
+          <p:cNvSpPr/>
+          <p:nvPr/>
+        </p:nvSpPr>
+        <p:spPr>
+          <a:xfrm>
+            <a:off x="583080" y="3886774"/>
+            <a:ext cx="785520" cy="420840"/>
+          </a:xfrm>
+          <a:prstGeom prst="ellipse">
+            <a:avLst/>
+          </a:prstGeom>
+          <a:solidFill>
+            <a:srgbClr val="729FCF"/>
+          </a:solidFill>
+          <a:ln>
+            <a:noFill/>
+          </a:ln>
+        </p:spPr>
+        <p:style>
+          <a:lnRef idx="0">
+            <a:scrgbClr r="0" g="0" b="0"/>
+          </a:lnRef>
+          <a:fillRef idx="0">
+            <a:scrgbClr r="0" g="0" b="0"/>
+          </a:fillRef>
+          <a:effectRef idx="0">
+            <a:scrgbClr r="0" g="0" b="0"/>
+          </a:effectRef>
+          <a:fontRef idx="minor"/>
+        </p:style>
+      </p:sp>
+      <p:sp>
+        <p:nvSpPr>
+          <p:cNvPr id="58" name="CustomShape 21"/>
+          <p:cNvSpPr/>
+          <p:nvPr/>
+        </p:nvSpPr>
+        <p:spPr>
+          <a:xfrm>
+            <a:off x="722231" y="3943934"/>
+            <a:ext cx="528840" cy="290880"/>
+          </a:xfrm>
+          <a:prstGeom prst="rect">
+            <a:avLst/>
+          </a:prstGeom>
+          <a:noFill/>
+          <a:ln>
+            <a:noFill/>
+          </a:ln>
+        </p:spPr>
+        <p:style>
+          <a:lnRef idx="0">
+            <a:scrgbClr r="0" g="0" b="0"/>
+          </a:lnRef>
+          <a:fillRef idx="0">
+            <a:scrgbClr r="0" g="0" b="0"/>
+          </a:fillRef>
+          <a:effectRef idx="0">
+            <a:scrgbClr r="0" g="0" b="0"/>
+          </a:effectRef>
+          <a:fontRef idx="minor"/>
+        </p:style>
+        <p:txBody>
+          <a:bodyPr lIns="90000" tIns="45000" rIns="90000" bIns="45000">
+            <a:noAutofit/>
+          </a:bodyPr>
+          <a:lstStyle/>
+          <a:p>
+            <a:pPr>
+              <a:lnSpc>
+                <a:spcPct val="100000"/>
+              </a:lnSpc>
+            </a:pPr>
+            <a:r>
+              <a:rPr lang="en-US" sz="1400" b="0" strike="noStrike" spc="-1" dirty="0">
+                <a:solidFill>
+                  <a:srgbClr val="000000"/>
+                </a:solidFill>
+                <a:latin typeface="Arial"/>
+                <a:ea typeface="DejaVu Sans"/>
+              </a:rPr>
+              <a:t>IMU</a:t>
+            </a:r>
+            <a:endParaRPr lang="en-US" sz="1400" b="0" strike="noStrike" spc="-1" dirty="0">
+              <a:latin typeface="Arial"/>
+            </a:endParaRPr>
+          </a:p>
+        </p:txBody>
+      </p:sp>
       <p:sp>
         <p:nvSpPr>
           <p:cNvPr id="59" name="CustomShape 22"/>
@@ -2539,13 +3432,14 @@
         </p:nvSpPr>
         <p:spPr>
           <a:xfrm flipV="1">
-            <a:off x="1791720" y="3747960"/>
+            <a:off x="1867920" y="3747960"/>
             <a:ext cx="460080" cy="360"/>
           </a:xfrm>
           <a:custGeom>
             <a:avLst/>
             <a:gdLst/>
             <a:ahLst/>
+            <a:cxnLst/>
             <a:rect l="l" t="t" r="r" b="b"/>
             <a:pathLst>
               <a:path w="21600" h="21600">
@@ -2563,13 +3457,19 @@
             <a:solidFill>
               <a:srgbClr val="000000"/>
             </a:solidFill>
-            <a:tailEnd len="med" type="triangle" w="med"/>
+            <a:tailEnd type="triangle" w="med" len="med"/>
           </a:ln>
         </p:spPr>
         <p:style>
-          <a:lnRef idx="0"/>
-          <a:fillRef idx="0"/>
-          <a:effectRef idx="0"/>
+          <a:lnRef idx="0">
+            <a:scrgbClr r="0" g="0" b="0"/>
+          </a:lnRef>
+          <a:fillRef idx="0">
+            <a:scrgbClr r="0" g="0" b="0"/>
+          </a:fillRef>
+          <a:effectRef idx="0">
+            <a:scrgbClr r="0" g="0" b="0"/>
+          </a:effectRef>
           <a:fontRef idx="minor"/>
         </p:style>
       </p:sp>
@@ -2581,13 +3481,14 @@
         </p:nvSpPr>
         <p:spPr>
           <a:xfrm>
-            <a:off x="1555920" y="2194560"/>
+            <a:off x="1632120" y="2194560"/>
             <a:ext cx="382680" cy="9360"/>
           </a:xfrm>
           <a:custGeom>
             <a:avLst/>
             <a:gdLst/>
             <a:ahLst/>
+            <a:cxnLst/>
             <a:rect l="l" t="t" r="r" b="b"/>
             <a:pathLst>
               <a:path w="21600" h="21600">
@@ -2605,13 +3506,19 @@
             <a:solidFill>
               <a:srgbClr val="000000"/>
             </a:solidFill>
-            <a:tailEnd len="med" type="triangle" w="med"/>
+            <a:tailEnd type="triangle" w="med" len="med"/>
           </a:ln>
         </p:spPr>
         <p:style>
-          <a:lnRef idx="0"/>
-          <a:fillRef idx="0"/>
-          <a:effectRef idx="0"/>
+          <a:lnRef idx="0">
+            <a:scrgbClr r="0" g="0" b="0"/>
+          </a:lnRef>
+          <a:fillRef idx="0">
+            <a:scrgbClr r="0" g="0" b="0"/>
+          </a:fillRef>
+          <a:effectRef idx="0">
+            <a:scrgbClr r="0" g="0" b="0"/>
+          </a:effectRef>
           <a:fontRef idx="minor"/>
         </p:style>
       </p:sp>
@@ -2623,13 +3530,14 @@
         </p:nvSpPr>
         <p:spPr>
           <a:xfrm>
-            <a:off x="3323520" y="2203920"/>
+            <a:off x="3399720" y="2203920"/>
             <a:ext cx="544320" cy="719280"/>
           </a:xfrm>
           <a:custGeom>
             <a:avLst/>
             <a:gdLst/>
             <a:ahLst/>
+            <a:cxnLst/>
             <a:rect l="l" t="t" r="r" b="b"/>
             <a:pathLst>
               <a:path w="21600" h="21600">
@@ -2647,13 +3555,19 @@
             <a:solidFill>
               <a:srgbClr val="000000"/>
             </a:solidFill>
-            <a:tailEnd len="med" type="triangle" w="med"/>
+            <a:tailEnd type="triangle" w="med" len="med"/>
           </a:ln>
         </p:spPr>
         <p:style>
-          <a:lnRef idx="0"/>
-          <a:fillRef idx="0"/>
-          <a:effectRef idx="0"/>
+          <a:lnRef idx="0">
+            <a:scrgbClr r="0" g="0" b="0"/>
+          </a:lnRef>
+          <a:fillRef idx="0">
+            <a:scrgbClr r="0" g="0" b="0"/>
+          </a:fillRef>
+          <a:effectRef idx="0">
+            <a:scrgbClr r="0" g="0" b="0"/>
+          </a:effectRef>
           <a:fontRef idx="minor"/>
         </p:style>
       </p:sp>
@@ -2665,13 +3579,14 @@
         </p:nvSpPr>
         <p:spPr>
           <a:xfrm flipV="1">
-            <a:off x="3636720" y="2922480"/>
+            <a:off x="3712920" y="2922480"/>
             <a:ext cx="231120" cy="825480"/>
           </a:xfrm>
           <a:custGeom>
             <a:avLst/>
             <a:gdLst/>
             <a:ahLst/>
+            <a:cxnLst/>
             <a:rect l="l" t="t" r="r" b="b"/>
             <a:pathLst>
               <a:path w="21600" h="21600">
@@ -2689,13 +3604,19 @@
             <a:solidFill>
               <a:srgbClr val="000000"/>
             </a:solidFill>
-            <a:tailEnd len="med" type="triangle" w="med"/>
+            <a:tailEnd type="triangle" w="med" len="med"/>
           </a:ln>
         </p:spPr>
         <p:style>
-          <a:lnRef idx="0"/>
-          <a:fillRef idx="0"/>
-          <a:effectRef idx="0"/>
+          <a:lnRef idx="0">
+            <a:scrgbClr r="0" g="0" b="0"/>
+          </a:lnRef>
+          <a:fillRef idx="0">
+            <a:scrgbClr r="0" g="0" b="0"/>
+          </a:fillRef>
+          <a:effectRef idx="0">
+            <a:scrgbClr r="0" g="0" b="0"/>
+          </a:effectRef>
           <a:fontRef idx="minor"/>
         </p:style>
       </p:sp>
@@ -2707,13 +3628,14 @@
         </p:nvSpPr>
         <p:spPr>
           <a:xfrm>
-            <a:off x="5333040" y="2916720"/>
+            <a:off x="5409240" y="2916720"/>
             <a:ext cx="273960" cy="360"/>
           </a:xfrm>
           <a:custGeom>
             <a:avLst/>
             <a:gdLst/>
             <a:ahLst/>
+            <a:cxnLst/>
             <a:rect l="l" t="t" r="r" b="b"/>
             <a:pathLst>
               <a:path w="21600" h="21600">
@@ -2731,13 +3653,19 @@
             <a:solidFill>
               <a:srgbClr val="000000"/>
             </a:solidFill>
-            <a:tailEnd len="med" type="triangle" w="med"/>
+            <a:tailEnd type="triangle" w="med" len="med"/>
           </a:ln>
         </p:spPr>
         <p:style>
-          <a:lnRef idx="0"/>
-          <a:fillRef idx="0"/>
-          <a:effectRef idx="0"/>
+          <a:lnRef idx="0">
+            <a:scrgbClr r="0" g="0" b="0"/>
+          </a:lnRef>
+          <a:fillRef idx="0">
+            <a:scrgbClr r="0" g="0" b="0"/>
+          </a:fillRef>
+          <a:effectRef idx="0">
+            <a:scrgbClr r="0" g="0" b="0"/>
+          </a:effectRef>
           <a:fontRef idx="minor"/>
         </p:style>
       </p:sp>
@@ -2749,13 +3677,14 @@
         </p:nvSpPr>
         <p:spPr>
           <a:xfrm flipV="1">
-            <a:off x="6818760" y="2904840"/>
+            <a:off x="6878918" y="2904840"/>
             <a:ext cx="275760" cy="3600"/>
           </a:xfrm>
           <a:custGeom>
             <a:avLst/>
             <a:gdLst/>
             <a:ahLst/>
+            <a:cxnLst/>
             <a:rect l="l" t="t" r="r" b="b"/>
             <a:pathLst>
               <a:path w="21600" h="21600">
@@ -2773,13 +3702,19 @@
             <a:solidFill>
               <a:srgbClr val="000000"/>
             </a:solidFill>
-            <a:tailEnd len="med" type="triangle" w="med"/>
+            <a:tailEnd type="triangle" w="med" len="med"/>
           </a:ln>
         </p:spPr>
         <p:style>
-          <a:lnRef idx="0"/>
-          <a:fillRef idx="0"/>
-          <a:effectRef idx="0"/>
+          <a:lnRef idx="0">
+            <a:scrgbClr r="0" g="0" b="0"/>
+          </a:lnRef>
+          <a:fillRef idx="0">
+            <a:scrgbClr r="0" g="0" b="0"/>
+          </a:fillRef>
+          <a:effectRef idx="0">
+            <a:scrgbClr r="0" g="0" b="0"/>
+          </a:effectRef>
           <a:fontRef idx="minor"/>
         </p:style>
       </p:sp>
@@ -2791,23 +3726,29 @@
         </p:nvSpPr>
         <p:spPr>
           <a:xfrm>
-            <a:off x="8828280" y="2671560"/>
+            <a:off x="8752081" y="2671560"/>
             <a:ext cx="987480" cy="456480"/>
           </a:xfrm>
           <a:prstGeom prst="rect">
             <a:avLst/>
           </a:prstGeom>
           <a:solidFill>
-            <a:srgbClr val="729fcf"/>
+            <a:srgbClr val="729FCF"/>
           </a:solidFill>
           <a:ln>
             <a:noFill/>
           </a:ln>
         </p:spPr>
         <p:style>
-          <a:lnRef idx="0"/>
-          <a:fillRef idx="0"/>
-          <a:effectRef idx="0"/>
+          <a:lnRef idx="0">
+            <a:scrgbClr r="0" g="0" b="0"/>
+          </a:lnRef>
+          <a:fillRef idx="0">
+            <a:scrgbClr r="0" g="0" b="0"/>
+          </a:fillRef>
+          <a:effectRef idx="0">
+            <a:scrgbClr r="0" g="0" b="0"/>
+          </a:effectRef>
           <a:fontRef idx="minor"/>
         </p:style>
       </p:sp>
@@ -2819,7 +3760,7 @@
         </p:nvSpPr>
         <p:spPr>
           <a:xfrm>
-            <a:off x="8975160" y="2763000"/>
+            <a:off x="8898961" y="2763000"/>
             <a:ext cx="840600" cy="315360"/>
           </a:xfrm>
           <a:prstGeom prst="rect">
@@ -2831,15 +3772,22 @@
           </a:ln>
         </p:spPr>
         <p:style>
-          <a:lnRef idx="0"/>
-          <a:fillRef idx="0"/>
-          <a:effectRef idx="0"/>
+          <a:lnRef idx="0">
+            <a:scrgbClr r="0" g="0" b="0"/>
+          </a:lnRef>
+          <a:fillRef idx="0">
+            <a:scrgbClr r="0" g="0" b="0"/>
+          </a:fillRef>
+          <a:effectRef idx="0">
+            <a:scrgbClr r="0" g="0" b="0"/>
+          </a:effectRef>
           <a:fontRef idx="minor"/>
         </p:style>
         <p:txBody>
-          <a:bodyPr lIns="90000" rIns="90000" tIns="45000" bIns="45000">
+          <a:bodyPr lIns="90000" tIns="45000" rIns="90000" bIns="45000">
             <a:noAutofit/>
           </a:bodyPr>
+          <a:lstStyle/>
           <a:p>
             <a:pPr>
               <a:lnSpc>
@@ -2847,7 +3795,7 @@
               </a:lnSpc>
             </a:pPr>
             <a:r>
-              <a:rPr b="0" lang="en-US" sz="1400" spc="-1" strike="noStrike">
+              <a:rPr lang="en-US" sz="1400" b="0" strike="noStrike" spc="-1">
                 <a:solidFill>
                   <a:srgbClr val="000000"/>
                 </a:solidFill>
@@ -2856,7 +3804,7 @@
               </a:rPr>
               <a:t>Motors</a:t>
             </a:r>
-            <a:endParaRPr b="0" lang="en-US" sz="1400" spc="-1" strike="noStrike">
+            <a:endParaRPr lang="en-US" sz="1400" b="0" strike="noStrike" spc="-1">
               <a:latin typeface="Arial"/>
             </a:endParaRPr>
           </a:p>
@@ -2870,13 +3818,14 @@
         </p:nvSpPr>
         <p:spPr>
           <a:xfrm flipV="1">
-            <a:off x="8441640" y="2899080"/>
+            <a:off x="8365441" y="2899080"/>
             <a:ext cx="386640" cy="6840"/>
           </a:xfrm>
           <a:custGeom>
             <a:avLst/>
             <a:gdLst/>
             <a:ahLst/>
+            <a:cxnLst/>
             <a:rect l="l" t="t" r="r" b="b"/>
             <a:pathLst>
               <a:path w="21600" h="21600">
@@ -2894,26 +3843,165 @@
             <a:solidFill>
               <a:srgbClr val="000000"/>
             </a:solidFill>
-            <a:tailEnd len="med" type="triangle" w="med"/>
+            <a:tailEnd type="triangle" w="med" len="med"/>
           </a:ln>
         </p:spPr>
         <p:style>
-          <a:lnRef idx="0"/>
-          <a:fillRef idx="0"/>
-          <a:effectRef idx="0"/>
+          <a:lnRef idx="0">
+            <a:scrgbClr r="0" g="0" b="0"/>
+          </a:lnRef>
+          <a:fillRef idx="0">
+            <a:scrgbClr r="0" g="0" b="0"/>
+          </a:fillRef>
+          <a:effectRef idx="0">
+            <a:scrgbClr r="0" g="0" b="0"/>
+          </a:effectRef>
           <a:fontRef idx="minor"/>
         </p:style>
       </p:sp>
+      <p:cxnSp>
+        <p:nvCxnSpPr>
+          <p:cNvPr id="6" name="Curved Connector 5"/>
+          <p:cNvCxnSpPr>
+            <a:stCxn id="51" idx="7"/>
+            <a:endCxn id="51" idx="1"/>
+          </p:cNvCxnSpPr>
+          <p:nvPr/>
+        </p:nvCxnSpPr>
+        <p:spPr>
+          <a:xfrm rot="16200000" flipV="1">
+            <a:off x="4677360" y="2141080"/>
+            <a:ext cx="12700" cy="1034526"/>
+          </a:xfrm>
+          <a:prstGeom prst="curvedConnector3">
+            <a:avLst>
+              <a:gd name="adj1" fmla="val 4032173"/>
+            </a:avLst>
+          </a:prstGeom>
+          <a:ln>
+            <a:solidFill>
+              <a:schemeClr val="tx1"/>
+            </a:solidFill>
+            <a:tailEnd type="triangle"/>
+          </a:ln>
+        </p:spPr>
+        <p:style>
+          <a:lnRef idx="1">
+            <a:schemeClr val="accent1"/>
+          </a:lnRef>
+          <a:fillRef idx="0">
+            <a:schemeClr val="accent1"/>
+          </a:fillRef>
+          <a:effectRef idx="0">
+            <a:schemeClr val="accent1"/>
+          </a:effectRef>
+          <a:fontRef idx="minor">
+            <a:schemeClr val="tx1"/>
+          </a:fontRef>
+        </p:style>
+      </p:cxnSp>
+      <p:cxnSp>
+        <p:nvCxnSpPr>
+          <p:cNvPr id="68" name="Curved Connector 67"/>
+          <p:cNvCxnSpPr>
+            <a:stCxn id="39" idx="7"/>
+            <a:endCxn id="39" idx="1"/>
+          </p:cNvCxnSpPr>
+          <p:nvPr/>
+        </p:nvCxnSpPr>
+        <p:spPr>
+          <a:xfrm rot="16200000" flipV="1">
+            <a:off x="896460" y="1433505"/>
+            <a:ext cx="12700" cy="1004742"/>
+          </a:xfrm>
+          <a:prstGeom prst="curvedConnector3">
+            <a:avLst>
+              <a:gd name="adj1" fmla="val 3652465"/>
+            </a:avLst>
+          </a:prstGeom>
+          <a:ln>
+            <a:solidFill>
+              <a:schemeClr val="tx1"/>
+            </a:solidFill>
+            <a:tailEnd type="triangle"/>
+          </a:ln>
+        </p:spPr>
+        <p:style>
+          <a:lnRef idx="1">
+            <a:schemeClr val="accent1"/>
+          </a:lnRef>
+          <a:fillRef idx="0">
+            <a:schemeClr val="accent1"/>
+          </a:fillRef>
+          <a:effectRef idx="0">
+            <a:schemeClr val="accent1"/>
+          </a:effectRef>
+          <a:fontRef idx="minor">
+            <a:schemeClr val="tx1"/>
+          </a:fontRef>
+        </p:style>
+      </p:cxnSp>
+      <p:cxnSp>
+        <p:nvCxnSpPr>
+          <p:cNvPr id="21" name="Curved Connector 20"/>
+          <p:cNvCxnSpPr>
+            <a:stCxn id="57" idx="7"/>
+            <a:endCxn id="57" idx="1"/>
+          </p:cNvCxnSpPr>
+          <p:nvPr/>
+        </p:nvCxnSpPr>
+        <p:spPr>
+          <a:xfrm rot="16200000" flipV="1">
+            <a:off x="975840" y="3670682"/>
+            <a:ext cx="12700" cy="555446"/>
+          </a:xfrm>
+          <a:prstGeom prst="curvedConnector3">
+            <a:avLst>
+              <a:gd name="adj1" fmla="val 2285283"/>
+            </a:avLst>
+          </a:prstGeom>
+          <a:ln>
+            <a:solidFill>
+              <a:schemeClr val="tx1"/>
+            </a:solidFill>
+            <a:tailEnd type="triangle"/>
+          </a:ln>
+        </p:spPr>
+        <p:style>
+          <a:lnRef idx="1">
+            <a:schemeClr val="accent1"/>
+          </a:lnRef>
+          <a:fillRef idx="0">
+            <a:schemeClr val="accent1"/>
+          </a:fillRef>
+          <a:effectRef idx="0">
+            <a:schemeClr val="accent1"/>
+          </a:effectRef>
+          <a:fontRef idx="minor">
+            <a:schemeClr val="tx1"/>
+          </a:fontRef>
+        </p:style>
+      </p:cxnSp>
     </p:spTree>
   </p:cSld>
-  <mc:AlternateContent>
+  <p:clrMapOvr>
+    <a:masterClrMapping/>
+  </p:clrMapOvr>
+  <mc:AlternateContent xmlns:mc="http://schemas.openxmlformats.org/markup-compatibility/2006" xmlns:p14="http://schemas.microsoft.com/office/powerpoint/2010/main">
     <mc:Choice Requires="p14">
       <p:transition spd="slow" p14:dur="2000"/>
     </mc:Choice>
-    <mc:Fallback>
+    <mc:Fallback xmlns:p15="http://schemas.microsoft.com/office/powerpoint/2012/main" xmlns="">
       <p:transition spd="slow"/>
     </mc:Fallback>
   </mc:AlternateContent>
+  <p:timing>
+    <p:tnLst>
+      <p:par>
+        <p:cTn id="1" dur="indefinite" restart="never" nodeType="tmRoot"/>
+      </p:par>
+    </p:tnLst>
+  </p:timing>
 </p:sld>
 </file>
 
@@ -2928,31 +4016,31 @@
         <a:sysClr val="window" lastClr="FFFFFF"/>
       </a:lt1>
       <a:dk2>
-        <a:srgbClr val="1f497d"/>
+        <a:srgbClr val="1F497D"/>
       </a:dk2>
       <a:lt2>
-        <a:srgbClr val="eeece1"/>
+        <a:srgbClr val="EEECE1"/>
       </a:lt2>
       <a:accent1>
-        <a:srgbClr val="4f81bd"/>
+        <a:srgbClr val="4F81BD"/>
       </a:accent1>
       <a:accent2>
-        <a:srgbClr val="c0504d"/>
+        <a:srgbClr val="C0504D"/>
       </a:accent2>
       <a:accent3>
-        <a:srgbClr val="9bbb59"/>
+        <a:srgbClr val="9BBB59"/>
       </a:accent3>
       <a:accent4>
-        <a:srgbClr val="8064a2"/>
+        <a:srgbClr val="8064A2"/>
       </a:accent4>
       <a:accent5>
-        <a:srgbClr val="4bacc6"/>
+        <a:srgbClr val="4BACC6"/>
       </a:accent5>
       <a:accent6>
-        <a:srgbClr val="f79646"/>
+        <a:srgbClr val="F79646"/>
       </a:accent6>
       <a:hlink>
-        <a:srgbClr val="0000ff"/>
+        <a:srgbClr val="0000FF"/>
       </a:hlink>
       <a:folHlink>
         <a:srgbClr val="800080"/>
@@ -3140,5 +4228,268 @@
       </a:bgFillStyleLst>
     </a:fmtScheme>
   </a:themeElements>
+  <a:objectDefaults/>
+  <a:extraClrSchemeLst/>
+</a:theme>
+</file>
+
+<file path=ppt/theme/theme2.xml><?xml version="1.0" encoding="utf-8"?>
+<a:theme xmlns:a="http://schemas.openxmlformats.org/drawingml/2006/main" name="Office Theme">
+  <a:themeElements>
+    <a:clrScheme name="Office">
+      <a:dk1>
+        <a:sysClr val="windowText" lastClr="000000"/>
+      </a:dk1>
+      <a:lt1>
+        <a:sysClr val="window" lastClr="FFFFFF"/>
+      </a:lt1>
+      <a:dk2>
+        <a:srgbClr val="44546A"/>
+      </a:dk2>
+      <a:lt2>
+        <a:srgbClr val="E7E6E6"/>
+      </a:lt2>
+      <a:accent1>
+        <a:srgbClr val="5B9BD5"/>
+      </a:accent1>
+      <a:accent2>
+        <a:srgbClr val="ED7D31"/>
+      </a:accent2>
+      <a:accent3>
+        <a:srgbClr val="A5A5A5"/>
+      </a:accent3>
+      <a:accent4>
+        <a:srgbClr val="FFC000"/>
+      </a:accent4>
+      <a:accent5>
+        <a:srgbClr val="4472C4"/>
+      </a:accent5>
+      <a:accent6>
+        <a:srgbClr val="70AD47"/>
+      </a:accent6>
+      <a:hlink>
+        <a:srgbClr val="0563C1"/>
+      </a:hlink>
+      <a:folHlink>
+        <a:srgbClr val="954F72"/>
+      </a:folHlink>
+    </a:clrScheme>
+    <a:fontScheme name="Office">
+      <a:majorFont>
+        <a:latin typeface="Calibri Light" panose="020F0302020204030204"/>
+        <a:ea typeface=""/>
+        <a:cs typeface=""/>
+        <a:font script="Jpan" typeface="游ゴシック Light"/>
+        <a:font script="Hang" typeface="맑은 고딕"/>
+        <a:font script="Hans" typeface="等线 Light"/>
+        <a:font script="Hant" typeface="新細明體"/>
+        <a:font script="Arab" typeface="Times New Roman"/>
+        <a:font script="Hebr" typeface="Times New Roman"/>
+        <a:font script="Thai" typeface="Angsana New"/>
+        <a:font script="Ethi" typeface="Nyala"/>
+        <a:font script="Beng" typeface="Vrinda"/>
+        <a:font script="Gujr" typeface="Shruti"/>
+        <a:font script="Khmr" typeface="MoolBoran"/>
+        <a:font script="Knda" typeface="Tunga"/>
+        <a:font script="Guru" typeface="Raavi"/>
+        <a:font script="Cans" typeface="Euphemia"/>
+        <a:font script="Cher" typeface="Plantagenet Cherokee"/>
+        <a:font script="Yiii" typeface="Microsoft Yi Baiti"/>
+        <a:font script="Tibt" typeface="Microsoft Himalaya"/>
+        <a:font script="Thaa" typeface="MV Boli"/>
+        <a:font script="Deva" typeface="Mangal"/>
+        <a:font script="Telu" typeface="Gautami"/>
+        <a:font script="Taml" typeface="Latha"/>
+        <a:font script="Syrc" typeface="Estrangelo Edessa"/>
+        <a:font script="Orya" typeface="Kalinga"/>
+        <a:font script="Mlym" typeface="Kartika"/>
+        <a:font script="Laoo" typeface="DokChampa"/>
+        <a:font script="Sinh" typeface="Iskoola Pota"/>
+        <a:font script="Mong" typeface="Mongolian Baiti"/>
+        <a:font script="Viet" typeface="Times New Roman"/>
+        <a:font script="Uigh" typeface="Microsoft Uighur"/>
+        <a:font script="Geor" typeface="Sylfaen"/>
+      </a:majorFont>
+      <a:minorFont>
+        <a:latin typeface="Calibri" panose="020F0502020204030204"/>
+        <a:ea typeface=""/>
+        <a:cs typeface=""/>
+        <a:font script="Jpan" typeface="游ゴシック"/>
+        <a:font script="Hang" typeface="맑은 고딕"/>
+        <a:font script="Hans" typeface="等线"/>
+        <a:font script="Hant" typeface="新細明體"/>
+        <a:font script="Arab" typeface="Arial"/>
+        <a:font script="Hebr" typeface="Arial"/>
+        <a:font script="Thai" typeface="Cordia New"/>
+        <a:font script="Ethi" typeface="Nyala"/>
+        <a:font script="Beng" typeface="Vrinda"/>
+        <a:font script="Gujr" typeface="Shruti"/>
+        <a:font script="Khmr" typeface="DaunPenh"/>
+        <a:font script="Knda" typeface="Tunga"/>
+        <a:font script="Guru" typeface="Raavi"/>
+        <a:font script="Cans" typeface="Euphemia"/>
+        <a:font script="Cher" typeface="Plantagenet Cherokee"/>
+        <a:font script="Yiii" typeface="Microsoft Yi Baiti"/>
+        <a:font script="Tibt" typeface="Microsoft Himalaya"/>
+        <a:font script="Thaa" typeface="MV Boli"/>
+        <a:font script="Deva" typeface="Mangal"/>
+        <a:font script="Telu" typeface="Gautami"/>
+        <a:font script="Taml" typeface="Latha"/>
+        <a:font script="Syrc" typeface="Estrangelo Edessa"/>
+        <a:font script="Orya" typeface="Kalinga"/>
+        <a:font script="Mlym" typeface="Kartika"/>
+        <a:font script="Laoo" typeface="DokChampa"/>
+        <a:font script="Sinh" typeface="Iskoola Pota"/>
+        <a:font script="Mong" typeface="Mongolian Baiti"/>
+        <a:font script="Viet" typeface="Arial"/>
+        <a:font script="Uigh" typeface="Microsoft Uighur"/>
+        <a:font script="Geor" typeface="Sylfaen"/>
+      </a:minorFont>
+    </a:fontScheme>
+    <a:fmtScheme name="Office">
+      <a:fillStyleLst>
+        <a:solidFill>
+          <a:schemeClr val="phClr"/>
+        </a:solidFill>
+        <a:gradFill rotWithShape="1">
+          <a:gsLst>
+            <a:gs pos="0">
+              <a:schemeClr val="phClr">
+                <a:lumMod val="110000"/>
+                <a:satMod val="105000"/>
+                <a:tint val="67000"/>
+              </a:schemeClr>
+            </a:gs>
+            <a:gs pos="50000">
+              <a:schemeClr val="phClr">
+                <a:lumMod val="105000"/>
+                <a:satMod val="103000"/>
+                <a:tint val="73000"/>
+              </a:schemeClr>
+            </a:gs>
+            <a:gs pos="100000">
+              <a:schemeClr val="phClr">
+                <a:lumMod val="105000"/>
+                <a:satMod val="109000"/>
+                <a:tint val="81000"/>
+              </a:schemeClr>
+            </a:gs>
+          </a:gsLst>
+          <a:lin ang="5400000" scaled="0"/>
+        </a:gradFill>
+        <a:gradFill rotWithShape="1">
+          <a:gsLst>
+            <a:gs pos="0">
+              <a:schemeClr val="phClr">
+                <a:satMod val="103000"/>
+                <a:lumMod val="102000"/>
+                <a:tint val="94000"/>
+              </a:schemeClr>
+            </a:gs>
+            <a:gs pos="50000">
+              <a:schemeClr val="phClr">
+                <a:satMod val="110000"/>
+                <a:lumMod val="100000"/>
+                <a:shade val="100000"/>
+              </a:schemeClr>
+            </a:gs>
+            <a:gs pos="100000">
+              <a:schemeClr val="phClr">
+                <a:lumMod val="99000"/>
+                <a:satMod val="120000"/>
+                <a:shade val="78000"/>
+              </a:schemeClr>
+            </a:gs>
+          </a:gsLst>
+          <a:lin ang="5400000" scaled="0"/>
+        </a:gradFill>
+      </a:fillStyleLst>
+      <a:lnStyleLst>
+        <a:ln w="6350" cap="flat" cmpd="sng" algn="ctr">
+          <a:solidFill>
+            <a:schemeClr val="phClr"/>
+          </a:solidFill>
+          <a:prstDash val="solid"/>
+          <a:miter lim="800000"/>
+        </a:ln>
+        <a:ln w="12700" cap="flat" cmpd="sng" algn="ctr">
+          <a:solidFill>
+            <a:schemeClr val="phClr"/>
+          </a:solidFill>
+          <a:prstDash val="solid"/>
+          <a:miter lim="800000"/>
+        </a:ln>
+        <a:ln w="19050" cap="flat" cmpd="sng" algn="ctr">
+          <a:solidFill>
+            <a:schemeClr val="phClr"/>
+          </a:solidFill>
+          <a:prstDash val="solid"/>
+          <a:miter lim="800000"/>
+        </a:ln>
+      </a:lnStyleLst>
+      <a:effectStyleLst>
+        <a:effectStyle>
+          <a:effectLst/>
+        </a:effectStyle>
+        <a:effectStyle>
+          <a:effectLst/>
+        </a:effectStyle>
+        <a:effectStyle>
+          <a:effectLst>
+            <a:outerShdw blurRad="57150" dist="19050" dir="5400000" algn="ctr" rotWithShape="0">
+              <a:srgbClr val="000000">
+                <a:alpha val="63000"/>
+              </a:srgbClr>
+            </a:outerShdw>
+          </a:effectLst>
+        </a:effectStyle>
+      </a:effectStyleLst>
+      <a:bgFillStyleLst>
+        <a:solidFill>
+          <a:schemeClr val="phClr"/>
+        </a:solidFill>
+        <a:solidFill>
+          <a:schemeClr val="phClr">
+            <a:tint val="95000"/>
+            <a:satMod val="170000"/>
+          </a:schemeClr>
+        </a:solidFill>
+        <a:gradFill rotWithShape="1">
+          <a:gsLst>
+            <a:gs pos="0">
+              <a:schemeClr val="phClr">
+                <a:tint val="93000"/>
+                <a:satMod val="150000"/>
+                <a:shade val="98000"/>
+                <a:lumMod val="102000"/>
+              </a:schemeClr>
+            </a:gs>
+            <a:gs pos="50000">
+              <a:schemeClr val="phClr">
+                <a:tint val="98000"/>
+                <a:satMod val="130000"/>
+                <a:shade val="90000"/>
+                <a:lumMod val="103000"/>
+              </a:schemeClr>
+            </a:gs>
+            <a:gs pos="100000">
+              <a:schemeClr val="phClr">
+                <a:shade val="63000"/>
+                <a:satMod val="120000"/>
+              </a:schemeClr>
+            </a:gs>
+          </a:gsLst>
+          <a:lin ang="5400000" scaled="0"/>
+        </a:gradFill>
+      </a:bgFillStyleLst>
+    </a:fmtScheme>
+  </a:themeElements>
+  <a:objectDefaults/>
+  <a:extraClrSchemeLst/>
+  <a:extLst>
+    <a:ext uri="{05A4C25C-085E-4340-85A3-A5531E510DB2}">
+      <thm15:themeFamily xmlns:thm15="http://schemas.microsoft.com/office/thememl/2012/main" name="Office Theme" id="{62F939B6-93AF-4DB8-9C6B-D6C7DFDC589F}" vid="{4A3C46E8-61CC-4603-A589-7422A47A8E4A}"/>
+    </a:ext>
+  </a:extLst>
 </a:theme>
 </file>
--- a/media/dataflow.pptx
+++ b/media/dataflow.pptx
@@ -107,6 +107,11 @@
       </a:defRPr>
     </a:lvl9pPr>
   </p:defaultTextStyle>
+  <p:extLst>
+    <p:ext uri="{EFAFB233-063F-42B5-8137-9DF3F51BA10A}">
+      <p15:sldGuideLst xmlns:p15="http://schemas.microsoft.com/office/powerpoint/2012/main"/>
+    </p:ext>
+  </p:extLst>
 </p:presentation>
 </file>
 
@@ -2879,8 +2884,8 @@
         </p:nvSpPr>
         <p:spPr>
           <a:xfrm>
-            <a:off x="2646240" y="3566160"/>
-            <a:ext cx="654120" cy="315360"/>
+            <a:off x="2414337" y="3606265"/>
+            <a:ext cx="1232615" cy="320614"/>
           </a:xfrm>
           <a:prstGeom prst="rect">
             <a:avLst/>
@@ -2914,16 +2919,16 @@
               </a:lnSpc>
             </a:pPr>
             <a:r>
-              <a:rPr lang="en-US" sz="1400" b="0" strike="noStrike" spc="-1">
+              <a:rPr lang="en-US" sz="1400" b="0" strike="noStrike" spc="-1" dirty="0" smtClean="0">
                 <a:solidFill>
                   <a:srgbClr val="000000"/>
                 </a:solidFill>
                 <a:latin typeface="Arial"/>
                 <a:ea typeface="DejaVu Sans"/>
               </a:rPr>
-              <a:t>State</a:t>
+              <a:t>Vehicle State</a:t>
             </a:r>
-            <a:endParaRPr lang="en-US" sz="1400" b="0" strike="noStrike" spc="-1">
+            <a:endParaRPr lang="en-US" sz="1400" b="0" strike="noStrike" spc="-1" dirty="0">
               <a:latin typeface="Arial"/>
             </a:endParaRPr>
           </a:p>
@@ -3205,7 +3210,7 @@
               </a:lnSpc>
             </a:pPr>
             <a:r>
-              <a:rPr lang="en-US" sz="1500" b="0" strike="noStrike" spc="-1">
+              <a:rPr lang="en-US" sz="1400" b="0" strike="noStrike" spc="-1" dirty="0">
                 <a:solidFill>
                   <a:srgbClr val="000000"/>
                 </a:solidFill>
@@ -3214,7 +3219,7 @@
               </a:rPr>
               <a:t>PID </a:t>
             </a:r>
-            <a:endParaRPr lang="en-US" sz="1500" b="0" strike="noStrike" spc="-1">
+            <a:endParaRPr lang="en-US" sz="1400" b="0" strike="noStrike" spc="-1" dirty="0">
               <a:latin typeface="Arial"/>
             </a:endParaRPr>
           </a:p>
@@ -3225,7 +3230,7 @@
               </a:lnSpc>
             </a:pPr>
             <a:r>
-              <a:rPr lang="en-US" sz="1500" b="0" strike="noStrike" spc="-1">
+              <a:rPr lang="en-US" sz="1500" b="0" strike="noStrike" spc="-1" dirty="0">
                 <a:solidFill>
                   <a:srgbClr val="000000"/>
                 </a:solidFill>
@@ -3234,7 +3239,7 @@
               </a:rPr>
               <a:t>Controllers</a:t>
             </a:r>
-            <a:endParaRPr lang="en-US" sz="1500" b="0" strike="noStrike" spc="-1">
+            <a:endParaRPr lang="en-US" sz="1500" b="0" strike="noStrike" spc="-1" dirty="0">
               <a:latin typeface="Arial"/>
             </a:endParaRPr>
           </a:p>
@@ -3991,7 +3996,7 @@
     <mc:Choice Requires="p14">
       <p:transition spd="slow" p14:dur="2000"/>
     </mc:Choice>
-    <mc:Fallback xmlns:p15="http://schemas.microsoft.com/office/powerpoint/2012/main" xmlns="">
+    <mc:Fallback xmlns="" xmlns:p15="http://schemas.microsoft.com/office/powerpoint/2012/main">
       <p:transition spd="slow"/>
     </mc:Fallback>
   </mc:AlternateContent>

--- a/media/dataflow.pptx
+++ b/media/dataflow.pptx
@@ -197,7 +197,7 @@
           <a:p>
             <a:fld id="{294320AA-ABA5-4E48-AA42-16F4DECCBD16}" type="datetimeFigureOut">
               <a:rPr lang="en-US" smtClean="0"/>
-              <a:t>8/28/2022</a:t>
+              <a:t>12/14/2022</a:t>
             </a:fld>
             <a:endParaRPr lang="en-US"/>
           </a:p>
@@ -2628,6 +2628,55 @@
           <a:chExt cx="0" cy="0"/>
         </a:xfrm>
       </p:grpSpPr>
+      <p:sp>
+        <p:nvSpPr>
+          <p:cNvPr id="2" name="Rectangle 1"/>
+          <p:cNvSpPr/>
+          <p:nvPr/>
+        </p:nvSpPr>
+        <p:spPr>
+          <a:xfrm>
+            <a:off x="2039437" y="1411705"/>
+            <a:ext cx="6679446" cy="3023937"/>
+          </a:xfrm>
+          <a:prstGeom prst="rect">
+            <a:avLst/>
+          </a:prstGeom>
+          <a:solidFill>
+            <a:schemeClr val="bg2">
+              <a:lumMod val="90000"/>
+              <a:alpha val="40000"/>
+            </a:schemeClr>
+          </a:solidFill>
+          <a:ln w="22225">
+            <a:noFill/>
+          </a:ln>
+        </p:spPr>
+        <p:style>
+          <a:lnRef idx="2">
+            <a:schemeClr val="accent1">
+              <a:shade val="50000"/>
+            </a:schemeClr>
+          </a:lnRef>
+          <a:fillRef idx="1">
+            <a:schemeClr val="accent1"/>
+          </a:fillRef>
+          <a:effectRef idx="0">
+            <a:schemeClr val="accent1"/>
+          </a:effectRef>
+          <a:fontRef idx="minor">
+            <a:schemeClr val="lt1"/>
+          </a:fontRef>
+        </p:style>
+        <p:txBody>
+          <a:bodyPr rtlCol="0" anchor="ctr"/>
+          <a:lstStyle/>
+          <a:p>
+            <a:pPr algn="ctr"/>
+            <a:endParaRPr lang="en-US"/>
+          </a:p>
+        </p:txBody>
+      </p:sp>
       <p:grpSp>
         <p:nvGrpSpPr>
           <p:cNvPr id="38" name="Group 1"/>
@@ -2636,7 +2685,7 @@
         </p:nvGrpSpPr>
         <p:grpSpPr>
           <a:xfrm>
-            <a:off x="186000" y="1828800"/>
+            <a:off x="258189" y="1828800"/>
             <a:ext cx="1445760" cy="731160"/>
             <a:chOff x="109800" y="1828800"/>
             <a:chExt cx="1445760" cy="731160"/>
@@ -2743,7 +2792,7 @@
         </p:nvGrpSpPr>
         <p:grpSpPr>
           <a:xfrm>
-            <a:off x="2014800" y="1975680"/>
+            <a:off x="2335640" y="1975680"/>
             <a:ext cx="1384560" cy="456480"/>
             <a:chOff x="1938600" y="1975680"/>
             <a:chExt cx="1384560" cy="456480"/>
@@ -2850,7 +2899,7 @@
         </p:nvSpPr>
         <p:spPr>
           <a:xfrm>
-            <a:off x="2328000" y="3520440"/>
+            <a:off x="2464357" y="3520440"/>
             <a:ext cx="1384560" cy="456480"/>
           </a:xfrm>
           <a:prstGeom prst="rect">
@@ -2884,7 +2933,7 @@
         </p:nvSpPr>
         <p:spPr>
           <a:xfrm>
-            <a:off x="2414337" y="3606265"/>
+            <a:off x="2550694" y="3606265"/>
             <a:ext cx="1232615" cy="320614"/>
           </a:xfrm>
           <a:prstGeom prst="rect">
@@ -2942,7 +2991,7 @@
         </p:nvGrpSpPr>
         <p:grpSpPr>
           <a:xfrm>
-            <a:off x="5683200" y="2688840"/>
+            <a:off x="5819557" y="2688840"/>
             <a:ext cx="1186920" cy="456480"/>
             <a:chOff x="5607000" y="2688840"/>
             <a:chExt cx="1186920" cy="456480"/>
@@ -3049,7 +3098,7 @@
         </p:nvSpPr>
         <p:spPr>
           <a:xfrm>
-            <a:off x="7160161" y="2612880"/>
+            <a:off x="7296518" y="2612880"/>
             <a:ext cx="1204920" cy="587160"/>
           </a:xfrm>
           <a:prstGeom prst="ellipse">
@@ -3083,8 +3132,8 @@
         </p:nvSpPr>
         <p:spPr>
           <a:xfrm>
-            <a:off x="7444921" y="2762640"/>
-            <a:ext cx="626040" cy="289440"/>
+            <a:off x="4772990" y="1522074"/>
+            <a:ext cx="1497645" cy="420153"/>
           </a:xfrm>
           <a:prstGeom prst="rect">
             <a:avLst/>
@@ -3118,16 +3167,16 @@
               </a:lnSpc>
             </a:pPr>
             <a:r>
-              <a:rPr lang="en-US" sz="1400" b="0" strike="noStrike" spc="-1" dirty="0">
+              <a:rPr lang="en-US" sz="3200" b="0" i="1" strike="noStrike" spc="-1" dirty="0" smtClean="0">
                 <a:solidFill>
                   <a:srgbClr val="000000"/>
                 </a:solidFill>
                 <a:latin typeface="Arial"/>
                 <a:ea typeface="DejaVu Sans"/>
               </a:rPr>
-              <a:t>Mixer</a:t>
+              <a:t>Core</a:t>
             </a:r>
-            <a:endParaRPr lang="en-US" sz="1400" b="0" strike="noStrike" spc="-1" dirty="0">
+            <a:endParaRPr lang="en-US" sz="3200" b="0" i="1" strike="noStrike" spc="-1" dirty="0">
               <a:latin typeface="Arial"/>
             </a:endParaRPr>
           </a:p>
@@ -3141,7 +3190,7 @@
         </p:nvSpPr>
         <p:spPr>
           <a:xfrm>
-            <a:off x="3945840" y="2551320"/>
+            <a:off x="4082197" y="2551320"/>
             <a:ext cx="1463040" cy="730800"/>
           </a:xfrm>
           <a:prstGeom prst="ellipse">
@@ -3175,7 +3224,7 @@
         </p:nvSpPr>
         <p:spPr>
           <a:xfrm>
-            <a:off x="3965280" y="2632680"/>
+            <a:off x="4101637" y="2632680"/>
             <a:ext cx="1465560" cy="315360"/>
           </a:xfrm>
           <a:prstGeom prst="rect">
@@ -3253,7 +3302,7 @@
         </p:nvSpPr>
         <p:spPr>
           <a:xfrm>
-            <a:off x="130560" y="3260222"/>
+            <a:off x="58371" y="3204075"/>
             <a:ext cx="1737000" cy="1096920"/>
           </a:xfrm>
           <a:prstGeom prst="ellipse">
@@ -3287,7 +3336,7 @@
         </p:nvSpPr>
         <p:spPr>
           <a:xfrm>
-            <a:off x="554220" y="3324256"/>
+            <a:off x="482031" y="3268109"/>
             <a:ext cx="925200" cy="315360"/>
           </a:xfrm>
           <a:prstGeom prst="rect">
@@ -3345,7 +3394,7 @@
         </p:nvSpPr>
         <p:spPr>
           <a:xfrm>
-            <a:off x="583080" y="3886774"/>
+            <a:off x="510891" y="3830627"/>
             <a:ext cx="785520" cy="420840"/>
           </a:xfrm>
           <a:prstGeom prst="ellipse">
@@ -3379,7 +3428,7 @@
         </p:nvSpPr>
         <p:spPr>
           <a:xfrm>
-            <a:off x="722231" y="3943934"/>
+            <a:off x="650042" y="3887787"/>
             <a:ext cx="528840" cy="290880"/>
           </a:xfrm>
           <a:prstGeom prst="rect">
@@ -3431,14 +3480,14 @@
       </p:sp>
       <p:sp>
         <p:nvSpPr>
-          <p:cNvPr id="59" name="CustomShape 22"/>
+          <p:cNvPr id="63" name="CustomShape 26"/>
           <p:cNvSpPr/>
           <p:nvPr/>
         </p:nvSpPr>
         <p:spPr>
-          <a:xfrm flipV="1">
-            <a:off x="1867920" y="3747960"/>
-            <a:ext cx="460080" cy="360"/>
+          <a:xfrm>
+            <a:off x="5545597" y="2916720"/>
+            <a:ext cx="273960" cy="360"/>
           </a:xfrm>
           <a:custGeom>
             <a:avLst/>
@@ -3480,14 +3529,14 @@
       </p:sp>
       <p:sp>
         <p:nvSpPr>
-          <p:cNvPr id="60" name="CustomShape 23"/>
+          <p:cNvPr id="64" name="CustomShape 27"/>
           <p:cNvSpPr/>
           <p:nvPr/>
         </p:nvSpPr>
         <p:spPr>
-          <a:xfrm>
-            <a:off x="1632120" y="2194560"/>
-            <a:ext cx="382680" cy="9360"/>
+          <a:xfrm flipV="1">
+            <a:off x="7015275" y="2904840"/>
+            <a:ext cx="275760" cy="3600"/>
           </a:xfrm>
           <a:custGeom>
             <a:avLst/>
@@ -3529,38 +3578,23 @@
       </p:sp>
       <p:sp>
         <p:nvSpPr>
-          <p:cNvPr id="61" name="CustomShape 24"/>
+          <p:cNvPr id="65" name="CustomShape 28"/>
           <p:cNvSpPr/>
           <p:nvPr/>
         </p:nvSpPr>
         <p:spPr>
           <a:xfrm>
-            <a:off x="3399720" y="2203920"/>
-            <a:ext cx="544320" cy="719280"/>
-          </a:xfrm>
-          <a:custGeom>
-            <a:avLst/>
-            <a:gdLst/>
-            <a:ahLst/>
-            <a:cxnLst/>
-            <a:rect l="l" t="t" r="r" b="b"/>
-            <a:pathLst>
-              <a:path w="21600" h="21600">
-                <a:moveTo>
-                  <a:pt x="0" y="0"/>
-                </a:moveTo>
-                <a:lnTo>
-                  <a:pt x="21600" y="21600"/>
-                </a:lnTo>
-              </a:path>
-            </a:pathLst>
-          </a:custGeom>
-          <a:noFill/>
+            <a:off x="9024795" y="2679192"/>
+            <a:ext cx="987480" cy="456480"/>
+          </a:xfrm>
+          <a:prstGeom prst="rect">
+            <a:avLst/>
+          </a:prstGeom>
+          <a:solidFill>
+            <a:srgbClr val="729FCF"/>
+          </a:solidFill>
           <a:ln>
-            <a:solidFill>
-              <a:srgbClr val="000000"/>
-            </a:solidFill>
-            <a:tailEnd type="triangle" w="med" len="med"/>
+            <a:noFill/>
           </a:ln>
         </p:spPr>
         <p:style>
@@ -3578,38 +3612,21 @@
       </p:sp>
       <p:sp>
         <p:nvSpPr>
-          <p:cNvPr id="62" name="CustomShape 25"/>
+          <p:cNvPr id="66" name="CustomShape 29"/>
           <p:cNvSpPr/>
           <p:nvPr/>
         </p:nvSpPr>
         <p:spPr>
-          <a:xfrm flipV="1">
-            <a:off x="3712920" y="2922480"/>
-            <a:ext cx="231120" cy="825480"/>
-          </a:xfrm>
-          <a:custGeom>
-            <a:avLst/>
-            <a:gdLst/>
-            <a:ahLst/>
-            <a:cxnLst/>
-            <a:rect l="l" t="t" r="r" b="b"/>
-            <a:pathLst>
-              <a:path w="21600" h="21600">
-                <a:moveTo>
-                  <a:pt x="0" y="0"/>
-                </a:moveTo>
-                <a:lnTo>
-                  <a:pt x="21600" y="21600"/>
-                </a:lnTo>
-              </a:path>
-            </a:pathLst>
-          </a:custGeom>
+          <a:xfrm>
+            <a:off x="9098235" y="2742120"/>
+            <a:ext cx="840600" cy="315360"/>
+          </a:xfrm>
+          <a:prstGeom prst="rect">
+            <a:avLst/>
+          </a:prstGeom>
           <a:noFill/>
           <a:ln>
-            <a:solidFill>
-              <a:srgbClr val="000000"/>
-            </a:solidFill>
-            <a:tailEnd type="triangle" w="med" len="med"/>
+            <a:noFill/>
           </a:ln>
         </p:spPr>
         <p:style>
@@ -3624,170 +3641,6 @@
           </a:effectRef>
           <a:fontRef idx="minor"/>
         </p:style>
-      </p:sp>
-      <p:sp>
-        <p:nvSpPr>
-          <p:cNvPr id="63" name="CustomShape 26"/>
-          <p:cNvSpPr/>
-          <p:nvPr/>
-        </p:nvSpPr>
-        <p:spPr>
-          <a:xfrm>
-            <a:off x="5409240" y="2916720"/>
-            <a:ext cx="273960" cy="360"/>
-          </a:xfrm>
-          <a:custGeom>
-            <a:avLst/>
-            <a:gdLst/>
-            <a:ahLst/>
-            <a:cxnLst/>
-            <a:rect l="l" t="t" r="r" b="b"/>
-            <a:pathLst>
-              <a:path w="21600" h="21600">
-                <a:moveTo>
-                  <a:pt x="0" y="0"/>
-                </a:moveTo>
-                <a:lnTo>
-                  <a:pt x="21600" y="21600"/>
-                </a:lnTo>
-              </a:path>
-            </a:pathLst>
-          </a:custGeom>
-          <a:noFill/>
-          <a:ln>
-            <a:solidFill>
-              <a:srgbClr val="000000"/>
-            </a:solidFill>
-            <a:tailEnd type="triangle" w="med" len="med"/>
-          </a:ln>
-        </p:spPr>
-        <p:style>
-          <a:lnRef idx="0">
-            <a:scrgbClr r="0" g="0" b="0"/>
-          </a:lnRef>
-          <a:fillRef idx="0">
-            <a:scrgbClr r="0" g="0" b="0"/>
-          </a:fillRef>
-          <a:effectRef idx="0">
-            <a:scrgbClr r="0" g="0" b="0"/>
-          </a:effectRef>
-          <a:fontRef idx="minor"/>
-        </p:style>
-      </p:sp>
-      <p:sp>
-        <p:nvSpPr>
-          <p:cNvPr id="64" name="CustomShape 27"/>
-          <p:cNvSpPr/>
-          <p:nvPr/>
-        </p:nvSpPr>
-        <p:spPr>
-          <a:xfrm flipV="1">
-            <a:off x="6878918" y="2904840"/>
-            <a:ext cx="275760" cy="3600"/>
-          </a:xfrm>
-          <a:custGeom>
-            <a:avLst/>
-            <a:gdLst/>
-            <a:ahLst/>
-            <a:cxnLst/>
-            <a:rect l="l" t="t" r="r" b="b"/>
-            <a:pathLst>
-              <a:path w="21600" h="21600">
-                <a:moveTo>
-                  <a:pt x="0" y="0"/>
-                </a:moveTo>
-                <a:lnTo>
-                  <a:pt x="21600" y="21600"/>
-                </a:lnTo>
-              </a:path>
-            </a:pathLst>
-          </a:custGeom>
-          <a:noFill/>
-          <a:ln>
-            <a:solidFill>
-              <a:srgbClr val="000000"/>
-            </a:solidFill>
-            <a:tailEnd type="triangle" w="med" len="med"/>
-          </a:ln>
-        </p:spPr>
-        <p:style>
-          <a:lnRef idx="0">
-            <a:scrgbClr r="0" g="0" b="0"/>
-          </a:lnRef>
-          <a:fillRef idx="0">
-            <a:scrgbClr r="0" g="0" b="0"/>
-          </a:fillRef>
-          <a:effectRef idx="0">
-            <a:scrgbClr r="0" g="0" b="0"/>
-          </a:effectRef>
-          <a:fontRef idx="minor"/>
-        </p:style>
-      </p:sp>
-      <p:sp>
-        <p:nvSpPr>
-          <p:cNvPr id="65" name="CustomShape 28"/>
-          <p:cNvSpPr/>
-          <p:nvPr/>
-        </p:nvSpPr>
-        <p:spPr>
-          <a:xfrm>
-            <a:off x="8752081" y="2671560"/>
-            <a:ext cx="987480" cy="456480"/>
-          </a:xfrm>
-          <a:prstGeom prst="rect">
-            <a:avLst/>
-          </a:prstGeom>
-          <a:solidFill>
-            <a:srgbClr val="729FCF"/>
-          </a:solidFill>
-          <a:ln>
-            <a:noFill/>
-          </a:ln>
-        </p:spPr>
-        <p:style>
-          <a:lnRef idx="0">
-            <a:scrgbClr r="0" g="0" b="0"/>
-          </a:lnRef>
-          <a:fillRef idx="0">
-            <a:scrgbClr r="0" g="0" b="0"/>
-          </a:fillRef>
-          <a:effectRef idx="0">
-            <a:scrgbClr r="0" g="0" b="0"/>
-          </a:effectRef>
-          <a:fontRef idx="minor"/>
-        </p:style>
-      </p:sp>
-      <p:sp>
-        <p:nvSpPr>
-          <p:cNvPr id="66" name="CustomShape 29"/>
-          <p:cNvSpPr/>
-          <p:nvPr/>
-        </p:nvSpPr>
-        <p:spPr>
-          <a:xfrm>
-            <a:off x="8898961" y="2763000"/>
-            <a:ext cx="840600" cy="315360"/>
-          </a:xfrm>
-          <a:prstGeom prst="rect">
-            <a:avLst/>
-          </a:prstGeom>
-          <a:noFill/>
-          <a:ln>
-            <a:noFill/>
-          </a:ln>
-        </p:spPr>
-        <p:style>
-          <a:lnRef idx="0">
-            <a:scrgbClr r="0" g="0" b="0"/>
-          </a:lnRef>
-          <a:fillRef idx="0">
-            <a:scrgbClr r="0" g="0" b="0"/>
-          </a:fillRef>
-          <a:effectRef idx="0">
-            <a:scrgbClr r="0" g="0" b="0"/>
-          </a:effectRef>
-          <a:fontRef idx="minor"/>
-        </p:style>
         <p:txBody>
           <a:bodyPr lIns="90000" tIns="45000" rIns="90000" bIns="45000">
             <a:noAutofit/>
@@ -3800,69 +3653,20 @@
               </a:lnSpc>
             </a:pPr>
             <a:r>
-              <a:rPr lang="en-US" sz="1400" b="0" strike="noStrike" spc="-1">
+              <a:rPr lang="en-US" sz="1400" b="0" strike="noStrike" spc="-1" dirty="0" smtClean="0">
                 <a:solidFill>
                   <a:srgbClr val="000000"/>
                 </a:solidFill>
                 <a:latin typeface="Arial"/>
                 <a:ea typeface="DejaVu Sans"/>
               </a:rPr>
-              <a:t>Motors</a:t>
+              <a:t> Motors</a:t>
             </a:r>
-            <a:endParaRPr lang="en-US" sz="1400" b="0" strike="noStrike" spc="-1">
+            <a:endParaRPr lang="en-US" sz="1400" b="0" strike="noStrike" spc="-1" dirty="0">
               <a:latin typeface="Arial"/>
             </a:endParaRPr>
           </a:p>
         </p:txBody>
-      </p:sp>
-      <p:sp>
-        <p:nvSpPr>
-          <p:cNvPr id="67" name="CustomShape 30"/>
-          <p:cNvSpPr/>
-          <p:nvPr/>
-        </p:nvSpPr>
-        <p:spPr>
-          <a:xfrm flipV="1">
-            <a:off x="8365441" y="2899080"/>
-            <a:ext cx="386640" cy="6840"/>
-          </a:xfrm>
-          <a:custGeom>
-            <a:avLst/>
-            <a:gdLst/>
-            <a:ahLst/>
-            <a:cxnLst/>
-            <a:rect l="l" t="t" r="r" b="b"/>
-            <a:pathLst>
-              <a:path w="21600" h="21600">
-                <a:moveTo>
-                  <a:pt x="0" y="0"/>
-                </a:moveTo>
-                <a:lnTo>
-                  <a:pt x="21600" y="21600"/>
-                </a:lnTo>
-              </a:path>
-            </a:pathLst>
-          </a:custGeom>
-          <a:noFill/>
-          <a:ln>
-            <a:solidFill>
-              <a:srgbClr val="000000"/>
-            </a:solidFill>
-            <a:tailEnd type="triangle" w="med" len="med"/>
-          </a:ln>
-        </p:spPr>
-        <p:style>
-          <a:lnRef idx="0">
-            <a:scrgbClr r="0" g="0" b="0"/>
-          </a:lnRef>
-          <a:fillRef idx="0">
-            <a:scrgbClr r="0" g="0" b="0"/>
-          </a:fillRef>
-          <a:effectRef idx="0">
-            <a:scrgbClr r="0" g="0" b="0"/>
-          </a:effectRef>
-          <a:fontRef idx="minor"/>
-        </p:style>
       </p:sp>
       <p:cxnSp>
         <p:nvCxnSpPr>
@@ -3875,7 +3679,7 @@
         </p:nvCxnSpPr>
         <p:spPr>
           <a:xfrm rot="16200000" flipV="1">
-            <a:off x="4677360" y="2141080"/>
+            <a:off x="4813717" y="2141080"/>
             <a:ext cx="12700" cy="1034526"/>
           </a:xfrm>
           <a:prstGeom prst="curvedConnector3">
@@ -3916,7 +3720,7 @@
         </p:nvCxnSpPr>
         <p:spPr>
           <a:xfrm rot="16200000" flipV="1">
-            <a:off x="896460" y="1433505"/>
+            <a:off x="968649" y="1433505"/>
             <a:ext cx="12700" cy="1004742"/>
           </a:xfrm>
           <a:prstGeom prst="curvedConnector3">
@@ -3957,7 +3761,7 @@
         </p:nvCxnSpPr>
         <p:spPr>
           <a:xfrm rot="16200000" flipV="1">
-            <a:off x="975840" y="3670682"/>
+            <a:off x="903651" y="3614535"/>
             <a:ext cx="12700" cy="555446"/>
           </a:xfrm>
           <a:prstGeom prst="curvedConnector3">
@@ -3987,6 +3791,259 @@
           </a:fontRef>
         </p:style>
       </p:cxnSp>
+      <p:cxnSp>
+        <p:nvCxnSpPr>
+          <p:cNvPr id="4" name="Straight Arrow Connector 3"/>
+          <p:cNvCxnSpPr>
+            <a:stCxn id="49" idx="6"/>
+            <a:endCxn id="65" idx="1"/>
+          </p:cNvCxnSpPr>
+          <p:nvPr/>
+        </p:nvCxnSpPr>
+        <p:spPr>
+          <a:xfrm>
+            <a:off x="8501438" y="2906460"/>
+            <a:ext cx="523357" cy="972"/>
+          </a:xfrm>
+          <a:prstGeom prst="straightConnector1">
+            <a:avLst/>
+          </a:prstGeom>
+          <a:ln>
+            <a:solidFill>
+              <a:schemeClr val="tx1"/>
+            </a:solidFill>
+            <a:tailEnd type="triangle"/>
+          </a:ln>
+        </p:spPr>
+        <p:style>
+          <a:lnRef idx="1">
+            <a:schemeClr val="accent1"/>
+          </a:lnRef>
+          <a:fillRef idx="0">
+            <a:schemeClr val="accent1"/>
+          </a:fillRef>
+          <a:effectRef idx="0">
+            <a:schemeClr val="accent1"/>
+          </a:effectRef>
+          <a:fontRef idx="minor">
+            <a:schemeClr val="tx1"/>
+          </a:fontRef>
+        </p:style>
+      </p:cxnSp>
+      <p:cxnSp>
+        <p:nvCxnSpPr>
+          <p:cNvPr id="36" name="Straight Arrow Connector 35"/>
+          <p:cNvCxnSpPr>
+            <a:stCxn id="39" idx="6"/>
+            <a:endCxn id="42" idx="1"/>
+          </p:cNvCxnSpPr>
+          <p:nvPr/>
+        </p:nvCxnSpPr>
+        <p:spPr>
+          <a:xfrm>
+            <a:off x="1679109" y="2194380"/>
+            <a:ext cx="656531" cy="9540"/>
+          </a:xfrm>
+          <a:prstGeom prst="straightConnector1">
+            <a:avLst/>
+          </a:prstGeom>
+          <a:ln>
+            <a:solidFill>
+              <a:schemeClr val="tx1"/>
+            </a:solidFill>
+            <a:tailEnd type="triangle"/>
+          </a:ln>
+        </p:spPr>
+        <p:style>
+          <a:lnRef idx="1">
+            <a:schemeClr val="accent1"/>
+          </a:lnRef>
+          <a:fillRef idx="0">
+            <a:schemeClr val="accent1"/>
+          </a:fillRef>
+          <a:effectRef idx="0">
+            <a:schemeClr val="accent1"/>
+          </a:effectRef>
+          <a:fontRef idx="minor">
+            <a:schemeClr val="tx1"/>
+          </a:fontRef>
+        </p:style>
+      </p:cxnSp>
+      <p:cxnSp>
+        <p:nvCxnSpPr>
+          <p:cNvPr id="53" name="Straight Arrow Connector 52"/>
+          <p:cNvCxnSpPr>
+            <a:stCxn id="54" idx="6"/>
+            <a:endCxn id="44" idx="1"/>
+          </p:cNvCxnSpPr>
+          <p:nvPr/>
+        </p:nvCxnSpPr>
+        <p:spPr>
+          <a:xfrm flipV="1">
+            <a:off x="1795371" y="3748680"/>
+            <a:ext cx="668986" cy="3855"/>
+          </a:xfrm>
+          <a:prstGeom prst="straightConnector1">
+            <a:avLst/>
+          </a:prstGeom>
+          <a:ln>
+            <a:solidFill>
+              <a:schemeClr val="tx1"/>
+            </a:solidFill>
+            <a:tailEnd type="triangle"/>
+          </a:ln>
+        </p:spPr>
+        <p:style>
+          <a:lnRef idx="1">
+            <a:schemeClr val="accent1"/>
+          </a:lnRef>
+          <a:fillRef idx="0">
+            <a:schemeClr val="accent1"/>
+          </a:fillRef>
+          <a:effectRef idx="0">
+            <a:schemeClr val="accent1"/>
+          </a:effectRef>
+          <a:fontRef idx="minor">
+            <a:schemeClr val="tx1"/>
+          </a:fontRef>
+        </p:style>
+      </p:cxnSp>
+      <p:cxnSp>
+        <p:nvCxnSpPr>
+          <p:cNvPr id="56" name="Straight Arrow Connector 55"/>
+          <p:cNvCxnSpPr>
+            <a:stCxn id="42" idx="3"/>
+            <a:endCxn id="52" idx="1"/>
+          </p:cNvCxnSpPr>
+          <p:nvPr/>
+        </p:nvCxnSpPr>
+        <p:spPr>
+          <a:xfrm>
+            <a:off x="3720200" y="2203920"/>
+            <a:ext cx="381437" cy="586440"/>
+          </a:xfrm>
+          <a:prstGeom prst="straightConnector1">
+            <a:avLst/>
+          </a:prstGeom>
+          <a:ln>
+            <a:solidFill>
+              <a:schemeClr val="tx1"/>
+            </a:solidFill>
+            <a:tailEnd type="triangle"/>
+          </a:ln>
+        </p:spPr>
+        <p:style>
+          <a:lnRef idx="1">
+            <a:schemeClr val="accent1"/>
+          </a:lnRef>
+          <a:fillRef idx="0">
+            <a:schemeClr val="accent1"/>
+          </a:fillRef>
+          <a:effectRef idx="0">
+            <a:schemeClr val="accent1"/>
+          </a:effectRef>
+          <a:fontRef idx="minor">
+            <a:schemeClr val="tx1"/>
+          </a:fontRef>
+        </p:style>
+      </p:cxnSp>
+      <p:cxnSp>
+        <p:nvCxnSpPr>
+          <p:cNvPr id="69" name="Straight Arrow Connector 68"/>
+          <p:cNvCxnSpPr>
+            <a:stCxn id="44" idx="3"/>
+            <a:endCxn id="51" idx="3"/>
+          </p:cNvCxnSpPr>
+          <p:nvPr/>
+        </p:nvCxnSpPr>
+        <p:spPr>
+          <a:xfrm flipV="1">
+            <a:off x="3848917" y="3175097"/>
+            <a:ext cx="447537" cy="573583"/>
+          </a:xfrm>
+          <a:prstGeom prst="straightConnector1">
+            <a:avLst/>
+          </a:prstGeom>
+          <a:ln>
+            <a:solidFill>
+              <a:schemeClr val="tx1"/>
+            </a:solidFill>
+            <a:tailEnd type="triangle"/>
+          </a:ln>
+        </p:spPr>
+        <p:style>
+          <a:lnRef idx="1">
+            <a:schemeClr val="accent1"/>
+          </a:lnRef>
+          <a:fillRef idx="0">
+            <a:schemeClr val="accent1"/>
+          </a:fillRef>
+          <a:effectRef idx="0">
+            <a:schemeClr val="accent1"/>
+          </a:effectRef>
+          <a:fontRef idx="minor">
+            <a:schemeClr val="tx1"/>
+          </a:fontRef>
+        </p:style>
+      </p:cxnSp>
+      <p:sp>
+        <p:nvSpPr>
+          <p:cNvPr id="70" name="CustomShape 13"/>
+          <p:cNvSpPr/>
+          <p:nvPr/>
+        </p:nvSpPr>
+        <p:spPr>
+          <a:xfrm>
+            <a:off x="7626523" y="2778953"/>
+            <a:ext cx="626040" cy="289440"/>
+          </a:xfrm>
+          <a:prstGeom prst="rect">
+            <a:avLst/>
+          </a:prstGeom>
+          <a:noFill/>
+          <a:ln>
+            <a:noFill/>
+          </a:ln>
+        </p:spPr>
+        <p:style>
+          <a:lnRef idx="0">
+            <a:scrgbClr r="0" g="0" b="0"/>
+          </a:lnRef>
+          <a:fillRef idx="0">
+            <a:scrgbClr r="0" g="0" b="0"/>
+          </a:fillRef>
+          <a:effectRef idx="0">
+            <a:scrgbClr r="0" g="0" b="0"/>
+          </a:effectRef>
+          <a:fontRef idx="minor"/>
+        </p:style>
+        <p:txBody>
+          <a:bodyPr lIns="90000" tIns="45000" rIns="90000" bIns="45000">
+            <a:noAutofit/>
+          </a:bodyPr>
+          <a:lstStyle/>
+          <a:p>
+            <a:pPr>
+              <a:lnSpc>
+                <a:spcPct val="100000"/>
+              </a:lnSpc>
+            </a:pPr>
+            <a:r>
+              <a:rPr lang="en-US" sz="1400" b="0" strike="noStrike" spc="-1" dirty="0">
+                <a:solidFill>
+                  <a:srgbClr val="000000"/>
+                </a:solidFill>
+                <a:latin typeface="Arial"/>
+                <a:ea typeface="DejaVu Sans"/>
+              </a:rPr>
+              <a:t>Mixer</a:t>
+            </a:r>
+            <a:endParaRPr lang="en-US" sz="1400" b="0" strike="noStrike" spc="-1" dirty="0">
+              <a:latin typeface="Arial"/>
+            </a:endParaRPr>
+          </a:p>
+        </p:txBody>
+      </p:sp>
     </p:spTree>
   </p:cSld>
   <p:clrMapOvr>
@@ -3996,7 +4053,7 @@
     <mc:Choice Requires="p14">
       <p:transition spd="slow" p14:dur="2000"/>
     </mc:Choice>
-    <mc:Fallback xmlns="" xmlns:p15="http://schemas.microsoft.com/office/powerpoint/2012/main">
+    <mc:Fallback xmlns:p15="http://schemas.microsoft.com/office/powerpoint/2012/main" xmlns="">
       <p:transition spd="slow"/>
     </mc:Fallback>
   </mc:AlternateContent>

--- a/media/dataflow.pptx
+++ b/media/dataflow.pptx
@@ -2630,6 +2630,60 @@
       </p:grpSpPr>
       <p:sp>
         <p:nvSpPr>
+          <p:cNvPr id="71" name="Rectangle 70"/>
+          <p:cNvSpPr/>
+          <p:nvPr/>
+        </p:nvSpPr>
+        <p:spPr>
+          <a:xfrm>
+            <a:off x="-8020" y="601580"/>
+            <a:ext cx="10080624" cy="4251158"/>
+          </a:xfrm>
+          <a:prstGeom prst="rect">
+            <a:avLst/>
+          </a:prstGeom>
+          <a:solidFill>
+            <a:schemeClr val="tx2">
+              <a:lumMod val="20000"/>
+              <a:lumOff val="80000"/>
+              <a:alpha val="40000"/>
+            </a:schemeClr>
+          </a:solidFill>
+          <a:ln w="22225">
+            <a:noFill/>
+          </a:ln>
+        </p:spPr>
+        <p:style>
+          <a:lnRef idx="2">
+            <a:schemeClr val="accent1">
+              <a:shade val="50000"/>
+            </a:schemeClr>
+          </a:lnRef>
+          <a:fillRef idx="1">
+            <a:schemeClr val="accent1"/>
+          </a:fillRef>
+          <a:effectRef idx="0">
+            <a:schemeClr val="accent1"/>
+          </a:effectRef>
+          <a:fontRef idx="minor">
+            <a:schemeClr val="lt1"/>
+          </a:fontRef>
+        </p:style>
+        <p:txBody>
+          <a:bodyPr rtlCol="0" anchor="ctr"/>
+          <a:lstStyle/>
+          <a:p>
+            <a:pPr>
+              <a:lnSpc>
+                <a:spcPct val="100000"/>
+              </a:lnSpc>
+            </a:pPr>
+            <a:endParaRPr lang="en-US" i="1" spc="-1" dirty="0"/>
+          </a:p>
+        </p:txBody>
+      </p:sp>
+      <p:sp>
+        <p:nvSpPr>
           <p:cNvPr id="2" name="Rectangle 1"/>
           <p:cNvSpPr/>
           <p:nvPr/>
@@ -3660,7 +3714,7 @@
                 <a:latin typeface="Arial"/>
                 <a:ea typeface="DejaVu Sans"/>
               </a:rPr>
-              <a:t> Motors</a:t>
+              <a:t>  ESC</a:t>
             </a:r>
             <a:endParaRPr lang="en-US" sz="1400" b="0" strike="noStrike" spc="-1" dirty="0">
               <a:latin typeface="Arial"/>
@@ -4039,6 +4093,64 @@
               <a:t>Mixer</a:t>
             </a:r>
             <a:endParaRPr lang="en-US" sz="1400" b="0" strike="noStrike" spc="-1" dirty="0">
+              <a:latin typeface="Arial"/>
+            </a:endParaRPr>
+          </a:p>
+        </p:txBody>
+      </p:sp>
+      <p:sp>
+        <p:nvSpPr>
+          <p:cNvPr id="72" name="CustomShape 13"/>
+          <p:cNvSpPr/>
+          <p:nvPr/>
+        </p:nvSpPr>
+        <p:spPr>
+          <a:xfrm>
+            <a:off x="4700802" y="727996"/>
+            <a:ext cx="1497645" cy="420153"/>
+          </a:xfrm>
+          <a:prstGeom prst="rect">
+            <a:avLst/>
+          </a:prstGeom>
+          <a:noFill/>
+          <a:ln>
+            <a:noFill/>
+          </a:ln>
+        </p:spPr>
+        <p:style>
+          <a:lnRef idx="0">
+            <a:scrgbClr r="0" g="0" b="0"/>
+          </a:lnRef>
+          <a:fillRef idx="0">
+            <a:scrgbClr r="0" g="0" b="0"/>
+          </a:fillRef>
+          <a:effectRef idx="0">
+            <a:scrgbClr r="0" g="0" b="0"/>
+          </a:effectRef>
+          <a:fontRef idx="minor"/>
+        </p:style>
+        <p:txBody>
+          <a:bodyPr lIns="90000" tIns="45000" rIns="90000" bIns="45000">
+            <a:noAutofit/>
+          </a:bodyPr>
+          <a:lstStyle/>
+          <a:p>
+            <a:pPr>
+              <a:lnSpc>
+                <a:spcPct val="100000"/>
+              </a:lnSpc>
+            </a:pPr>
+            <a:r>
+              <a:rPr lang="en-US" sz="3200" b="0" strike="noStrike" spc="-1" dirty="0" smtClean="0">
+                <a:solidFill>
+                  <a:srgbClr val="000000"/>
+                </a:solidFill>
+                <a:latin typeface="Arial"/>
+                <a:ea typeface="DejaVu Sans"/>
+              </a:rPr>
+              <a:t>Board</a:t>
+            </a:r>
+            <a:endParaRPr lang="en-US" sz="3200" b="0" strike="noStrike" spc="-1" dirty="0">
               <a:latin typeface="Arial"/>
             </a:endParaRPr>
           </a:p>

--- a/media/dataflow.pptx
+++ b/media/dataflow.pptx
@@ -50,25 +50,26 @@
           <a:prstGeom prst="rect">
             <a:avLst/>
           </a:prstGeom>
+          <a:noFill/>
+          <a:ln w="0">
+            <a:noFill/>
+          </a:ln>
         </p:spPr>
         <p:txBody>
           <a:bodyPr lIns="0" rIns="0" tIns="0" bIns="0" anchor="ctr">
             <a:noAutofit/>
           </a:bodyPr>
           <a:p>
+            <a:pPr algn="ctr">
+              <a:buNone/>
+            </a:pPr>
             <a:r>
-              <a:rPr b="0" lang="en-US" sz="1800" spc="-1" strike="noStrike">
-                <a:solidFill>
-                  <a:srgbClr val="000000"/>
-                </a:solidFill>
+              <a:rPr b="0" lang="en-US" sz="4400" spc="-1" strike="noStrike">
                 <a:latin typeface="Arial"/>
               </a:rPr>
               <a:t>Click to move the slide</a:t>
             </a:r>
-            <a:endParaRPr b="0" lang="en-US" sz="1800" spc="-1" strike="noStrike">
-              <a:solidFill>
-                <a:srgbClr val="000000"/>
-              </a:solidFill>
+            <a:endParaRPr b="0" lang="en-US" sz="4400" spc="-1" strike="noStrike">
               <a:latin typeface="Arial"/>
             </a:endParaRPr>
           </a:p>
@@ -92,9 +93,13 @@
           <a:prstGeom prst="rect">
             <a:avLst/>
           </a:prstGeom>
-        </p:spPr>
-        <p:txBody>
-          <a:bodyPr lIns="0" rIns="0" tIns="0" bIns="0">
+          <a:noFill/>
+          <a:ln w="0">
+            <a:noFill/>
+          </a:ln>
+        </p:spPr>
+        <p:txBody>
+          <a:bodyPr lIns="0" rIns="0" tIns="0" bIns="0" anchor="t">
             <a:noAutofit/>
           </a:bodyPr>
           <a:p>
@@ -128,9 +133,13 @@
           <a:prstGeom prst="rect">
             <a:avLst/>
           </a:prstGeom>
-        </p:spPr>
-        <p:txBody>
-          <a:bodyPr lIns="0" rIns="0" tIns="0" bIns="0">
+          <a:noFill/>
+          <a:ln w="0">
+            <a:noFill/>
+          </a:ln>
+        </p:spPr>
+        <p:txBody>
+          <a:bodyPr lIns="0" rIns="0" tIns="0" bIns="0" anchor="t">
             <a:noAutofit/>
           </a:bodyPr>
           <a:p>
@@ -153,7 +162,7 @@
             <a:spLocks noGrp="1"/>
           </p:cNvSpPr>
           <p:nvPr>
-            <p:ph type="dt"/>
+            <p:ph type="dt" idx="1"/>
           </p:nvPr>
         </p:nvSpPr>
         <p:spPr>
@@ -164,13 +173,27 @@
           <a:prstGeom prst="rect">
             <a:avLst/>
           </a:prstGeom>
-        </p:spPr>
-        <p:txBody>
-          <a:bodyPr lIns="0" rIns="0" tIns="0" bIns="0">
+          <a:noFill/>
+          <a:ln w="0">
+            <a:noFill/>
+          </a:ln>
+        </p:spPr>
+        <p:txBody>
+          <a:bodyPr lIns="0" rIns="0" tIns="0" bIns="0" anchor="t">
             <a:noAutofit/>
           </a:bodyPr>
-          <a:p>
-            <a:pPr algn="r"/>
+          <a:lstStyle>
+            <a:lvl1pPr algn="r">
+              <a:buNone/>
+              <a:defRPr b="0" lang="en-US" sz="1400" spc="-1" strike="noStrike">
+                <a:latin typeface="Times New Roman"/>
+              </a:defRPr>
+            </a:lvl1pPr>
+          </a:lstStyle>
+          <a:p>
+            <a:pPr algn="r">
+              <a:buNone/>
+            </a:pPr>
             <a:r>
               <a:rPr b="0" lang="en-US" sz="1400" spc="-1" strike="noStrike">
                 <a:latin typeface="Times New Roman"/>
@@ -190,7 +213,7 @@
             <a:spLocks noGrp="1"/>
           </p:cNvSpPr>
           <p:nvPr>
-            <p:ph type="ftr"/>
+            <p:ph type="ftr" idx="2"/>
           </p:nvPr>
         </p:nvSpPr>
         <p:spPr>
@@ -201,11 +224,22 @@
           <a:prstGeom prst="rect">
             <a:avLst/>
           </a:prstGeom>
+          <a:noFill/>
+          <a:ln w="0">
+            <a:noFill/>
+          </a:ln>
         </p:spPr>
         <p:txBody>
           <a:bodyPr lIns="0" rIns="0" tIns="0" bIns="0" anchor="b">
             <a:noAutofit/>
           </a:bodyPr>
+          <a:lstStyle>
+            <a:lvl1pPr>
+              <a:defRPr b="0" lang="en-US" sz="1400" spc="-1" strike="noStrike">
+                <a:latin typeface="Times New Roman"/>
+              </a:defRPr>
+            </a:lvl1pPr>
+          </a:lstStyle>
           <a:p>
             <a:r>
               <a:rPr b="0" lang="en-US" sz="1400" spc="-1" strike="noStrike">
@@ -226,7 +260,7 @@
             <a:spLocks noGrp="1"/>
           </p:cNvSpPr>
           <p:nvPr>
-            <p:ph type="sldNum"/>
+            <p:ph type="sldNum" idx="3"/>
           </p:nvPr>
         </p:nvSpPr>
         <p:spPr>
@@ -237,14 +271,28 @@
           <a:prstGeom prst="rect">
             <a:avLst/>
           </a:prstGeom>
+          <a:noFill/>
+          <a:ln w="0">
+            <a:noFill/>
+          </a:ln>
         </p:spPr>
         <p:txBody>
           <a:bodyPr lIns="0" rIns="0" tIns="0" bIns="0" anchor="b">
             <a:noAutofit/>
           </a:bodyPr>
-          <a:p>
-            <a:pPr algn="r"/>
-            <a:fld id="{96B51BAA-B4BD-4FC5-B250-809EC2A82947}" type="slidenum">
+          <a:lstStyle>
+            <a:lvl1pPr algn="r">
+              <a:buNone/>
+              <a:defRPr b="0" lang="en-US" sz="1400" spc="-1" strike="noStrike">
+                <a:latin typeface="Times New Roman"/>
+              </a:defRPr>
+            </a:lvl1pPr>
+          </a:lstStyle>
+          <a:p>
+            <a:pPr algn="r">
+              <a:buNone/>
+            </a:pPr>
+            <a:fld id="{C5CCA3BB-5FB6-4DA9-9209-363FCC6ACC8A}" type="slidenum">
               <a:rPr b="0" lang="en-US" sz="1400" spc="-1" strike="noStrike">
                 <a:latin typeface="Times New Roman"/>
               </a:rPr>
@@ -281,7 +329,7 @@
       </p:grpSpPr>
       <p:sp>
         <p:nvSpPr>
-          <p:cNvPr id="77" name="PlaceHolder 1"/>
+          <p:cNvPr id="75" name="PlaceHolder 1"/>
           <p:cNvSpPr>
             <a:spLocks noGrp="1"/>
           </p:cNvSpPr>
@@ -292,16 +340,19 @@
         <p:spPr>
           <a:xfrm>
             <a:off x="1623960" y="1257480"/>
-            <a:ext cx="4524120" cy="3393720"/>
-          </a:xfrm>
-          <a:prstGeom prst="rect">
-            <a:avLst/>
-          </a:prstGeom>
-        </p:spPr>
-      </p:sp>
-      <p:sp>
-        <p:nvSpPr>
-          <p:cNvPr id="78" name="PlaceHolder 2"/>
+            <a:ext cx="4523760" cy="3393360"/>
+          </a:xfrm>
+          <a:prstGeom prst="rect">
+            <a:avLst/>
+          </a:prstGeom>
+          <a:ln w="0">
+            <a:noFill/>
+          </a:ln>
+        </p:spPr>
+      </p:sp>
+      <p:sp>
+        <p:nvSpPr>
+          <p:cNvPr id="76" name="PlaceHolder 2"/>
           <p:cNvSpPr>
             <a:spLocks noGrp="1"/>
           </p:cNvSpPr>
@@ -312,14 +363,18 @@
         <p:spPr>
           <a:xfrm>
             <a:off x="777960" y="4840200"/>
-            <a:ext cx="6216120" cy="3960360"/>
-          </a:xfrm>
-          <a:prstGeom prst="rect">
-            <a:avLst/>
-          </a:prstGeom>
-        </p:spPr>
-        <p:txBody>
-          <a:bodyPr>
+            <a:ext cx="6215760" cy="3960000"/>
+          </a:xfrm>
+          <a:prstGeom prst="rect">
+            <a:avLst/>
+          </a:prstGeom>
+          <a:noFill/>
+          <a:ln w="0">
+            <a:noFill/>
+          </a:ln>
+        </p:spPr>
+        <p:txBody>
+          <a:bodyPr lIns="0" rIns="0" tIns="0" bIns="0" anchor="t">
             <a:noAutofit/>
           </a:bodyPr>
           <a:p>
@@ -331,25 +386,31 @@
       </p:sp>
       <p:sp>
         <p:nvSpPr>
-          <p:cNvPr id="79" name="TextShape 3"/>
-          <p:cNvSpPr txBox="1"/>
+          <p:cNvPr id="77" name="TextShape 3"/>
+          <p:cNvSpPr/>
           <p:nvPr/>
         </p:nvSpPr>
         <p:spPr>
           <a:xfrm>
             <a:off x="4402080" y="9553680"/>
-            <a:ext cx="3368160" cy="504360"/>
-          </a:xfrm>
-          <a:prstGeom prst="rect">
-            <a:avLst/>
-          </a:prstGeom>
-          <a:noFill/>
-          <a:ln>
-            <a:noFill/>
-          </a:ln>
-        </p:spPr>
-        <p:txBody>
-          <a:bodyPr anchor="b">
+            <a:ext cx="3367800" cy="504000"/>
+          </a:xfrm>
+          <a:prstGeom prst="rect">
+            <a:avLst/>
+          </a:prstGeom>
+          <a:noFill/>
+          <a:ln w="0">
+            <a:noFill/>
+          </a:ln>
+        </p:spPr>
+        <p:style>
+          <a:lnRef idx="0"/>
+          <a:fillRef idx="0"/>
+          <a:effectRef idx="0"/>
+          <a:fontRef idx="minor"/>
+        </p:style>
+        <p:txBody>
+          <a:bodyPr lIns="90000" rIns="90000" tIns="45000" bIns="45000" anchor="b">
             <a:noAutofit/>
           </a:bodyPr>
           <a:p>
@@ -357,8 +418,9 @@
               <a:lnSpc>
                 <a:spcPct val="100000"/>
               </a:lnSpc>
+              <a:buNone/>
             </a:pPr>
-            <a:fld id="{CB5C7794-5FF3-42B5-A2BF-7380D94913B7}" type="slidenum">
+            <a:fld id="{DEC7834F-C71D-477A-8CC1-435E2CBD256B}" type="slidenum">
               <a:rPr b="0" lang="en-US" sz="1200" spc="-1" strike="noStrike">
                 <a:solidFill>
                   <a:srgbClr val="000000"/>
@@ -369,7 +431,7 @@
               <a:t>&lt;number&gt;</a:t>
             </a:fld>
             <a:endParaRPr b="0" lang="en-US" sz="1200" spc="-1" strike="noStrike">
-              <a:latin typeface="Times New Roman"/>
+              <a:latin typeface="Arial"/>
             </a:endParaRPr>
           </a:p>
         </p:txBody>
@@ -436,16 +498,20 @@
           <a:prstGeom prst="rect">
             <a:avLst/>
           </a:prstGeom>
+          <a:noFill/>
+          <a:ln w="0">
+            <a:noFill/>
+          </a:ln>
         </p:spPr>
         <p:txBody>
           <a:bodyPr lIns="0" rIns="0" tIns="0" bIns="0" anchor="ctr">
             <a:noAutofit/>
           </a:bodyPr>
           <a:p>
-            <a:endParaRPr b="0" lang="en-US" sz="1800" spc="-1" strike="noStrike">
-              <a:solidFill>
-                <a:srgbClr val="000000"/>
-              </a:solidFill>
+            <a:pPr algn="ctr">
+              <a:buNone/>
+            </a:pPr>
+            <a:endParaRPr b="0" lang="en-US" sz="4400" spc="-1" strike="noStrike">
               <a:latin typeface="Arial"/>
             </a:endParaRPr>
           </a:p>
@@ -458,7 +524,7 @@
             <a:spLocks noGrp="1"/>
           </p:cNvSpPr>
           <p:nvPr>
-            <p:ph type="body"/>
+            <p:ph/>
           </p:nvPr>
         </p:nvSpPr>
         <p:spPr>
@@ -469,16 +535,17 @@
           <a:prstGeom prst="rect">
             <a:avLst/>
           </a:prstGeom>
-        </p:spPr>
-        <p:txBody>
-          <a:bodyPr lIns="0" rIns="0" tIns="0" bIns="0">
+          <a:noFill/>
+          <a:ln w="0">
+            <a:noFill/>
+          </a:ln>
+        </p:spPr>
+        <p:txBody>
+          <a:bodyPr lIns="0" rIns="0" tIns="0" bIns="0" anchor="t">
             <a:normAutofit/>
           </a:bodyPr>
           <a:p>
-            <a:endParaRPr b="0" lang="en-US" sz="2800" spc="-1" strike="noStrike">
-              <a:solidFill>
-                <a:srgbClr val="000000"/>
-              </a:solidFill>
+            <a:endParaRPr b="0" lang="en-US" sz="3200" spc="-1" strike="noStrike">
               <a:latin typeface="Arial"/>
             </a:endParaRPr>
           </a:p>
@@ -491,7 +558,7 @@
             <a:spLocks noGrp="1"/>
           </p:cNvSpPr>
           <p:nvPr>
-            <p:ph type="body"/>
+            <p:ph/>
           </p:nvPr>
         </p:nvSpPr>
         <p:spPr>
@@ -502,16 +569,17 @@
           <a:prstGeom prst="rect">
             <a:avLst/>
           </a:prstGeom>
-        </p:spPr>
-        <p:txBody>
-          <a:bodyPr lIns="0" rIns="0" tIns="0" bIns="0">
+          <a:noFill/>
+          <a:ln w="0">
+            <a:noFill/>
+          </a:ln>
+        </p:spPr>
+        <p:txBody>
+          <a:bodyPr lIns="0" rIns="0" tIns="0" bIns="0" anchor="t">
             <a:normAutofit/>
           </a:bodyPr>
           <a:p>
-            <a:endParaRPr b="0" lang="en-US" sz="2800" spc="-1" strike="noStrike">
-              <a:solidFill>
-                <a:srgbClr val="000000"/>
-              </a:solidFill>
+            <a:endParaRPr b="0" lang="en-US" sz="3200" spc="-1" strike="noStrike">
               <a:latin typeface="Arial"/>
             </a:endParaRPr>
           </a:p>
@@ -557,16 +625,20 @@
           <a:prstGeom prst="rect">
             <a:avLst/>
           </a:prstGeom>
+          <a:noFill/>
+          <a:ln w="0">
+            <a:noFill/>
+          </a:ln>
         </p:spPr>
         <p:txBody>
           <a:bodyPr lIns="0" rIns="0" tIns="0" bIns="0" anchor="ctr">
             <a:noAutofit/>
           </a:bodyPr>
           <a:p>
-            <a:endParaRPr b="0" lang="en-US" sz="1800" spc="-1" strike="noStrike">
-              <a:solidFill>
-                <a:srgbClr val="000000"/>
-              </a:solidFill>
+            <a:pPr algn="ctr">
+              <a:buNone/>
+            </a:pPr>
+            <a:endParaRPr b="0" lang="en-US" sz="4400" spc="-1" strike="noStrike">
               <a:latin typeface="Arial"/>
             </a:endParaRPr>
           </a:p>
@@ -579,7 +651,7 @@
             <a:spLocks noGrp="1"/>
           </p:cNvSpPr>
           <p:nvPr>
-            <p:ph type="body"/>
+            <p:ph/>
           </p:nvPr>
         </p:nvSpPr>
         <p:spPr>
@@ -590,16 +662,17 @@
           <a:prstGeom prst="rect">
             <a:avLst/>
           </a:prstGeom>
-        </p:spPr>
-        <p:txBody>
-          <a:bodyPr lIns="0" rIns="0" tIns="0" bIns="0">
+          <a:noFill/>
+          <a:ln w="0">
+            <a:noFill/>
+          </a:ln>
+        </p:spPr>
+        <p:txBody>
+          <a:bodyPr lIns="0" rIns="0" tIns="0" bIns="0" anchor="t">
             <a:normAutofit/>
           </a:bodyPr>
           <a:p>
-            <a:endParaRPr b="0" lang="en-US" sz="2800" spc="-1" strike="noStrike">
-              <a:solidFill>
-                <a:srgbClr val="000000"/>
-              </a:solidFill>
+            <a:endParaRPr b="0" lang="en-US" sz="3200" spc="-1" strike="noStrike">
               <a:latin typeface="Arial"/>
             </a:endParaRPr>
           </a:p>
@@ -612,7 +685,7 @@
             <a:spLocks noGrp="1"/>
           </p:cNvSpPr>
           <p:nvPr>
-            <p:ph type="body"/>
+            <p:ph/>
           </p:nvPr>
         </p:nvSpPr>
         <p:spPr>
@@ -623,16 +696,17 @@
           <a:prstGeom prst="rect">
             <a:avLst/>
           </a:prstGeom>
-        </p:spPr>
-        <p:txBody>
-          <a:bodyPr lIns="0" rIns="0" tIns="0" bIns="0">
+          <a:noFill/>
+          <a:ln w="0">
+            <a:noFill/>
+          </a:ln>
+        </p:spPr>
+        <p:txBody>
+          <a:bodyPr lIns="0" rIns="0" tIns="0" bIns="0" anchor="t">
             <a:normAutofit/>
           </a:bodyPr>
           <a:p>
-            <a:endParaRPr b="0" lang="en-US" sz="2800" spc="-1" strike="noStrike">
-              <a:solidFill>
-                <a:srgbClr val="000000"/>
-              </a:solidFill>
+            <a:endParaRPr b="0" lang="en-US" sz="3200" spc="-1" strike="noStrike">
               <a:latin typeface="Arial"/>
             </a:endParaRPr>
           </a:p>
@@ -645,7 +719,7 @@
             <a:spLocks noGrp="1"/>
           </p:cNvSpPr>
           <p:nvPr>
-            <p:ph type="body"/>
+            <p:ph/>
           </p:nvPr>
         </p:nvSpPr>
         <p:spPr>
@@ -656,16 +730,17 @@
           <a:prstGeom prst="rect">
             <a:avLst/>
           </a:prstGeom>
-        </p:spPr>
-        <p:txBody>
-          <a:bodyPr lIns="0" rIns="0" tIns="0" bIns="0">
+          <a:noFill/>
+          <a:ln w="0">
+            <a:noFill/>
+          </a:ln>
+        </p:spPr>
+        <p:txBody>
+          <a:bodyPr lIns="0" rIns="0" tIns="0" bIns="0" anchor="t">
             <a:normAutofit/>
           </a:bodyPr>
           <a:p>
-            <a:endParaRPr b="0" lang="en-US" sz="2800" spc="-1" strike="noStrike">
-              <a:solidFill>
-                <a:srgbClr val="000000"/>
-              </a:solidFill>
+            <a:endParaRPr b="0" lang="en-US" sz="3200" spc="-1" strike="noStrike">
               <a:latin typeface="Arial"/>
             </a:endParaRPr>
           </a:p>
@@ -678,7 +753,7 @@
             <a:spLocks noGrp="1"/>
           </p:cNvSpPr>
           <p:nvPr>
-            <p:ph type="body"/>
+            <p:ph/>
           </p:nvPr>
         </p:nvSpPr>
         <p:spPr>
@@ -689,16 +764,17 @@
           <a:prstGeom prst="rect">
             <a:avLst/>
           </a:prstGeom>
-        </p:spPr>
-        <p:txBody>
-          <a:bodyPr lIns="0" rIns="0" tIns="0" bIns="0">
+          <a:noFill/>
+          <a:ln w="0">
+            <a:noFill/>
+          </a:ln>
+        </p:spPr>
+        <p:txBody>
+          <a:bodyPr lIns="0" rIns="0" tIns="0" bIns="0" anchor="t">
             <a:normAutofit/>
           </a:bodyPr>
           <a:p>
-            <a:endParaRPr b="0" lang="en-US" sz="2800" spc="-1" strike="noStrike">
-              <a:solidFill>
-                <a:srgbClr val="000000"/>
-              </a:solidFill>
+            <a:endParaRPr b="0" lang="en-US" sz="3200" spc="-1" strike="noStrike">
               <a:latin typeface="Arial"/>
             </a:endParaRPr>
           </a:p>
@@ -744,16 +820,20 @@
           <a:prstGeom prst="rect">
             <a:avLst/>
           </a:prstGeom>
+          <a:noFill/>
+          <a:ln w="0">
+            <a:noFill/>
+          </a:ln>
         </p:spPr>
         <p:txBody>
           <a:bodyPr lIns="0" rIns="0" tIns="0" bIns="0" anchor="ctr">
             <a:noAutofit/>
           </a:bodyPr>
           <a:p>
-            <a:endParaRPr b="0" lang="en-US" sz="1800" spc="-1" strike="noStrike">
-              <a:solidFill>
-                <a:srgbClr val="000000"/>
-              </a:solidFill>
+            <a:pPr algn="ctr">
+              <a:buNone/>
+            </a:pPr>
+            <a:endParaRPr b="0" lang="en-US" sz="4400" spc="-1" strike="noStrike">
               <a:latin typeface="Arial"/>
             </a:endParaRPr>
           </a:p>
@@ -766,7 +846,7 @@
             <a:spLocks noGrp="1"/>
           </p:cNvSpPr>
           <p:nvPr>
-            <p:ph type="body"/>
+            <p:ph/>
           </p:nvPr>
         </p:nvSpPr>
         <p:spPr>
@@ -777,16 +857,17 @@
           <a:prstGeom prst="rect">
             <a:avLst/>
           </a:prstGeom>
-        </p:spPr>
-        <p:txBody>
-          <a:bodyPr lIns="0" rIns="0" tIns="0" bIns="0">
+          <a:noFill/>
+          <a:ln w="0">
+            <a:noFill/>
+          </a:ln>
+        </p:spPr>
+        <p:txBody>
+          <a:bodyPr lIns="0" rIns="0" tIns="0" bIns="0" anchor="t">
             <a:normAutofit/>
           </a:bodyPr>
           <a:p>
-            <a:endParaRPr b="0" lang="en-US" sz="2800" spc="-1" strike="noStrike">
-              <a:solidFill>
-                <a:srgbClr val="000000"/>
-              </a:solidFill>
+            <a:endParaRPr b="0" lang="en-US" sz="3200" spc="-1" strike="noStrike">
               <a:latin typeface="Arial"/>
             </a:endParaRPr>
           </a:p>
@@ -799,7 +880,7 @@
             <a:spLocks noGrp="1"/>
           </p:cNvSpPr>
           <p:nvPr>
-            <p:ph type="body"/>
+            <p:ph/>
           </p:nvPr>
         </p:nvSpPr>
         <p:spPr>
@@ -810,16 +891,17 @@
           <a:prstGeom prst="rect">
             <a:avLst/>
           </a:prstGeom>
-        </p:spPr>
-        <p:txBody>
-          <a:bodyPr lIns="0" rIns="0" tIns="0" bIns="0">
+          <a:noFill/>
+          <a:ln w="0">
+            <a:noFill/>
+          </a:ln>
+        </p:spPr>
+        <p:txBody>
+          <a:bodyPr lIns="0" rIns="0" tIns="0" bIns="0" anchor="t">
             <a:normAutofit/>
           </a:bodyPr>
           <a:p>
-            <a:endParaRPr b="0" lang="en-US" sz="2800" spc="-1" strike="noStrike">
-              <a:solidFill>
-                <a:srgbClr val="000000"/>
-              </a:solidFill>
+            <a:endParaRPr b="0" lang="en-US" sz="3200" spc="-1" strike="noStrike">
               <a:latin typeface="Arial"/>
             </a:endParaRPr>
           </a:p>
@@ -832,7 +914,7 @@
             <a:spLocks noGrp="1"/>
           </p:cNvSpPr>
           <p:nvPr>
-            <p:ph type="body"/>
+            <p:ph/>
           </p:nvPr>
         </p:nvSpPr>
         <p:spPr>
@@ -843,16 +925,17 @@
           <a:prstGeom prst="rect">
             <a:avLst/>
           </a:prstGeom>
-        </p:spPr>
-        <p:txBody>
-          <a:bodyPr lIns="0" rIns="0" tIns="0" bIns="0">
+          <a:noFill/>
+          <a:ln w="0">
+            <a:noFill/>
+          </a:ln>
+        </p:spPr>
+        <p:txBody>
+          <a:bodyPr lIns="0" rIns="0" tIns="0" bIns="0" anchor="t">
             <a:normAutofit/>
           </a:bodyPr>
           <a:p>
-            <a:endParaRPr b="0" lang="en-US" sz="2800" spc="-1" strike="noStrike">
-              <a:solidFill>
-                <a:srgbClr val="000000"/>
-              </a:solidFill>
+            <a:endParaRPr b="0" lang="en-US" sz="3200" spc="-1" strike="noStrike">
               <a:latin typeface="Arial"/>
             </a:endParaRPr>
           </a:p>
@@ -865,7 +948,7 @@
             <a:spLocks noGrp="1"/>
           </p:cNvSpPr>
           <p:nvPr>
-            <p:ph type="body"/>
+            <p:ph/>
           </p:nvPr>
         </p:nvSpPr>
         <p:spPr>
@@ -876,16 +959,17 @@
           <a:prstGeom prst="rect">
             <a:avLst/>
           </a:prstGeom>
-        </p:spPr>
-        <p:txBody>
-          <a:bodyPr lIns="0" rIns="0" tIns="0" bIns="0">
+          <a:noFill/>
+          <a:ln w="0">
+            <a:noFill/>
+          </a:ln>
+        </p:spPr>
+        <p:txBody>
+          <a:bodyPr lIns="0" rIns="0" tIns="0" bIns="0" anchor="t">
             <a:normAutofit/>
           </a:bodyPr>
           <a:p>
-            <a:endParaRPr b="0" lang="en-US" sz="2800" spc="-1" strike="noStrike">
-              <a:solidFill>
-                <a:srgbClr val="000000"/>
-              </a:solidFill>
+            <a:endParaRPr b="0" lang="en-US" sz="3200" spc="-1" strike="noStrike">
               <a:latin typeface="Arial"/>
             </a:endParaRPr>
           </a:p>
@@ -898,7 +982,7 @@
             <a:spLocks noGrp="1"/>
           </p:cNvSpPr>
           <p:nvPr>
-            <p:ph type="body"/>
+            <p:ph/>
           </p:nvPr>
         </p:nvSpPr>
         <p:spPr>
@@ -909,16 +993,17 @@
           <a:prstGeom prst="rect">
             <a:avLst/>
           </a:prstGeom>
-        </p:spPr>
-        <p:txBody>
-          <a:bodyPr lIns="0" rIns="0" tIns="0" bIns="0">
+          <a:noFill/>
+          <a:ln w="0">
+            <a:noFill/>
+          </a:ln>
+        </p:spPr>
+        <p:txBody>
+          <a:bodyPr lIns="0" rIns="0" tIns="0" bIns="0" anchor="t">
             <a:normAutofit/>
           </a:bodyPr>
           <a:p>
-            <a:endParaRPr b="0" lang="en-US" sz="2800" spc="-1" strike="noStrike">
-              <a:solidFill>
-                <a:srgbClr val="000000"/>
-              </a:solidFill>
+            <a:endParaRPr b="0" lang="en-US" sz="3200" spc="-1" strike="noStrike">
               <a:latin typeface="Arial"/>
             </a:endParaRPr>
           </a:p>
@@ -931,7 +1016,7 @@
             <a:spLocks noGrp="1"/>
           </p:cNvSpPr>
           <p:nvPr>
-            <p:ph type="body"/>
+            <p:ph/>
           </p:nvPr>
         </p:nvSpPr>
         <p:spPr>
@@ -942,16 +1027,17 @@
           <a:prstGeom prst="rect">
             <a:avLst/>
           </a:prstGeom>
-        </p:spPr>
-        <p:txBody>
-          <a:bodyPr lIns="0" rIns="0" tIns="0" bIns="0">
+          <a:noFill/>
+          <a:ln w="0">
+            <a:noFill/>
+          </a:ln>
+        </p:spPr>
+        <p:txBody>
+          <a:bodyPr lIns="0" rIns="0" tIns="0" bIns="0" anchor="t">
             <a:normAutofit/>
           </a:bodyPr>
           <a:p>
-            <a:endParaRPr b="0" lang="en-US" sz="2800" spc="-1" strike="noStrike">
-              <a:solidFill>
-                <a:srgbClr val="000000"/>
-              </a:solidFill>
+            <a:endParaRPr b="0" lang="en-US" sz="3200" spc="-1" strike="noStrike">
               <a:latin typeface="Arial"/>
             </a:endParaRPr>
           </a:p>
@@ -997,16 +1083,20 @@
           <a:prstGeom prst="rect">
             <a:avLst/>
           </a:prstGeom>
+          <a:noFill/>
+          <a:ln w="0">
+            <a:noFill/>
+          </a:ln>
         </p:spPr>
         <p:txBody>
           <a:bodyPr lIns="0" rIns="0" tIns="0" bIns="0" anchor="ctr">
             <a:noAutofit/>
           </a:bodyPr>
           <a:p>
-            <a:endParaRPr b="0" lang="en-US" sz="1800" spc="-1" strike="noStrike">
-              <a:solidFill>
-                <a:srgbClr val="000000"/>
-              </a:solidFill>
+            <a:pPr algn="ctr">
+              <a:buNone/>
+            </a:pPr>
+            <a:endParaRPr b="0" lang="en-US" sz="4400" spc="-1" strike="noStrike">
               <a:latin typeface="Arial"/>
             </a:endParaRPr>
           </a:p>
@@ -1030,13 +1120,19 @@
           <a:prstGeom prst="rect">
             <a:avLst/>
           </a:prstGeom>
+          <a:noFill/>
+          <a:ln w="0">
+            <a:noFill/>
+          </a:ln>
         </p:spPr>
         <p:txBody>
           <a:bodyPr lIns="0" rIns="0" tIns="0" bIns="0" anchor="ctr">
             <a:noAutofit/>
           </a:bodyPr>
           <a:p>
-            <a:pPr algn="ctr"/>
+            <a:pPr algn="ctr">
+              <a:buNone/>
+            </a:pPr>
             <a:endParaRPr b="0" lang="en-US" sz="3200" spc="-1" strike="noStrike">
               <a:latin typeface="Arial"/>
             </a:endParaRPr>
@@ -1083,16 +1179,20 @@
           <a:prstGeom prst="rect">
             <a:avLst/>
           </a:prstGeom>
+          <a:noFill/>
+          <a:ln w="0">
+            <a:noFill/>
+          </a:ln>
         </p:spPr>
         <p:txBody>
           <a:bodyPr lIns="0" rIns="0" tIns="0" bIns="0" anchor="ctr">
             <a:noAutofit/>
           </a:bodyPr>
           <a:p>
-            <a:endParaRPr b="0" lang="en-US" sz="1800" spc="-1" strike="noStrike">
-              <a:solidFill>
-                <a:srgbClr val="000000"/>
-              </a:solidFill>
+            <a:pPr algn="ctr">
+              <a:buNone/>
+            </a:pPr>
+            <a:endParaRPr b="0" lang="en-US" sz="4400" spc="-1" strike="noStrike">
               <a:latin typeface="Arial"/>
             </a:endParaRPr>
           </a:p>
@@ -1105,7 +1205,7 @@
             <a:spLocks noGrp="1"/>
           </p:cNvSpPr>
           <p:nvPr>
-            <p:ph type="body"/>
+            <p:ph/>
           </p:nvPr>
         </p:nvSpPr>
         <p:spPr>
@@ -1116,16 +1216,17 @@
           <a:prstGeom prst="rect">
             <a:avLst/>
           </a:prstGeom>
-        </p:spPr>
-        <p:txBody>
-          <a:bodyPr lIns="0" rIns="0" tIns="0" bIns="0">
+          <a:noFill/>
+          <a:ln w="0">
+            <a:noFill/>
+          </a:ln>
+        </p:spPr>
+        <p:txBody>
+          <a:bodyPr lIns="0" rIns="0" tIns="0" bIns="0" anchor="t">
             <a:normAutofit/>
           </a:bodyPr>
           <a:p>
-            <a:endParaRPr b="0" lang="en-US" sz="2800" spc="-1" strike="noStrike">
-              <a:solidFill>
-                <a:srgbClr val="000000"/>
-              </a:solidFill>
+            <a:endParaRPr b="0" lang="en-US" sz="3200" spc="-1" strike="noStrike">
               <a:latin typeface="Arial"/>
             </a:endParaRPr>
           </a:p>
@@ -1171,16 +1272,20 @@
           <a:prstGeom prst="rect">
             <a:avLst/>
           </a:prstGeom>
+          <a:noFill/>
+          <a:ln w="0">
+            <a:noFill/>
+          </a:ln>
         </p:spPr>
         <p:txBody>
           <a:bodyPr lIns="0" rIns="0" tIns="0" bIns="0" anchor="ctr">
             <a:noAutofit/>
           </a:bodyPr>
           <a:p>
-            <a:endParaRPr b="0" lang="en-US" sz="1800" spc="-1" strike="noStrike">
-              <a:solidFill>
-                <a:srgbClr val="000000"/>
-              </a:solidFill>
+            <a:pPr algn="ctr">
+              <a:buNone/>
+            </a:pPr>
+            <a:endParaRPr b="0" lang="en-US" sz="4400" spc="-1" strike="noStrike">
               <a:latin typeface="Arial"/>
             </a:endParaRPr>
           </a:p>
@@ -1193,7 +1298,7 @@
             <a:spLocks noGrp="1"/>
           </p:cNvSpPr>
           <p:nvPr>
-            <p:ph type="body"/>
+            <p:ph/>
           </p:nvPr>
         </p:nvSpPr>
         <p:spPr>
@@ -1204,16 +1309,17 @@
           <a:prstGeom prst="rect">
             <a:avLst/>
           </a:prstGeom>
-        </p:spPr>
-        <p:txBody>
-          <a:bodyPr lIns="0" rIns="0" tIns="0" bIns="0">
+          <a:noFill/>
+          <a:ln w="0">
+            <a:noFill/>
+          </a:ln>
+        </p:spPr>
+        <p:txBody>
+          <a:bodyPr lIns="0" rIns="0" tIns="0" bIns="0" anchor="t">
             <a:normAutofit/>
           </a:bodyPr>
           <a:p>
-            <a:endParaRPr b="0" lang="en-US" sz="2800" spc="-1" strike="noStrike">
-              <a:solidFill>
-                <a:srgbClr val="000000"/>
-              </a:solidFill>
+            <a:endParaRPr b="0" lang="en-US" sz="3200" spc="-1" strike="noStrike">
               <a:latin typeface="Arial"/>
             </a:endParaRPr>
           </a:p>
@@ -1226,7 +1332,7 @@
             <a:spLocks noGrp="1"/>
           </p:cNvSpPr>
           <p:nvPr>
-            <p:ph type="body"/>
+            <p:ph/>
           </p:nvPr>
         </p:nvSpPr>
         <p:spPr>
@@ -1237,16 +1343,17 @@
           <a:prstGeom prst="rect">
             <a:avLst/>
           </a:prstGeom>
-        </p:spPr>
-        <p:txBody>
-          <a:bodyPr lIns="0" rIns="0" tIns="0" bIns="0">
+          <a:noFill/>
+          <a:ln w="0">
+            <a:noFill/>
+          </a:ln>
+        </p:spPr>
+        <p:txBody>
+          <a:bodyPr lIns="0" rIns="0" tIns="0" bIns="0" anchor="t">
             <a:normAutofit/>
           </a:bodyPr>
           <a:p>
-            <a:endParaRPr b="0" lang="en-US" sz="2800" spc="-1" strike="noStrike">
-              <a:solidFill>
-                <a:srgbClr val="000000"/>
-              </a:solidFill>
+            <a:endParaRPr b="0" lang="en-US" sz="3200" spc="-1" strike="noStrike">
               <a:latin typeface="Arial"/>
             </a:endParaRPr>
           </a:p>
@@ -1292,16 +1399,20 @@
           <a:prstGeom prst="rect">
             <a:avLst/>
           </a:prstGeom>
+          <a:noFill/>
+          <a:ln w="0">
+            <a:noFill/>
+          </a:ln>
         </p:spPr>
         <p:txBody>
           <a:bodyPr lIns="0" rIns="0" tIns="0" bIns="0" anchor="ctr">
             <a:noAutofit/>
           </a:bodyPr>
           <a:p>
-            <a:endParaRPr b="0" lang="en-US" sz="1800" spc="-1" strike="noStrike">
-              <a:solidFill>
-                <a:srgbClr val="000000"/>
-              </a:solidFill>
+            <a:pPr algn="ctr">
+              <a:buNone/>
+            </a:pPr>
+            <a:endParaRPr b="0" lang="en-US" sz="4400" spc="-1" strike="noStrike">
               <a:latin typeface="Arial"/>
             </a:endParaRPr>
           </a:p>
@@ -1347,13 +1458,19 @@
           <a:prstGeom prst="rect">
             <a:avLst/>
           </a:prstGeom>
+          <a:noFill/>
+          <a:ln w="0">
+            <a:noFill/>
+          </a:ln>
         </p:spPr>
         <p:txBody>
           <a:bodyPr lIns="0" rIns="0" tIns="0" bIns="0" anchor="ctr">
             <a:noAutofit/>
           </a:bodyPr>
           <a:p>
-            <a:pPr algn="ctr"/>
+            <a:pPr algn="ctr">
+              <a:buNone/>
+            </a:pPr>
             <a:endParaRPr b="0" lang="en-US" sz="3200" spc="-1" strike="noStrike">
               <a:latin typeface="Arial"/>
             </a:endParaRPr>
@@ -1400,16 +1517,20 @@
           <a:prstGeom prst="rect">
             <a:avLst/>
           </a:prstGeom>
+          <a:noFill/>
+          <a:ln w="0">
+            <a:noFill/>
+          </a:ln>
         </p:spPr>
         <p:txBody>
           <a:bodyPr lIns="0" rIns="0" tIns="0" bIns="0" anchor="ctr">
             <a:noAutofit/>
           </a:bodyPr>
           <a:p>
-            <a:endParaRPr b="0" lang="en-US" sz="1800" spc="-1" strike="noStrike">
-              <a:solidFill>
-                <a:srgbClr val="000000"/>
-              </a:solidFill>
+            <a:pPr algn="ctr">
+              <a:buNone/>
+            </a:pPr>
+            <a:endParaRPr b="0" lang="en-US" sz="4400" spc="-1" strike="noStrike">
               <a:latin typeface="Arial"/>
             </a:endParaRPr>
           </a:p>
@@ -1422,7 +1543,7 @@
             <a:spLocks noGrp="1"/>
           </p:cNvSpPr>
           <p:nvPr>
-            <p:ph type="body"/>
+            <p:ph/>
           </p:nvPr>
         </p:nvSpPr>
         <p:spPr>
@@ -1433,16 +1554,17 @@
           <a:prstGeom prst="rect">
             <a:avLst/>
           </a:prstGeom>
-        </p:spPr>
-        <p:txBody>
-          <a:bodyPr lIns="0" rIns="0" tIns="0" bIns="0">
+          <a:noFill/>
+          <a:ln w="0">
+            <a:noFill/>
+          </a:ln>
+        </p:spPr>
+        <p:txBody>
+          <a:bodyPr lIns="0" rIns="0" tIns="0" bIns="0" anchor="t">
             <a:normAutofit/>
           </a:bodyPr>
           <a:p>
-            <a:endParaRPr b="0" lang="en-US" sz="2800" spc="-1" strike="noStrike">
-              <a:solidFill>
-                <a:srgbClr val="000000"/>
-              </a:solidFill>
+            <a:endParaRPr b="0" lang="en-US" sz="3200" spc="-1" strike="noStrike">
               <a:latin typeface="Arial"/>
             </a:endParaRPr>
           </a:p>
@@ -1455,7 +1577,7 @@
             <a:spLocks noGrp="1"/>
           </p:cNvSpPr>
           <p:nvPr>
-            <p:ph type="body"/>
+            <p:ph/>
           </p:nvPr>
         </p:nvSpPr>
         <p:spPr>
@@ -1466,16 +1588,17 @@
           <a:prstGeom prst="rect">
             <a:avLst/>
           </a:prstGeom>
-        </p:spPr>
-        <p:txBody>
-          <a:bodyPr lIns="0" rIns="0" tIns="0" bIns="0">
+          <a:noFill/>
+          <a:ln w="0">
+            <a:noFill/>
+          </a:ln>
+        </p:spPr>
+        <p:txBody>
+          <a:bodyPr lIns="0" rIns="0" tIns="0" bIns="0" anchor="t">
             <a:normAutofit/>
           </a:bodyPr>
           <a:p>
-            <a:endParaRPr b="0" lang="en-US" sz="2800" spc="-1" strike="noStrike">
-              <a:solidFill>
-                <a:srgbClr val="000000"/>
-              </a:solidFill>
+            <a:endParaRPr b="0" lang="en-US" sz="3200" spc="-1" strike="noStrike">
               <a:latin typeface="Arial"/>
             </a:endParaRPr>
           </a:p>
@@ -1488,7 +1611,7 @@
             <a:spLocks noGrp="1"/>
           </p:cNvSpPr>
           <p:nvPr>
-            <p:ph type="body"/>
+            <p:ph/>
           </p:nvPr>
         </p:nvSpPr>
         <p:spPr>
@@ -1499,16 +1622,17 @@
           <a:prstGeom prst="rect">
             <a:avLst/>
           </a:prstGeom>
-        </p:spPr>
-        <p:txBody>
-          <a:bodyPr lIns="0" rIns="0" tIns="0" bIns="0">
+          <a:noFill/>
+          <a:ln w="0">
+            <a:noFill/>
+          </a:ln>
+        </p:spPr>
+        <p:txBody>
+          <a:bodyPr lIns="0" rIns="0" tIns="0" bIns="0" anchor="t">
             <a:normAutofit/>
           </a:bodyPr>
           <a:p>
-            <a:endParaRPr b="0" lang="en-US" sz="2800" spc="-1" strike="noStrike">
-              <a:solidFill>
-                <a:srgbClr val="000000"/>
-              </a:solidFill>
+            <a:endParaRPr b="0" lang="en-US" sz="3200" spc="-1" strike="noStrike">
               <a:latin typeface="Arial"/>
             </a:endParaRPr>
           </a:p>
@@ -1554,16 +1678,20 @@
           <a:prstGeom prst="rect">
             <a:avLst/>
           </a:prstGeom>
+          <a:noFill/>
+          <a:ln w="0">
+            <a:noFill/>
+          </a:ln>
         </p:spPr>
         <p:txBody>
           <a:bodyPr lIns="0" rIns="0" tIns="0" bIns="0" anchor="ctr">
             <a:noAutofit/>
           </a:bodyPr>
           <a:p>
-            <a:endParaRPr b="0" lang="en-US" sz="1800" spc="-1" strike="noStrike">
-              <a:solidFill>
-                <a:srgbClr val="000000"/>
-              </a:solidFill>
+            <a:pPr algn="ctr">
+              <a:buNone/>
+            </a:pPr>
+            <a:endParaRPr b="0" lang="en-US" sz="4400" spc="-1" strike="noStrike">
               <a:latin typeface="Arial"/>
             </a:endParaRPr>
           </a:p>
@@ -1576,7 +1704,7 @@
             <a:spLocks noGrp="1"/>
           </p:cNvSpPr>
           <p:nvPr>
-            <p:ph type="body"/>
+            <p:ph/>
           </p:nvPr>
         </p:nvSpPr>
         <p:spPr>
@@ -1587,16 +1715,17 @@
           <a:prstGeom prst="rect">
             <a:avLst/>
           </a:prstGeom>
-        </p:spPr>
-        <p:txBody>
-          <a:bodyPr lIns="0" rIns="0" tIns="0" bIns="0">
+          <a:noFill/>
+          <a:ln w="0">
+            <a:noFill/>
+          </a:ln>
+        </p:spPr>
+        <p:txBody>
+          <a:bodyPr lIns="0" rIns="0" tIns="0" bIns="0" anchor="t">
             <a:normAutofit/>
           </a:bodyPr>
           <a:p>
-            <a:endParaRPr b="0" lang="en-US" sz="2800" spc="-1" strike="noStrike">
-              <a:solidFill>
-                <a:srgbClr val="000000"/>
-              </a:solidFill>
+            <a:endParaRPr b="0" lang="en-US" sz="3200" spc="-1" strike="noStrike">
               <a:latin typeface="Arial"/>
             </a:endParaRPr>
           </a:p>
@@ -1609,7 +1738,7 @@
             <a:spLocks noGrp="1"/>
           </p:cNvSpPr>
           <p:nvPr>
-            <p:ph type="body"/>
+            <p:ph/>
           </p:nvPr>
         </p:nvSpPr>
         <p:spPr>
@@ -1620,16 +1749,17 @@
           <a:prstGeom prst="rect">
             <a:avLst/>
           </a:prstGeom>
-        </p:spPr>
-        <p:txBody>
-          <a:bodyPr lIns="0" rIns="0" tIns="0" bIns="0">
+          <a:noFill/>
+          <a:ln w="0">
+            <a:noFill/>
+          </a:ln>
+        </p:spPr>
+        <p:txBody>
+          <a:bodyPr lIns="0" rIns="0" tIns="0" bIns="0" anchor="t">
             <a:normAutofit/>
           </a:bodyPr>
           <a:p>
-            <a:endParaRPr b="0" lang="en-US" sz="2800" spc="-1" strike="noStrike">
-              <a:solidFill>
-                <a:srgbClr val="000000"/>
-              </a:solidFill>
+            <a:endParaRPr b="0" lang="en-US" sz="3200" spc="-1" strike="noStrike">
               <a:latin typeface="Arial"/>
             </a:endParaRPr>
           </a:p>
@@ -1642,7 +1772,7 @@
             <a:spLocks noGrp="1"/>
           </p:cNvSpPr>
           <p:nvPr>
-            <p:ph type="body"/>
+            <p:ph/>
           </p:nvPr>
         </p:nvSpPr>
         <p:spPr>
@@ -1653,16 +1783,17 @@
           <a:prstGeom prst="rect">
             <a:avLst/>
           </a:prstGeom>
-        </p:spPr>
-        <p:txBody>
-          <a:bodyPr lIns="0" rIns="0" tIns="0" bIns="0">
+          <a:noFill/>
+          <a:ln w="0">
+            <a:noFill/>
+          </a:ln>
+        </p:spPr>
+        <p:txBody>
+          <a:bodyPr lIns="0" rIns="0" tIns="0" bIns="0" anchor="t">
             <a:normAutofit/>
           </a:bodyPr>
           <a:p>
-            <a:endParaRPr b="0" lang="en-US" sz="2800" spc="-1" strike="noStrike">
-              <a:solidFill>
-                <a:srgbClr val="000000"/>
-              </a:solidFill>
+            <a:endParaRPr b="0" lang="en-US" sz="3200" spc="-1" strike="noStrike">
               <a:latin typeface="Arial"/>
             </a:endParaRPr>
           </a:p>
@@ -1708,16 +1839,20 @@
           <a:prstGeom prst="rect">
             <a:avLst/>
           </a:prstGeom>
+          <a:noFill/>
+          <a:ln w="0">
+            <a:noFill/>
+          </a:ln>
         </p:spPr>
         <p:txBody>
           <a:bodyPr lIns="0" rIns="0" tIns="0" bIns="0" anchor="ctr">
             <a:noAutofit/>
           </a:bodyPr>
           <a:p>
-            <a:endParaRPr b="0" lang="en-US" sz="1800" spc="-1" strike="noStrike">
-              <a:solidFill>
-                <a:srgbClr val="000000"/>
-              </a:solidFill>
+            <a:pPr algn="ctr">
+              <a:buNone/>
+            </a:pPr>
+            <a:endParaRPr b="0" lang="en-US" sz="4400" spc="-1" strike="noStrike">
               <a:latin typeface="Arial"/>
             </a:endParaRPr>
           </a:p>
@@ -1730,7 +1865,7 @@
             <a:spLocks noGrp="1"/>
           </p:cNvSpPr>
           <p:nvPr>
-            <p:ph type="body"/>
+            <p:ph/>
           </p:nvPr>
         </p:nvSpPr>
         <p:spPr>
@@ -1741,16 +1876,17 @@
           <a:prstGeom prst="rect">
             <a:avLst/>
           </a:prstGeom>
-        </p:spPr>
-        <p:txBody>
-          <a:bodyPr lIns="0" rIns="0" tIns="0" bIns="0">
+          <a:noFill/>
+          <a:ln w="0">
+            <a:noFill/>
+          </a:ln>
+        </p:spPr>
+        <p:txBody>
+          <a:bodyPr lIns="0" rIns="0" tIns="0" bIns="0" anchor="t">
             <a:normAutofit/>
           </a:bodyPr>
           <a:p>
-            <a:endParaRPr b="0" lang="en-US" sz="2800" spc="-1" strike="noStrike">
-              <a:solidFill>
-                <a:srgbClr val="000000"/>
-              </a:solidFill>
+            <a:endParaRPr b="0" lang="en-US" sz="3200" spc="-1" strike="noStrike">
               <a:latin typeface="Arial"/>
             </a:endParaRPr>
           </a:p>
@@ -1763,7 +1899,7 @@
             <a:spLocks noGrp="1"/>
           </p:cNvSpPr>
           <p:nvPr>
-            <p:ph type="body"/>
+            <p:ph/>
           </p:nvPr>
         </p:nvSpPr>
         <p:spPr>
@@ -1774,16 +1910,17 @@
           <a:prstGeom prst="rect">
             <a:avLst/>
           </a:prstGeom>
-        </p:spPr>
-        <p:txBody>
-          <a:bodyPr lIns="0" rIns="0" tIns="0" bIns="0">
+          <a:noFill/>
+          <a:ln w="0">
+            <a:noFill/>
+          </a:ln>
+        </p:spPr>
+        <p:txBody>
+          <a:bodyPr lIns="0" rIns="0" tIns="0" bIns="0" anchor="t">
             <a:normAutofit/>
           </a:bodyPr>
           <a:p>
-            <a:endParaRPr b="0" lang="en-US" sz="2800" spc="-1" strike="noStrike">
-              <a:solidFill>
-                <a:srgbClr val="000000"/>
-              </a:solidFill>
+            <a:endParaRPr b="0" lang="en-US" sz="3200" spc="-1" strike="noStrike">
               <a:latin typeface="Arial"/>
             </a:endParaRPr>
           </a:p>
@@ -1796,7 +1933,7 @@
             <a:spLocks noGrp="1"/>
           </p:cNvSpPr>
           <p:nvPr>
-            <p:ph type="body"/>
+            <p:ph/>
           </p:nvPr>
         </p:nvSpPr>
         <p:spPr>
@@ -1807,16 +1944,17 @@
           <a:prstGeom prst="rect">
             <a:avLst/>
           </a:prstGeom>
-        </p:spPr>
-        <p:txBody>
-          <a:bodyPr lIns="0" rIns="0" tIns="0" bIns="0">
+          <a:noFill/>
+          <a:ln w="0">
+            <a:noFill/>
+          </a:ln>
+        </p:spPr>
+        <p:txBody>
+          <a:bodyPr lIns="0" rIns="0" tIns="0" bIns="0" anchor="t">
             <a:normAutofit/>
           </a:bodyPr>
           <a:p>
-            <a:endParaRPr b="0" lang="en-US" sz="2800" spc="-1" strike="noStrike">
-              <a:solidFill>
-                <a:srgbClr val="000000"/>
-              </a:solidFill>
+            <a:endParaRPr b="0" lang="en-US" sz="3200" spc="-1" strike="noStrike">
               <a:latin typeface="Arial"/>
             </a:endParaRPr>
           </a:p>
@@ -1897,7 +2035,7 @@
         <p:spPr>
           <a:xfrm>
             <a:off x="-7920" y="601560"/>
-            <a:ext cx="10080360" cy="4250880"/>
+            <a:ext cx="10080000" cy="4250520"/>
           </a:xfrm>
           <a:prstGeom prst="rect">
             <a:avLst/>
@@ -1937,7 +2075,7 @@
         <p:spPr>
           <a:xfrm>
             <a:off x="2039400" y="1411560"/>
-            <a:ext cx="6679080" cy="3023640"/>
+            <a:ext cx="6678720" cy="3023280"/>
           </a:xfrm>
           <a:prstGeom prst="rect">
             <a:avLst/>
@@ -1976,9 +2114,9 @@
         <p:grpSpPr>
           <a:xfrm>
             <a:off x="258120" y="1828800"/>
-            <a:ext cx="1445400" cy="730800"/>
+            <a:ext cx="1445040" cy="730440"/>
             <a:chOff x="258120" y="1828800"/>
-            <a:chExt cx="1445400" cy="730800"/>
+            <a:chExt cx="1445040" cy="730440"/>
           </a:xfrm>
         </p:grpSpPr>
         <p:sp>
@@ -1990,7 +2128,7 @@
           <p:spPr>
             <a:xfrm>
               <a:off x="258120" y="1828800"/>
-              <a:ext cx="1420560" cy="730800"/>
+              <a:ext cx="1420200" cy="730440"/>
             </a:xfrm>
             <a:prstGeom prst="ellipse">
               <a:avLst/>
@@ -1998,7 +2136,7 @@
             <a:solidFill>
               <a:srgbClr val="cccccc"/>
             </a:solidFill>
-            <a:ln>
+            <a:ln w="0">
               <a:noFill/>
             </a:ln>
           </p:spPr>
@@ -2018,13 +2156,13 @@
           <p:spPr>
             <a:xfrm>
               <a:off x="316800" y="2067120"/>
-              <a:ext cx="1386720" cy="315000"/>
+              <a:ext cx="1386360" cy="314640"/>
             </a:xfrm>
             <a:prstGeom prst="rect">
               <a:avLst/>
             </a:prstGeom>
             <a:noFill/>
-            <a:ln>
+            <a:ln w="0">
               <a:noFill/>
             </a:ln>
           </p:spPr>
@@ -2035,7 +2173,7 @@
             <a:fontRef idx="minor"/>
           </p:style>
           <p:txBody>
-            <a:bodyPr lIns="90000" rIns="90000" tIns="45000" bIns="45000">
+            <a:bodyPr lIns="90000" rIns="90000" tIns="45000" bIns="45000" anchor="t">
               <a:noAutofit/>
             </a:bodyPr>
             <a:p>
@@ -2043,6 +2181,7 @@
                 <a:lnSpc>
                   <a:spcPct val="100000"/>
                 </a:lnSpc>
+                <a:buNone/>
               </a:pPr>
               <a:r>
                 <a:rPr b="0" lang="en-US" sz="1400" spc="-1" strike="noStrike">
@@ -2080,9 +2219,9 @@
         <p:grpSpPr>
           <a:xfrm>
             <a:off x="2335680" y="1975680"/>
-            <a:ext cx="1384200" cy="456120"/>
+            <a:ext cx="1383840" cy="455760"/>
             <a:chOff x="2335680" y="1975680"/>
-            <a:chExt cx="1384200" cy="456120"/>
+            <a:chExt cx="1383840" cy="455760"/>
           </a:xfrm>
         </p:grpSpPr>
         <p:sp>
@@ -2094,7 +2233,7 @@
           <p:spPr>
             <a:xfrm>
               <a:off x="2335680" y="1975680"/>
-              <a:ext cx="1384200" cy="456120"/>
+              <a:ext cx="1383840" cy="455760"/>
             </a:xfrm>
             <a:prstGeom prst="rect">
               <a:avLst/>
@@ -2102,7 +2241,7 @@
             <a:solidFill>
               <a:srgbClr val="ff6600"/>
             </a:solidFill>
-            <a:ln>
+            <a:ln w="0">
               <a:noFill/>
             </a:ln>
           </p:spPr>
@@ -2122,13 +2261,13 @@
           <p:spPr>
             <a:xfrm>
               <a:off x="2473920" y="2067120"/>
-              <a:ext cx="1048320" cy="315000"/>
+              <a:ext cx="1047960" cy="314640"/>
             </a:xfrm>
             <a:prstGeom prst="rect">
               <a:avLst/>
             </a:prstGeom>
             <a:noFill/>
-            <a:ln>
+            <a:ln w="0">
               <a:noFill/>
             </a:ln>
           </p:spPr>
@@ -2139,7 +2278,7 @@
             <a:fontRef idx="minor"/>
           </p:style>
           <p:txBody>
-            <a:bodyPr lIns="90000" rIns="90000" tIns="45000" bIns="45000">
+            <a:bodyPr lIns="90000" rIns="90000" tIns="45000" bIns="45000" anchor="t">
               <a:noAutofit/>
             </a:bodyPr>
             <a:p>
@@ -2147,6 +2286,7 @@
                 <a:lnSpc>
                   <a:spcPct val="100000"/>
                 </a:lnSpc>
+                <a:buNone/>
               </a:pPr>
               <a:r>
                 <a:rPr b="0" lang="en-US" sz="1400" spc="-1" strike="noStrike">
@@ -2184,7 +2324,7 @@
         <p:spPr>
           <a:xfrm>
             <a:off x="2464200" y="3520440"/>
-            <a:ext cx="1384200" cy="456120"/>
+            <a:ext cx="1383840" cy="455760"/>
           </a:xfrm>
           <a:prstGeom prst="rect">
             <a:avLst/>
@@ -2192,7 +2332,7 @@
           <a:solidFill>
             <a:srgbClr val="66ff00"/>
           </a:solidFill>
-          <a:ln>
+          <a:ln w="0">
             <a:noFill/>
           </a:ln>
         </p:spPr>
@@ -2212,13 +2352,13 @@
         <p:spPr>
           <a:xfrm>
             <a:off x="2550600" y="3606120"/>
-            <a:ext cx="1232280" cy="320400"/>
-          </a:xfrm>
-          <a:prstGeom prst="rect">
-            <a:avLst/>
-          </a:prstGeom>
-          <a:noFill/>
-          <a:ln>
+            <a:ext cx="1231920" cy="320040"/>
+          </a:xfrm>
+          <a:prstGeom prst="rect">
+            <a:avLst/>
+          </a:prstGeom>
+          <a:noFill/>
+          <a:ln w="0">
             <a:noFill/>
           </a:ln>
         </p:spPr>
@@ -2229,7 +2369,7 @@
           <a:fontRef idx="minor"/>
         </p:style>
         <p:txBody>
-          <a:bodyPr lIns="90000" rIns="90000" tIns="45000" bIns="45000">
+          <a:bodyPr lIns="90000" rIns="90000" tIns="45000" bIns="45000" anchor="t">
             <a:noAutofit/>
           </a:bodyPr>
           <a:p>
@@ -2237,6 +2377,7 @@
               <a:lnSpc>
                 <a:spcPct val="100000"/>
               </a:lnSpc>
+              <a:buNone/>
             </a:pPr>
             <a:r>
               <a:rPr b="0" lang="en-US" sz="1400" spc="-1" strike="noStrike">
@@ -2263,9 +2404,9 @@
         <p:grpSpPr>
           <a:xfrm>
             <a:off x="5819400" y="2688840"/>
-            <a:ext cx="1186560" cy="456120"/>
+            <a:ext cx="1186200" cy="455760"/>
             <a:chOff x="5819400" y="2688840"/>
-            <a:chExt cx="1186560" cy="456120"/>
+            <a:chExt cx="1186200" cy="455760"/>
           </a:xfrm>
         </p:grpSpPr>
         <p:sp>
@@ -2277,7 +2418,7 @@
           <p:spPr>
             <a:xfrm>
               <a:off x="5819400" y="2688840"/>
-              <a:ext cx="1186560" cy="456120"/>
+              <a:ext cx="1186200" cy="455760"/>
             </a:xfrm>
             <a:prstGeom prst="rect">
               <a:avLst/>
@@ -2285,7 +2426,7 @@
             <a:solidFill>
               <a:srgbClr val="ff6600"/>
             </a:solidFill>
-            <a:ln>
+            <a:ln w="0">
               <a:noFill/>
             </a:ln>
           </p:spPr>
@@ -2305,13 +2446,13 @@
           <p:spPr>
             <a:xfrm>
               <a:off x="5957640" y="2780280"/>
-              <a:ext cx="1048320" cy="315000"/>
+              <a:ext cx="1047960" cy="314640"/>
             </a:xfrm>
             <a:prstGeom prst="rect">
               <a:avLst/>
             </a:prstGeom>
             <a:noFill/>
-            <a:ln>
+            <a:ln w="0">
               <a:noFill/>
             </a:ln>
           </p:spPr>
@@ -2322,7 +2463,7 @@
             <a:fontRef idx="minor"/>
           </p:style>
           <p:txBody>
-            <a:bodyPr lIns="90000" rIns="90000" tIns="45000" bIns="45000">
+            <a:bodyPr lIns="90000" rIns="90000" tIns="45000" bIns="45000" anchor="t">
               <a:noAutofit/>
             </a:bodyPr>
             <a:p>
@@ -2330,6 +2471,7 @@
                 <a:lnSpc>
                   <a:spcPct val="100000"/>
                 </a:lnSpc>
+                <a:buNone/>
               </a:pPr>
               <a:r>
                 <a:rPr b="0" lang="en-US" sz="1400" spc="-1" strike="noStrike">
@@ -2357,7 +2499,7 @@
         <p:spPr>
           <a:xfrm>
             <a:off x="7296480" y="2612880"/>
-            <a:ext cx="1204560" cy="586800"/>
+            <a:ext cx="1204200" cy="586440"/>
           </a:xfrm>
           <a:prstGeom prst="ellipse">
             <a:avLst/>
@@ -2365,7 +2507,7 @@
           <a:solidFill>
             <a:srgbClr val="729fcf"/>
           </a:solidFill>
-          <a:ln>
+          <a:ln w="0">
             <a:noFill/>
           </a:ln>
         </p:spPr>
@@ -2385,13 +2527,13 @@
         <p:spPr>
           <a:xfrm>
             <a:off x="4772880" y="1522080"/>
-            <a:ext cx="1497240" cy="419760"/>
-          </a:xfrm>
-          <a:prstGeom prst="rect">
-            <a:avLst/>
-          </a:prstGeom>
-          <a:noFill/>
-          <a:ln>
+            <a:ext cx="1496880" cy="419400"/>
+          </a:xfrm>
+          <a:prstGeom prst="rect">
+            <a:avLst/>
+          </a:prstGeom>
+          <a:noFill/>
+          <a:ln w="0">
             <a:noFill/>
           </a:ln>
         </p:spPr>
@@ -2402,7 +2544,7 @@
           <a:fontRef idx="minor"/>
         </p:style>
         <p:txBody>
-          <a:bodyPr lIns="90000" rIns="90000" tIns="45000" bIns="45000">
+          <a:bodyPr lIns="90000" rIns="90000" tIns="45000" bIns="45000" anchor="t">
             <a:noAutofit/>
           </a:bodyPr>
           <a:p>
@@ -2410,6 +2552,7 @@
               <a:lnSpc>
                 <a:spcPct val="100000"/>
               </a:lnSpc>
+              <a:buNone/>
             </a:pPr>
             <a:r>
               <a:rPr b="0" i="1" lang="en-US" sz="3200" spc="-1" strike="noStrike">
@@ -2436,7 +2579,7 @@
         <p:spPr>
           <a:xfrm>
             <a:off x="4082040" y="2551320"/>
-            <a:ext cx="1462680" cy="730440"/>
+            <a:ext cx="1462320" cy="730080"/>
           </a:xfrm>
           <a:prstGeom prst="ellipse">
             <a:avLst/>
@@ -2444,7 +2587,7 @@
           <a:solidFill>
             <a:srgbClr val="cccccc"/>
           </a:solidFill>
-          <a:ln>
+          <a:ln w="0">
             <a:noFill/>
           </a:ln>
         </p:spPr>
@@ -2464,13 +2607,13 @@
         <p:spPr>
           <a:xfrm>
             <a:off x="4101480" y="2632680"/>
-            <a:ext cx="1465200" cy="315000"/>
-          </a:xfrm>
-          <a:prstGeom prst="rect">
-            <a:avLst/>
-          </a:prstGeom>
-          <a:noFill/>
-          <a:ln>
+            <a:ext cx="1464840" cy="314640"/>
+          </a:xfrm>
+          <a:prstGeom prst="rect">
+            <a:avLst/>
+          </a:prstGeom>
+          <a:noFill/>
+          <a:ln w="0">
             <a:noFill/>
           </a:ln>
         </p:spPr>
@@ -2481,7 +2624,7 @@
           <a:fontRef idx="minor"/>
         </p:style>
         <p:txBody>
-          <a:bodyPr lIns="90000" rIns="90000" tIns="45000" bIns="45000">
+          <a:bodyPr lIns="90000" rIns="90000" tIns="45000" bIns="45000" anchor="t">
             <a:noAutofit/>
           </a:bodyPr>
           <a:p>
@@ -2489,6 +2632,7 @@
               <a:lnSpc>
                 <a:spcPct val="100000"/>
               </a:lnSpc>
+              <a:buNone/>
             </a:pPr>
             <a:r>
               <a:rPr b="0" lang="en-US" sz="1400" spc="-1" strike="noStrike">
@@ -2509,6 +2653,7 @@
               <a:lnSpc>
                 <a:spcPct val="100000"/>
               </a:lnSpc>
+              <a:buNone/>
             </a:pPr>
             <a:r>
               <a:rPr b="0" lang="en-US" sz="1500" spc="-1" strike="noStrike">
@@ -2535,7 +2680,7 @@
         <p:spPr>
           <a:xfrm>
             <a:off x="58320" y="3204000"/>
-            <a:ext cx="1736640" cy="1096560"/>
+            <a:ext cx="1736280" cy="1096200"/>
           </a:xfrm>
           <a:prstGeom prst="ellipse">
             <a:avLst/>
@@ -2543,7 +2688,7 @@
           <a:solidFill>
             <a:srgbClr val="cccccc"/>
           </a:solidFill>
-          <a:ln>
+          <a:ln w="0">
             <a:noFill/>
           </a:ln>
         </p:spPr>
@@ -2563,13 +2708,13 @@
         <p:spPr>
           <a:xfrm>
             <a:off x="482040" y="3268080"/>
-            <a:ext cx="924840" cy="315000"/>
-          </a:xfrm>
-          <a:prstGeom prst="rect">
-            <a:avLst/>
-          </a:prstGeom>
-          <a:noFill/>
-          <a:ln>
+            <a:ext cx="924480" cy="314640"/>
+          </a:xfrm>
+          <a:prstGeom prst="rect">
+            <a:avLst/>
+          </a:prstGeom>
+          <a:noFill/>
+          <a:ln w="0">
             <a:noFill/>
           </a:ln>
         </p:spPr>
@@ -2580,7 +2725,7 @@
           <a:fontRef idx="minor"/>
         </p:style>
         <p:txBody>
-          <a:bodyPr lIns="90000" rIns="90000" tIns="45000" bIns="45000">
+          <a:bodyPr lIns="90000" rIns="90000" tIns="45000" bIns="45000" anchor="t">
             <a:noAutofit/>
           </a:bodyPr>
           <a:p>
@@ -2588,6 +2733,7 @@
               <a:lnSpc>
                 <a:spcPct val="100000"/>
               </a:lnSpc>
+              <a:buNone/>
             </a:pPr>
             <a:r>
               <a:rPr b="0" lang="en-US" sz="1400" spc="-1" strike="noStrike">
@@ -2614,7 +2760,7 @@
         <p:spPr>
           <a:xfrm>
             <a:off x="510840" y="3830760"/>
-            <a:ext cx="785160" cy="420480"/>
+            <a:ext cx="784800" cy="420120"/>
           </a:xfrm>
           <a:prstGeom prst="ellipse">
             <a:avLst/>
@@ -2622,7 +2768,7 @@
           <a:solidFill>
             <a:srgbClr val="729fcf"/>
           </a:solidFill>
-          <a:ln>
+          <a:ln w="0">
             <a:noFill/>
           </a:ln>
         </p:spPr>
@@ -2642,13 +2788,13 @@
         <p:spPr>
           <a:xfrm>
             <a:off x="650160" y="3887640"/>
-            <a:ext cx="528480" cy="290520"/>
-          </a:xfrm>
-          <a:prstGeom prst="rect">
-            <a:avLst/>
-          </a:prstGeom>
-          <a:noFill/>
-          <a:ln>
+            <a:ext cx="528120" cy="290160"/>
+          </a:xfrm>
+          <a:prstGeom prst="rect">
+            <a:avLst/>
+          </a:prstGeom>
+          <a:noFill/>
+          <a:ln w="0">
             <a:noFill/>
           </a:ln>
         </p:spPr>
@@ -2659,7 +2805,7 @@
           <a:fontRef idx="minor"/>
         </p:style>
         <p:txBody>
-          <a:bodyPr lIns="90000" rIns="90000" tIns="45000" bIns="45000">
+          <a:bodyPr lIns="90000" rIns="90000" tIns="45000" bIns="45000" anchor="t">
             <a:noAutofit/>
           </a:bodyPr>
           <a:p>
@@ -2667,6 +2813,7 @@
               <a:lnSpc>
                 <a:spcPct val="100000"/>
               </a:lnSpc>
+              <a:buNone/>
             </a:pPr>
             <a:r>
               <a:rPr b="0" lang="en-US" sz="1400" spc="-1" strike="noStrike">
@@ -2693,7 +2840,7 @@
         <p:spPr>
           <a:xfrm>
             <a:off x="5545440" y="2916720"/>
-            <a:ext cx="273600" cy="360"/>
+            <a:ext cx="273240" cy="360"/>
           </a:xfrm>
           <a:custGeom>
             <a:avLst/>
@@ -2712,8 +2859,8 @@
             </a:pathLst>
           </a:custGeom>
           <a:noFill/>
-          <a:ln>
-            <a:tailEnd len="med" type="triangle" w="med"/>
+          <a:ln w="0">
+            <a:noFill/>
           </a:ln>
         </p:spPr>
         <p:style>
@@ -2732,7 +2879,7 @@
         <p:spPr>
           <a:xfrm flipV="1">
             <a:off x="7015320" y="2904120"/>
-            <a:ext cx="275400" cy="3240"/>
+            <a:ext cx="275040" cy="2880"/>
           </a:xfrm>
           <a:custGeom>
             <a:avLst/>
@@ -2751,8 +2898,8 @@
             </a:pathLst>
           </a:custGeom>
           <a:noFill/>
-          <a:ln>
-            <a:tailEnd len="med" type="triangle" w="med"/>
+          <a:ln w="0">
+            <a:noFill/>
           </a:ln>
         </p:spPr>
         <p:style>
@@ -2770,8 +2917,8 @@
         </p:nvSpPr>
         <p:spPr>
           <a:xfrm>
-            <a:off x="9024840" y="2679120"/>
-            <a:ext cx="987120" cy="456120"/>
+            <a:off x="8916840" y="2679120"/>
+            <a:ext cx="986760" cy="455760"/>
           </a:xfrm>
           <a:prstGeom prst="rect">
             <a:avLst/>
@@ -2779,7 +2926,7 @@
           <a:solidFill>
             <a:srgbClr val="729fcf"/>
           </a:solidFill>
-          <a:ln>
+          <a:ln w="0">
             <a:noFill/>
           </a:ln>
         </p:spPr>
@@ -2798,14 +2945,14 @@
         </p:nvSpPr>
         <p:spPr>
           <a:xfrm>
-            <a:off x="9098280" y="2742120"/>
-            <a:ext cx="840240" cy="315000"/>
-          </a:xfrm>
-          <a:prstGeom prst="rect">
-            <a:avLst/>
-          </a:prstGeom>
-          <a:noFill/>
-          <a:ln>
+            <a:off x="9026280" y="2742120"/>
+            <a:ext cx="839880" cy="314640"/>
+          </a:xfrm>
+          <a:prstGeom prst="rect">
+            <a:avLst/>
+          </a:prstGeom>
+          <a:noFill/>
+          <a:ln w="0">
             <a:noFill/>
           </a:ln>
         </p:spPr>
@@ -2816,7 +2963,7 @@
           <a:fontRef idx="minor"/>
         </p:style>
         <p:txBody>
-          <a:bodyPr lIns="90000" rIns="90000" tIns="45000" bIns="45000">
+          <a:bodyPr lIns="90000" rIns="90000" tIns="45000" bIns="45000" anchor="t">
             <a:noAutofit/>
           </a:bodyPr>
           <a:p>
@@ -2824,6 +2971,7 @@
               <a:lnSpc>
                 <a:spcPct val="100000"/>
               </a:lnSpc>
+              <a:buNone/>
             </a:pPr>
             <a:r>
               <a:rPr b="0" lang="en-US" sz="1400" spc="-1" strike="noStrike">
@@ -2859,8 +3007,8 @@
         </p:nvSpPr>
         <p:spPr>
           <a:xfrm flipV="1" rot="16200000">
-            <a:off x="4813920" y="2140920"/>
-            <a:ext cx="12240" cy="1034280"/>
+            <a:off x="4814280" y="2140200"/>
+            <a:ext cx="11880" cy="1033920"/>
           </a:xfrm>
           <a:prstGeom prst="curvedConnector3">
             <a:avLst>
@@ -2870,7 +3018,7 @@
           <a:noFill/>
           <a:ln>
             <a:solidFill>
-              <a:schemeClr val="tx1"/>
+              <a:srgbClr val="000000"/>
             </a:solidFill>
             <a:tailEnd len="med" type="triangle" w="med"/>
           </a:ln>
@@ -2890,88 +3038,14 @@
       </p:sp>
       <p:sp>
         <p:nvSpPr>
-          <p:cNvPr id="68" name="CustomShape 27"/>
+          <p:cNvPr id="68" name="CustomShape 29"/>
           <p:cNvSpPr/>
           <p:nvPr/>
         </p:nvSpPr>
         <p:spPr>
-          <a:xfrm flipV="1" rot="16200000">
-            <a:off x="969120" y="1433520"/>
-            <a:ext cx="12240" cy="1004400"/>
-          </a:xfrm>
-          <a:prstGeom prst="curvedConnector3">
-            <a:avLst>
-              <a:gd name="adj1" fmla="val 3652465"/>
-            </a:avLst>
-          </a:prstGeom>
-          <a:noFill/>
-          <a:ln>
-            <a:solidFill>
-              <a:schemeClr val="tx1"/>
-            </a:solidFill>
-            <a:tailEnd len="med" type="triangle" w="med"/>
-          </a:ln>
-        </p:spPr>
-        <p:style>
-          <a:lnRef idx="1">
-            <a:schemeClr val="accent1"/>
-          </a:lnRef>
-          <a:fillRef idx="0">
-            <a:schemeClr val="accent1"/>
-          </a:fillRef>
-          <a:effectRef idx="0">
-            <a:schemeClr val="accent1"/>
-          </a:effectRef>
-          <a:fontRef idx="minor"/>
-        </p:style>
-      </p:sp>
-      <p:sp>
-        <p:nvSpPr>
-          <p:cNvPr id="69" name="CustomShape 28"/>
-          <p:cNvSpPr/>
-          <p:nvPr/>
-        </p:nvSpPr>
-        <p:spPr>
-          <a:xfrm flipV="1" rot="16200000">
-            <a:off x="903960" y="3614400"/>
-            <a:ext cx="12240" cy="555120"/>
-          </a:xfrm>
-          <a:prstGeom prst="curvedConnector3">
-            <a:avLst>
-              <a:gd name="adj1" fmla="val 2285283"/>
-            </a:avLst>
-          </a:prstGeom>
-          <a:noFill/>
-          <a:ln>
-            <a:solidFill>
-              <a:schemeClr val="tx1"/>
-            </a:solidFill>
-            <a:tailEnd len="med" type="triangle" w="med"/>
-          </a:ln>
-        </p:spPr>
-        <p:style>
-          <a:lnRef idx="1">
-            <a:schemeClr val="accent1"/>
-          </a:lnRef>
-          <a:fillRef idx="0">
-            <a:schemeClr val="accent1"/>
-          </a:fillRef>
-          <a:effectRef idx="0">
-            <a:schemeClr val="accent1"/>
-          </a:effectRef>
-          <a:fontRef idx="minor"/>
-        </p:style>
-      </p:sp>
-      <p:sp>
-        <p:nvSpPr>
-          <p:cNvPr id="70" name="CustomShape 29"/>
-          <p:cNvSpPr/>
-          <p:nvPr/>
-        </p:nvSpPr>
-        <p:spPr>
           <a:xfrm>
             <a:off x="8501400" y="2906640"/>
-            <a:ext cx="523080" cy="720"/>
+            <a:ext cx="414000" cy="360"/>
           </a:xfrm>
           <a:custGeom>
             <a:avLst/>
@@ -2992,7 +3066,7 @@
           <a:noFill/>
           <a:ln>
             <a:solidFill>
-              <a:schemeClr val="tx1"/>
+              <a:srgbClr val="000000"/>
             </a:solidFill>
             <a:tailEnd len="med" type="triangle" w="med"/>
           </a:ln>
@@ -3012,14 +3086,14 @@
       </p:sp>
       <p:sp>
         <p:nvSpPr>
-          <p:cNvPr id="71" name="CustomShape 30"/>
+          <p:cNvPr id="69" name="CustomShape 30"/>
           <p:cNvSpPr/>
           <p:nvPr/>
         </p:nvSpPr>
         <p:spPr>
           <a:xfrm>
             <a:off x="1679040" y="2194560"/>
-            <a:ext cx="656280" cy="9360"/>
+            <a:ext cx="655920" cy="9000"/>
           </a:xfrm>
           <a:custGeom>
             <a:avLst/>
@@ -3040,7 +3114,7 @@
           <a:noFill/>
           <a:ln>
             <a:solidFill>
-              <a:schemeClr val="tx1"/>
+              <a:srgbClr val="000000"/>
             </a:solidFill>
             <a:tailEnd len="med" type="triangle" w="med"/>
           </a:ln>
@@ -3060,14 +3134,14 @@
       </p:sp>
       <p:sp>
         <p:nvSpPr>
-          <p:cNvPr id="72" name="CustomShape 31"/>
+          <p:cNvPr id="70" name="CustomShape 31"/>
           <p:cNvSpPr/>
           <p:nvPr/>
         </p:nvSpPr>
         <p:spPr>
           <a:xfrm flipV="1">
-            <a:off x="1795320" y="3748680"/>
-            <a:ext cx="668520" cy="3600"/>
+            <a:off x="1795320" y="3747960"/>
+            <a:ext cx="668160" cy="3240"/>
           </a:xfrm>
           <a:custGeom>
             <a:avLst/>
@@ -3088,7 +3162,7 @@
           <a:noFill/>
           <a:ln>
             <a:solidFill>
-              <a:schemeClr val="tx1"/>
+              <a:srgbClr val="000000"/>
             </a:solidFill>
             <a:tailEnd len="med" type="triangle" w="med"/>
           </a:ln>
@@ -3108,14 +3182,14 @@
       </p:sp>
       <p:sp>
         <p:nvSpPr>
-          <p:cNvPr id="73" name="CustomShape 32"/>
+          <p:cNvPr id="71" name="CustomShape 32"/>
           <p:cNvSpPr/>
           <p:nvPr/>
         </p:nvSpPr>
         <p:spPr>
           <a:xfrm>
             <a:off x="3720240" y="2203920"/>
-            <a:ext cx="381240" cy="586080"/>
+            <a:ext cx="380880" cy="585720"/>
           </a:xfrm>
           <a:custGeom>
             <a:avLst/>
@@ -3136,7 +3210,7 @@
           <a:noFill/>
           <a:ln>
             <a:solidFill>
-              <a:schemeClr val="tx1"/>
+              <a:srgbClr val="000000"/>
             </a:solidFill>
             <a:tailEnd len="med" type="triangle" w="med"/>
           </a:ln>
@@ -3156,14 +3230,14 @@
       </p:sp>
       <p:sp>
         <p:nvSpPr>
-          <p:cNvPr id="74" name="CustomShape 33"/>
+          <p:cNvPr id="72" name="CustomShape 33"/>
           <p:cNvSpPr/>
           <p:nvPr/>
         </p:nvSpPr>
         <p:spPr>
           <a:xfrm flipV="1">
-            <a:off x="3848760" y="3175200"/>
-            <a:ext cx="447120" cy="573120"/>
+            <a:off x="3848760" y="3174480"/>
+            <a:ext cx="446760" cy="572760"/>
           </a:xfrm>
           <a:custGeom>
             <a:avLst/>
@@ -3184,7 +3258,7 @@
           <a:noFill/>
           <a:ln>
             <a:solidFill>
-              <a:schemeClr val="tx1"/>
+              <a:srgbClr val="000000"/>
             </a:solidFill>
             <a:tailEnd len="med" type="triangle" w="med"/>
           </a:ln>
@@ -3204,20 +3278,20 @@
       </p:sp>
       <p:sp>
         <p:nvSpPr>
-          <p:cNvPr id="75" name="CustomShape 34"/>
+          <p:cNvPr id="73" name="CustomShape 34"/>
           <p:cNvSpPr/>
           <p:nvPr/>
         </p:nvSpPr>
         <p:spPr>
           <a:xfrm>
             <a:off x="7626600" y="2778840"/>
-            <a:ext cx="625680" cy="289080"/>
-          </a:xfrm>
-          <a:prstGeom prst="rect">
-            <a:avLst/>
-          </a:prstGeom>
-          <a:noFill/>
-          <a:ln>
+            <a:ext cx="625320" cy="288720"/>
+          </a:xfrm>
+          <a:prstGeom prst="rect">
+            <a:avLst/>
+          </a:prstGeom>
+          <a:noFill/>
+          <a:ln w="0">
             <a:noFill/>
           </a:ln>
         </p:spPr>
@@ -3228,7 +3302,7 @@
           <a:fontRef idx="minor"/>
         </p:style>
         <p:txBody>
-          <a:bodyPr lIns="90000" rIns="90000" tIns="45000" bIns="45000">
+          <a:bodyPr lIns="90000" rIns="90000" tIns="45000" bIns="45000" anchor="t">
             <a:noAutofit/>
           </a:bodyPr>
           <a:p>
@@ -3236,6 +3310,7 @@
               <a:lnSpc>
                 <a:spcPct val="100000"/>
               </a:lnSpc>
+              <a:buNone/>
             </a:pPr>
             <a:r>
               <a:rPr b="0" lang="en-US" sz="1400" spc="-1" strike="noStrike">
@@ -3255,20 +3330,20 @@
       </p:sp>
       <p:sp>
         <p:nvSpPr>
-          <p:cNvPr id="76" name="CustomShape 35"/>
+          <p:cNvPr id="74" name="CustomShape 35"/>
           <p:cNvSpPr/>
           <p:nvPr/>
         </p:nvSpPr>
         <p:spPr>
           <a:xfrm>
             <a:off x="4052880" y="727920"/>
-            <a:ext cx="2340000" cy="419760"/>
-          </a:xfrm>
-          <a:prstGeom prst="rect">
-            <a:avLst/>
-          </a:prstGeom>
-          <a:noFill/>
-          <a:ln>
+            <a:ext cx="2339640" cy="419400"/>
+          </a:xfrm>
+          <a:prstGeom prst="rect">
+            <a:avLst/>
+          </a:prstGeom>
+          <a:noFill/>
+          <a:ln w="0">
             <a:noFill/>
           </a:ln>
         </p:spPr>
@@ -3279,7 +3354,7 @@
           <a:fontRef idx="minor"/>
         </p:style>
         <p:txBody>
-          <a:bodyPr lIns="90000" rIns="90000" tIns="45000" bIns="45000">
+          <a:bodyPr lIns="90000" rIns="90000" tIns="45000" bIns="45000" anchor="t">
             <a:noAutofit/>
           </a:bodyPr>
           <a:p>
@@ -3287,6 +3362,7 @@
               <a:lnSpc>
                 <a:spcPct val="100000"/>
               </a:lnSpc>
+              <a:buNone/>
             </a:pPr>
             <a:r>
               <a:rPr b="0" lang="en-US" sz="3200" spc="-1" strike="noStrike">

--- a/media/dataflow.pptx
+++ b/media/dataflow.pptx
@@ -292,7 +292,7 @@
             <a:pPr algn="r">
               <a:buNone/>
             </a:pPr>
-            <a:fld id="{C5CCA3BB-5FB6-4DA9-9209-363FCC6ACC8A}" type="slidenum">
+            <a:fld id="{1FDA7800-F910-4CF9-8090-A097BF27CBA1}" type="slidenum">
               <a:rPr b="0" lang="en-US" sz="1400" spc="-1" strike="noStrike">
                 <a:latin typeface="Times New Roman"/>
               </a:rPr>
@@ -340,7 +340,7 @@
         <p:spPr>
           <a:xfrm>
             <a:off x="1623960" y="1257480"/>
-            <a:ext cx="4523760" cy="3393360"/>
+            <a:ext cx="4523400" cy="3393000"/>
           </a:xfrm>
           <a:prstGeom prst="rect">
             <a:avLst/>
@@ -363,7 +363,7 @@
         <p:spPr>
           <a:xfrm>
             <a:off x="777960" y="4840200"/>
-            <a:ext cx="6215760" cy="3960000"/>
+            <a:ext cx="6215400" cy="3959640"/>
           </a:xfrm>
           <a:prstGeom prst="rect">
             <a:avLst/>
@@ -393,7 +393,7 @@
         <p:spPr>
           <a:xfrm>
             <a:off x="4402080" y="9553680"/>
-            <a:ext cx="3367800" cy="504000"/>
+            <a:ext cx="3367440" cy="503640"/>
           </a:xfrm>
           <a:prstGeom prst="rect">
             <a:avLst/>
@@ -420,7 +420,7 @@
               </a:lnSpc>
               <a:buNone/>
             </a:pPr>
-            <a:fld id="{DEC7834F-C71D-477A-8CC1-435E2CBD256B}" type="slidenum">
+            <a:fld id="{81FECB86-C524-470C-BD7A-E5411D2D383F}" type="slidenum">
               <a:rPr b="0" lang="en-US" sz="1200" spc="-1" strike="noStrike">
                 <a:solidFill>
                   <a:srgbClr val="000000"/>
@@ -2035,7 +2035,7 @@
         <p:spPr>
           <a:xfrm>
             <a:off x="-7920" y="601560"/>
-            <a:ext cx="10080000" cy="4250520"/>
+            <a:ext cx="10079640" cy="4250160"/>
           </a:xfrm>
           <a:prstGeom prst="rect">
             <a:avLst/>
@@ -2075,7 +2075,7 @@
         <p:spPr>
           <a:xfrm>
             <a:off x="2039400" y="1411560"/>
-            <a:ext cx="6678720" cy="3023280"/>
+            <a:ext cx="6678360" cy="3022920"/>
           </a:xfrm>
           <a:prstGeom prst="rect">
             <a:avLst/>
@@ -2114,9 +2114,9 @@
         <p:grpSpPr>
           <a:xfrm>
             <a:off x="258120" y="1828800"/>
-            <a:ext cx="1445040" cy="730440"/>
+            <a:ext cx="1444680" cy="730080"/>
             <a:chOff x="258120" y="1828800"/>
-            <a:chExt cx="1445040" cy="730440"/>
+            <a:chExt cx="1444680" cy="730080"/>
           </a:xfrm>
         </p:grpSpPr>
         <p:sp>
@@ -2128,7 +2128,7 @@
           <p:spPr>
             <a:xfrm>
               <a:off x="258120" y="1828800"/>
-              <a:ext cx="1420200" cy="730440"/>
+              <a:ext cx="1419840" cy="730080"/>
             </a:xfrm>
             <a:prstGeom prst="ellipse">
               <a:avLst/>
@@ -2156,7 +2156,7 @@
           <p:spPr>
             <a:xfrm>
               <a:off x="316800" y="2067120"/>
-              <a:ext cx="1386360" cy="314640"/>
+              <a:ext cx="1386000" cy="314280"/>
             </a:xfrm>
             <a:prstGeom prst="rect">
               <a:avLst/>
@@ -2219,9 +2219,9 @@
         <p:grpSpPr>
           <a:xfrm>
             <a:off x="2335680" y="1975680"/>
-            <a:ext cx="1383840" cy="455760"/>
+            <a:ext cx="1383480" cy="455400"/>
             <a:chOff x="2335680" y="1975680"/>
-            <a:chExt cx="1383840" cy="455760"/>
+            <a:chExt cx="1383480" cy="455400"/>
           </a:xfrm>
         </p:grpSpPr>
         <p:sp>
@@ -2233,7 +2233,7 @@
           <p:spPr>
             <a:xfrm>
               <a:off x="2335680" y="1975680"/>
-              <a:ext cx="1383840" cy="455760"/>
+              <a:ext cx="1383480" cy="455400"/>
             </a:xfrm>
             <a:prstGeom prst="rect">
               <a:avLst/>
@@ -2261,7 +2261,7 @@
           <p:spPr>
             <a:xfrm>
               <a:off x="2473920" y="2067120"/>
-              <a:ext cx="1047960" cy="314640"/>
+              <a:ext cx="1047600" cy="314280"/>
             </a:xfrm>
             <a:prstGeom prst="rect">
               <a:avLst/>
@@ -2324,7 +2324,7 @@
         <p:spPr>
           <a:xfrm>
             <a:off x="2464200" y="3520440"/>
-            <a:ext cx="1383840" cy="455760"/>
+            <a:ext cx="1383480" cy="455400"/>
           </a:xfrm>
           <a:prstGeom prst="rect">
             <a:avLst/>
@@ -2352,7 +2352,7 @@
         <p:spPr>
           <a:xfrm>
             <a:off x="2550600" y="3606120"/>
-            <a:ext cx="1231920" cy="320040"/>
+            <a:ext cx="1231560" cy="319680"/>
           </a:xfrm>
           <a:prstGeom prst="rect">
             <a:avLst/>
@@ -2404,9 +2404,9 @@
         <p:grpSpPr>
           <a:xfrm>
             <a:off x="5819400" y="2688840"/>
-            <a:ext cx="1186200" cy="455760"/>
+            <a:ext cx="1185840" cy="455400"/>
             <a:chOff x="5819400" y="2688840"/>
-            <a:chExt cx="1186200" cy="455760"/>
+            <a:chExt cx="1185840" cy="455400"/>
           </a:xfrm>
         </p:grpSpPr>
         <p:sp>
@@ -2418,7 +2418,7 @@
           <p:spPr>
             <a:xfrm>
               <a:off x="5819400" y="2688840"/>
-              <a:ext cx="1186200" cy="455760"/>
+              <a:ext cx="1185840" cy="455400"/>
             </a:xfrm>
             <a:prstGeom prst="rect">
               <a:avLst/>
@@ -2446,7 +2446,7 @@
           <p:spPr>
             <a:xfrm>
               <a:off x="5957640" y="2780280"/>
-              <a:ext cx="1047960" cy="314640"/>
+              <a:ext cx="1047600" cy="314280"/>
             </a:xfrm>
             <a:prstGeom prst="rect">
               <a:avLst/>
@@ -2499,7 +2499,7 @@
         <p:spPr>
           <a:xfrm>
             <a:off x="7296480" y="2612880"/>
-            <a:ext cx="1204200" cy="586440"/>
+            <a:ext cx="1203840" cy="586080"/>
           </a:xfrm>
           <a:prstGeom prst="ellipse">
             <a:avLst/>
@@ -2527,7 +2527,7 @@
         <p:spPr>
           <a:xfrm>
             <a:off x="4772880" y="1522080"/>
-            <a:ext cx="1496880" cy="419400"/>
+            <a:ext cx="1496520" cy="419040"/>
           </a:xfrm>
           <a:prstGeom prst="rect">
             <a:avLst/>
@@ -2579,7 +2579,7 @@
         <p:spPr>
           <a:xfrm>
             <a:off x="4082040" y="2551320"/>
-            <a:ext cx="1462320" cy="730080"/>
+            <a:ext cx="1461960" cy="729720"/>
           </a:xfrm>
           <a:prstGeom prst="ellipse">
             <a:avLst/>
@@ -2607,7 +2607,7 @@
         <p:spPr>
           <a:xfrm>
             <a:off x="4101480" y="2632680"/>
-            <a:ext cx="1464840" cy="314640"/>
+            <a:ext cx="1464480" cy="314280"/>
           </a:xfrm>
           <a:prstGeom prst="rect">
             <a:avLst/>
@@ -2680,7 +2680,7 @@
         <p:spPr>
           <a:xfrm>
             <a:off x="58320" y="3204000"/>
-            <a:ext cx="1736280" cy="1096200"/>
+            <a:ext cx="1735920" cy="1095840"/>
           </a:xfrm>
           <a:prstGeom prst="ellipse">
             <a:avLst/>
@@ -2708,7 +2708,7 @@
         <p:spPr>
           <a:xfrm>
             <a:off x="482040" y="3268080"/>
-            <a:ext cx="924480" cy="314640"/>
+            <a:ext cx="924120" cy="314280"/>
           </a:xfrm>
           <a:prstGeom prst="rect">
             <a:avLst/>
@@ -2759,8 +2759,8 @@
         </p:nvSpPr>
         <p:spPr>
           <a:xfrm>
-            <a:off x="510840" y="3830760"/>
-            <a:ext cx="784800" cy="420120"/>
+            <a:off x="510840" y="3614760"/>
+            <a:ext cx="784440" cy="419760"/>
           </a:xfrm>
           <a:prstGeom prst="ellipse">
             <a:avLst/>
@@ -2787,8 +2787,8 @@
         </p:nvSpPr>
         <p:spPr>
           <a:xfrm>
-            <a:off x="650160" y="3887640"/>
-            <a:ext cx="528120" cy="290160"/>
+            <a:off x="650160" y="3671640"/>
+            <a:ext cx="527760" cy="289800"/>
           </a:xfrm>
           <a:prstGeom prst="rect">
             <a:avLst/>
@@ -2840,7 +2840,7 @@
         <p:spPr>
           <a:xfrm>
             <a:off x="5545440" y="2916720"/>
-            <a:ext cx="273240" cy="360"/>
+            <a:ext cx="272880" cy="360"/>
           </a:xfrm>
           <a:custGeom>
             <a:avLst/>
@@ -2878,8 +2878,8 @@
         </p:nvSpPr>
         <p:spPr>
           <a:xfrm flipV="1">
-            <a:off x="7015320" y="2904120"/>
-            <a:ext cx="275040" cy="2880"/>
+            <a:off x="7015320" y="2903400"/>
+            <a:ext cx="274680" cy="2520"/>
           </a:xfrm>
           <a:custGeom>
             <a:avLst/>
@@ -2918,7 +2918,7 @@
         <p:spPr>
           <a:xfrm>
             <a:off x="8916840" y="2679120"/>
-            <a:ext cx="986760" cy="455760"/>
+            <a:ext cx="986400" cy="455400"/>
           </a:xfrm>
           <a:prstGeom prst="rect">
             <a:avLst/>
@@ -2946,7 +2946,7 @@
         <p:spPr>
           <a:xfrm>
             <a:off x="9026280" y="2742120"/>
-            <a:ext cx="839880" cy="314640"/>
+            <a:ext cx="839520" cy="314280"/>
           </a:xfrm>
           <a:prstGeom prst="rect">
             <a:avLst/>
@@ -3007,8 +3007,8 @@
         </p:nvSpPr>
         <p:spPr>
           <a:xfrm flipV="1" rot="16200000">
-            <a:off x="4814280" y="2140200"/>
-            <a:ext cx="11880" cy="1033920"/>
+            <a:off x="4814640" y="2140200"/>
+            <a:ext cx="11520" cy="1033560"/>
           </a:xfrm>
           <a:prstGeom prst="curvedConnector3">
             <a:avLst>
@@ -3045,7 +3045,7 @@
         <p:spPr>
           <a:xfrm>
             <a:off x="8501400" y="2906640"/>
-            <a:ext cx="414000" cy="360"/>
+            <a:ext cx="413640" cy="360"/>
           </a:xfrm>
           <a:custGeom>
             <a:avLst/>
@@ -3093,7 +3093,7 @@
         <p:spPr>
           <a:xfrm>
             <a:off x="1679040" y="2194560"/>
-            <a:ext cx="655920" cy="9000"/>
+            <a:ext cx="655560" cy="8640"/>
           </a:xfrm>
           <a:custGeom>
             <a:avLst/>
@@ -3141,7 +3141,7 @@
         <p:spPr>
           <a:xfrm flipV="1">
             <a:off x="1795320" y="3747960"/>
-            <a:ext cx="668160" cy="3240"/>
+            <a:ext cx="667800" cy="2880"/>
           </a:xfrm>
           <a:custGeom>
             <a:avLst/>
@@ -3189,7 +3189,7 @@
         <p:spPr>
           <a:xfrm>
             <a:off x="3720240" y="2203920"/>
-            <a:ext cx="380880" cy="585720"/>
+            <a:ext cx="380520" cy="585360"/>
           </a:xfrm>
           <a:custGeom>
             <a:avLst/>
@@ -3237,7 +3237,7 @@
         <p:spPr>
           <a:xfrm flipV="1">
             <a:off x="3848760" y="3174480"/>
-            <a:ext cx="446760" cy="572760"/>
+            <a:ext cx="446400" cy="572400"/>
           </a:xfrm>
           <a:custGeom>
             <a:avLst/>
@@ -3285,7 +3285,7 @@
         <p:spPr>
           <a:xfrm>
             <a:off x="7626600" y="2778840"/>
-            <a:ext cx="625320" cy="288720"/>
+            <a:ext cx="624960" cy="288360"/>
           </a:xfrm>
           <a:prstGeom prst="rect">
             <a:avLst/>
@@ -3337,7 +3337,7 @@
         <p:spPr>
           <a:xfrm>
             <a:off x="4052880" y="727920"/>
-            <a:ext cx="2339640" cy="419400"/>
+            <a:ext cx="2339280" cy="419040"/>
           </a:xfrm>
           <a:prstGeom prst="rect">
             <a:avLst/>

--- a/media/dataflow.pptx
+++ b/media/dataflow.pptx
@@ -292,7 +292,7 @@
             <a:pPr algn="r">
               <a:buNone/>
             </a:pPr>
-            <a:fld id="{1FDA7800-F910-4CF9-8090-A097BF27CBA1}" type="slidenum">
+            <a:fld id="{4F255C6F-1C05-4E26-BFCF-FB552CE8461C}" type="slidenum">
               <a:rPr b="0" lang="en-US" sz="1400" spc="-1" strike="noStrike">
                 <a:latin typeface="Times New Roman"/>
               </a:rPr>
@@ -329,7 +329,7 @@
       </p:grpSpPr>
       <p:sp>
         <p:nvSpPr>
-          <p:cNvPr id="75" name="PlaceHolder 1"/>
+          <p:cNvPr id="77" name="PlaceHolder 1"/>
           <p:cNvSpPr>
             <a:spLocks noGrp="1"/>
           </p:cNvSpPr>
@@ -340,19 +340,19 @@
         <p:spPr>
           <a:xfrm>
             <a:off x="1623960" y="1257480"/>
-            <a:ext cx="4523400" cy="3393000"/>
-          </a:xfrm>
-          <a:prstGeom prst="rect">
-            <a:avLst/>
-          </a:prstGeom>
-          <a:ln w="0">
-            <a:noFill/>
-          </a:ln>
-        </p:spPr>
-      </p:sp>
-      <p:sp>
-        <p:nvSpPr>
-          <p:cNvPr id="76" name="PlaceHolder 2"/>
+            <a:ext cx="4523040" cy="3392640"/>
+          </a:xfrm>
+          <a:prstGeom prst="rect">
+            <a:avLst/>
+          </a:prstGeom>
+          <a:ln w="0">
+            <a:noFill/>
+          </a:ln>
+        </p:spPr>
+      </p:sp>
+      <p:sp>
+        <p:nvSpPr>
+          <p:cNvPr id="78" name="PlaceHolder 2"/>
           <p:cNvSpPr>
             <a:spLocks noGrp="1"/>
           </p:cNvSpPr>
@@ -363,7 +363,7 @@
         <p:spPr>
           <a:xfrm>
             <a:off x="777960" y="4840200"/>
-            <a:ext cx="6215400" cy="3959640"/>
+            <a:ext cx="6215040" cy="3959280"/>
           </a:xfrm>
           <a:prstGeom prst="rect">
             <a:avLst/>
@@ -386,14 +386,14 @@
       </p:sp>
       <p:sp>
         <p:nvSpPr>
-          <p:cNvPr id="77" name="TextShape 3"/>
+          <p:cNvPr id="79" name="TextShape 3"/>
           <p:cNvSpPr/>
           <p:nvPr/>
         </p:nvSpPr>
         <p:spPr>
           <a:xfrm>
             <a:off x="4402080" y="9553680"/>
-            <a:ext cx="3367440" cy="503640"/>
+            <a:ext cx="3367080" cy="503280"/>
           </a:xfrm>
           <a:prstGeom prst="rect">
             <a:avLst/>
@@ -420,7 +420,7 @@
               </a:lnSpc>
               <a:buNone/>
             </a:pPr>
-            <a:fld id="{81FECB86-C524-470C-BD7A-E5411D2D383F}" type="slidenum">
+            <a:fld id="{601143BF-311A-445E-9B93-C22E461AED84}" type="slidenum">
               <a:rPr b="0" lang="en-US" sz="1200" spc="-1" strike="noStrike">
                 <a:solidFill>
                   <a:srgbClr val="000000"/>
@@ -2035,7 +2035,7 @@
         <p:spPr>
           <a:xfrm>
             <a:off x="-7920" y="601560"/>
-            <a:ext cx="10079640" cy="4250160"/>
+            <a:ext cx="10079280" cy="4249800"/>
           </a:xfrm>
           <a:prstGeom prst="rect">
             <a:avLst/>
@@ -2075,7 +2075,7 @@
         <p:spPr>
           <a:xfrm>
             <a:off x="2039400" y="1411560"/>
-            <a:ext cx="6678360" cy="3022920"/>
+            <a:ext cx="6678000" cy="3022560"/>
           </a:xfrm>
           <a:prstGeom prst="rect">
             <a:avLst/>
@@ -2114,9 +2114,9 @@
         <p:grpSpPr>
           <a:xfrm>
             <a:off x="258120" y="1828800"/>
-            <a:ext cx="1444680" cy="730080"/>
+            <a:ext cx="1444320" cy="729720"/>
             <a:chOff x="258120" y="1828800"/>
-            <a:chExt cx="1444680" cy="730080"/>
+            <a:chExt cx="1444320" cy="729720"/>
           </a:xfrm>
         </p:grpSpPr>
         <p:sp>
@@ -2128,7 +2128,7 @@
           <p:spPr>
             <a:xfrm>
               <a:off x="258120" y="1828800"/>
-              <a:ext cx="1419840" cy="730080"/>
+              <a:ext cx="1419480" cy="729720"/>
             </a:xfrm>
             <a:prstGeom prst="ellipse">
               <a:avLst/>
@@ -2156,7 +2156,7 @@
           <p:spPr>
             <a:xfrm>
               <a:off x="316800" y="2067120"/>
-              <a:ext cx="1386000" cy="314280"/>
+              <a:ext cx="1385640" cy="313920"/>
             </a:xfrm>
             <a:prstGeom prst="rect">
               <a:avLst/>
@@ -2219,9 +2219,9 @@
         <p:grpSpPr>
           <a:xfrm>
             <a:off x="2335680" y="1975680"/>
-            <a:ext cx="1383480" cy="455400"/>
+            <a:ext cx="1383120" cy="455040"/>
             <a:chOff x="2335680" y="1975680"/>
-            <a:chExt cx="1383480" cy="455400"/>
+            <a:chExt cx="1383120" cy="455040"/>
           </a:xfrm>
         </p:grpSpPr>
         <p:sp>
@@ -2233,7 +2233,7 @@
           <p:spPr>
             <a:xfrm>
               <a:off x="2335680" y="1975680"/>
-              <a:ext cx="1383480" cy="455400"/>
+              <a:ext cx="1383120" cy="455040"/>
             </a:xfrm>
             <a:prstGeom prst="rect">
               <a:avLst/>
@@ -2261,7 +2261,7 @@
           <p:spPr>
             <a:xfrm>
               <a:off x="2473920" y="2067120"/>
-              <a:ext cx="1047600" cy="314280"/>
+              <a:ext cx="1047240" cy="313920"/>
             </a:xfrm>
             <a:prstGeom prst="rect">
               <a:avLst/>
@@ -2324,7 +2324,7 @@
         <p:spPr>
           <a:xfrm>
             <a:off x="2464200" y="3520440"/>
-            <a:ext cx="1383480" cy="455400"/>
+            <a:ext cx="1383120" cy="455040"/>
           </a:xfrm>
           <a:prstGeom prst="rect">
             <a:avLst/>
@@ -2352,7 +2352,7 @@
         <p:spPr>
           <a:xfrm>
             <a:off x="2550600" y="3606120"/>
-            <a:ext cx="1231560" cy="319680"/>
+            <a:ext cx="1231200" cy="319320"/>
           </a:xfrm>
           <a:prstGeom prst="rect">
             <a:avLst/>
@@ -2404,9 +2404,9 @@
         <p:grpSpPr>
           <a:xfrm>
             <a:off x="5819400" y="2688840"/>
-            <a:ext cx="1185840" cy="455400"/>
+            <a:ext cx="1185480" cy="455040"/>
             <a:chOff x="5819400" y="2688840"/>
-            <a:chExt cx="1185840" cy="455400"/>
+            <a:chExt cx="1185480" cy="455040"/>
           </a:xfrm>
         </p:grpSpPr>
         <p:sp>
@@ -2418,7 +2418,7 @@
           <p:spPr>
             <a:xfrm>
               <a:off x="5819400" y="2688840"/>
-              <a:ext cx="1185840" cy="455400"/>
+              <a:ext cx="1185480" cy="455040"/>
             </a:xfrm>
             <a:prstGeom prst="rect">
               <a:avLst/>
@@ -2446,7 +2446,7 @@
           <p:spPr>
             <a:xfrm>
               <a:off x="5957640" y="2780280"/>
-              <a:ext cx="1047600" cy="314280"/>
+              <a:ext cx="1047240" cy="313920"/>
             </a:xfrm>
             <a:prstGeom prst="rect">
               <a:avLst/>
@@ -2499,7 +2499,7 @@
         <p:spPr>
           <a:xfrm>
             <a:off x="7296480" y="2612880"/>
-            <a:ext cx="1203840" cy="586080"/>
+            <a:ext cx="1203480" cy="585720"/>
           </a:xfrm>
           <a:prstGeom prst="ellipse">
             <a:avLst/>
@@ -2527,7 +2527,7 @@
         <p:spPr>
           <a:xfrm>
             <a:off x="4772880" y="1522080"/>
-            <a:ext cx="1496520" cy="419040"/>
+            <a:ext cx="1496160" cy="418680"/>
           </a:xfrm>
           <a:prstGeom prst="rect">
             <a:avLst/>
@@ -2579,7 +2579,7 @@
         <p:spPr>
           <a:xfrm>
             <a:off x="4082040" y="2551320"/>
-            <a:ext cx="1461960" cy="729720"/>
+            <a:ext cx="1461600" cy="729360"/>
           </a:xfrm>
           <a:prstGeom prst="ellipse">
             <a:avLst/>
@@ -2607,7 +2607,7 @@
         <p:spPr>
           <a:xfrm>
             <a:off x="4101480" y="2632680"/>
-            <a:ext cx="1464480" cy="314280"/>
+            <a:ext cx="1464120" cy="313920"/>
           </a:xfrm>
           <a:prstGeom prst="rect">
             <a:avLst/>
@@ -2680,7 +2680,7 @@
         <p:spPr>
           <a:xfrm>
             <a:off x="58320" y="3204000"/>
-            <a:ext cx="1735920" cy="1095840"/>
+            <a:ext cx="1735560" cy="1095480"/>
           </a:xfrm>
           <a:prstGeom prst="ellipse">
             <a:avLst/>
@@ -2708,7 +2708,7 @@
         <p:spPr>
           <a:xfrm>
             <a:off x="482040" y="3268080"/>
-            <a:ext cx="924120" cy="314280"/>
+            <a:ext cx="923760" cy="313920"/>
           </a:xfrm>
           <a:prstGeom prst="rect">
             <a:avLst/>
@@ -2760,7 +2760,7 @@
         <p:spPr>
           <a:xfrm>
             <a:off x="510840" y="3614760"/>
-            <a:ext cx="784440" cy="419760"/>
+            <a:ext cx="784080" cy="419400"/>
           </a:xfrm>
           <a:prstGeom prst="ellipse">
             <a:avLst/>
@@ -2788,7 +2788,7 @@
         <p:spPr>
           <a:xfrm>
             <a:off x="650160" y="3671640"/>
-            <a:ext cx="527760" cy="289800"/>
+            <a:ext cx="527400" cy="289440"/>
           </a:xfrm>
           <a:prstGeom prst="rect">
             <a:avLst/>
@@ -2840,7 +2840,7 @@
         <p:spPr>
           <a:xfrm>
             <a:off x="5545440" y="2916720"/>
-            <a:ext cx="272880" cy="360"/>
+            <a:ext cx="272520" cy="360"/>
           </a:xfrm>
           <a:custGeom>
             <a:avLst/>
@@ -2879,7 +2879,7 @@
         <p:spPr>
           <a:xfrm flipV="1">
             <a:off x="7015320" y="2903400"/>
-            <a:ext cx="274680" cy="2520"/>
+            <a:ext cx="274320" cy="2160"/>
           </a:xfrm>
           <a:custGeom>
             <a:avLst/>
@@ -2918,7 +2918,7 @@
         <p:spPr>
           <a:xfrm>
             <a:off x="8916840" y="2679120"/>
-            <a:ext cx="986400" cy="455400"/>
+            <a:ext cx="986040" cy="455040"/>
           </a:xfrm>
           <a:prstGeom prst="rect">
             <a:avLst/>
@@ -2946,7 +2946,7 @@
         <p:spPr>
           <a:xfrm>
             <a:off x="9026280" y="2742120"/>
-            <a:ext cx="839520" cy="314280"/>
+            <a:ext cx="839160" cy="313920"/>
           </a:xfrm>
           <a:prstGeom prst="rect">
             <a:avLst/>
@@ -3007,8 +3007,8 @@
         </p:nvSpPr>
         <p:spPr>
           <a:xfrm flipV="1" rot="16200000">
-            <a:off x="4814640" y="2140200"/>
-            <a:ext cx="11520" cy="1033560"/>
+            <a:off x="4815000" y="2139480"/>
+            <a:ext cx="11160" cy="1033200"/>
           </a:xfrm>
           <a:prstGeom prst="curvedConnector3">
             <a:avLst>
@@ -3045,7 +3045,7 @@
         <p:spPr>
           <a:xfrm>
             <a:off x="8501400" y="2906640"/>
-            <a:ext cx="413640" cy="360"/>
+            <a:ext cx="413280" cy="360"/>
           </a:xfrm>
           <a:custGeom>
             <a:avLst/>
@@ -3093,7 +3093,7 @@
         <p:spPr>
           <a:xfrm>
             <a:off x="1679040" y="2194560"/>
-            <a:ext cx="655560" cy="8640"/>
+            <a:ext cx="655200" cy="8280"/>
           </a:xfrm>
           <a:custGeom>
             <a:avLst/>
@@ -3140,8 +3140,8 @@
         </p:nvSpPr>
         <p:spPr>
           <a:xfrm flipV="1">
-            <a:off x="1795320" y="3747960"/>
-            <a:ext cx="667800" cy="2880"/>
+            <a:off x="1795320" y="3747240"/>
+            <a:ext cx="667440" cy="2520"/>
           </a:xfrm>
           <a:custGeom>
             <a:avLst/>
@@ -3189,7 +3189,7 @@
         <p:spPr>
           <a:xfrm>
             <a:off x="3720240" y="2203920"/>
-            <a:ext cx="380520" cy="585360"/>
+            <a:ext cx="380160" cy="585000"/>
           </a:xfrm>
           <a:custGeom>
             <a:avLst/>
@@ -3236,8 +3236,8 @@
         </p:nvSpPr>
         <p:spPr>
           <a:xfrm flipV="1">
-            <a:off x="3848760" y="3174480"/>
-            <a:ext cx="446400" cy="572400"/>
+            <a:off x="3848760" y="3173760"/>
+            <a:ext cx="446040" cy="572040"/>
           </a:xfrm>
           <a:custGeom>
             <a:avLst/>
@@ -3285,7 +3285,7 @@
         <p:spPr>
           <a:xfrm>
             <a:off x="7626600" y="2778840"/>
-            <a:ext cx="624960" cy="288360"/>
+            <a:ext cx="624600" cy="288000"/>
           </a:xfrm>
           <a:prstGeom prst="rect">
             <a:avLst/>
@@ -3337,7 +3337,7 @@
         <p:spPr>
           <a:xfrm>
             <a:off x="4052880" y="727920"/>
-            <a:ext cx="2339280" cy="419040"/>
+            <a:ext cx="2338920" cy="418680"/>
           </a:xfrm>
           <a:prstGeom prst="rect">
             <a:avLst/>
@@ -3379,6 +3379,102 @@
             </a:endParaRPr>
           </a:p>
         </p:txBody>
+      </p:sp>
+      <p:sp>
+        <p:nvSpPr>
+          <p:cNvPr id="75" name="CustomShape 3"/>
+          <p:cNvSpPr/>
+          <p:nvPr/>
+        </p:nvSpPr>
+        <p:spPr>
+          <a:xfrm flipV="1">
+            <a:off x="5543640" y="2915640"/>
+            <a:ext cx="275760" cy="360"/>
+          </a:xfrm>
+          <a:custGeom>
+            <a:avLst/>
+            <a:gdLst/>
+            <a:ahLst/>
+            <a:rect l="l" t="t" r="r" b="b"/>
+            <a:pathLst>
+              <a:path w="21600" h="21600">
+                <a:moveTo>
+                  <a:pt x="0" y="0"/>
+                </a:moveTo>
+                <a:lnTo>
+                  <a:pt x="21600" y="21600"/>
+                </a:lnTo>
+              </a:path>
+            </a:pathLst>
+          </a:custGeom>
+          <a:noFill/>
+          <a:ln>
+            <a:solidFill>
+              <a:srgbClr val="000000"/>
+            </a:solidFill>
+            <a:tailEnd len="med" type="triangle" w="med"/>
+          </a:ln>
+        </p:spPr>
+        <p:style>
+          <a:lnRef idx="1">
+            <a:schemeClr val="accent1"/>
+          </a:lnRef>
+          <a:fillRef idx="0">
+            <a:schemeClr val="accent1"/>
+          </a:fillRef>
+          <a:effectRef idx="0">
+            <a:schemeClr val="accent1"/>
+          </a:effectRef>
+          <a:fontRef idx="minor"/>
+        </p:style>
+      </p:sp>
+      <p:sp>
+        <p:nvSpPr>
+          <p:cNvPr id="76" name="CustomShape 6"/>
+          <p:cNvSpPr/>
+          <p:nvPr/>
+        </p:nvSpPr>
+        <p:spPr>
+          <a:xfrm flipV="1">
+            <a:off x="7019640" y="2915640"/>
+            <a:ext cx="275760" cy="360"/>
+          </a:xfrm>
+          <a:custGeom>
+            <a:avLst/>
+            <a:gdLst/>
+            <a:ahLst/>
+            <a:rect l="l" t="t" r="r" b="b"/>
+            <a:pathLst>
+              <a:path w="21600" h="21600">
+                <a:moveTo>
+                  <a:pt x="0" y="0"/>
+                </a:moveTo>
+                <a:lnTo>
+                  <a:pt x="21600" y="21600"/>
+                </a:lnTo>
+              </a:path>
+            </a:pathLst>
+          </a:custGeom>
+          <a:noFill/>
+          <a:ln>
+            <a:solidFill>
+              <a:srgbClr val="000000"/>
+            </a:solidFill>
+            <a:tailEnd len="med" type="triangle" w="med"/>
+          </a:ln>
+        </p:spPr>
+        <p:style>
+          <a:lnRef idx="1">
+            <a:schemeClr val="accent1"/>
+          </a:lnRef>
+          <a:fillRef idx="0">
+            <a:schemeClr val="accent1"/>
+          </a:fillRef>
+          <a:effectRef idx="0">
+            <a:schemeClr val="accent1"/>
+          </a:effectRef>
+          <a:fontRef idx="minor"/>
+        </p:style>
       </p:sp>
     </p:spTree>
   </p:cSld>
